--- a/doc/D4_presentation.pptx
+++ b/doc/D4_presentation.pptx
@@ -5,7 +5,7 @@
     <p:sldMasterId id="2147483992" r:id="rId1"/>
   </p:sldMasterIdLst>
   <p:notesMasterIdLst>
-    <p:notesMasterId r:id="rId22"/>
+    <p:notesMasterId r:id="rId24"/>
   </p:notesMasterIdLst>
   <p:sldIdLst>
     <p:sldId id="256" r:id="rId2"/>
@@ -17,17 +17,19 @@
     <p:sldId id="304" r:id="rId8"/>
     <p:sldId id="307" r:id="rId9"/>
     <p:sldId id="305" r:id="rId10"/>
-    <p:sldId id="308" r:id="rId11"/>
-    <p:sldId id="309" r:id="rId12"/>
-    <p:sldId id="313" r:id="rId13"/>
-    <p:sldId id="314" r:id="rId14"/>
-    <p:sldId id="315" r:id="rId15"/>
-    <p:sldId id="316" r:id="rId16"/>
-    <p:sldId id="310" r:id="rId17"/>
-    <p:sldId id="306" r:id="rId18"/>
-    <p:sldId id="302" r:id="rId19"/>
-    <p:sldId id="303" r:id="rId20"/>
-    <p:sldId id="311" r:id="rId21"/>
+    <p:sldId id="317" r:id="rId11"/>
+    <p:sldId id="318" r:id="rId12"/>
+    <p:sldId id="308" r:id="rId13"/>
+    <p:sldId id="309" r:id="rId14"/>
+    <p:sldId id="313" r:id="rId15"/>
+    <p:sldId id="314" r:id="rId16"/>
+    <p:sldId id="315" r:id="rId17"/>
+    <p:sldId id="316" r:id="rId18"/>
+    <p:sldId id="310" r:id="rId19"/>
+    <p:sldId id="306" r:id="rId20"/>
+    <p:sldId id="302" r:id="rId21"/>
+    <p:sldId id="303" r:id="rId22"/>
+    <p:sldId id="311" r:id="rId23"/>
   </p:sldIdLst>
   <p:sldSz cx="12192000" cy="6858000"/>
   <p:notesSz cx="6858000" cy="9144000"/>
@@ -216,7 +218,7 @@
           <a:p>
             <a:fld id="{9A0D9DA0-D7DA-4183-84DC-AA8105A910F4}" type="datetimeFigureOut">
               <a:rPr lang="en-US" smtClean="0"/>
-              <a:t>6/2/2020</a:t>
+              <a:t>6/3/2020</a:t>
             </a:fld>
             <a:endParaRPr lang="en-US"/>
           </a:p>
@@ -992,7 +994,7 @@
           <a:p>
             <a:fld id="{A2CC582E-73C2-49E4-831A-F39A76F8650E}" type="slidenum">
               <a:rPr lang="en-US" smtClean="0"/>
-              <a:t>14</a:t>
+              <a:t>16</a:t>
             </a:fld>
             <a:endParaRPr lang="en-US"/>
           </a:p>
@@ -1200,7 +1202,7 @@
             <a:fld id="{B61BEF0D-F0BB-DE4B-95CE-6DB70DBA9567}" type="datetimeFigureOut">
               <a:rPr lang="en-US" smtClean="0"/>
               <a:pPr/>
-              <a:t>6/2/2020</a:t>
+              <a:t>6/3/2020</a:t>
             </a:fld>
             <a:endParaRPr lang="en-US" dirty="0"/>
           </a:p>
@@ -1545,7 +1547,7 @@
             <a:fld id="{B61BEF0D-F0BB-DE4B-95CE-6DB70DBA9567}" type="datetimeFigureOut">
               <a:rPr lang="en-US" smtClean="0"/>
               <a:pPr/>
-              <a:t>6/2/2020</a:t>
+              <a:t>6/3/2020</a:t>
             </a:fld>
             <a:endParaRPr lang="en-US" dirty="0"/>
           </a:p>
@@ -1948,7 +1950,7 @@
             <a:fld id="{B61BEF0D-F0BB-DE4B-95CE-6DB70DBA9567}" type="datetimeFigureOut">
               <a:rPr lang="en-US" smtClean="0"/>
               <a:pPr/>
-              <a:t>6/2/2020</a:t>
+              <a:t>6/3/2020</a:t>
             </a:fld>
             <a:endParaRPr lang="en-US" dirty="0"/>
           </a:p>
@@ -2286,7 +2288,7 @@
             <a:fld id="{B61BEF0D-F0BB-DE4B-95CE-6DB70DBA9567}" type="datetimeFigureOut">
               <a:rPr lang="en-US" smtClean="0"/>
               <a:pPr/>
-              <a:t>6/2/2020</a:t>
+              <a:t>6/3/2020</a:t>
             </a:fld>
             <a:endParaRPr lang="en-US" dirty="0"/>
           </a:p>
@@ -2608,7 +2610,7 @@
             <a:fld id="{B61BEF0D-F0BB-DE4B-95CE-6DB70DBA9567}" type="datetimeFigureOut">
               <a:rPr lang="en-US" smtClean="0"/>
               <a:pPr/>
-              <a:t>6/2/2020</a:t>
+              <a:t>6/3/2020</a:t>
             </a:fld>
             <a:endParaRPr lang="en-US" dirty="0"/>
           </a:p>
@@ -3006,7 +3008,7 @@
             <a:fld id="{B61BEF0D-F0BB-DE4B-95CE-6DB70DBA9567}" type="datetimeFigureOut">
               <a:rPr lang="en-US" smtClean="0"/>
               <a:pPr/>
-              <a:t>6/2/2020</a:t>
+              <a:t>6/3/2020</a:t>
             </a:fld>
             <a:endParaRPr lang="en-US" dirty="0"/>
           </a:p>
@@ -3265,7 +3267,7 @@
             <a:fld id="{B61BEF0D-F0BB-DE4B-95CE-6DB70DBA9567}" type="datetimeFigureOut">
               <a:rPr lang="en-US" smtClean="0"/>
               <a:pPr/>
-              <a:t>6/2/2020</a:t>
+              <a:t>6/3/2020</a:t>
             </a:fld>
             <a:endParaRPr lang="en-US" dirty="0"/>
           </a:p>
@@ -3529,7 +3531,7 @@
             <a:fld id="{B61BEF0D-F0BB-DE4B-95CE-6DB70DBA9567}" type="datetimeFigureOut">
               <a:rPr lang="en-US" smtClean="0"/>
               <a:pPr/>
-              <a:t>6/2/2020</a:t>
+              <a:t>6/3/2020</a:t>
             </a:fld>
             <a:endParaRPr lang="en-US" dirty="0"/>
           </a:p>
@@ -3793,7 +3795,7 @@
             <a:fld id="{B61BEF0D-F0BB-DE4B-95CE-6DB70DBA9567}" type="datetimeFigureOut">
               <a:rPr lang="en-US" smtClean="0"/>
               <a:pPr/>
-              <a:t>6/2/2020</a:t>
+              <a:t>6/3/2020</a:t>
             </a:fld>
             <a:endParaRPr lang="en-US" dirty="0"/>
           </a:p>
@@ -4124,7 +4126,7 @@
             <a:fld id="{B61BEF0D-F0BB-DE4B-95CE-6DB70DBA9567}" type="datetimeFigureOut">
               <a:rPr lang="en-US" smtClean="0"/>
               <a:pPr/>
-              <a:t>6/2/2020</a:t>
+              <a:t>6/3/2020</a:t>
             </a:fld>
             <a:endParaRPr lang="en-US" dirty="0"/>
           </a:p>
@@ -4449,7 +4451,7 @@
             <a:fld id="{B61BEF0D-F0BB-DE4B-95CE-6DB70DBA9567}" type="datetimeFigureOut">
               <a:rPr lang="en-US" smtClean="0"/>
               <a:pPr/>
-              <a:t>6/2/2020</a:t>
+              <a:t>6/3/2020</a:t>
             </a:fld>
             <a:endParaRPr lang="en-US" dirty="0"/>
           </a:p>
@@ -4913,7 +4915,7 @@
             <a:fld id="{B61BEF0D-F0BB-DE4B-95CE-6DB70DBA9567}" type="datetimeFigureOut">
               <a:rPr lang="en-US" smtClean="0"/>
               <a:pPr/>
-              <a:t>6/2/2020</a:t>
+              <a:t>6/3/2020</a:t>
             </a:fld>
             <a:endParaRPr lang="en-US" dirty="0"/>
           </a:p>
@@ -5125,7 +5127,7 @@
             <a:fld id="{B61BEF0D-F0BB-DE4B-95CE-6DB70DBA9567}" type="datetimeFigureOut">
               <a:rPr lang="en-US" smtClean="0"/>
               <a:pPr/>
-              <a:t>6/2/2020</a:t>
+              <a:t>6/3/2020</a:t>
             </a:fld>
             <a:endParaRPr lang="en-US" dirty="0"/>
           </a:p>
@@ -5304,7 +5306,7 @@
             <a:fld id="{B61BEF0D-F0BB-DE4B-95CE-6DB70DBA9567}" type="datetimeFigureOut">
               <a:rPr lang="en-US" smtClean="0"/>
               <a:pPr/>
-              <a:t>6/2/2020</a:t>
+              <a:t>6/3/2020</a:t>
             </a:fld>
             <a:endParaRPr lang="en-US" dirty="0"/>
           </a:p>
@@ -5644,7 +5646,7 @@
             <a:fld id="{B61BEF0D-F0BB-DE4B-95CE-6DB70DBA9567}" type="datetimeFigureOut">
               <a:rPr lang="en-US" smtClean="0"/>
               <a:pPr/>
-              <a:t>6/2/2020</a:t>
+              <a:t>6/3/2020</a:t>
             </a:fld>
             <a:endParaRPr lang="en-US" dirty="0"/>
           </a:p>
@@ -5996,7 +5998,7 @@
             <a:fld id="{B61BEF0D-F0BB-DE4B-95CE-6DB70DBA9567}" type="datetimeFigureOut">
               <a:rPr lang="en-US" smtClean="0"/>
               <a:pPr/>
-              <a:t>6/2/2020</a:t>
+              <a:t>6/3/2020</a:t>
             </a:fld>
             <a:endParaRPr lang="en-US" dirty="0"/>
           </a:p>
@@ -8115,7 +8117,7 @@
             <a:fld id="{B61BEF0D-F0BB-DE4B-95CE-6DB70DBA9567}" type="datetimeFigureOut">
               <a:rPr lang="en-US" smtClean="0"/>
               <a:pPr/>
-              <a:t>6/2/2020</a:t>
+              <a:t>6/3/2020</a:t>
             </a:fld>
             <a:endParaRPr lang="en-US" dirty="0"/>
           </a:p>
@@ -8748,6 +8750,336 @@
           <p:cNvPr id="2" name="Title 1">
             <a:extLst>
               <a:ext uri="{FF2B5EF4-FFF2-40B4-BE49-F238E27FC236}">
+                <a16:creationId xmlns:a16="http://schemas.microsoft.com/office/drawing/2014/main" id="{4D7B31C9-515B-4406-B59E-3921002043DB}"/>
+              </a:ext>
+            </a:extLst>
+          </p:cNvPr>
+          <p:cNvSpPr>
+            <a:spLocks noGrp="1"/>
+          </p:cNvSpPr>
+          <p:nvPr>
+            <p:ph type="title"/>
+          </p:nvPr>
+        </p:nvSpPr>
+        <p:spPr/>
+        <p:txBody>
+          <a:bodyPr/>
+          <a:lstStyle/>
+          <a:p>
+            <a:r>
+              <a:rPr lang="en-US" dirty="0"/>
+              <a:t>Ordering Updates: </a:t>
+            </a:r>
+            <a:br>
+              <a:rPr lang="en-US" dirty="0"/>
+            </a:br>
+            <a:r>
+              <a:rPr lang="en-US" dirty="0"/>
+              <a:t>(mildly cherrypicked) example</a:t>
+            </a:r>
+          </a:p>
+        </p:txBody>
+      </p:sp>
+    </p:spTree>
+    <p:extLst>
+      <p:ext uri="{BB962C8B-B14F-4D97-AF65-F5344CB8AC3E}">
+        <p14:creationId xmlns:p14="http://schemas.microsoft.com/office/powerpoint/2010/main" val="1078496230"/>
+      </p:ext>
+    </p:extLst>
+  </p:cSld>
+  <p:clrMapOvr>
+    <a:masterClrMapping/>
+  </p:clrMapOvr>
+</p:sld>
+</file>
+
+<file path=ppt/slides/slide11.xml><?xml version="1.0" encoding="utf-8"?>
+<p:sld xmlns:a="http://schemas.openxmlformats.org/drawingml/2006/main" xmlns:r="http://schemas.openxmlformats.org/officeDocument/2006/relationships" xmlns:p="http://schemas.openxmlformats.org/presentationml/2006/main">
+  <p:cSld>
+    <p:spTree>
+      <p:nvGrpSpPr>
+        <p:cNvPr id="1" name=""/>
+        <p:cNvGrpSpPr/>
+        <p:nvPr/>
+      </p:nvGrpSpPr>
+      <p:grpSpPr>
+        <a:xfrm>
+          <a:off x="0" y="0"/>
+          <a:ext cx="0" cy="0"/>
+          <a:chOff x="0" y="0"/>
+          <a:chExt cx="0" cy="0"/>
+        </a:xfrm>
+      </p:grpSpPr>
+      <p:sp>
+        <p:nvSpPr>
+          <p:cNvPr id="2" name="Title 1">
+            <a:extLst>
+              <a:ext uri="{FF2B5EF4-FFF2-40B4-BE49-F238E27FC236}">
+                <a16:creationId xmlns:a16="http://schemas.microsoft.com/office/drawing/2014/main" id="{B3AEC41C-4EE0-4744-A3DA-5A7DA7E7CCFB}"/>
+              </a:ext>
+            </a:extLst>
+          </p:cNvPr>
+          <p:cNvSpPr>
+            <a:spLocks noGrp="1"/>
+          </p:cNvSpPr>
+          <p:nvPr>
+            <p:ph type="title"/>
+          </p:nvPr>
+        </p:nvSpPr>
+        <p:spPr/>
+        <p:txBody>
+          <a:bodyPr/>
+          <a:lstStyle/>
+          <a:p>
+            <a:r>
+              <a:rPr lang="en-US" dirty="0"/>
+              <a:t>Ordering Updates: </a:t>
+            </a:r>
+            <a:br>
+              <a:rPr lang="en-US" dirty="0"/>
+            </a:br>
+            <a:r>
+              <a:rPr lang="en-US" dirty="0"/>
+              <a:t>(mildly cherrypicked) example</a:t>
+            </a:r>
+          </a:p>
+        </p:txBody>
+      </p:sp>
+      <p:sp>
+        <p:nvSpPr>
+          <p:cNvPr id="3" name="Text Placeholder 2">
+            <a:extLst>
+              <a:ext uri="{FF2B5EF4-FFF2-40B4-BE49-F238E27FC236}">
+                <a16:creationId xmlns:a16="http://schemas.microsoft.com/office/drawing/2014/main" id="{10E7B665-0A99-46B6-B7C4-5B988D140ED5}"/>
+              </a:ext>
+            </a:extLst>
+          </p:cNvPr>
+          <p:cNvSpPr>
+            <a:spLocks noGrp="1"/>
+          </p:cNvSpPr>
+          <p:nvPr>
+            <p:ph type="body" idx="1"/>
+          </p:nvPr>
+        </p:nvSpPr>
+        <p:spPr/>
+        <p:txBody>
+          <a:bodyPr/>
+          <a:lstStyle/>
+          <a:p>
+            <a:r>
+              <a:rPr lang="en-US" dirty="0"/>
+              <a:t>D3 Ordering</a:t>
+            </a:r>
+          </a:p>
+        </p:txBody>
+      </p:sp>
+      <p:sp>
+        <p:nvSpPr>
+          <p:cNvPr id="4" name="Content Placeholder 3">
+            <a:extLst>
+              <a:ext uri="{FF2B5EF4-FFF2-40B4-BE49-F238E27FC236}">
+                <a16:creationId xmlns:a16="http://schemas.microsoft.com/office/drawing/2014/main" id="{041C3153-E8F0-422F-84CD-09EC4A997A5A}"/>
+              </a:ext>
+            </a:extLst>
+          </p:cNvPr>
+          <p:cNvSpPr>
+            <a:spLocks noGrp="1"/>
+          </p:cNvSpPr>
+          <p:nvPr>
+            <p:ph sz="half" idx="2"/>
+          </p:nvPr>
+        </p:nvSpPr>
+        <p:spPr/>
+        <p:txBody>
+          <a:bodyPr>
+            <a:normAutofit fontScale="77500" lnSpcReduction="20000"/>
+          </a:bodyPr>
+          <a:lstStyle/>
+          <a:p>
+            <a:pPr marL="0" indent="0">
+              <a:buNone/>
+            </a:pPr>
+            <a:r>
+              <a:rPr lang="en-US" dirty="0"/>
+              <a:t>The destination is Medan, capital of North Sumatra, Indonesia.</a:t>
+            </a:r>
+          </a:p>
+          <a:p>
+            <a:pPr marL="0" indent="0">
+              <a:buNone/>
+            </a:pPr>
+            <a:r>
+              <a:rPr lang="en-US" dirty="0"/>
+              <a:t>The first batch of 100-ton cargoes was airlifted to Colombo, capital of Sri Lanka, Wednesday morning.</a:t>
+            </a:r>
+          </a:p>
+          <a:p>
+            <a:pPr marL="0" indent="0">
+              <a:buNone/>
+            </a:pPr>
+            <a:r>
+              <a:rPr lang="en-US" dirty="0"/>
+              <a:t>The official of the ministry said that at least 476,619 people were refugees, and the figure could increase as there were still many others uncounted by t    he officials.</a:t>
+            </a:r>
+          </a:p>
+          <a:p>
+            <a:pPr marL="0" indent="0">
+              <a:buNone/>
+            </a:pPr>
+            <a:r>
+              <a:rPr lang="en-US" dirty="0"/>
+              <a:t>An extremely powerful earthquake and the tsunami that followed devastated many parts of North Sumatra and Aceh on Dec. 26 last year, killing more than 100    ,000 people there.</a:t>
+            </a:r>
+          </a:p>
+          <a:p>
+            <a:pPr marL="0" indent="0">
+              <a:buNone/>
+            </a:pPr>
+            <a:r>
+              <a:rPr lang="en-US" dirty="0"/>
+              <a:t>Bangladesh has already sent medicines and other relief goods for the tsunami victims in Sri Lanka and the Maldives.</a:t>
+            </a:r>
+          </a:p>
+          <a:p>
+            <a:endParaRPr lang="en-US" dirty="0"/>
+          </a:p>
+        </p:txBody>
+      </p:sp>
+      <p:sp>
+        <p:nvSpPr>
+          <p:cNvPr id="5" name="Text Placeholder 4">
+            <a:extLst>
+              <a:ext uri="{FF2B5EF4-FFF2-40B4-BE49-F238E27FC236}">
+                <a16:creationId xmlns:a16="http://schemas.microsoft.com/office/drawing/2014/main" id="{6899BD3E-BFF8-4F53-875E-E7E462F0E231}"/>
+              </a:ext>
+            </a:extLst>
+          </p:cNvPr>
+          <p:cNvSpPr>
+            <a:spLocks noGrp="1"/>
+          </p:cNvSpPr>
+          <p:nvPr>
+            <p:ph type="body" sz="quarter" idx="3"/>
+          </p:nvPr>
+        </p:nvSpPr>
+        <p:spPr/>
+        <p:txBody>
+          <a:bodyPr/>
+          <a:lstStyle/>
+          <a:p>
+            <a:r>
+              <a:rPr lang="en-US" dirty="0"/>
+              <a:t>D4 Ordering</a:t>
+            </a:r>
+          </a:p>
+        </p:txBody>
+      </p:sp>
+      <p:sp>
+        <p:nvSpPr>
+          <p:cNvPr id="6" name="Content Placeholder 5">
+            <a:extLst>
+              <a:ext uri="{FF2B5EF4-FFF2-40B4-BE49-F238E27FC236}">
+                <a16:creationId xmlns:a16="http://schemas.microsoft.com/office/drawing/2014/main" id="{53CED3D2-B4C0-4E47-A6DB-17F5E4BBD353}"/>
+              </a:ext>
+            </a:extLst>
+          </p:cNvPr>
+          <p:cNvSpPr>
+            <a:spLocks noGrp="1"/>
+          </p:cNvSpPr>
+          <p:nvPr>
+            <p:ph sz="quarter" idx="4"/>
+          </p:nvPr>
+        </p:nvSpPr>
+        <p:spPr/>
+        <p:txBody>
+          <a:bodyPr>
+            <a:normAutofit fontScale="77500" lnSpcReduction="20000"/>
+          </a:bodyPr>
+          <a:lstStyle/>
+          <a:p>
+            <a:pPr marL="0" indent="0">
+              <a:buNone/>
+            </a:pPr>
+            <a:r>
+              <a:rPr lang="en-US" dirty="0"/>
+              <a:t>An extremely powerful earthquake and the tsunami that followed devastated many parts of North Sumatra and Aceh on Dec. 26 last year, killing more than 100    ,000 people there.</a:t>
+            </a:r>
+          </a:p>
+          <a:p>
+            <a:pPr marL="0" indent="0">
+              <a:buNone/>
+            </a:pPr>
+            <a:r>
+              <a:rPr lang="en-US" dirty="0"/>
+              <a:t>Bangladesh has already sent medicines and other relief goods for the tsunami victims in Sri Lanka and the Maldives.</a:t>
+            </a:r>
+          </a:p>
+          <a:p>
+            <a:pPr marL="0" indent="0">
+              <a:buNone/>
+            </a:pPr>
+            <a:r>
+              <a:rPr lang="en-US" dirty="0"/>
+              <a:t>The official of the ministry said that at least 476,619 people were refugees, and the figure could increase as there were still many others uncounted by t    he officials.</a:t>
+            </a:r>
+          </a:p>
+          <a:p>
+            <a:pPr marL="0" indent="0">
+              <a:buNone/>
+            </a:pPr>
+            <a:r>
+              <a:rPr lang="en-US" dirty="0"/>
+              <a:t>The destination is Medan, capital of North Sumatra, Indonesia.</a:t>
+            </a:r>
+          </a:p>
+          <a:p>
+            <a:pPr marL="0" indent="0">
+              <a:buNone/>
+            </a:pPr>
+            <a:r>
+              <a:rPr lang="en-US" dirty="0"/>
+              <a:t>The first batch of 100-ton cargoes was airlifted to Colombo, capital of Sri Lanka, Wednesday morning.</a:t>
+            </a:r>
+          </a:p>
+          <a:p>
+            <a:endParaRPr lang="en-US" dirty="0"/>
+          </a:p>
+        </p:txBody>
+      </p:sp>
+    </p:spTree>
+    <p:extLst>
+      <p:ext uri="{BB962C8B-B14F-4D97-AF65-F5344CB8AC3E}">
+        <p14:creationId xmlns:p14="http://schemas.microsoft.com/office/powerpoint/2010/main" val="809115945"/>
+      </p:ext>
+    </p:extLst>
+  </p:cSld>
+  <p:clrMapOvr>
+    <a:masterClrMapping/>
+  </p:clrMapOvr>
+</p:sld>
+</file>
+
+<file path=ppt/slides/slide12.xml><?xml version="1.0" encoding="utf-8"?>
+<p:sld xmlns:a="http://schemas.openxmlformats.org/drawingml/2006/main" xmlns:r="http://schemas.openxmlformats.org/officeDocument/2006/relationships" xmlns:p="http://schemas.openxmlformats.org/presentationml/2006/main">
+  <p:cSld>
+    <p:spTree>
+      <p:nvGrpSpPr>
+        <p:cNvPr id="1" name=""/>
+        <p:cNvGrpSpPr/>
+        <p:nvPr/>
+      </p:nvGrpSpPr>
+      <p:grpSpPr>
+        <a:xfrm>
+          <a:off x="0" y="0"/>
+          <a:ext cx="0" cy="0"/>
+          <a:chOff x="0" y="0"/>
+          <a:chExt cx="0" cy="0"/>
+        </a:xfrm>
+      </p:grpSpPr>
+      <p:sp>
+        <p:nvSpPr>
+          <p:cNvPr id="2" name="Title 1">
+            <a:extLst>
+              <a:ext uri="{FF2B5EF4-FFF2-40B4-BE49-F238E27FC236}">
                 <a16:creationId xmlns:a16="http://schemas.microsoft.com/office/drawing/2014/main" id="{83E68D61-ED96-4416-B883-7645653AEE46}"/>
               </a:ext>
             </a:extLst>
@@ -9387,7 +9719,7 @@
 </p:sld>
 </file>
 
-<file path=ppt/slides/slide11.xml><?xml version="1.0" encoding="utf-8"?>
+<file path=ppt/slides/slide13.xml><?xml version="1.0" encoding="utf-8"?>
 <p:sld xmlns:a="http://schemas.openxmlformats.org/drawingml/2006/main" xmlns:r="http://schemas.openxmlformats.org/officeDocument/2006/relationships" xmlns:p="http://schemas.openxmlformats.org/presentationml/2006/main">
   <p:cSld>
     <p:spTree>
@@ -9566,7 +9898,7 @@
 </p:sld>
 </file>
 
-<file path=ppt/slides/slide12.xml><?xml version="1.0" encoding="utf-8"?>
+<file path=ppt/slides/slide14.xml><?xml version="1.0" encoding="utf-8"?>
 <p:sld xmlns:a="http://schemas.openxmlformats.org/drawingml/2006/main" xmlns:r="http://schemas.openxmlformats.org/officeDocument/2006/relationships" xmlns:p="http://schemas.openxmlformats.org/presentationml/2006/main">
   <p:cSld>
     <p:spTree>
@@ -9737,7 +10069,7 @@
 </p:sld>
 </file>
 
-<file path=ppt/slides/slide13.xml><?xml version="1.0" encoding="utf-8"?>
+<file path=ppt/slides/slide15.xml><?xml version="1.0" encoding="utf-8"?>
 <p:sld xmlns:a="http://schemas.openxmlformats.org/drawingml/2006/main" xmlns:r="http://schemas.openxmlformats.org/officeDocument/2006/relationships" xmlns:p="http://schemas.openxmlformats.org/presentationml/2006/main">
   <p:cSld>
     <p:spTree>
@@ -10169,377 +10501,6 @@
 </p:sld>
 </file>
 
-<file path=ppt/slides/slide14.xml><?xml version="1.0" encoding="utf-8"?>
-<p:sld xmlns:a="http://schemas.openxmlformats.org/drawingml/2006/main" xmlns:r="http://schemas.openxmlformats.org/officeDocument/2006/relationships" xmlns:p="http://schemas.openxmlformats.org/presentationml/2006/main">
-  <p:cSld>
-    <p:spTree>
-      <p:nvGrpSpPr>
-        <p:cNvPr id="1" name=""/>
-        <p:cNvGrpSpPr/>
-        <p:nvPr/>
-      </p:nvGrpSpPr>
-      <p:grpSpPr>
-        <a:xfrm>
-          <a:off x="0" y="0"/>
-          <a:ext cx="0" cy="0"/>
-          <a:chOff x="0" y="0"/>
-          <a:chExt cx="0" cy="0"/>
-        </a:xfrm>
-      </p:grpSpPr>
-      <p:sp>
-        <p:nvSpPr>
-          <p:cNvPr id="2" name="Title 1">
-            <a:extLst>
-              <a:ext uri="{FF2B5EF4-FFF2-40B4-BE49-F238E27FC236}">
-                <a16:creationId xmlns:a16="http://schemas.microsoft.com/office/drawing/2014/main" id="{97930522-46CE-415C-95C0-C15E14AFAE6C}"/>
-              </a:ext>
-            </a:extLst>
-          </p:cNvPr>
-          <p:cNvSpPr>
-            <a:spLocks noGrp="1"/>
-          </p:cNvSpPr>
-          <p:nvPr>
-            <p:ph type="title"/>
-          </p:nvPr>
-        </p:nvSpPr>
-        <p:spPr/>
-        <p:txBody>
-          <a:bodyPr/>
-          <a:lstStyle/>
-          <a:p>
-            <a:r>
-              <a:rPr lang="en-US" dirty="0"/>
-              <a:t>Error Analysis</a:t>
-            </a:r>
-          </a:p>
-        </p:txBody>
-      </p:sp>
-      <p:sp>
-        <p:nvSpPr>
-          <p:cNvPr id="3" name="Content Placeholder 2">
-            <a:extLst>
-              <a:ext uri="{FF2B5EF4-FFF2-40B4-BE49-F238E27FC236}">
-                <a16:creationId xmlns:a16="http://schemas.microsoft.com/office/drawing/2014/main" id="{3622F0C1-F0AF-4BFD-8392-3F63F4F3A03C}"/>
-              </a:ext>
-            </a:extLst>
-          </p:cNvPr>
-          <p:cNvSpPr>
-            <a:spLocks noGrp="1"/>
-          </p:cNvSpPr>
-          <p:nvPr>
-            <p:ph idx="1"/>
-          </p:nvPr>
-        </p:nvSpPr>
-        <p:spPr>
-          <a:xfrm>
-            <a:off x="2589212" y="1540188"/>
-            <a:ext cx="8915400" cy="5155252"/>
-          </a:xfrm>
-        </p:spPr>
-        <p:txBody>
-          <a:bodyPr>
-            <a:normAutofit fontScale="92500" lnSpcReduction="20000"/>
-          </a:bodyPr>
-          <a:lstStyle/>
-          <a:p>
-            <a:r>
-              <a:rPr lang="en-US" dirty="0"/>
-              <a:t>Worst summary in </a:t>
-            </a:r>
-            <a:r>
-              <a:rPr lang="en-US" dirty="0" err="1"/>
-              <a:t>devtest</a:t>
-            </a:r>
-            <a:r>
-              <a:rPr lang="en-US" dirty="0"/>
-              <a:t>:</a:t>
-            </a:r>
-          </a:p>
-          <a:p>
-            <a:pPr marL="457200" lvl="1" indent="0">
-              <a:buNone/>
-            </a:pPr>
-            <a:r>
-              <a:rPr lang="en-US" dirty="0">
-                <a:solidFill>
-                  <a:srgbClr val="0070C0"/>
-                </a:solidFill>
-              </a:rPr>
-              <a:t>California has more threatened amphibians than any other state, according to Conservation International, accounting for 13 of the nation's 54.</a:t>
-            </a:r>
-          </a:p>
-          <a:p>
-            <a:pPr marL="457200" lvl="1" indent="0">
-              <a:buNone/>
-            </a:pPr>
-            <a:r>
-              <a:rPr lang="en-US" dirty="0">
-                <a:solidFill>
-                  <a:srgbClr val="0070C0"/>
-                </a:solidFill>
-              </a:rPr>
-              <a:t>The findings of more than 500 scientists were included in the first-ever global amphibian assessment, a three-year effort by researchers with IUCN-The World Conservation Union, the Center for Applied Biodiversity Science of Conservation International and NatureServe.</a:t>
-            </a:r>
-          </a:p>
-          <a:p>
-            <a:pPr marL="457200" lvl="1" indent="0">
-              <a:buNone/>
-            </a:pPr>
-            <a:r>
-              <a:rPr lang="en-US" dirty="0">
-                <a:solidFill>
-                  <a:srgbClr val="0070C0"/>
-                </a:solidFill>
-              </a:rPr>
-              <a:t>The survey found that 32 percent of amphibian species face extinction, compared to 12 percent of bird species and 23 percent of mammal species.</a:t>
-            </a:r>
-          </a:p>
-          <a:p>
-            <a:pPr marL="457200" lvl="1" indent="0">
-              <a:buNone/>
-            </a:pPr>
-            <a:r>
-              <a:rPr lang="en-US" dirty="0">
-                <a:solidFill>
-                  <a:srgbClr val="0070C0"/>
-                </a:solidFill>
-              </a:rPr>
-              <a:t>In New England, where native amphibian species aren't endangered, local declines are common.</a:t>
-            </a:r>
-          </a:p>
-          <a:p>
-            <a:r>
-              <a:rPr lang="en-US" dirty="0"/>
-              <a:t>Topic: Threat to frogs</a:t>
-            </a:r>
-          </a:p>
-          <a:p>
-            <a:r>
-              <a:rPr lang="en-US" dirty="0"/>
-              <a:t>Articles all over the place:</a:t>
-            </a:r>
-          </a:p>
-          <a:p>
-            <a:pPr lvl="1"/>
-            <a:r>
-              <a:rPr lang="en-US" dirty="0"/>
-              <a:t>“U.S. mine tries to dig out from under local discontent in Peruvian Andes”</a:t>
-            </a:r>
-          </a:p>
-          <a:p>
-            <a:pPr lvl="1"/>
-            <a:r>
-              <a:rPr lang="en-US" dirty="0"/>
-              <a:t>“Land consolidation benefits people and ecology”’</a:t>
-            </a:r>
-          </a:p>
-          <a:p>
-            <a:pPr lvl="1"/>
-            <a:r>
-              <a:rPr lang="en-US" dirty="0"/>
-              <a:t>“A Third of Amphibian Species Face Extinction, Study Says”</a:t>
-            </a:r>
-          </a:p>
-          <a:p>
-            <a:pPr lvl="1"/>
-            <a:r>
-              <a:rPr lang="en-US" dirty="0"/>
-              <a:t>(Also some actually about frogs)</a:t>
-            </a:r>
-          </a:p>
-          <a:p>
-            <a:r>
-              <a:rPr lang="en-US" dirty="0"/>
-              <a:t>Maybe query would help here?</a:t>
-            </a:r>
-          </a:p>
-        </p:txBody>
-      </p:sp>
-    </p:spTree>
-    <p:extLst>
-      <p:ext uri="{BB962C8B-B14F-4D97-AF65-F5344CB8AC3E}">
-        <p14:creationId xmlns:p14="http://schemas.microsoft.com/office/powerpoint/2010/main" val="49575275"/>
-      </p:ext>
-    </p:extLst>
-  </p:cSld>
-  <p:clrMapOvr>
-    <a:masterClrMapping/>
-  </p:clrMapOvr>
-</p:sld>
-</file>
-
-<file path=ppt/slides/slide15.xml><?xml version="1.0" encoding="utf-8"?>
-<p:sld xmlns:a="http://schemas.openxmlformats.org/drawingml/2006/main" xmlns:r="http://schemas.openxmlformats.org/officeDocument/2006/relationships" xmlns:p="http://schemas.openxmlformats.org/presentationml/2006/main">
-  <p:cSld>
-    <p:spTree>
-      <p:nvGrpSpPr>
-        <p:cNvPr id="1" name=""/>
-        <p:cNvGrpSpPr/>
-        <p:nvPr/>
-      </p:nvGrpSpPr>
-      <p:grpSpPr>
-        <a:xfrm>
-          <a:off x="0" y="0"/>
-          <a:ext cx="0" cy="0"/>
-          <a:chOff x="0" y="0"/>
-          <a:chExt cx="0" cy="0"/>
-        </a:xfrm>
-      </p:grpSpPr>
-      <p:sp>
-        <p:nvSpPr>
-          <p:cNvPr id="2" name="Title 1">
-            <a:extLst>
-              <a:ext uri="{FF2B5EF4-FFF2-40B4-BE49-F238E27FC236}">
-                <a16:creationId xmlns:a16="http://schemas.microsoft.com/office/drawing/2014/main" id="{D14C60C4-6EFD-421B-868A-F795ABEC9AA6}"/>
-              </a:ext>
-            </a:extLst>
-          </p:cNvPr>
-          <p:cNvSpPr>
-            <a:spLocks noGrp="1"/>
-          </p:cNvSpPr>
-          <p:nvPr>
-            <p:ph type="title"/>
-          </p:nvPr>
-        </p:nvSpPr>
-        <p:spPr/>
-        <p:txBody>
-          <a:bodyPr/>
-          <a:lstStyle/>
-          <a:p>
-            <a:r>
-              <a:rPr lang="en-US" dirty="0"/>
-              <a:t>Conclusion</a:t>
-            </a:r>
-          </a:p>
-        </p:txBody>
-      </p:sp>
-      <p:sp>
-        <p:nvSpPr>
-          <p:cNvPr id="3" name="Content Placeholder 2">
-            <a:extLst>
-              <a:ext uri="{FF2B5EF4-FFF2-40B4-BE49-F238E27FC236}">
-                <a16:creationId xmlns:a16="http://schemas.microsoft.com/office/drawing/2014/main" id="{60701DA2-51E6-4B28-8B35-0BF234A7BFC7}"/>
-              </a:ext>
-            </a:extLst>
-          </p:cNvPr>
-          <p:cNvSpPr>
-            <a:spLocks noGrp="1"/>
-          </p:cNvSpPr>
-          <p:nvPr>
-            <p:ph idx="1"/>
-          </p:nvPr>
-        </p:nvSpPr>
-        <p:spPr>
-          <a:xfrm>
-            <a:off x="2589212" y="2133600"/>
-            <a:ext cx="8915400" cy="4297680"/>
-          </a:xfrm>
-        </p:spPr>
-        <p:txBody>
-          <a:bodyPr>
-            <a:normAutofit/>
-          </a:bodyPr>
-          <a:lstStyle/>
-          <a:p>
-            <a:r>
-              <a:rPr lang="en-US" dirty="0"/>
-              <a:t>(Disappointingly?) simple rules work really well</a:t>
-            </a:r>
-          </a:p>
-          <a:p>
-            <a:pPr lvl="1"/>
-            <a:r>
-              <a:rPr lang="en-US" dirty="0"/>
-              <a:t>Clean the data!</a:t>
-            </a:r>
-          </a:p>
-          <a:p>
-            <a:pPr lvl="1"/>
-            <a:r>
-              <a:rPr lang="en-US" dirty="0"/>
-              <a:t>No sentences with quotes</a:t>
-            </a:r>
-          </a:p>
-          <a:p>
-            <a:pPr lvl="1"/>
-            <a:r>
-              <a:rPr lang="en-US" dirty="0"/>
-              <a:t>No sentences with questions</a:t>
-            </a:r>
-          </a:p>
-          <a:p>
-            <a:pPr lvl="1"/>
-            <a:r>
-              <a:rPr lang="en-US" dirty="0"/>
-              <a:t>No sentences starting with pronouns</a:t>
-            </a:r>
-          </a:p>
-          <a:p>
-            <a:pPr lvl="1"/>
-            <a:r>
-              <a:rPr lang="en-US" dirty="0"/>
-              <a:t>Weighted n-gram scores instead of topic-oriented selection</a:t>
-            </a:r>
-          </a:p>
-          <a:p>
-            <a:r>
-              <a:rPr lang="en-US" dirty="0"/>
-              <a:t>Understand the difficulty of evaluating results</a:t>
-            </a:r>
-          </a:p>
-          <a:p>
-            <a:pPr lvl="1"/>
-            <a:r>
-              <a:rPr lang="en-US" dirty="0"/>
-              <a:t>ROUGE-2 R is frustrating… but what would be better?</a:t>
-            </a:r>
-          </a:p>
-          <a:p>
-            <a:r>
-              <a:rPr lang="en-US" dirty="0"/>
-              <a:t>Danger of overfitting </a:t>
-            </a:r>
-          </a:p>
-          <a:p>
-            <a:pPr lvl="1"/>
-            <a:r>
-              <a:rPr lang="en-US" dirty="0"/>
-              <a:t>Our system could be awful for non-news</a:t>
-            </a:r>
-          </a:p>
-          <a:p>
-            <a:pPr lvl="1"/>
-            <a:r>
-              <a:rPr lang="en-US" dirty="0"/>
-              <a:t>However, generalized to </a:t>
-            </a:r>
-            <a:r>
-              <a:rPr lang="en-US" dirty="0" err="1"/>
-              <a:t>evaltest</a:t>
-            </a:r>
-            <a:r>
-              <a:rPr lang="en-US" dirty="0"/>
-              <a:t> pretty well</a:t>
-            </a:r>
-          </a:p>
-          <a:p>
-            <a:endParaRPr lang="en-US" dirty="0"/>
-          </a:p>
-        </p:txBody>
-      </p:sp>
-    </p:spTree>
-    <p:extLst>
-      <p:ext uri="{BB962C8B-B14F-4D97-AF65-F5344CB8AC3E}">
-        <p14:creationId xmlns:p14="http://schemas.microsoft.com/office/powerpoint/2010/main" val="251863326"/>
-      </p:ext>
-    </p:extLst>
-  </p:cSld>
-  <p:clrMapOvr>
-    <a:masterClrMapping/>
-  </p:clrMapOvr>
-</p:sld>
-</file>
-
 <file path=ppt/slides/slide16.xml><?xml version="1.0" encoding="utf-8"?>
 <p:sld xmlns:a="http://schemas.openxmlformats.org/drawingml/2006/main" xmlns:r="http://schemas.openxmlformats.org/officeDocument/2006/relationships" xmlns:p="http://schemas.openxmlformats.org/presentationml/2006/main">
   <p:cSld>
@@ -10562,7 +10523,7 @@
           <p:cNvPr id="2" name="Title 1">
             <a:extLst>
               <a:ext uri="{FF2B5EF4-FFF2-40B4-BE49-F238E27FC236}">
-                <a16:creationId xmlns:a16="http://schemas.microsoft.com/office/drawing/2014/main" id="{83E68D61-ED96-4416-B883-7645653AEE46}"/>
+                <a16:creationId xmlns:a16="http://schemas.microsoft.com/office/drawing/2014/main" id="{97930522-46CE-415C-95C0-C15E14AFAE6C}"/>
               </a:ext>
             </a:extLst>
           </p:cNvPr>
@@ -10580,7 +10541,7 @@
           <a:p>
             <a:r>
               <a:rPr lang="en-US" dirty="0"/>
-              <a:t>Related Reading</a:t>
+              <a:t>Error Analysis</a:t>
             </a:r>
           </a:p>
         </p:txBody>
@@ -10590,7 +10551,7 @@
           <p:cNvPr id="3" name="Content Placeholder 2">
             <a:extLst>
               <a:ext uri="{FF2B5EF4-FFF2-40B4-BE49-F238E27FC236}">
-                <a16:creationId xmlns:a16="http://schemas.microsoft.com/office/drawing/2014/main" id="{E4E6DCE7-6F93-4C89-9547-9D68557286BB}"/>
+                <a16:creationId xmlns:a16="http://schemas.microsoft.com/office/drawing/2014/main" id="{3622F0C1-F0AF-4BFD-8392-3F63F4F3A03C}"/>
               </a:ext>
             </a:extLst>
           </p:cNvPr>
@@ -10601,19 +10562,135 @@
             <p:ph idx="1"/>
           </p:nvPr>
         </p:nvSpPr>
-        <p:spPr/>
-        <p:txBody>
-          <a:bodyPr/>
-          <a:lstStyle/>
-          <a:p>
-            <a:endParaRPr lang="en-US"/>
+        <p:spPr>
+          <a:xfrm>
+            <a:off x="2589212" y="1540188"/>
+            <a:ext cx="8915400" cy="5155252"/>
+          </a:xfrm>
+        </p:spPr>
+        <p:txBody>
+          <a:bodyPr>
+            <a:normAutofit fontScale="92500" lnSpcReduction="20000"/>
+          </a:bodyPr>
+          <a:lstStyle/>
+          <a:p>
+            <a:r>
+              <a:rPr lang="en-US" dirty="0"/>
+              <a:t>Worst summary in </a:t>
+            </a:r>
+            <a:r>
+              <a:rPr lang="en-US" dirty="0" err="1"/>
+              <a:t>devtest</a:t>
+            </a:r>
+            <a:r>
+              <a:rPr lang="en-US" dirty="0"/>
+              <a:t>:</a:t>
+            </a:r>
+          </a:p>
+          <a:p>
+            <a:pPr marL="457200" lvl="1" indent="0">
+              <a:buNone/>
+            </a:pPr>
+            <a:r>
+              <a:rPr lang="en-US" dirty="0">
+                <a:solidFill>
+                  <a:srgbClr val="0070C0"/>
+                </a:solidFill>
+              </a:rPr>
+              <a:t>California has more threatened amphibians than any other state, according to Conservation International, accounting for 13 of the nation's 54.</a:t>
+            </a:r>
+          </a:p>
+          <a:p>
+            <a:pPr marL="457200" lvl="1" indent="0">
+              <a:buNone/>
+            </a:pPr>
+            <a:r>
+              <a:rPr lang="en-US" dirty="0">
+                <a:solidFill>
+                  <a:srgbClr val="0070C0"/>
+                </a:solidFill>
+              </a:rPr>
+              <a:t>The findings of more than 500 scientists were included in the first-ever global amphibian assessment, a three-year effort by researchers with IUCN-The World Conservation Union, the Center for Applied Biodiversity Science of Conservation International and NatureServe.</a:t>
+            </a:r>
+          </a:p>
+          <a:p>
+            <a:pPr marL="457200" lvl="1" indent="0">
+              <a:buNone/>
+            </a:pPr>
+            <a:r>
+              <a:rPr lang="en-US" dirty="0">
+                <a:solidFill>
+                  <a:srgbClr val="0070C0"/>
+                </a:solidFill>
+              </a:rPr>
+              <a:t>The survey found that 32 percent of amphibian species face extinction, compared to 12 percent of bird species and 23 percent of mammal species.</a:t>
+            </a:r>
+          </a:p>
+          <a:p>
+            <a:pPr marL="457200" lvl="1" indent="0">
+              <a:buNone/>
+            </a:pPr>
+            <a:r>
+              <a:rPr lang="en-US" dirty="0">
+                <a:solidFill>
+                  <a:srgbClr val="0070C0"/>
+                </a:solidFill>
+              </a:rPr>
+              <a:t>In New England, where native amphibian species aren't endangered, local declines are common.</a:t>
+            </a:r>
+          </a:p>
+          <a:p>
+            <a:r>
+              <a:rPr lang="en-US" dirty="0"/>
+              <a:t>Topic: Threat to frogs</a:t>
+            </a:r>
+          </a:p>
+          <a:p>
+            <a:r>
+              <a:rPr lang="en-US" dirty="0"/>
+              <a:t>Articles all over the place:</a:t>
+            </a:r>
+          </a:p>
+          <a:p>
+            <a:pPr lvl="1"/>
+            <a:r>
+              <a:rPr lang="en-US" dirty="0"/>
+              <a:t>“U.S. mine tries to dig out from under local discontent in Peruvian Andes”</a:t>
+            </a:r>
+          </a:p>
+          <a:p>
+            <a:pPr lvl="1"/>
+            <a:r>
+              <a:rPr lang="en-US" dirty="0"/>
+              <a:t>“Land consolidation benefits people and ecology”’</a:t>
+            </a:r>
+          </a:p>
+          <a:p>
+            <a:pPr lvl="1"/>
+            <a:r>
+              <a:rPr lang="en-US" dirty="0"/>
+              <a:t>“A Third of Amphibian Species Face Extinction, Study Says”</a:t>
+            </a:r>
+          </a:p>
+          <a:p>
+            <a:pPr lvl="1"/>
+            <a:r>
+              <a:rPr lang="en-US" dirty="0"/>
+              <a:t>(Also some actually about frogs)</a:t>
+            </a:r>
+          </a:p>
+          <a:p>
+            <a:r>
+              <a:rPr lang="en-US" dirty="0"/>
+              <a:t>Maybe query would help here?</a:t>
+            </a:r>
           </a:p>
         </p:txBody>
       </p:sp>
     </p:spTree>
     <p:extLst>
       <p:ext uri="{BB962C8B-B14F-4D97-AF65-F5344CB8AC3E}">
-        <p14:creationId xmlns:p14="http://schemas.microsoft.com/office/powerpoint/2010/main" val="2009909376"/>
+        <p14:creationId xmlns:p14="http://schemas.microsoft.com/office/powerpoint/2010/main" val="49575275"/>
       </p:ext>
     </p:extLst>
   </p:cSld>
@@ -10645,7 +10722,7 @@
           <p:cNvPr id="2" name="Title 1">
             <a:extLst>
               <a:ext uri="{FF2B5EF4-FFF2-40B4-BE49-F238E27FC236}">
-                <a16:creationId xmlns:a16="http://schemas.microsoft.com/office/drawing/2014/main" id="{A43E375F-A7A8-4A2D-AE00-F2318DF567BA}"/>
+                <a16:creationId xmlns:a16="http://schemas.microsoft.com/office/drawing/2014/main" id="{D14C60C4-6EFD-421B-868A-F795ABEC9AA6}"/>
               </a:ext>
             </a:extLst>
           </p:cNvPr>
@@ -10663,7 +10740,7 @@
           <a:p>
             <a:r>
               <a:rPr lang="en-US" dirty="0"/>
-              <a:t>Bad Slides</a:t>
+              <a:t>Conclusion</a:t>
             </a:r>
           </a:p>
         </p:txBody>
@@ -10673,7 +10750,7 @@
           <p:cNvPr id="3" name="Content Placeholder 2">
             <a:extLst>
               <a:ext uri="{FF2B5EF4-FFF2-40B4-BE49-F238E27FC236}">
-                <a16:creationId xmlns:a16="http://schemas.microsoft.com/office/drawing/2014/main" id="{790D3516-4BDC-4AFF-B9AC-2315FB757560}"/>
+                <a16:creationId xmlns:a16="http://schemas.microsoft.com/office/drawing/2014/main" id="{60701DA2-51E6-4B28-8B35-0BF234A7BFC7}"/>
               </a:ext>
             </a:extLst>
           </p:cNvPr>
@@ -10684,19 +10761,108 @@
             <p:ph idx="1"/>
           </p:nvPr>
         </p:nvSpPr>
-        <p:spPr/>
-        <p:txBody>
-          <a:bodyPr/>
-          <a:lstStyle/>
-          <a:p>
-            <a:endParaRPr lang="en-US"/>
+        <p:spPr>
+          <a:xfrm>
+            <a:off x="2589212" y="2133600"/>
+            <a:ext cx="8915400" cy="4297680"/>
+          </a:xfrm>
+        </p:spPr>
+        <p:txBody>
+          <a:bodyPr>
+            <a:normAutofit/>
+          </a:bodyPr>
+          <a:lstStyle/>
+          <a:p>
+            <a:r>
+              <a:rPr lang="en-US" dirty="0"/>
+              <a:t>(Disappointingly?) simple rules work really well</a:t>
+            </a:r>
+          </a:p>
+          <a:p>
+            <a:pPr lvl="1"/>
+            <a:r>
+              <a:rPr lang="en-US" dirty="0"/>
+              <a:t>Clean the data!</a:t>
+            </a:r>
+          </a:p>
+          <a:p>
+            <a:pPr lvl="1"/>
+            <a:r>
+              <a:rPr lang="en-US" dirty="0"/>
+              <a:t>No sentences with quotes</a:t>
+            </a:r>
+          </a:p>
+          <a:p>
+            <a:pPr lvl="1"/>
+            <a:r>
+              <a:rPr lang="en-US" dirty="0"/>
+              <a:t>No sentences with questions</a:t>
+            </a:r>
+          </a:p>
+          <a:p>
+            <a:pPr lvl="1"/>
+            <a:r>
+              <a:rPr lang="en-US" dirty="0"/>
+              <a:t>No sentences starting with pronouns</a:t>
+            </a:r>
+          </a:p>
+          <a:p>
+            <a:pPr lvl="1"/>
+            <a:r>
+              <a:rPr lang="en-US" dirty="0"/>
+              <a:t>Weighted n-gram scores instead of topic-oriented selection</a:t>
+            </a:r>
+          </a:p>
+          <a:p>
+            <a:r>
+              <a:rPr lang="en-US" dirty="0"/>
+              <a:t>Understand the difficulty of evaluating results</a:t>
+            </a:r>
+          </a:p>
+          <a:p>
+            <a:pPr lvl="1"/>
+            <a:r>
+              <a:rPr lang="en-US" dirty="0"/>
+              <a:t>ROUGE-2 R is frustrating… but what would be better?</a:t>
+            </a:r>
+          </a:p>
+          <a:p>
+            <a:r>
+              <a:rPr lang="en-US" dirty="0"/>
+              <a:t>Danger of overfitting </a:t>
+            </a:r>
+          </a:p>
+          <a:p>
+            <a:pPr lvl="1"/>
+            <a:r>
+              <a:rPr lang="en-US" dirty="0"/>
+              <a:t>Our system could be awful for non-news</a:t>
+            </a:r>
+          </a:p>
+          <a:p>
+            <a:pPr lvl="1"/>
+            <a:r>
+              <a:rPr lang="en-US" dirty="0"/>
+              <a:t>However, generalized to </a:t>
+            </a:r>
+            <a:r>
+              <a:rPr lang="en-US" dirty="0" err="1"/>
+              <a:t>evaltest</a:t>
+            </a:r>
+            <a:r>
+              <a:rPr lang="en-US" dirty="0"/>
+              <a:t> pretty well</a:t>
+            </a:r>
+          </a:p>
+          <a:p>
+            <a:endParaRPr lang="en-US" dirty="0"/>
           </a:p>
         </p:txBody>
       </p:sp>
     </p:spTree>
     <p:extLst>
       <p:ext uri="{BB962C8B-B14F-4D97-AF65-F5344CB8AC3E}">
-        <p14:creationId xmlns:p14="http://schemas.microsoft.com/office/powerpoint/2010/main" val="2229649300"/>
+        <p14:creationId xmlns:p14="http://schemas.microsoft.com/office/powerpoint/2010/main" val="251863326"/>
       </p:ext>
     </p:extLst>
   </p:cSld>
@@ -10728,7 +10894,7 @@
           <p:cNvPr id="2" name="Title 1">
             <a:extLst>
               <a:ext uri="{FF2B5EF4-FFF2-40B4-BE49-F238E27FC236}">
-                <a16:creationId xmlns:a16="http://schemas.microsoft.com/office/drawing/2014/main" id="{BE96DB2D-E3BA-4832-9999-CCE880797DF2}"/>
+                <a16:creationId xmlns:a16="http://schemas.microsoft.com/office/drawing/2014/main" id="{83E68D61-ED96-4416-B883-7645653AEE46}"/>
               </a:ext>
             </a:extLst>
           </p:cNvPr>
@@ -10746,7 +10912,7 @@
           <a:p>
             <a:r>
               <a:rPr lang="en-US" dirty="0"/>
-              <a:t>Realization Updates</a:t>
+              <a:t>Related Reading</a:t>
             </a:r>
           </a:p>
         </p:txBody>
@@ -10756,7 +10922,7 @@
           <p:cNvPr id="3" name="Content Placeholder 2">
             <a:extLst>
               <a:ext uri="{FF2B5EF4-FFF2-40B4-BE49-F238E27FC236}">
-                <a16:creationId xmlns:a16="http://schemas.microsoft.com/office/drawing/2014/main" id="{6C539262-E349-4D5D-B6BB-CAAE6B6D423C}"/>
+                <a16:creationId xmlns:a16="http://schemas.microsoft.com/office/drawing/2014/main" id="{E4E6DCE7-6F93-4C89-9547-9D68557286BB}"/>
               </a:ext>
             </a:extLst>
           </p:cNvPr>
@@ -10767,918 +10933,19 @@
             <p:ph idx="1"/>
           </p:nvPr>
         </p:nvSpPr>
-        <p:spPr>
-          <a:xfrm>
-            <a:off x="1295401" y="2556931"/>
-            <a:ext cx="9601196" cy="960476"/>
-          </a:xfrm>
-        </p:spPr>
-        <p:txBody>
-          <a:bodyPr>
-            <a:normAutofit/>
-          </a:bodyPr>
-          <a:lstStyle/>
-          <a:p>
-            <a:r>
-              <a:rPr lang="en-US" dirty="0"/>
-              <a:t>Moved sentence screening into selection</a:t>
-            </a:r>
-          </a:p>
-          <a:p>
-            <a:r>
-              <a:rPr lang="en-US" dirty="0"/>
-              <a:t>Previously:</a:t>
-            </a:r>
-          </a:p>
-        </p:txBody>
-      </p:sp>
-      <p:sp>
-        <p:nvSpPr>
-          <p:cNvPr id="4" name="Rectangle: Rounded Corners 3">
-            <a:extLst>
-              <a:ext uri="{FF2B5EF4-FFF2-40B4-BE49-F238E27FC236}">
-                <a16:creationId xmlns:a16="http://schemas.microsoft.com/office/drawing/2014/main" id="{BE587B96-8172-448C-9360-93597F617912}"/>
-              </a:ext>
-            </a:extLst>
-          </p:cNvPr>
-          <p:cNvSpPr/>
-          <p:nvPr/>
-        </p:nvSpPr>
-        <p:spPr>
-          <a:xfrm>
-            <a:off x="1122681" y="4150360"/>
-            <a:ext cx="1137920" cy="609600"/>
-          </a:xfrm>
-          <a:prstGeom prst="roundRect">
-            <a:avLst/>
-          </a:prstGeom>
-        </p:spPr>
-        <p:style>
-          <a:lnRef idx="1">
-            <a:schemeClr val="accent3"/>
-          </a:lnRef>
-          <a:fillRef idx="2">
-            <a:schemeClr val="accent3"/>
-          </a:fillRef>
-          <a:effectRef idx="1">
-            <a:schemeClr val="accent3"/>
-          </a:effectRef>
-          <a:fontRef idx="minor">
-            <a:schemeClr val="dk1"/>
-          </a:fontRef>
-        </p:style>
-        <p:txBody>
-          <a:bodyPr rtlCol="0" anchor="ctr"/>
-          <a:lstStyle/>
-          <a:p>
-            <a:pPr algn="ctr"/>
-            <a:r>
-              <a:rPr lang="en-US" dirty="0"/>
-              <a:t>Selection</a:t>
-            </a:r>
-          </a:p>
-        </p:txBody>
-      </p:sp>
-      <p:sp>
-        <p:nvSpPr>
-          <p:cNvPr id="6" name="Rectangle: Rounded Corners 5">
-            <a:extLst>
-              <a:ext uri="{FF2B5EF4-FFF2-40B4-BE49-F238E27FC236}">
-                <a16:creationId xmlns:a16="http://schemas.microsoft.com/office/drawing/2014/main" id="{D77740AA-6921-4143-A05E-7259014E71E3}"/>
-              </a:ext>
-            </a:extLst>
-          </p:cNvPr>
-          <p:cNvSpPr/>
-          <p:nvPr/>
-        </p:nvSpPr>
-        <p:spPr>
-          <a:xfrm>
-            <a:off x="2606040" y="4013199"/>
-            <a:ext cx="3215639" cy="1227667"/>
-          </a:xfrm>
-          <a:prstGeom prst="roundRect">
-            <a:avLst/>
-          </a:prstGeom>
-        </p:spPr>
-        <p:style>
-          <a:lnRef idx="2">
-            <a:schemeClr val="accent3"/>
-          </a:lnRef>
-          <a:fillRef idx="1">
-            <a:schemeClr val="lt1"/>
-          </a:fillRef>
-          <a:effectRef idx="0">
-            <a:schemeClr val="accent3"/>
-          </a:effectRef>
-          <a:fontRef idx="minor">
-            <a:schemeClr val="dk1"/>
-          </a:fontRef>
-        </p:style>
-        <p:txBody>
-          <a:bodyPr rtlCol="0" anchor="t"/>
-          <a:lstStyle/>
-          <a:p>
-            <a:pPr algn="ctr"/>
-            <a:endParaRPr lang="en-US" dirty="0"/>
-          </a:p>
-        </p:txBody>
-      </p:sp>
-      <p:sp>
-        <p:nvSpPr>
-          <p:cNvPr id="7" name="Rectangle: Rounded Corners 6">
-            <a:extLst>
-              <a:ext uri="{FF2B5EF4-FFF2-40B4-BE49-F238E27FC236}">
-                <a16:creationId xmlns:a16="http://schemas.microsoft.com/office/drawing/2014/main" id="{25EA4BAB-3B7E-4832-B183-DA27A97F86EA}"/>
-              </a:ext>
-            </a:extLst>
-          </p:cNvPr>
-          <p:cNvSpPr/>
-          <p:nvPr/>
-        </p:nvSpPr>
-        <p:spPr>
-          <a:xfrm>
-            <a:off x="2804159" y="4155439"/>
-            <a:ext cx="2819400" cy="172720"/>
-          </a:xfrm>
-          <a:prstGeom prst="roundRect">
-            <a:avLst/>
-          </a:prstGeom>
-        </p:spPr>
-        <p:style>
-          <a:lnRef idx="2">
-            <a:schemeClr val="accent3"/>
-          </a:lnRef>
-          <a:fillRef idx="1">
-            <a:schemeClr val="lt1"/>
-          </a:fillRef>
-          <a:effectRef idx="0">
-            <a:schemeClr val="accent3"/>
-          </a:effectRef>
-          <a:fontRef idx="minor">
-            <a:schemeClr val="dk1"/>
-          </a:fontRef>
-        </p:style>
-        <p:txBody>
-          <a:bodyPr rtlCol="0" anchor="ctr"/>
-          <a:lstStyle/>
-          <a:p>
-            <a:pPr algn="ctr"/>
-            <a:endParaRPr lang="en-US" dirty="0"/>
-          </a:p>
-        </p:txBody>
-      </p:sp>
-      <p:sp>
-        <p:nvSpPr>
-          <p:cNvPr id="8" name="Rectangle: Rounded Corners 7">
-            <a:extLst>
-              <a:ext uri="{FF2B5EF4-FFF2-40B4-BE49-F238E27FC236}">
-                <a16:creationId xmlns:a16="http://schemas.microsoft.com/office/drawing/2014/main" id="{959E695A-7800-479E-8C70-72BBFB2819AB}"/>
-              </a:ext>
-            </a:extLst>
-          </p:cNvPr>
-          <p:cNvSpPr/>
-          <p:nvPr/>
-        </p:nvSpPr>
-        <p:spPr>
-          <a:xfrm>
-            <a:off x="2804159" y="4363719"/>
-            <a:ext cx="2819400" cy="172720"/>
-          </a:xfrm>
-          <a:prstGeom prst="roundRect">
-            <a:avLst/>
-          </a:prstGeom>
-        </p:spPr>
-        <p:style>
-          <a:lnRef idx="2">
-            <a:schemeClr val="accent3"/>
-          </a:lnRef>
-          <a:fillRef idx="1">
-            <a:schemeClr val="lt1"/>
-          </a:fillRef>
-          <a:effectRef idx="0">
-            <a:schemeClr val="accent3"/>
-          </a:effectRef>
-          <a:fontRef idx="minor">
-            <a:schemeClr val="dk1"/>
-          </a:fontRef>
-        </p:style>
-        <p:txBody>
-          <a:bodyPr rtlCol="0" anchor="ctr"/>
-          <a:lstStyle/>
-          <a:p>
-            <a:pPr algn="ctr"/>
-            <a:endParaRPr lang="en-US" dirty="0"/>
-          </a:p>
-        </p:txBody>
-      </p:sp>
-      <p:sp>
-        <p:nvSpPr>
-          <p:cNvPr id="9" name="Rectangle: Rounded Corners 8">
-            <a:extLst>
-              <a:ext uri="{FF2B5EF4-FFF2-40B4-BE49-F238E27FC236}">
-                <a16:creationId xmlns:a16="http://schemas.microsoft.com/office/drawing/2014/main" id="{57B739D5-C3B7-4D78-AD63-0C18763E0F7D}"/>
-              </a:ext>
-            </a:extLst>
-          </p:cNvPr>
-          <p:cNvSpPr/>
-          <p:nvPr/>
-        </p:nvSpPr>
-        <p:spPr>
-          <a:xfrm>
-            <a:off x="2804159" y="4571999"/>
-            <a:ext cx="2819400" cy="172720"/>
-          </a:xfrm>
-          <a:prstGeom prst="roundRect">
-            <a:avLst/>
-          </a:prstGeom>
-        </p:spPr>
-        <p:style>
-          <a:lnRef idx="2">
-            <a:schemeClr val="accent3"/>
-          </a:lnRef>
-          <a:fillRef idx="1">
-            <a:schemeClr val="lt1"/>
-          </a:fillRef>
-          <a:effectRef idx="0">
-            <a:schemeClr val="accent3"/>
-          </a:effectRef>
-          <a:fontRef idx="minor">
-            <a:schemeClr val="dk1"/>
-          </a:fontRef>
-        </p:style>
-        <p:txBody>
-          <a:bodyPr rtlCol="0" anchor="ctr"/>
-          <a:lstStyle/>
-          <a:p>
-            <a:pPr algn="ctr"/>
-            <a:endParaRPr lang="en-US" dirty="0"/>
-          </a:p>
-        </p:txBody>
-      </p:sp>
-      <p:sp>
-        <p:nvSpPr>
-          <p:cNvPr id="10" name="Rectangle: Rounded Corners 9">
-            <a:extLst>
-              <a:ext uri="{FF2B5EF4-FFF2-40B4-BE49-F238E27FC236}">
-                <a16:creationId xmlns:a16="http://schemas.microsoft.com/office/drawing/2014/main" id="{04051D66-90EA-4C98-9994-DAAE73A356CC}"/>
-              </a:ext>
-            </a:extLst>
-          </p:cNvPr>
-          <p:cNvSpPr/>
-          <p:nvPr/>
-        </p:nvSpPr>
-        <p:spPr>
-          <a:xfrm>
-            <a:off x="2804159" y="4779645"/>
-            <a:ext cx="2819400" cy="172720"/>
-          </a:xfrm>
-          <a:prstGeom prst="roundRect">
-            <a:avLst/>
-          </a:prstGeom>
-        </p:spPr>
-        <p:style>
-          <a:lnRef idx="2">
-            <a:schemeClr val="accent3"/>
-          </a:lnRef>
-          <a:fillRef idx="1">
-            <a:schemeClr val="lt1"/>
-          </a:fillRef>
-          <a:effectRef idx="0">
-            <a:schemeClr val="accent3"/>
-          </a:effectRef>
-          <a:fontRef idx="minor">
-            <a:schemeClr val="dk1"/>
-          </a:fontRef>
-        </p:style>
-        <p:txBody>
-          <a:bodyPr rtlCol="0" anchor="ctr"/>
-          <a:lstStyle/>
-          <a:p>
-            <a:pPr algn="ctr"/>
-            <a:endParaRPr lang="en-US" dirty="0"/>
-          </a:p>
-        </p:txBody>
-      </p:sp>
-      <p:sp>
-        <p:nvSpPr>
-          <p:cNvPr id="11" name="Rectangle: Rounded Corners 10">
-            <a:extLst>
-              <a:ext uri="{FF2B5EF4-FFF2-40B4-BE49-F238E27FC236}">
-                <a16:creationId xmlns:a16="http://schemas.microsoft.com/office/drawing/2014/main" id="{44A6E4F8-1EFE-4B6D-BD29-47046EEA3E07}"/>
-              </a:ext>
-            </a:extLst>
-          </p:cNvPr>
-          <p:cNvSpPr/>
-          <p:nvPr/>
-        </p:nvSpPr>
-        <p:spPr>
-          <a:xfrm>
-            <a:off x="2804159" y="4988984"/>
-            <a:ext cx="2819400" cy="172720"/>
-          </a:xfrm>
-          <a:prstGeom prst="roundRect">
-            <a:avLst/>
-          </a:prstGeom>
-        </p:spPr>
-        <p:style>
-          <a:lnRef idx="2">
-            <a:schemeClr val="accent3"/>
-          </a:lnRef>
-          <a:fillRef idx="1">
-            <a:schemeClr val="lt1"/>
-          </a:fillRef>
-          <a:effectRef idx="0">
-            <a:schemeClr val="accent3"/>
-          </a:effectRef>
-          <a:fontRef idx="minor">
-            <a:schemeClr val="dk1"/>
-          </a:fontRef>
-        </p:style>
-        <p:txBody>
-          <a:bodyPr rtlCol="0" anchor="ctr"/>
-          <a:lstStyle/>
-          <a:p>
-            <a:pPr algn="ctr"/>
-            <a:endParaRPr lang="en-US" dirty="0"/>
-          </a:p>
-        </p:txBody>
-      </p:sp>
-      <p:sp>
-        <p:nvSpPr>
-          <p:cNvPr id="12" name="Flowchart: Manual Operation 11">
-            <a:extLst>
-              <a:ext uri="{FF2B5EF4-FFF2-40B4-BE49-F238E27FC236}">
-                <a16:creationId xmlns:a16="http://schemas.microsoft.com/office/drawing/2014/main" id="{E7F9E45D-A097-4700-9D5B-62660C6E1D22}"/>
-              </a:ext>
-            </a:extLst>
-          </p:cNvPr>
-          <p:cNvSpPr/>
-          <p:nvPr/>
-        </p:nvSpPr>
-        <p:spPr>
-          <a:xfrm rot="16200000">
-            <a:off x="5798818" y="3948005"/>
-            <a:ext cx="1788160" cy="1051560"/>
-          </a:xfrm>
-          <a:prstGeom prst="flowChartManualOperation">
-            <a:avLst/>
-          </a:prstGeom>
-        </p:spPr>
-        <p:style>
-          <a:lnRef idx="1">
-            <a:schemeClr val="accent3"/>
-          </a:lnRef>
-          <a:fillRef idx="2">
-            <a:schemeClr val="accent3"/>
-          </a:fillRef>
-          <a:effectRef idx="1">
-            <a:schemeClr val="accent3"/>
-          </a:effectRef>
-          <a:fontRef idx="minor">
-            <a:schemeClr val="dk1"/>
-          </a:fontRef>
-        </p:style>
-        <p:txBody>
-          <a:bodyPr rtlCol="0" anchor="ctr"/>
-          <a:lstStyle/>
-          <a:p>
-            <a:pPr algn="ctr"/>
-            <a:endParaRPr lang="en-US" dirty="0"/>
-          </a:p>
-        </p:txBody>
-      </p:sp>
-      <p:sp>
-        <p:nvSpPr>
-          <p:cNvPr id="13" name="TextBox 12">
-            <a:extLst>
-              <a:ext uri="{FF2B5EF4-FFF2-40B4-BE49-F238E27FC236}">
-                <a16:creationId xmlns:a16="http://schemas.microsoft.com/office/drawing/2014/main" id="{F759A199-392E-4B12-9262-8997B09F1F00}"/>
-              </a:ext>
-            </a:extLst>
-          </p:cNvPr>
-          <p:cNvSpPr txBox="1"/>
-          <p:nvPr/>
-        </p:nvSpPr>
-        <p:spPr>
-          <a:xfrm>
-            <a:off x="5991858" y="4141779"/>
-            <a:ext cx="1402080" cy="646331"/>
-          </a:xfrm>
-          <a:prstGeom prst="rect">
-            <a:avLst/>
-          </a:prstGeom>
-          <a:noFill/>
-        </p:spPr>
-        <p:txBody>
-          <a:bodyPr wrap="square" rtlCol="0">
-            <a:spAutoFit/>
-          </a:bodyPr>
-          <a:lstStyle/>
-          <a:p>
-            <a:pPr algn="ctr"/>
-            <a:r>
-              <a:rPr lang="en-US" dirty="0"/>
-              <a:t>Realization Screener</a:t>
-            </a:r>
-          </a:p>
-        </p:txBody>
-      </p:sp>
-      <p:sp>
-        <p:nvSpPr>
-          <p:cNvPr id="14" name="Hexagon 13">
-            <a:extLst>
-              <a:ext uri="{FF2B5EF4-FFF2-40B4-BE49-F238E27FC236}">
-                <a16:creationId xmlns:a16="http://schemas.microsoft.com/office/drawing/2014/main" id="{688A2B7E-1A9C-478D-84D0-982ACD2B8B94}"/>
-              </a:ext>
-            </a:extLst>
-          </p:cNvPr>
-          <p:cNvSpPr/>
-          <p:nvPr/>
-        </p:nvSpPr>
-        <p:spPr>
-          <a:xfrm>
-            <a:off x="7739377" y="5240867"/>
-            <a:ext cx="1170943" cy="949961"/>
-          </a:xfrm>
-          <a:prstGeom prst="hexagon">
-            <a:avLst/>
-          </a:prstGeom>
-        </p:spPr>
-        <p:style>
-          <a:lnRef idx="1">
-            <a:schemeClr val="accent4"/>
-          </a:lnRef>
-          <a:fillRef idx="2">
-            <a:schemeClr val="accent4"/>
-          </a:fillRef>
-          <a:effectRef idx="1">
-            <a:schemeClr val="accent4"/>
-          </a:effectRef>
-          <a:fontRef idx="minor">
-            <a:schemeClr val="dk1"/>
-          </a:fontRef>
-        </p:style>
-        <p:txBody>
-          <a:bodyPr rtlCol="0" anchor="t"/>
-          <a:lstStyle/>
-          <a:p>
-            <a:pPr algn="ctr"/>
-            <a:r>
-              <a:rPr lang="en-US" dirty="0"/>
-              <a:t>Rejects</a:t>
-            </a:r>
-          </a:p>
-        </p:txBody>
-      </p:sp>
-      <p:sp>
-        <p:nvSpPr>
-          <p:cNvPr id="15" name="Flowchart: Connector 14">
-            <a:extLst>
-              <a:ext uri="{FF2B5EF4-FFF2-40B4-BE49-F238E27FC236}">
-                <a16:creationId xmlns:a16="http://schemas.microsoft.com/office/drawing/2014/main" id="{43909958-63F3-4886-8EBD-A8411D69F49D}"/>
-              </a:ext>
-            </a:extLst>
-          </p:cNvPr>
-          <p:cNvSpPr/>
-          <p:nvPr/>
-        </p:nvSpPr>
-        <p:spPr>
-          <a:xfrm>
-            <a:off x="7564117" y="3764279"/>
-            <a:ext cx="1549403" cy="1198879"/>
-          </a:xfrm>
-          <a:prstGeom prst="flowChartConnector">
-            <a:avLst/>
-          </a:prstGeom>
-        </p:spPr>
-        <p:style>
-          <a:lnRef idx="1">
-            <a:schemeClr val="accent1"/>
-          </a:lnRef>
-          <a:fillRef idx="2">
-            <a:schemeClr val="accent1"/>
-          </a:fillRef>
-          <a:effectRef idx="1">
-            <a:schemeClr val="accent1"/>
-          </a:effectRef>
-          <a:fontRef idx="minor">
-            <a:schemeClr val="dk1"/>
-          </a:fontRef>
-        </p:style>
-        <p:txBody>
-          <a:bodyPr rtlCol="0" anchor="ctr"/>
-          <a:lstStyle/>
-          <a:p>
-            <a:pPr algn="ctr"/>
-            <a:r>
-              <a:rPr lang="en-US" dirty="0"/>
-              <a:t>Good</a:t>
-            </a:r>
-          </a:p>
-          <a:p>
-            <a:pPr algn="ctr"/>
-            <a:r>
-              <a:rPr lang="en-US" dirty="0"/>
-              <a:t>Sentences</a:t>
-            </a:r>
-          </a:p>
-        </p:txBody>
-      </p:sp>
-      <p:sp>
-        <p:nvSpPr>
-          <p:cNvPr id="16" name="Flowchart: Alternate Process 15">
-            <a:extLst>
-              <a:ext uri="{FF2B5EF4-FFF2-40B4-BE49-F238E27FC236}">
-                <a16:creationId xmlns:a16="http://schemas.microsoft.com/office/drawing/2014/main" id="{8A7AA4F5-4370-4623-818D-A65E8E27BBA0}"/>
-              </a:ext>
-            </a:extLst>
-          </p:cNvPr>
-          <p:cNvSpPr/>
-          <p:nvPr/>
-        </p:nvSpPr>
-        <p:spPr>
-          <a:xfrm>
-            <a:off x="9667239" y="3860800"/>
-            <a:ext cx="1402080" cy="1026162"/>
-          </a:xfrm>
-          <a:prstGeom prst="flowChartAlternateProcess">
-            <a:avLst/>
-          </a:prstGeom>
-        </p:spPr>
-        <p:style>
-          <a:lnRef idx="1">
-            <a:schemeClr val="accent2"/>
-          </a:lnRef>
-          <a:fillRef idx="2">
-            <a:schemeClr val="accent2"/>
-          </a:fillRef>
-          <a:effectRef idx="1">
-            <a:schemeClr val="accent2"/>
-          </a:effectRef>
-          <a:fontRef idx="minor">
-            <a:schemeClr val="dk1"/>
-          </a:fontRef>
-        </p:style>
-        <p:txBody>
-          <a:bodyPr rtlCol="0" anchor="ctr"/>
-          <a:lstStyle/>
-          <a:p>
-            <a:pPr algn="ctr"/>
-            <a:r>
-              <a:rPr lang="en-US" dirty="0"/>
-              <a:t>Final Set</a:t>
-            </a:r>
-          </a:p>
-        </p:txBody>
-      </p:sp>
-      <p:sp>
-        <p:nvSpPr>
-          <p:cNvPr id="17" name="Arrow: Right 16">
-            <a:extLst>
-              <a:ext uri="{FF2B5EF4-FFF2-40B4-BE49-F238E27FC236}">
-                <a16:creationId xmlns:a16="http://schemas.microsoft.com/office/drawing/2014/main" id="{5ABD7DAF-1D11-4096-86D1-307C7360E606}"/>
-              </a:ext>
-            </a:extLst>
-          </p:cNvPr>
-          <p:cNvSpPr/>
-          <p:nvPr/>
-        </p:nvSpPr>
-        <p:spPr>
-          <a:xfrm rot="19001209">
-            <a:off x="8851430" y="5000131"/>
-            <a:ext cx="822327" cy="307518"/>
-          </a:xfrm>
-          <a:prstGeom prst="rightArrow">
-            <a:avLst/>
-          </a:prstGeom>
-        </p:spPr>
-        <p:style>
-          <a:lnRef idx="2">
-            <a:schemeClr val="accent2">
-              <a:shade val="50000"/>
-            </a:schemeClr>
-          </a:lnRef>
-          <a:fillRef idx="1">
-            <a:schemeClr val="accent2"/>
-          </a:fillRef>
-          <a:effectRef idx="0">
-            <a:schemeClr val="accent2"/>
-          </a:effectRef>
-          <a:fontRef idx="minor">
-            <a:schemeClr val="lt1"/>
-          </a:fontRef>
-        </p:style>
-        <p:txBody>
-          <a:bodyPr rtlCol="0" anchor="ctr"/>
-          <a:lstStyle/>
-          <a:p>
-            <a:pPr algn="ctr"/>
-            <a:endParaRPr lang="en-US" dirty="0"/>
-          </a:p>
-        </p:txBody>
-      </p:sp>
-      <p:sp>
-        <p:nvSpPr>
-          <p:cNvPr id="18" name="TextBox 17">
-            <a:extLst>
-              <a:ext uri="{FF2B5EF4-FFF2-40B4-BE49-F238E27FC236}">
-                <a16:creationId xmlns:a16="http://schemas.microsoft.com/office/drawing/2014/main" id="{66713B1A-16EE-489E-8AE3-AB44158C1B05}"/>
-              </a:ext>
-            </a:extLst>
-          </p:cNvPr>
-          <p:cNvSpPr txBox="1"/>
-          <p:nvPr/>
-        </p:nvSpPr>
-        <p:spPr>
-          <a:xfrm rot="18855397">
-            <a:off x="8691880" y="5183198"/>
-            <a:ext cx="1788159" cy="369332"/>
-          </a:xfrm>
-          <a:prstGeom prst="rect">
-            <a:avLst/>
-          </a:prstGeom>
-          <a:noFill/>
-        </p:spPr>
-        <p:txBody>
-          <a:bodyPr wrap="square" rtlCol="0">
-            <a:spAutoFit/>
-          </a:bodyPr>
-          <a:lstStyle/>
-          <a:p>
-            <a:r>
-              <a:rPr lang="en-US" dirty="0">
-                <a:solidFill>
-                  <a:schemeClr val="accent2">
-                    <a:lumMod val="75000"/>
-                  </a:schemeClr>
-                </a:solidFill>
-              </a:rPr>
-              <a:t>Fill Extra Space</a:t>
-            </a:r>
-          </a:p>
-        </p:txBody>
-      </p:sp>
-      <p:sp>
-        <p:nvSpPr>
-          <p:cNvPr id="19" name="Arrow: Right 18">
-            <a:extLst>
-              <a:ext uri="{FF2B5EF4-FFF2-40B4-BE49-F238E27FC236}">
-                <a16:creationId xmlns:a16="http://schemas.microsoft.com/office/drawing/2014/main" id="{3B38FD16-30D9-453A-8DB3-9D0D744171A8}"/>
-              </a:ext>
-            </a:extLst>
-          </p:cNvPr>
-          <p:cNvSpPr/>
-          <p:nvPr/>
-        </p:nvSpPr>
-        <p:spPr>
-          <a:xfrm>
-            <a:off x="9113520" y="4274302"/>
-            <a:ext cx="563879" cy="221940"/>
-          </a:xfrm>
-          <a:prstGeom prst="rightArrow">
-            <a:avLst/>
-          </a:prstGeom>
-        </p:spPr>
-        <p:style>
-          <a:lnRef idx="2">
-            <a:schemeClr val="accent2">
-              <a:shade val="50000"/>
-            </a:schemeClr>
-          </a:lnRef>
-          <a:fillRef idx="1">
-            <a:schemeClr val="accent2"/>
-          </a:fillRef>
-          <a:effectRef idx="0">
-            <a:schemeClr val="accent2"/>
-          </a:effectRef>
-          <a:fontRef idx="minor">
-            <a:schemeClr val="lt1"/>
-          </a:fontRef>
-        </p:style>
-        <p:txBody>
-          <a:bodyPr rtlCol="0" anchor="ctr"/>
-          <a:lstStyle/>
-          <a:p>
-            <a:pPr algn="ctr"/>
+        <p:spPr/>
+        <p:txBody>
+          <a:bodyPr/>
+          <a:lstStyle/>
+          <a:p>
             <a:endParaRPr lang="en-US"/>
-          </a:p>
-        </p:txBody>
-      </p:sp>
-      <p:sp>
-        <p:nvSpPr>
-          <p:cNvPr id="20" name="Arrow: Right 19">
-            <a:extLst>
-              <a:ext uri="{FF2B5EF4-FFF2-40B4-BE49-F238E27FC236}">
-                <a16:creationId xmlns:a16="http://schemas.microsoft.com/office/drawing/2014/main" id="{BDBBECE0-8B0B-4CFF-B509-898C916934C2}"/>
-              </a:ext>
-            </a:extLst>
-          </p:cNvPr>
-          <p:cNvSpPr/>
-          <p:nvPr/>
-        </p:nvSpPr>
-        <p:spPr>
-          <a:xfrm>
-            <a:off x="7231378" y="4363719"/>
-            <a:ext cx="332739" cy="189760"/>
-          </a:xfrm>
-          <a:prstGeom prst="rightArrow">
-            <a:avLst/>
-          </a:prstGeom>
-        </p:spPr>
-        <p:style>
-          <a:lnRef idx="1">
-            <a:schemeClr val="accent1"/>
-          </a:lnRef>
-          <a:fillRef idx="2">
-            <a:schemeClr val="accent1"/>
-          </a:fillRef>
-          <a:effectRef idx="1">
-            <a:schemeClr val="accent1"/>
-          </a:effectRef>
-          <a:fontRef idx="minor">
-            <a:schemeClr val="dk1"/>
-          </a:fontRef>
-        </p:style>
-        <p:txBody>
-          <a:bodyPr rtlCol="0" anchor="ctr"/>
-          <a:lstStyle/>
-          <a:p>
-            <a:pPr algn="ctr"/>
-            <a:endParaRPr lang="en-US"/>
-          </a:p>
-        </p:txBody>
-      </p:sp>
-      <p:sp>
-        <p:nvSpPr>
-          <p:cNvPr id="21" name="Arrow: Right 20">
-            <a:extLst>
-              <a:ext uri="{FF2B5EF4-FFF2-40B4-BE49-F238E27FC236}">
-                <a16:creationId xmlns:a16="http://schemas.microsoft.com/office/drawing/2014/main" id="{5EC0FB01-2D27-49E5-8C84-5C37EEB005E7}"/>
-              </a:ext>
-            </a:extLst>
-          </p:cNvPr>
-          <p:cNvSpPr/>
-          <p:nvPr/>
-        </p:nvSpPr>
-        <p:spPr>
-          <a:xfrm>
-            <a:off x="5853428" y="4397533"/>
-            <a:ext cx="332739" cy="189760"/>
-          </a:xfrm>
-          <a:prstGeom prst="rightArrow">
-            <a:avLst/>
-          </a:prstGeom>
-        </p:spPr>
-        <p:style>
-          <a:lnRef idx="1">
-            <a:schemeClr val="accent3"/>
-          </a:lnRef>
-          <a:fillRef idx="2">
-            <a:schemeClr val="accent3"/>
-          </a:fillRef>
-          <a:effectRef idx="1">
-            <a:schemeClr val="accent3"/>
-          </a:effectRef>
-          <a:fontRef idx="minor">
-            <a:schemeClr val="dk1"/>
-          </a:fontRef>
-        </p:style>
-        <p:txBody>
-          <a:bodyPr rtlCol="0" anchor="ctr"/>
-          <a:lstStyle/>
-          <a:p>
-            <a:pPr algn="ctr"/>
-            <a:endParaRPr lang="en-US"/>
-          </a:p>
-        </p:txBody>
-      </p:sp>
-      <p:sp>
-        <p:nvSpPr>
-          <p:cNvPr id="22" name="Arrow: Right 21">
-            <a:extLst>
-              <a:ext uri="{FF2B5EF4-FFF2-40B4-BE49-F238E27FC236}">
-                <a16:creationId xmlns:a16="http://schemas.microsoft.com/office/drawing/2014/main" id="{CADEE28D-E700-4692-B38B-2F8EC9CF869B}"/>
-              </a:ext>
-            </a:extLst>
-          </p:cNvPr>
-          <p:cNvSpPr/>
-          <p:nvPr/>
-        </p:nvSpPr>
-        <p:spPr>
-          <a:xfrm rot="2616765">
-            <a:off x="7215004" y="4796805"/>
-            <a:ext cx="724642" cy="375017"/>
-          </a:xfrm>
-          <a:prstGeom prst="rightArrow">
-            <a:avLst/>
-          </a:prstGeom>
-        </p:spPr>
-        <p:style>
-          <a:lnRef idx="1">
-            <a:schemeClr val="accent4"/>
-          </a:lnRef>
-          <a:fillRef idx="2">
-            <a:schemeClr val="accent4"/>
-          </a:fillRef>
-          <a:effectRef idx="1">
-            <a:schemeClr val="accent4"/>
-          </a:effectRef>
-          <a:fontRef idx="minor">
-            <a:schemeClr val="dk1"/>
-          </a:fontRef>
-        </p:style>
-        <p:txBody>
-          <a:bodyPr rtlCol="0" anchor="ctr"/>
-          <a:lstStyle/>
-          <a:p>
-            <a:pPr algn="ctr"/>
-            <a:endParaRPr lang="en-US"/>
-          </a:p>
-        </p:txBody>
-      </p:sp>
-      <p:sp>
-        <p:nvSpPr>
-          <p:cNvPr id="23" name="Arrow: Right 22">
-            <a:extLst>
-              <a:ext uri="{FF2B5EF4-FFF2-40B4-BE49-F238E27FC236}">
-                <a16:creationId xmlns:a16="http://schemas.microsoft.com/office/drawing/2014/main" id="{653DA321-F74B-465A-8BB8-3121FBB20E10}"/>
-              </a:ext>
-            </a:extLst>
-          </p:cNvPr>
-          <p:cNvSpPr/>
-          <p:nvPr/>
-        </p:nvSpPr>
-        <p:spPr>
-          <a:xfrm>
-            <a:off x="2289176" y="4378904"/>
-            <a:ext cx="332739" cy="189760"/>
-          </a:xfrm>
-          <a:prstGeom prst="rightArrow">
-            <a:avLst/>
-          </a:prstGeom>
-        </p:spPr>
-        <p:style>
-          <a:lnRef idx="1">
-            <a:schemeClr val="accent3"/>
-          </a:lnRef>
-          <a:fillRef idx="2">
-            <a:schemeClr val="accent3"/>
-          </a:fillRef>
-          <a:effectRef idx="1">
-            <a:schemeClr val="accent3"/>
-          </a:effectRef>
-          <a:fontRef idx="minor">
-            <a:schemeClr val="dk1"/>
-          </a:fontRef>
-        </p:style>
-        <p:txBody>
-          <a:bodyPr rtlCol="0" anchor="ctr"/>
-          <a:lstStyle/>
-          <a:p>
-            <a:pPr algn="ctr"/>
-            <a:endParaRPr lang="en-US"/>
-          </a:p>
-        </p:txBody>
-      </p:sp>
-      <p:sp>
-        <p:nvSpPr>
-          <p:cNvPr id="24" name="TextBox 23">
-            <a:extLst>
-              <a:ext uri="{FF2B5EF4-FFF2-40B4-BE49-F238E27FC236}">
-                <a16:creationId xmlns:a16="http://schemas.microsoft.com/office/drawing/2014/main" id="{D3A6BA43-8976-4C8C-8DF0-EF28F12F8997}"/>
-              </a:ext>
-            </a:extLst>
-          </p:cNvPr>
-          <p:cNvSpPr txBox="1"/>
-          <p:nvPr/>
-        </p:nvSpPr>
-        <p:spPr>
-          <a:xfrm>
-            <a:off x="2804159" y="3554026"/>
-            <a:ext cx="2794635" cy="369332"/>
-          </a:xfrm>
-          <a:prstGeom prst="rect">
-            <a:avLst/>
-          </a:prstGeom>
-          <a:noFill/>
-        </p:spPr>
-        <p:txBody>
-          <a:bodyPr wrap="square" rtlCol="0">
-            <a:spAutoFit/>
-          </a:bodyPr>
-          <a:lstStyle/>
-          <a:p>
-            <a:r>
-              <a:rPr lang="en-US" dirty="0"/>
-              <a:t>5 sentences, 100 words</a:t>
-            </a:r>
           </a:p>
         </p:txBody>
       </p:sp>
     </p:spTree>
     <p:extLst>
       <p:ext uri="{BB962C8B-B14F-4D97-AF65-F5344CB8AC3E}">
-        <p14:creationId xmlns:p14="http://schemas.microsoft.com/office/powerpoint/2010/main" val="2617302940"/>
+        <p14:creationId xmlns:p14="http://schemas.microsoft.com/office/powerpoint/2010/main" val="2009909376"/>
       </p:ext>
     </p:extLst>
   </p:cSld>
@@ -11710,7 +10977,7 @@
           <p:cNvPr id="2" name="Title 1">
             <a:extLst>
               <a:ext uri="{FF2B5EF4-FFF2-40B4-BE49-F238E27FC236}">
-                <a16:creationId xmlns:a16="http://schemas.microsoft.com/office/drawing/2014/main" id="{BE96DB2D-E3BA-4832-9999-CCE880797DF2}"/>
+                <a16:creationId xmlns:a16="http://schemas.microsoft.com/office/drawing/2014/main" id="{A43E375F-A7A8-4A2D-AE00-F2318DF567BA}"/>
               </a:ext>
             </a:extLst>
           </p:cNvPr>
@@ -11728,7 +10995,7 @@
           <a:p>
             <a:r>
               <a:rPr lang="en-US" dirty="0"/>
-              <a:t>Realization Updates</a:t>
+              <a:t>Bad Slides</a:t>
             </a:r>
           </a:p>
         </p:txBody>
@@ -11738,7 +11005,7 @@
           <p:cNvPr id="3" name="Content Placeholder 2">
             <a:extLst>
               <a:ext uri="{FF2B5EF4-FFF2-40B4-BE49-F238E27FC236}">
-                <a16:creationId xmlns:a16="http://schemas.microsoft.com/office/drawing/2014/main" id="{6C539262-E349-4D5D-B6BB-CAAE6B6D423C}"/>
+                <a16:creationId xmlns:a16="http://schemas.microsoft.com/office/drawing/2014/main" id="{790D3516-4BDC-4AFF-B9AC-2315FB757560}"/>
               </a:ext>
             </a:extLst>
           </p:cNvPr>
@@ -11749,427 +11016,11 @@
             <p:ph idx="1"/>
           </p:nvPr>
         </p:nvSpPr>
-        <p:spPr>
-          <a:xfrm>
-            <a:off x="1295401" y="2556931"/>
-            <a:ext cx="9601196" cy="960476"/>
-          </a:xfrm>
-        </p:spPr>
-        <p:txBody>
-          <a:bodyPr>
-            <a:normAutofit/>
-          </a:bodyPr>
-          <a:lstStyle/>
-          <a:p>
-            <a:r>
-              <a:rPr lang="en-US" dirty="0"/>
-              <a:t>Moved sentence screening into selection</a:t>
-            </a:r>
-          </a:p>
-          <a:p>
-            <a:r>
-              <a:rPr lang="en-US" dirty="0"/>
-              <a:t>Now:</a:t>
-            </a:r>
-          </a:p>
-        </p:txBody>
-      </p:sp>
-      <p:sp>
-        <p:nvSpPr>
-          <p:cNvPr id="4" name="Rectangle: Rounded Corners 3">
-            <a:extLst>
-              <a:ext uri="{FF2B5EF4-FFF2-40B4-BE49-F238E27FC236}">
-                <a16:creationId xmlns:a16="http://schemas.microsoft.com/office/drawing/2014/main" id="{BE587B96-8172-448C-9360-93597F617912}"/>
-              </a:ext>
-            </a:extLst>
-          </p:cNvPr>
-          <p:cNvSpPr/>
-          <p:nvPr/>
-        </p:nvSpPr>
-        <p:spPr>
-          <a:xfrm>
-            <a:off x="2799080" y="3865880"/>
-            <a:ext cx="2324101" cy="1854200"/>
-          </a:xfrm>
-          <a:prstGeom prst="roundRect">
-            <a:avLst/>
-          </a:prstGeom>
-        </p:spPr>
-        <p:style>
-          <a:lnRef idx="1">
-            <a:schemeClr val="accent3"/>
-          </a:lnRef>
-          <a:fillRef idx="2">
-            <a:schemeClr val="accent3"/>
-          </a:fillRef>
-          <a:effectRef idx="1">
-            <a:schemeClr val="accent3"/>
-          </a:effectRef>
-          <a:fontRef idx="minor">
-            <a:schemeClr val="dk1"/>
-          </a:fontRef>
-        </p:style>
-        <p:txBody>
-          <a:bodyPr rtlCol="0" anchor="t"/>
-          <a:lstStyle/>
-          <a:p>
-            <a:pPr algn="ctr"/>
-            <a:r>
-              <a:rPr lang="en-US" dirty="0"/>
-              <a:t>Selection</a:t>
-            </a:r>
-          </a:p>
-        </p:txBody>
-      </p:sp>
-      <p:sp>
-        <p:nvSpPr>
-          <p:cNvPr id="25" name="Flowchart: Manual Operation 24">
-            <a:extLst>
-              <a:ext uri="{FF2B5EF4-FFF2-40B4-BE49-F238E27FC236}">
-                <a16:creationId xmlns:a16="http://schemas.microsoft.com/office/drawing/2014/main" id="{9A80DBAD-0E30-4C1D-B2A3-5E9DB1D4A66C}"/>
-              </a:ext>
-            </a:extLst>
-          </p:cNvPr>
-          <p:cNvSpPr/>
-          <p:nvPr/>
-        </p:nvSpPr>
-        <p:spPr>
-          <a:xfrm rot="16200000">
-            <a:off x="3744985" y="4573024"/>
-            <a:ext cx="1303512" cy="858519"/>
-          </a:xfrm>
-          <a:prstGeom prst="flowChartManualOperation">
-            <a:avLst/>
-          </a:prstGeom>
-        </p:spPr>
-        <p:style>
-          <a:lnRef idx="1">
-            <a:schemeClr val="accent3"/>
-          </a:lnRef>
-          <a:fillRef idx="2">
-            <a:schemeClr val="accent3"/>
-          </a:fillRef>
-          <a:effectRef idx="1">
-            <a:schemeClr val="accent3"/>
-          </a:effectRef>
-          <a:fontRef idx="minor">
-            <a:schemeClr val="dk1"/>
-          </a:fontRef>
-        </p:style>
-        <p:txBody>
-          <a:bodyPr rtlCol="0" anchor="ctr"/>
-          <a:lstStyle/>
-          <a:p>
-            <a:pPr algn="ctr"/>
-            <a:endParaRPr lang="en-US" dirty="0"/>
-          </a:p>
-        </p:txBody>
-      </p:sp>
-      <p:sp>
-        <p:nvSpPr>
-          <p:cNvPr id="26" name="TextBox 25">
-            <a:extLst>
-              <a:ext uri="{FF2B5EF4-FFF2-40B4-BE49-F238E27FC236}">
-                <a16:creationId xmlns:a16="http://schemas.microsoft.com/office/drawing/2014/main" id="{3FC41A81-AB6B-45EB-8388-909FECFFA657}"/>
-              </a:ext>
-            </a:extLst>
-          </p:cNvPr>
-          <p:cNvSpPr txBox="1"/>
-          <p:nvPr/>
-        </p:nvSpPr>
-        <p:spPr>
-          <a:xfrm>
-            <a:off x="3721101" y="4792980"/>
-            <a:ext cx="1402080" cy="369332"/>
-          </a:xfrm>
-          <a:prstGeom prst="rect">
-            <a:avLst/>
-          </a:prstGeom>
-          <a:noFill/>
-        </p:spPr>
-        <p:txBody>
-          <a:bodyPr wrap="square" rtlCol="0">
-            <a:spAutoFit/>
-          </a:bodyPr>
-          <a:lstStyle/>
-          <a:p>
-            <a:pPr algn="ctr"/>
-            <a:r>
-              <a:rPr lang="en-US" dirty="0"/>
-              <a:t>Screener</a:t>
-            </a:r>
-          </a:p>
-        </p:txBody>
-      </p:sp>
-      <p:sp>
-        <p:nvSpPr>
-          <p:cNvPr id="5" name="Flowchart: Alternate Process 4">
-            <a:extLst>
-              <a:ext uri="{FF2B5EF4-FFF2-40B4-BE49-F238E27FC236}">
-                <a16:creationId xmlns:a16="http://schemas.microsoft.com/office/drawing/2014/main" id="{5180E533-B126-40D8-B207-FD99F91A6021}"/>
-              </a:ext>
-            </a:extLst>
-          </p:cNvPr>
-          <p:cNvSpPr/>
-          <p:nvPr/>
-        </p:nvSpPr>
-        <p:spPr>
-          <a:xfrm>
-            <a:off x="2387600" y="4526280"/>
-            <a:ext cx="1168401" cy="844976"/>
-          </a:xfrm>
-          <a:prstGeom prst="flowChartAlternateProcess">
-            <a:avLst/>
-          </a:prstGeom>
-        </p:spPr>
-        <p:style>
-          <a:lnRef idx="1">
-            <a:schemeClr val="accent5"/>
-          </a:lnRef>
-          <a:fillRef idx="2">
-            <a:schemeClr val="accent5"/>
-          </a:fillRef>
-          <a:effectRef idx="1">
-            <a:schemeClr val="accent5"/>
-          </a:effectRef>
-          <a:fontRef idx="minor">
-            <a:schemeClr val="dk1"/>
-          </a:fontRef>
-        </p:style>
-        <p:txBody>
-          <a:bodyPr rtlCol="0" anchor="ctr"/>
-          <a:lstStyle/>
-          <a:p>
-            <a:pPr algn="ctr"/>
-            <a:r>
-              <a:rPr lang="en-US" dirty="0"/>
-              <a:t>All Sentences</a:t>
-            </a:r>
-          </a:p>
-        </p:txBody>
-      </p:sp>
-      <p:sp>
-        <p:nvSpPr>
-          <p:cNvPr id="27" name="Arrow: Right 26">
-            <a:extLst>
-              <a:ext uri="{FF2B5EF4-FFF2-40B4-BE49-F238E27FC236}">
-                <a16:creationId xmlns:a16="http://schemas.microsoft.com/office/drawing/2014/main" id="{C4AA01A6-D1B3-472D-9622-2C3CAB582329}"/>
-              </a:ext>
-            </a:extLst>
-          </p:cNvPr>
-          <p:cNvSpPr/>
-          <p:nvPr/>
-        </p:nvSpPr>
-        <p:spPr>
-          <a:xfrm>
-            <a:off x="3572511" y="4837008"/>
-            <a:ext cx="378460" cy="223520"/>
-          </a:xfrm>
-          <a:prstGeom prst="rightArrow">
-            <a:avLst/>
-          </a:prstGeom>
-        </p:spPr>
-        <p:style>
-          <a:lnRef idx="1">
-            <a:schemeClr val="dk1"/>
-          </a:lnRef>
-          <a:fillRef idx="2">
-            <a:schemeClr val="dk1"/>
-          </a:fillRef>
-          <a:effectRef idx="1">
-            <a:schemeClr val="dk1"/>
-          </a:effectRef>
-          <a:fontRef idx="minor">
-            <a:schemeClr val="dk1"/>
-          </a:fontRef>
-        </p:style>
-        <p:txBody>
-          <a:bodyPr rtlCol="0" anchor="ctr"/>
-          <a:lstStyle/>
-          <a:p>
-            <a:pPr algn="ctr"/>
-            <a:endParaRPr lang="en-US"/>
-          </a:p>
-        </p:txBody>
-      </p:sp>
-      <p:sp>
-        <p:nvSpPr>
-          <p:cNvPr id="29" name="Flowchart: Alternate Process 28">
-            <a:extLst>
-              <a:ext uri="{FF2B5EF4-FFF2-40B4-BE49-F238E27FC236}">
-                <a16:creationId xmlns:a16="http://schemas.microsoft.com/office/drawing/2014/main" id="{380504BE-EC10-4FB6-9768-AE26EF3C7B59}"/>
-              </a:ext>
-            </a:extLst>
-          </p:cNvPr>
-          <p:cNvSpPr/>
-          <p:nvPr/>
-        </p:nvSpPr>
-        <p:spPr>
-          <a:xfrm>
-            <a:off x="5590542" y="4404357"/>
-            <a:ext cx="1402080" cy="1026162"/>
-          </a:xfrm>
-          <a:prstGeom prst="flowChartAlternateProcess">
-            <a:avLst/>
-          </a:prstGeom>
-        </p:spPr>
-        <p:style>
-          <a:lnRef idx="1">
-            <a:schemeClr val="accent3"/>
-          </a:lnRef>
-          <a:fillRef idx="2">
-            <a:schemeClr val="accent3"/>
-          </a:fillRef>
-          <a:effectRef idx="1">
-            <a:schemeClr val="accent3"/>
-          </a:effectRef>
-          <a:fontRef idx="minor">
-            <a:schemeClr val="dk1"/>
-          </a:fontRef>
-        </p:style>
-        <p:txBody>
-          <a:bodyPr rtlCol="0" anchor="ctr"/>
-          <a:lstStyle/>
-          <a:p>
-            <a:pPr algn="ctr"/>
-            <a:r>
-              <a:rPr lang="en-US" dirty="0"/>
-              <a:t>Realization</a:t>
-            </a:r>
-          </a:p>
-        </p:txBody>
-      </p:sp>
-      <p:sp>
-        <p:nvSpPr>
-          <p:cNvPr id="30" name="Arrow: Right 29">
-            <a:extLst>
-              <a:ext uri="{FF2B5EF4-FFF2-40B4-BE49-F238E27FC236}">
-                <a16:creationId xmlns:a16="http://schemas.microsoft.com/office/drawing/2014/main" id="{FBFEA770-12CF-4BC8-ACD9-A492D5F96795}"/>
-              </a:ext>
-            </a:extLst>
-          </p:cNvPr>
-          <p:cNvSpPr/>
-          <p:nvPr/>
-        </p:nvSpPr>
-        <p:spPr>
-          <a:xfrm>
-            <a:off x="4890776" y="4792980"/>
-            <a:ext cx="572767" cy="248916"/>
-          </a:xfrm>
-          <a:prstGeom prst="rightArrow">
-            <a:avLst/>
-          </a:prstGeom>
-        </p:spPr>
-        <p:style>
-          <a:lnRef idx="1">
-            <a:schemeClr val="dk1"/>
-          </a:lnRef>
-          <a:fillRef idx="2">
-            <a:schemeClr val="dk1"/>
-          </a:fillRef>
-          <a:effectRef idx="1">
-            <a:schemeClr val="dk1"/>
-          </a:effectRef>
-          <a:fontRef idx="minor">
-            <a:schemeClr val="dk1"/>
-          </a:fontRef>
-        </p:style>
-        <p:txBody>
-          <a:bodyPr rtlCol="0" anchor="ctr"/>
-          <a:lstStyle/>
-          <a:p>
-            <a:pPr algn="ctr"/>
-            <a:endParaRPr lang="en-US"/>
-          </a:p>
-        </p:txBody>
-      </p:sp>
-      <p:sp>
-        <p:nvSpPr>
-          <p:cNvPr id="31" name="Flowchart: Connector 30">
-            <a:extLst>
-              <a:ext uri="{FF2B5EF4-FFF2-40B4-BE49-F238E27FC236}">
-                <a16:creationId xmlns:a16="http://schemas.microsoft.com/office/drawing/2014/main" id="{E6C5F07A-3E29-4D71-AE45-DBFA3FB5D904}"/>
-              </a:ext>
-            </a:extLst>
-          </p:cNvPr>
-          <p:cNvSpPr/>
-          <p:nvPr/>
-        </p:nvSpPr>
-        <p:spPr>
-          <a:xfrm>
-            <a:off x="7459983" y="4349328"/>
-            <a:ext cx="1549403" cy="1198879"/>
-          </a:xfrm>
-          <a:prstGeom prst="flowChartConnector">
-            <a:avLst/>
-          </a:prstGeom>
-        </p:spPr>
-        <p:style>
-          <a:lnRef idx="1">
-            <a:schemeClr val="accent1"/>
-          </a:lnRef>
-          <a:fillRef idx="2">
-            <a:schemeClr val="accent1"/>
-          </a:fillRef>
-          <a:effectRef idx="1">
-            <a:schemeClr val="accent1"/>
-          </a:effectRef>
-          <a:fontRef idx="minor">
-            <a:schemeClr val="dk1"/>
-          </a:fontRef>
-        </p:style>
-        <p:txBody>
-          <a:bodyPr rtlCol="0" anchor="ctr"/>
-          <a:lstStyle/>
-          <a:p>
-            <a:pPr algn="ctr"/>
-            <a:r>
-              <a:rPr lang="en-US" dirty="0"/>
-              <a:t>Final Sentences</a:t>
-            </a:r>
-          </a:p>
-        </p:txBody>
-      </p:sp>
-      <p:sp>
-        <p:nvSpPr>
-          <p:cNvPr id="32" name="Arrow: Right 31">
-            <a:extLst>
-              <a:ext uri="{FF2B5EF4-FFF2-40B4-BE49-F238E27FC236}">
-                <a16:creationId xmlns:a16="http://schemas.microsoft.com/office/drawing/2014/main" id="{83845503-4E15-45F4-BF80-FFA5E897DB1D}"/>
-              </a:ext>
-            </a:extLst>
-          </p:cNvPr>
-          <p:cNvSpPr/>
-          <p:nvPr/>
-        </p:nvSpPr>
-        <p:spPr>
-          <a:xfrm>
-            <a:off x="6939919" y="4844136"/>
-            <a:ext cx="572767" cy="248916"/>
-          </a:xfrm>
-          <a:prstGeom prst="rightArrow">
-            <a:avLst/>
-          </a:prstGeom>
-        </p:spPr>
-        <p:style>
-          <a:lnRef idx="1">
-            <a:schemeClr val="dk1"/>
-          </a:lnRef>
-          <a:fillRef idx="2">
-            <a:schemeClr val="dk1"/>
-          </a:fillRef>
-          <a:effectRef idx="1">
-            <a:schemeClr val="dk1"/>
-          </a:effectRef>
-          <a:fontRef idx="minor">
-            <a:schemeClr val="dk1"/>
-          </a:fontRef>
-        </p:style>
-        <p:txBody>
-          <a:bodyPr rtlCol="0" anchor="ctr"/>
-          <a:lstStyle/>
-          <a:p>
-            <a:pPr algn="ctr"/>
+        <p:spPr/>
+        <p:txBody>
+          <a:bodyPr/>
+          <a:lstStyle/>
+          <a:p>
             <a:endParaRPr lang="en-US"/>
           </a:p>
         </p:txBody>
@@ -12177,7 +11028,7 @@
     </p:spTree>
     <p:extLst>
       <p:ext uri="{BB962C8B-B14F-4D97-AF65-F5344CB8AC3E}">
-        <p14:creationId xmlns:p14="http://schemas.microsoft.com/office/powerpoint/2010/main" val="968706212"/>
+        <p14:creationId xmlns:p14="http://schemas.microsoft.com/office/powerpoint/2010/main" val="2229649300"/>
       </p:ext>
     </p:extLst>
   </p:cSld>
@@ -12318,6 +11169,1487 @@
 </file>
 
 <file path=ppt/slides/slide20.xml><?xml version="1.0" encoding="utf-8"?>
+<p:sld xmlns:a="http://schemas.openxmlformats.org/drawingml/2006/main" xmlns:r="http://schemas.openxmlformats.org/officeDocument/2006/relationships" xmlns:p="http://schemas.openxmlformats.org/presentationml/2006/main">
+  <p:cSld>
+    <p:spTree>
+      <p:nvGrpSpPr>
+        <p:cNvPr id="1" name=""/>
+        <p:cNvGrpSpPr/>
+        <p:nvPr/>
+      </p:nvGrpSpPr>
+      <p:grpSpPr>
+        <a:xfrm>
+          <a:off x="0" y="0"/>
+          <a:ext cx="0" cy="0"/>
+          <a:chOff x="0" y="0"/>
+          <a:chExt cx="0" cy="0"/>
+        </a:xfrm>
+      </p:grpSpPr>
+      <p:sp>
+        <p:nvSpPr>
+          <p:cNvPr id="2" name="Title 1">
+            <a:extLst>
+              <a:ext uri="{FF2B5EF4-FFF2-40B4-BE49-F238E27FC236}">
+                <a16:creationId xmlns:a16="http://schemas.microsoft.com/office/drawing/2014/main" id="{BE96DB2D-E3BA-4832-9999-CCE880797DF2}"/>
+              </a:ext>
+            </a:extLst>
+          </p:cNvPr>
+          <p:cNvSpPr>
+            <a:spLocks noGrp="1"/>
+          </p:cNvSpPr>
+          <p:nvPr>
+            <p:ph type="title"/>
+          </p:nvPr>
+        </p:nvSpPr>
+        <p:spPr/>
+        <p:txBody>
+          <a:bodyPr/>
+          <a:lstStyle/>
+          <a:p>
+            <a:r>
+              <a:rPr lang="en-US" dirty="0"/>
+              <a:t>Realization Updates</a:t>
+            </a:r>
+          </a:p>
+        </p:txBody>
+      </p:sp>
+      <p:sp>
+        <p:nvSpPr>
+          <p:cNvPr id="3" name="Content Placeholder 2">
+            <a:extLst>
+              <a:ext uri="{FF2B5EF4-FFF2-40B4-BE49-F238E27FC236}">
+                <a16:creationId xmlns:a16="http://schemas.microsoft.com/office/drawing/2014/main" id="{6C539262-E349-4D5D-B6BB-CAAE6B6D423C}"/>
+              </a:ext>
+            </a:extLst>
+          </p:cNvPr>
+          <p:cNvSpPr>
+            <a:spLocks noGrp="1"/>
+          </p:cNvSpPr>
+          <p:nvPr>
+            <p:ph idx="1"/>
+          </p:nvPr>
+        </p:nvSpPr>
+        <p:spPr>
+          <a:xfrm>
+            <a:off x="1295401" y="2556931"/>
+            <a:ext cx="9601196" cy="960476"/>
+          </a:xfrm>
+        </p:spPr>
+        <p:txBody>
+          <a:bodyPr>
+            <a:normAutofit/>
+          </a:bodyPr>
+          <a:lstStyle/>
+          <a:p>
+            <a:r>
+              <a:rPr lang="en-US" dirty="0"/>
+              <a:t>Moved sentence screening into selection</a:t>
+            </a:r>
+          </a:p>
+          <a:p>
+            <a:r>
+              <a:rPr lang="en-US" dirty="0"/>
+              <a:t>Previously:</a:t>
+            </a:r>
+          </a:p>
+        </p:txBody>
+      </p:sp>
+      <p:sp>
+        <p:nvSpPr>
+          <p:cNvPr id="4" name="Rectangle: Rounded Corners 3">
+            <a:extLst>
+              <a:ext uri="{FF2B5EF4-FFF2-40B4-BE49-F238E27FC236}">
+                <a16:creationId xmlns:a16="http://schemas.microsoft.com/office/drawing/2014/main" id="{BE587B96-8172-448C-9360-93597F617912}"/>
+              </a:ext>
+            </a:extLst>
+          </p:cNvPr>
+          <p:cNvSpPr/>
+          <p:nvPr/>
+        </p:nvSpPr>
+        <p:spPr>
+          <a:xfrm>
+            <a:off x="1122681" y="4150360"/>
+            <a:ext cx="1137920" cy="609600"/>
+          </a:xfrm>
+          <a:prstGeom prst="roundRect">
+            <a:avLst/>
+          </a:prstGeom>
+        </p:spPr>
+        <p:style>
+          <a:lnRef idx="1">
+            <a:schemeClr val="accent3"/>
+          </a:lnRef>
+          <a:fillRef idx="2">
+            <a:schemeClr val="accent3"/>
+          </a:fillRef>
+          <a:effectRef idx="1">
+            <a:schemeClr val="accent3"/>
+          </a:effectRef>
+          <a:fontRef idx="minor">
+            <a:schemeClr val="dk1"/>
+          </a:fontRef>
+        </p:style>
+        <p:txBody>
+          <a:bodyPr rtlCol="0" anchor="ctr"/>
+          <a:lstStyle/>
+          <a:p>
+            <a:pPr algn="ctr"/>
+            <a:r>
+              <a:rPr lang="en-US" dirty="0"/>
+              <a:t>Selection</a:t>
+            </a:r>
+          </a:p>
+        </p:txBody>
+      </p:sp>
+      <p:sp>
+        <p:nvSpPr>
+          <p:cNvPr id="6" name="Rectangle: Rounded Corners 5">
+            <a:extLst>
+              <a:ext uri="{FF2B5EF4-FFF2-40B4-BE49-F238E27FC236}">
+                <a16:creationId xmlns:a16="http://schemas.microsoft.com/office/drawing/2014/main" id="{D77740AA-6921-4143-A05E-7259014E71E3}"/>
+              </a:ext>
+            </a:extLst>
+          </p:cNvPr>
+          <p:cNvSpPr/>
+          <p:nvPr/>
+        </p:nvSpPr>
+        <p:spPr>
+          <a:xfrm>
+            <a:off x="2606040" y="4013199"/>
+            <a:ext cx="3215639" cy="1227667"/>
+          </a:xfrm>
+          <a:prstGeom prst="roundRect">
+            <a:avLst/>
+          </a:prstGeom>
+        </p:spPr>
+        <p:style>
+          <a:lnRef idx="2">
+            <a:schemeClr val="accent3"/>
+          </a:lnRef>
+          <a:fillRef idx="1">
+            <a:schemeClr val="lt1"/>
+          </a:fillRef>
+          <a:effectRef idx="0">
+            <a:schemeClr val="accent3"/>
+          </a:effectRef>
+          <a:fontRef idx="minor">
+            <a:schemeClr val="dk1"/>
+          </a:fontRef>
+        </p:style>
+        <p:txBody>
+          <a:bodyPr rtlCol="0" anchor="t"/>
+          <a:lstStyle/>
+          <a:p>
+            <a:pPr algn="ctr"/>
+            <a:endParaRPr lang="en-US" dirty="0"/>
+          </a:p>
+        </p:txBody>
+      </p:sp>
+      <p:sp>
+        <p:nvSpPr>
+          <p:cNvPr id="7" name="Rectangle: Rounded Corners 6">
+            <a:extLst>
+              <a:ext uri="{FF2B5EF4-FFF2-40B4-BE49-F238E27FC236}">
+                <a16:creationId xmlns:a16="http://schemas.microsoft.com/office/drawing/2014/main" id="{25EA4BAB-3B7E-4832-B183-DA27A97F86EA}"/>
+              </a:ext>
+            </a:extLst>
+          </p:cNvPr>
+          <p:cNvSpPr/>
+          <p:nvPr/>
+        </p:nvSpPr>
+        <p:spPr>
+          <a:xfrm>
+            <a:off x="2804159" y="4155439"/>
+            <a:ext cx="2819400" cy="172720"/>
+          </a:xfrm>
+          <a:prstGeom prst="roundRect">
+            <a:avLst/>
+          </a:prstGeom>
+        </p:spPr>
+        <p:style>
+          <a:lnRef idx="2">
+            <a:schemeClr val="accent3"/>
+          </a:lnRef>
+          <a:fillRef idx="1">
+            <a:schemeClr val="lt1"/>
+          </a:fillRef>
+          <a:effectRef idx="0">
+            <a:schemeClr val="accent3"/>
+          </a:effectRef>
+          <a:fontRef idx="minor">
+            <a:schemeClr val="dk1"/>
+          </a:fontRef>
+        </p:style>
+        <p:txBody>
+          <a:bodyPr rtlCol="0" anchor="ctr"/>
+          <a:lstStyle/>
+          <a:p>
+            <a:pPr algn="ctr"/>
+            <a:endParaRPr lang="en-US" dirty="0"/>
+          </a:p>
+        </p:txBody>
+      </p:sp>
+      <p:sp>
+        <p:nvSpPr>
+          <p:cNvPr id="8" name="Rectangle: Rounded Corners 7">
+            <a:extLst>
+              <a:ext uri="{FF2B5EF4-FFF2-40B4-BE49-F238E27FC236}">
+                <a16:creationId xmlns:a16="http://schemas.microsoft.com/office/drawing/2014/main" id="{959E695A-7800-479E-8C70-72BBFB2819AB}"/>
+              </a:ext>
+            </a:extLst>
+          </p:cNvPr>
+          <p:cNvSpPr/>
+          <p:nvPr/>
+        </p:nvSpPr>
+        <p:spPr>
+          <a:xfrm>
+            <a:off x="2804159" y="4363719"/>
+            <a:ext cx="2819400" cy="172720"/>
+          </a:xfrm>
+          <a:prstGeom prst="roundRect">
+            <a:avLst/>
+          </a:prstGeom>
+        </p:spPr>
+        <p:style>
+          <a:lnRef idx="2">
+            <a:schemeClr val="accent3"/>
+          </a:lnRef>
+          <a:fillRef idx="1">
+            <a:schemeClr val="lt1"/>
+          </a:fillRef>
+          <a:effectRef idx="0">
+            <a:schemeClr val="accent3"/>
+          </a:effectRef>
+          <a:fontRef idx="minor">
+            <a:schemeClr val="dk1"/>
+          </a:fontRef>
+        </p:style>
+        <p:txBody>
+          <a:bodyPr rtlCol="0" anchor="ctr"/>
+          <a:lstStyle/>
+          <a:p>
+            <a:pPr algn="ctr"/>
+            <a:endParaRPr lang="en-US" dirty="0"/>
+          </a:p>
+        </p:txBody>
+      </p:sp>
+      <p:sp>
+        <p:nvSpPr>
+          <p:cNvPr id="9" name="Rectangle: Rounded Corners 8">
+            <a:extLst>
+              <a:ext uri="{FF2B5EF4-FFF2-40B4-BE49-F238E27FC236}">
+                <a16:creationId xmlns:a16="http://schemas.microsoft.com/office/drawing/2014/main" id="{57B739D5-C3B7-4D78-AD63-0C18763E0F7D}"/>
+              </a:ext>
+            </a:extLst>
+          </p:cNvPr>
+          <p:cNvSpPr/>
+          <p:nvPr/>
+        </p:nvSpPr>
+        <p:spPr>
+          <a:xfrm>
+            <a:off x="2804159" y="4571999"/>
+            <a:ext cx="2819400" cy="172720"/>
+          </a:xfrm>
+          <a:prstGeom prst="roundRect">
+            <a:avLst/>
+          </a:prstGeom>
+        </p:spPr>
+        <p:style>
+          <a:lnRef idx="2">
+            <a:schemeClr val="accent3"/>
+          </a:lnRef>
+          <a:fillRef idx="1">
+            <a:schemeClr val="lt1"/>
+          </a:fillRef>
+          <a:effectRef idx="0">
+            <a:schemeClr val="accent3"/>
+          </a:effectRef>
+          <a:fontRef idx="minor">
+            <a:schemeClr val="dk1"/>
+          </a:fontRef>
+        </p:style>
+        <p:txBody>
+          <a:bodyPr rtlCol="0" anchor="ctr"/>
+          <a:lstStyle/>
+          <a:p>
+            <a:pPr algn="ctr"/>
+            <a:endParaRPr lang="en-US" dirty="0"/>
+          </a:p>
+        </p:txBody>
+      </p:sp>
+      <p:sp>
+        <p:nvSpPr>
+          <p:cNvPr id="10" name="Rectangle: Rounded Corners 9">
+            <a:extLst>
+              <a:ext uri="{FF2B5EF4-FFF2-40B4-BE49-F238E27FC236}">
+                <a16:creationId xmlns:a16="http://schemas.microsoft.com/office/drawing/2014/main" id="{04051D66-90EA-4C98-9994-DAAE73A356CC}"/>
+              </a:ext>
+            </a:extLst>
+          </p:cNvPr>
+          <p:cNvSpPr/>
+          <p:nvPr/>
+        </p:nvSpPr>
+        <p:spPr>
+          <a:xfrm>
+            <a:off x="2804159" y="4779645"/>
+            <a:ext cx="2819400" cy="172720"/>
+          </a:xfrm>
+          <a:prstGeom prst="roundRect">
+            <a:avLst/>
+          </a:prstGeom>
+        </p:spPr>
+        <p:style>
+          <a:lnRef idx="2">
+            <a:schemeClr val="accent3"/>
+          </a:lnRef>
+          <a:fillRef idx="1">
+            <a:schemeClr val="lt1"/>
+          </a:fillRef>
+          <a:effectRef idx="0">
+            <a:schemeClr val="accent3"/>
+          </a:effectRef>
+          <a:fontRef idx="minor">
+            <a:schemeClr val="dk1"/>
+          </a:fontRef>
+        </p:style>
+        <p:txBody>
+          <a:bodyPr rtlCol="0" anchor="ctr"/>
+          <a:lstStyle/>
+          <a:p>
+            <a:pPr algn="ctr"/>
+            <a:endParaRPr lang="en-US" dirty="0"/>
+          </a:p>
+        </p:txBody>
+      </p:sp>
+      <p:sp>
+        <p:nvSpPr>
+          <p:cNvPr id="11" name="Rectangle: Rounded Corners 10">
+            <a:extLst>
+              <a:ext uri="{FF2B5EF4-FFF2-40B4-BE49-F238E27FC236}">
+                <a16:creationId xmlns:a16="http://schemas.microsoft.com/office/drawing/2014/main" id="{44A6E4F8-1EFE-4B6D-BD29-47046EEA3E07}"/>
+              </a:ext>
+            </a:extLst>
+          </p:cNvPr>
+          <p:cNvSpPr/>
+          <p:nvPr/>
+        </p:nvSpPr>
+        <p:spPr>
+          <a:xfrm>
+            <a:off x="2804159" y="4988984"/>
+            <a:ext cx="2819400" cy="172720"/>
+          </a:xfrm>
+          <a:prstGeom prst="roundRect">
+            <a:avLst/>
+          </a:prstGeom>
+        </p:spPr>
+        <p:style>
+          <a:lnRef idx="2">
+            <a:schemeClr val="accent3"/>
+          </a:lnRef>
+          <a:fillRef idx="1">
+            <a:schemeClr val="lt1"/>
+          </a:fillRef>
+          <a:effectRef idx="0">
+            <a:schemeClr val="accent3"/>
+          </a:effectRef>
+          <a:fontRef idx="minor">
+            <a:schemeClr val="dk1"/>
+          </a:fontRef>
+        </p:style>
+        <p:txBody>
+          <a:bodyPr rtlCol="0" anchor="ctr"/>
+          <a:lstStyle/>
+          <a:p>
+            <a:pPr algn="ctr"/>
+            <a:endParaRPr lang="en-US" dirty="0"/>
+          </a:p>
+        </p:txBody>
+      </p:sp>
+      <p:sp>
+        <p:nvSpPr>
+          <p:cNvPr id="12" name="Flowchart: Manual Operation 11">
+            <a:extLst>
+              <a:ext uri="{FF2B5EF4-FFF2-40B4-BE49-F238E27FC236}">
+                <a16:creationId xmlns:a16="http://schemas.microsoft.com/office/drawing/2014/main" id="{E7F9E45D-A097-4700-9D5B-62660C6E1D22}"/>
+              </a:ext>
+            </a:extLst>
+          </p:cNvPr>
+          <p:cNvSpPr/>
+          <p:nvPr/>
+        </p:nvSpPr>
+        <p:spPr>
+          <a:xfrm rot="16200000">
+            <a:off x="5798818" y="3948005"/>
+            <a:ext cx="1788160" cy="1051560"/>
+          </a:xfrm>
+          <a:prstGeom prst="flowChartManualOperation">
+            <a:avLst/>
+          </a:prstGeom>
+        </p:spPr>
+        <p:style>
+          <a:lnRef idx="1">
+            <a:schemeClr val="accent3"/>
+          </a:lnRef>
+          <a:fillRef idx="2">
+            <a:schemeClr val="accent3"/>
+          </a:fillRef>
+          <a:effectRef idx="1">
+            <a:schemeClr val="accent3"/>
+          </a:effectRef>
+          <a:fontRef idx="minor">
+            <a:schemeClr val="dk1"/>
+          </a:fontRef>
+        </p:style>
+        <p:txBody>
+          <a:bodyPr rtlCol="0" anchor="ctr"/>
+          <a:lstStyle/>
+          <a:p>
+            <a:pPr algn="ctr"/>
+            <a:endParaRPr lang="en-US" dirty="0"/>
+          </a:p>
+        </p:txBody>
+      </p:sp>
+      <p:sp>
+        <p:nvSpPr>
+          <p:cNvPr id="13" name="TextBox 12">
+            <a:extLst>
+              <a:ext uri="{FF2B5EF4-FFF2-40B4-BE49-F238E27FC236}">
+                <a16:creationId xmlns:a16="http://schemas.microsoft.com/office/drawing/2014/main" id="{F759A199-392E-4B12-9262-8997B09F1F00}"/>
+              </a:ext>
+            </a:extLst>
+          </p:cNvPr>
+          <p:cNvSpPr txBox="1"/>
+          <p:nvPr/>
+        </p:nvSpPr>
+        <p:spPr>
+          <a:xfrm>
+            <a:off x="5991858" y="4141779"/>
+            <a:ext cx="1402080" cy="646331"/>
+          </a:xfrm>
+          <a:prstGeom prst="rect">
+            <a:avLst/>
+          </a:prstGeom>
+          <a:noFill/>
+        </p:spPr>
+        <p:txBody>
+          <a:bodyPr wrap="square" rtlCol="0">
+            <a:spAutoFit/>
+          </a:bodyPr>
+          <a:lstStyle/>
+          <a:p>
+            <a:pPr algn="ctr"/>
+            <a:r>
+              <a:rPr lang="en-US" dirty="0"/>
+              <a:t>Realization Screener</a:t>
+            </a:r>
+          </a:p>
+        </p:txBody>
+      </p:sp>
+      <p:sp>
+        <p:nvSpPr>
+          <p:cNvPr id="14" name="Hexagon 13">
+            <a:extLst>
+              <a:ext uri="{FF2B5EF4-FFF2-40B4-BE49-F238E27FC236}">
+                <a16:creationId xmlns:a16="http://schemas.microsoft.com/office/drawing/2014/main" id="{688A2B7E-1A9C-478D-84D0-982ACD2B8B94}"/>
+              </a:ext>
+            </a:extLst>
+          </p:cNvPr>
+          <p:cNvSpPr/>
+          <p:nvPr/>
+        </p:nvSpPr>
+        <p:spPr>
+          <a:xfrm>
+            <a:off x="7739377" y="5240867"/>
+            <a:ext cx="1170943" cy="949961"/>
+          </a:xfrm>
+          <a:prstGeom prst="hexagon">
+            <a:avLst/>
+          </a:prstGeom>
+        </p:spPr>
+        <p:style>
+          <a:lnRef idx="1">
+            <a:schemeClr val="accent4"/>
+          </a:lnRef>
+          <a:fillRef idx="2">
+            <a:schemeClr val="accent4"/>
+          </a:fillRef>
+          <a:effectRef idx="1">
+            <a:schemeClr val="accent4"/>
+          </a:effectRef>
+          <a:fontRef idx="minor">
+            <a:schemeClr val="dk1"/>
+          </a:fontRef>
+        </p:style>
+        <p:txBody>
+          <a:bodyPr rtlCol="0" anchor="t"/>
+          <a:lstStyle/>
+          <a:p>
+            <a:pPr algn="ctr"/>
+            <a:r>
+              <a:rPr lang="en-US" dirty="0"/>
+              <a:t>Rejects</a:t>
+            </a:r>
+          </a:p>
+        </p:txBody>
+      </p:sp>
+      <p:sp>
+        <p:nvSpPr>
+          <p:cNvPr id="15" name="Flowchart: Connector 14">
+            <a:extLst>
+              <a:ext uri="{FF2B5EF4-FFF2-40B4-BE49-F238E27FC236}">
+                <a16:creationId xmlns:a16="http://schemas.microsoft.com/office/drawing/2014/main" id="{43909958-63F3-4886-8EBD-A8411D69F49D}"/>
+              </a:ext>
+            </a:extLst>
+          </p:cNvPr>
+          <p:cNvSpPr/>
+          <p:nvPr/>
+        </p:nvSpPr>
+        <p:spPr>
+          <a:xfrm>
+            <a:off x="7564117" y="3764279"/>
+            <a:ext cx="1549403" cy="1198879"/>
+          </a:xfrm>
+          <a:prstGeom prst="flowChartConnector">
+            <a:avLst/>
+          </a:prstGeom>
+        </p:spPr>
+        <p:style>
+          <a:lnRef idx="1">
+            <a:schemeClr val="accent1"/>
+          </a:lnRef>
+          <a:fillRef idx="2">
+            <a:schemeClr val="accent1"/>
+          </a:fillRef>
+          <a:effectRef idx="1">
+            <a:schemeClr val="accent1"/>
+          </a:effectRef>
+          <a:fontRef idx="minor">
+            <a:schemeClr val="dk1"/>
+          </a:fontRef>
+        </p:style>
+        <p:txBody>
+          <a:bodyPr rtlCol="0" anchor="ctr"/>
+          <a:lstStyle/>
+          <a:p>
+            <a:pPr algn="ctr"/>
+            <a:r>
+              <a:rPr lang="en-US" dirty="0"/>
+              <a:t>Good</a:t>
+            </a:r>
+          </a:p>
+          <a:p>
+            <a:pPr algn="ctr"/>
+            <a:r>
+              <a:rPr lang="en-US" dirty="0"/>
+              <a:t>Sentences</a:t>
+            </a:r>
+          </a:p>
+        </p:txBody>
+      </p:sp>
+      <p:sp>
+        <p:nvSpPr>
+          <p:cNvPr id="16" name="Flowchart: Alternate Process 15">
+            <a:extLst>
+              <a:ext uri="{FF2B5EF4-FFF2-40B4-BE49-F238E27FC236}">
+                <a16:creationId xmlns:a16="http://schemas.microsoft.com/office/drawing/2014/main" id="{8A7AA4F5-4370-4623-818D-A65E8E27BBA0}"/>
+              </a:ext>
+            </a:extLst>
+          </p:cNvPr>
+          <p:cNvSpPr/>
+          <p:nvPr/>
+        </p:nvSpPr>
+        <p:spPr>
+          <a:xfrm>
+            <a:off x="9667239" y="3860800"/>
+            <a:ext cx="1402080" cy="1026162"/>
+          </a:xfrm>
+          <a:prstGeom prst="flowChartAlternateProcess">
+            <a:avLst/>
+          </a:prstGeom>
+        </p:spPr>
+        <p:style>
+          <a:lnRef idx="1">
+            <a:schemeClr val="accent2"/>
+          </a:lnRef>
+          <a:fillRef idx="2">
+            <a:schemeClr val="accent2"/>
+          </a:fillRef>
+          <a:effectRef idx="1">
+            <a:schemeClr val="accent2"/>
+          </a:effectRef>
+          <a:fontRef idx="minor">
+            <a:schemeClr val="dk1"/>
+          </a:fontRef>
+        </p:style>
+        <p:txBody>
+          <a:bodyPr rtlCol="0" anchor="ctr"/>
+          <a:lstStyle/>
+          <a:p>
+            <a:pPr algn="ctr"/>
+            <a:r>
+              <a:rPr lang="en-US" dirty="0"/>
+              <a:t>Final Set</a:t>
+            </a:r>
+          </a:p>
+        </p:txBody>
+      </p:sp>
+      <p:sp>
+        <p:nvSpPr>
+          <p:cNvPr id="17" name="Arrow: Right 16">
+            <a:extLst>
+              <a:ext uri="{FF2B5EF4-FFF2-40B4-BE49-F238E27FC236}">
+                <a16:creationId xmlns:a16="http://schemas.microsoft.com/office/drawing/2014/main" id="{5ABD7DAF-1D11-4096-86D1-307C7360E606}"/>
+              </a:ext>
+            </a:extLst>
+          </p:cNvPr>
+          <p:cNvSpPr/>
+          <p:nvPr/>
+        </p:nvSpPr>
+        <p:spPr>
+          <a:xfrm rot="19001209">
+            <a:off x="8851430" y="5000131"/>
+            <a:ext cx="822327" cy="307518"/>
+          </a:xfrm>
+          <a:prstGeom prst="rightArrow">
+            <a:avLst/>
+          </a:prstGeom>
+        </p:spPr>
+        <p:style>
+          <a:lnRef idx="2">
+            <a:schemeClr val="accent2">
+              <a:shade val="50000"/>
+            </a:schemeClr>
+          </a:lnRef>
+          <a:fillRef idx="1">
+            <a:schemeClr val="accent2"/>
+          </a:fillRef>
+          <a:effectRef idx="0">
+            <a:schemeClr val="accent2"/>
+          </a:effectRef>
+          <a:fontRef idx="minor">
+            <a:schemeClr val="lt1"/>
+          </a:fontRef>
+        </p:style>
+        <p:txBody>
+          <a:bodyPr rtlCol="0" anchor="ctr"/>
+          <a:lstStyle/>
+          <a:p>
+            <a:pPr algn="ctr"/>
+            <a:endParaRPr lang="en-US" dirty="0"/>
+          </a:p>
+        </p:txBody>
+      </p:sp>
+      <p:sp>
+        <p:nvSpPr>
+          <p:cNvPr id="18" name="TextBox 17">
+            <a:extLst>
+              <a:ext uri="{FF2B5EF4-FFF2-40B4-BE49-F238E27FC236}">
+                <a16:creationId xmlns:a16="http://schemas.microsoft.com/office/drawing/2014/main" id="{66713B1A-16EE-489E-8AE3-AB44158C1B05}"/>
+              </a:ext>
+            </a:extLst>
+          </p:cNvPr>
+          <p:cNvSpPr txBox="1"/>
+          <p:nvPr/>
+        </p:nvSpPr>
+        <p:spPr>
+          <a:xfrm rot="18855397">
+            <a:off x="8691880" y="5183198"/>
+            <a:ext cx="1788159" cy="369332"/>
+          </a:xfrm>
+          <a:prstGeom prst="rect">
+            <a:avLst/>
+          </a:prstGeom>
+          <a:noFill/>
+        </p:spPr>
+        <p:txBody>
+          <a:bodyPr wrap="square" rtlCol="0">
+            <a:spAutoFit/>
+          </a:bodyPr>
+          <a:lstStyle/>
+          <a:p>
+            <a:r>
+              <a:rPr lang="en-US" dirty="0">
+                <a:solidFill>
+                  <a:schemeClr val="accent2">
+                    <a:lumMod val="75000"/>
+                  </a:schemeClr>
+                </a:solidFill>
+              </a:rPr>
+              <a:t>Fill Extra Space</a:t>
+            </a:r>
+          </a:p>
+        </p:txBody>
+      </p:sp>
+      <p:sp>
+        <p:nvSpPr>
+          <p:cNvPr id="19" name="Arrow: Right 18">
+            <a:extLst>
+              <a:ext uri="{FF2B5EF4-FFF2-40B4-BE49-F238E27FC236}">
+                <a16:creationId xmlns:a16="http://schemas.microsoft.com/office/drawing/2014/main" id="{3B38FD16-30D9-453A-8DB3-9D0D744171A8}"/>
+              </a:ext>
+            </a:extLst>
+          </p:cNvPr>
+          <p:cNvSpPr/>
+          <p:nvPr/>
+        </p:nvSpPr>
+        <p:spPr>
+          <a:xfrm>
+            <a:off x="9113520" y="4274302"/>
+            <a:ext cx="563879" cy="221940"/>
+          </a:xfrm>
+          <a:prstGeom prst="rightArrow">
+            <a:avLst/>
+          </a:prstGeom>
+        </p:spPr>
+        <p:style>
+          <a:lnRef idx="2">
+            <a:schemeClr val="accent2">
+              <a:shade val="50000"/>
+            </a:schemeClr>
+          </a:lnRef>
+          <a:fillRef idx="1">
+            <a:schemeClr val="accent2"/>
+          </a:fillRef>
+          <a:effectRef idx="0">
+            <a:schemeClr val="accent2"/>
+          </a:effectRef>
+          <a:fontRef idx="minor">
+            <a:schemeClr val="lt1"/>
+          </a:fontRef>
+        </p:style>
+        <p:txBody>
+          <a:bodyPr rtlCol="0" anchor="ctr"/>
+          <a:lstStyle/>
+          <a:p>
+            <a:pPr algn="ctr"/>
+            <a:endParaRPr lang="en-US"/>
+          </a:p>
+        </p:txBody>
+      </p:sp>
+      <p:sp>
+        <p:nvSpPr>
+          <p:cNvPr id="20" name="Arrow: Right 19">
+            <a:extLst>
+              <a:ext uri="{FF2B5EF4-FFF2-40B4-BE49-F238E27FC236}">
+                <a16:creationId xmlns:a16="http://schemas.microsoft.com/office/drawing/2014/main" id="{BDBBECE0-8B0B-4CFF-B509-898C916934C2}"/>
+              </a:ext>
+            </a:extLst>
+          </p:cNvPr>
+          <p:cNvSpPr/>
+          <p:nvPr/>
+        </p:nvSpPr>
+        <p:spPr>
+          <a:xfrm>
+            <a:off x="7231378" y="4363719"/>
+            <a:ext cx="332739" cy="189760"/>
+          </a:xfrm>
+          <a:prstGeom prst="rightArrow">
+            <a:avLst/>
+          </a:prstGeom>
+        </p:spPr>
+        <p:style>
+          <a:lnRef idx="1">
+            <a:schemeClr val="accent1"/>
+          </a:lnRef>
+          <a:fillRef idx="2">
+            <a:schemeClr val="accent1"/>
+          </a:fillRef>
+          <a:effectRef idx="1">
+            <a:schemeClr val="accent1"/>
+          </a:effectRef>
+          <a:fontRef idx="minor">
+            <a:schemeClr val="dk1"/>
+          </a:fontRef>
+        </p:style>
+        <p:txBody>
+          <a:bodyPr rtlCol="0" anchor="ctr"/>
+          <a:lstStyle/>
+          <a:p>
+            <a:pPr algn="ctr"/>
+            <a:endParaRPr lang="en-US"/>
+          </a:p>
+        </p:txBody>
+      </p:sp>
+      <p:sp>
+        <p:nvSpPr>
+          <p:cNvPr id="21" name="Arrow: Right 20">
+            <a:extLst>
+              <a:ext uri="{FF2B5EF4-FFF2-40B4-BE49-F238E27FC236}">
+                <a16:creationId xmlns:a16="http://schemas.microsoft.com/office/drawing/2014/main" id="{5EC0FB01-2D27-49E5-8C84-5C37EEB005E7}"/>
+              </a:ext>
+            </a:extLst>
+          </p:cNvPr>
+          <p:cNvSpPr/>
+          <p:nvPr/>
+        </p:nvSpPr>
+        <p:spPr>
+          <a:xfrm>
+            <a:off x="5853428" y="4397533"/>
+            <a:ext cx="332739" cy="189760"/>
+          </a:xfrm>
+          <a:prstGeom prst="rightArrow">
+            <a:avLst/>
+          </a:prstGeom>
+        </p:spPr>
+        <p:style>
+          <a:lnRef idx="1">
+            <a:schemeClr val="accent3"/>
+          </a:lnRef>
+          <a:fillRef idx="2">
+            <a:schemeClr val="accent3"/>
+          </a:fillRef>
+          <a:effectRef idx="1">
+            <a:schemeClr val="accent3"/>
+          </a:effectRef>
+          <a:fontRef idx="minor">
+            <a:schemeClr val="dk1"/>
+          </a:fontRef>
+        </p:style>
+        <p:txBody>
+          <a:bodyPr rtlCol="0" anchor="ctr"/>
+          <a:lstStyle/>
+          <a:p>
+            <a:pPr algn="ctr"/>
+            <a:endParaRPr lang="en-US"/>
+          </a:p>
+        </p:txBody>
+      </p:sp>
+      <p:sp>
+        <p:nvSpPr>
+          <p:cNvPr id="22" name="Arrow: Right 21">
+            <a:extLst>
+              <a:ext uri="{FF2B5EF4-FFF2-40B4-BE49-F238E27FC236}">
+                <a16:creationId xmlns:a16="http://schemas.microsoft.com/office/drawing/2014/main" id="{CADEE28D-E700-4692-B38B-2F8EC9CF869B}"/>
+              </a:ext>
+            </a:extLst>
+          </p:cNvPr>
+          <p:cNvSpPr/>
+          <p:nvPr/>
+        </p:nvSpPr>
+        <p:spPr>
+          <a:xfrm rot="2616765">
+            <a:off x="7215004" y="4796805"/>
+            <a:ext cx="724642" cy="375017"/>
+          </a:xfrm>
+          <a:prstGeom prst="rightArrow">
+            <a:avLst/>
+          </a:prstGeom>
+        </p:spPr>
+        <p:style>
+          <a:lnRef idx="1">
+            <a:schemeClr val="accent4"/>
+          </a:lnRef>
+          <a:fillRef idx="2">
+            <a:schemeClr val="accent4"/>
+          </a:fillRef>
+          <a:effectRef idx="1">
+            <a:schemeClr val="accent4"/>
+          </a:effectRef>
+          <a:fontRef idx="minor">
+            <a:schemeClr val="dk1"/>
+          </a:fontRef>
+        </p:style>
+        <p:txBody>
+          <a:bodyPr rtlCol="0" anchor="ctr"/>
+          <a:lstStyle/>
+          <a:p>
+            <a:pPr algn="ctr"/>
+            <a:endParaRPr lang="en-US"/>
+          </a:p>
+        </p:txBody>
+      </p:sp>
+      <p:sp>
+        <p:nvSpPr>
+          <p:cNvPr id="23" name="Arrow: Right 22">
+            <a:extLst>
+              <a:ext uri="{FF2B5EF4-FFF2-40B4-BE49-F238E27FC236}">
+                <a16:creationId xmlns:a16="http://schemas.microsoft.com/office/drawing/2014/main" id="{653DA321-F74B-465A-8BB8-3121FBB20E10}"/>
+              </a:ext>
+            </a:extLst>
+          </p:cNvPr>
+          <p:cNvSpPr/>
+          <p:nvPr/>
+        </p:nvSpPr>
+        <p:spPr>
+          <a:xfrm>
+            <a:off x="2289176" y="4378904"/>
+            <a:ext cx="332739" cy="189760"/>
+          </a:xfrm>
+          <a:prstGeom prst="rightArrow">
+            <a:avLst/>
+          </a:prstGeom>
+        </p:spPr>
+        <p:style>
+          <a:lnRef idx="1">
+            <a:schemeClr val="accent3"/>
+          </a:lnRef>
+          <a:fillRef idx="2">
+            <a:schemeClr val="accent3"/>
+          </a:fillRef>
+          <a:effectRef idx="1">
+            <a:schemeClr val="accent3"/>
+          </a:effectRef>
+          <a:fontRef idx="minor">
+            <a:schemeClr val="dk1"/>
+          </a:fontRef>
+        </p:style>
+        <p:txBody>
+          <a:bodyPr rtlCol="0" anchor="ctr"/>
+          <a:lstStyle/>
+          <a:p>
+            <a:pPr algn="ctr"/>
+            <a:endParaRPr lang="en-US"/>
+          </a:p>
+        </p:txBody>
+      </p:sp>
+      <p:sp>
+        <p:nvSpPr>
+          <p:cNvPr id="24" name="TextBox 23">
+            <a:extLst>
+              <a:ext uri="{FF2B5EF4-FFF2-40B4-BE49-F238E27FC236}">
+                <a16:creationId xmlns:a16="http://schemas.microsoft.com/office/drawing/2014/main" id="{D3A6BA43-8976-4C8C-8DF0-EF28F12F8997}"/>
+              </a:ext>
+            </a:extLst>
+          </p:cNvPr>
+          <p:cNvSpPr txBox="1"/>
+          <p:nvPr/>
+        </p:nvSpPr>
+        <p:spPr>
+          <a:xfrm>
+            <a:off x="2804159" y="3554026"/>
+            <a:ext cx="2794635" cy="369332"/>
+          </a:xfrm>
+          <a:prstGeom prst="rect">
+            <a:avLst/>
+          </a:prstGeom>
+          <a:noFill/>
+        </p:spPr>
+        <p:txBody>
+          <a:bodyPr wrap="square" rtlCol="0">
+            <a:spAutoFit/>
+          </a:bodyPr>
+          <a:lstStyle/>
+          <a:p>
+            <a:r>
+              <a:rPr lang="en-US" dirty="0"/>
+              <a:t>5 sentences, 100 words</a:t>
+            </a:r>
+          </a:p>
+        </p:txBody>
+      </p:sp>
+    </p:spTree>
+    <p:extLst>
+      <p:ext uri="{BB962C8B-B14F-4D97-AF65-F5344CB8AC3E}">
+        <p14:creationId xmlns:p14="http://schemas.microsoft.com/office/powerpoint/2010/main" val="2617302940"/>
+      </p:ext>
+    </p:extLst>
+  </p:cSld>
+  <p:clrMapOvr>
+    <a:masterClrMapping/>
+  </p:clrMapOvr>
+</p:sld>
+</file>
+
+<file path=ppt/slides/slide21.xml><?xml version="1.0" encoding="utf-8"?>
+<p:sld xmlns:a="http://schemas.openxmlformats.org/drawingml/2006/main" xmlns:r="http://schemas.openxmlformats.org/officeDocument/2006/relationships" xmlns:p="http://schemas.openxmlformats.org/presentationml/2006/main">
+  <p:cSld>
+    <p:spTree>
+      <p:nvGrpSpPr>
+        <p:cNvPr id="1" name=""/>
+        <p:cNvGrpSpPr/>
+        <p:nvPr/>
+      </p:nvGrpSpPr>
+      <p:grpSpPr>
+        <a:xfrm>
+          <a:off x="0" y="0"/>
+          <a:ext cx="0" cy="0"/>
+          <a:chOff x="0" y="0"/>
+          <a:chExt cx="0" cy="0"/>
+        </a:xfrm>
+      </p:grpSpPr>
+      <p:sp>
+        <p:nvSpPr>
+          <p:cNvPr id="2" name="Title 1">
+            <a:extLst>
+              <a:ext uri="{FF2B5EF4-FFF2-40B4-BE49-F238E27FC236}">
+                <a16:creationId xmlns:a16="http://schemas.microsoft.com/office/drawing/2014/main" id="{BE96DB2D-E3BA-4832-9999-CCE880797DF2}"/>
+              </a:ext>
+            </a:extLst>
+          </p:cNvPr>
+          <p:cNvSpPr>
+            <a:spLocks noGrp="1"/>
+          </p:cNvSpPr>
+          <p:nvPr>
+            <p:ph type="title"/>
+          </p:nvPr>
+        </p:nvSpPr>
+        <p:spPr/>
+        <p:txBody>
+          <a:bodyPr/>
+          <a:lstStyle/>
+          <a:p>
+            <a:r>
+              <a:rPr lang="en-US" dirty="0"/>
+              <a:t>Realization Updates</a:t>
+            </a:r>
+          </a:p>
+        </p:txBody>
+      </p:sp>
+      <p:sp>
+        <p:nvSpPr>
+          <p:cNvPr id="3" name="Content Placeholder 2">
+            <a:extLst>
+              <a:ext uri="{FF2B5EF4-FFF2-40B4-BE49-F238E27FC236}">
+                <a16:creationId xmlns:a16="http://schemas.microsoft.com/office/drawing/2014/main" id="{6C539262-E349-4D5D-B6BB-CAAE6B6D423C}"/>
+              </a:ext>
+            </a:extLst>
+          </p:cNvPr>
+          <p:cNvSpPr>
+            <a:spLocks noGrp="1"/>
+          </p:cNvSpPr>
+          <p:nvPr>
+            <p:ph idx="1"/>
+          </p:nvPr>
+        </p:nvSpPr>
+        <p:spPr>
+          <a:xfrm>
+            <a:off x="1295401" y="2556931"/>
+            <a:ext cx="9601196" cy="960476"/>
+          </a:xfrm>
+        </p:spPr>
+        <p:txBody>
+          <a:bodyPr>
+            <a:normAutofit/>
+          </a:bodyPr>
+          <a:lstStyle/>
+          <a:p>
+            <a:r>
+              <a:rPr lang="en-US" dirty="0"/>
+              <a:t>Moved sentence screening into selection</a:t>
+            </a:r>
+          </a:p>
+          <a:p>
+            <a:r>
+              <a:rPr lang="en-US" dirty="0"/>
+              <a:t>Now:</a:t>
+            </a:r>
+          </a:p>
+        </p:txBody>
+      </p:sp>
+      <p:sp>
+        <p:nvSpPr>
+          <p:cNvPr id="4" name="Rectangle: Rounded Corners 3">
+            <a:extLst>
+              <a:ext uri="{FF2B5EF4-FFF2-40B4-BE49-F238E27FC236}">
+                <a16:creationId xmlns:a16="http://schemas.microsoft.com/office/drawing/2014/main" id="{BE587B96-8172-448C-9360-93597F617912}"/>
+              </a:ext>
+            </a:extLst>
+          </p:cNvPr>
+          <p:cNvSpPr/>
+          <p:nvPr/>
+        </p:nvSpPr>
+        <p:spPr>
+          <a:xfrm>
+            <a:off x="2799080" y="3865880"/>
+            <a:ext cx="2324101" cy="1854200"/>
+          </a:xfrm>
+          <a:prstGeom prst="roundRect">
+            <a:avLst/>
+          </a:prstGeom>
+        </p:spPr>
+        <p:style>
+          <a:lnRef idx="1">
+            <a:schemeClr val="accent3"/>
+          </a:lnRef>
+          <a:fillRef idx="2">
+            <a:schemeClr val="accent3"/>
+          </a:fillRef>
+          <a:effectRef idx="1">
+            <a:schemeClr val="accent3"/>
+          </a:effectRef>
+          <a:fontRef idx="minor">
+            <a:schemeClr val="dk1"/>
+          </a:fontRef>
+        </p:style>
+        <p:txBody>
+          <a:bodyPr rtlCol="0" anchor="t"/>
+          <a:lstStyle/>
+          <a:p>
+            <a:pPr algn="ctr"/>
+            <a:r>
+              <a:rPr lang="en-US" dirty="0"/>
+              <a:t>Selection</a:t>
+            </a:r>
+          </a:p>
+        </p:txBody>
+      </p:sp>
+      <p:sp>
+        <p:nvSpPr>
+          <p:cNvPr id="25" name="Flowchart: Manual Operation 24">
+            <a:extLst>
+              <a:ext uri="{FF2B5EF4-FFF2-40B4-BE49-F238E27FC236}">
+                <a16:creationId xmlns:a16="http://schemas.microsoft.com/office/drawing/2014/main" id="{9A80DBAD-0E30-4C1D-B2A3-5E9DB1D4A66C}"/>
+              </a:ext>
+            </a:extLst>
+          </p:cNvPr>
+          <p:cNvSpPr/>
+          <p:nvPr/>
+        </p:nvSpPr>
+        <p:spPr>
+          <a:xfrm rot="16200000">
+            <a:off x="3744985" y="4573024"/>
+            <a:ext cx="1303512" cy="858519"/>
+          </a:xfrm>
+          <a:prstGeom prst="flowChartManualOperation">
+            <a:avLst/>
+          </a:prstGeom>
+        </p:spPr>
+        <p:style>
+          <a:lnRef idx="1">
+            <a:schemeClr val="accent3"/>
+          </a:lnRef>
+          <a:fillRef idx="2">
+            <a:schemeClr val="accent3"/>
+          </a:fillRef>
+          <a:effectRef idx="1">
+            <a:schemeClr val="accent3"/>
+          </a:effectRef>
+          <a:fontRef idx="minor">
+            <a:schemeClr val="dk1"/>
+          </a:fontRef>
+        </p:style>
+        <p:txBody>
+          <a:bodyPr rtlCol="0" anchor="ctr"/>
+          <a:lstStyle/>
+          <a:p>
+            <a:pPr algn="ctr"/>
+            <a:endParaRPr lang="en-US" dirty="0"/>
+          </a:p>
+        </p:txBody>
+      </p:sp>
+      <p:sp>
+        <p:nvSpPr>
+          <p:cNvPr id="26" name="TextBox 25">
+            <a:extLst>
+              <a:ext uri="{FF2B5EF4-FFF2-40B4-BE49-F238E27FC236}">
+                <a16:creationId xmlns:a16="http://schemas.microsoft.com/office/drawing/2014/main" id="{3FC41A81-AB6B-45EB-8388-909FECFFA657}"/>
+              </a:ext>
+            </a:extLst>
+          </p:cNvPr>
+          <p:cNvSpPr txBox="1"/>
+          <p:nvPr/>
+        </p:nvSpPr>
+        <p:spPr>
+          <a:xfrm>
+            <a:off x="3721101" y="4792980"/>
+            <a:ext cx="1402080" cy="369332"/>
+          </a:xfrm>
+          <a:prstGeom prst="rect">
+            <a:avLst/>
+          </a:prstGeom>
+          <a:noFill/>
+        </p:spPr>
+        <p:txBody>
+          <a:bodyPr wrap="square" rtlCol="0">
+            <a:spAutoFit/>
+          </a:bodyPr>
+          <a:lstStyle/>
+          <a:p>
+            <a:pPr algn="ctr"/>
+            <a:r>
+              <a:rPr lang="en-US" dirty="0"/>
+              <a:t>Screener</a:t>
+            </a:r>
+          </a:p>
+        </p:txBody>
+      </p:sp>
+      <p:sp>
+        <p:nvSpPr>
+          <p:cNvPr id="5" name="Flowchart: Alternate Process 4">
+            <a:extLst>
+              <a:ext uri="{FF2B5EF4-FFF2-40B4-BE49-F238E27FC236}">
+                <a16:creationId xmlns:a16="http://schemas.microsoft.com/office/drawing/2014/main" id="{5180E533-B126-40D8-B207-FD99F91A6021}"/>
+              </a:ext>
+            </a:extLst>
+          </p:cNvPr>
+          <p:cNvSpPr/>
+          <p:nvPr/>
+        </p:nvSpPr>
+        <p:spPr>
+          <a:xfrm>
+            <a:off x="2387600" y="4526280"/>
+            <a:ext cx="1168401" cy="844976"/>
+          </a:xfrm>
+          <a:prstGeom prst="flowChartAlternateProcess">
+            <a:avLst/>
+          </a:prstGeom>
+        </p:spPr>
+        <p:style>
+          <a:lnRef idx="1">
+            <a:schemeClr val="accent5"/>
+          </a:lnRef>
+          <a:fillRef idx="2">
+            <a:schemeClr val="accent5"/>
+          </a:fillRef>
+          <a:effectRef idx="1">
+            <a:schemeClr val="accent5"/>
+          </a:effectRef>
+          <a:fontRef idx="minor">
+            <a:schemeClr val="dk1"/>
+          </a:fontRef>
+        </p:style>
+        <p:txBody>
+          <a:bodyPr rtlCol="0" anchor="ctr"/>
+          <a:lstStyle/>
+          <a:p>
+            <a:pPr algn="ctr"/>
+            <a:r>
+              <a:rPr lang="en-US" dirty="0"/>
+              <a:t>All Sentences</a:t>
+            </a:r>
+          </a:p>
+        </p:txBody>
+      </p:sp>
+      <p:sp>
+        <p:nvSpPr>
+          <p:cNvPr id="27" name="Arrow: Right 26">
+            <a:extLst>
+              <a:ext uri="{FF2B5EF4-FFF2-40B4-BE49-F238E27FC236}">
+                <a16:creationId xmlns:a16="http://schemas.microsoft.com/office/drawing/2014/main" id="{C4AA01A6-D1B3-472D-9622-2C3CAB582329}"/>
+              </a:ext>
+            </a:extLst>
+          </p:cNvPr>
+          <p:cNvSpPr/>
+          <p:nvPr/>
+        </p:nvSpPr>
+        <p:spPr>
+          <a:xfrm>
+            <a:off x="3572511" y="4837008"/>
+            <a:ext cx="378460" cy="223520"/>
+          </a:xfrm>
+          <a:prstGeom prst="rightArrow">
+            <a:avLst/>
+          </a:prstGeom>
+        </p:spPr>
+        <p:style>
+          <a:lnRef idx="1">
+            <a:schemeClr val="dk1"/>
+          </a:lnRef>
+          <a:fillRef idx="2">
+            <a:schemeClr val="dk1"/>
+          </a:fillRef>
+          <a:effectRef idx="1">
+            <a:schemeClr val="dk1"/>
+          </a:effectRef>
+          <a:fontRef idx="minor">
+            <a:schemeClr val="dk1"/>
+          </a:fontRef>
+        </p:style>
+        <p:txBody>
+          <a:bodyPr rtlCol="0" anchor="ctr"/>
+          <a:lstStyle/>
+          <a:p>
+            <a:pPr algn="ctr"/>
+            <a:endParaRPr lang="en-US"/>
+          </a:p>
+        </p:txBody>
+      </p:sp>
+      <p:sp>
+        <p:nvSpPr>
+          <p:cNvPr id="29" name="Flowchart: Alternate Process 28">
+            <a:extLst>
+              <a:ext uri="{FF2B5EF4-FFF2-40B4-BE49-F238E27FC236}">
+                <a16:creationId xmlns:a16="http://schemas.microsoft.com/office/drawing/2014/main" id="{380504BE-EC10-4FB6-9768-AE26EF3C7B59}"/>
+              </a:ext>
+            </a:extLst>
+          </p:cNvPr>
+          <p:cNvSpPr/>
+          <p:nvPr/>
+        </p:nvSpPr>
+        <p:spPr>
+          <a:xfrm>
+            <a:off x="5590542" y="4404357"/>
+            <a:ext cx="1402080" cy="1026162"/>
+          </a:xfrm>
+          <a:prstGeom prst="flowChartAlternateProcess">
+            <a:avLst/>
+          </a:prstGeom>
+        </p:spPr>
+        <p:style>
+          <a:lnRef idx="1">
+            <a:schemeClr val="accent3"/>
+          </a:lnRef>
+          <a:fillRef idx="2">
+            <a:schemeClr val="accent3"/>
+          </a:fillRef>
+          <a:effectRef idx="1">
+            <a:schemeClr val="accent3"/>
+          </a:effectRef>
+          <a:fontRef idx="minor">
+            <a:schemeClr val="dk1"/>
+          </a:fontRef>
+        </p:style>
+        <p:txBody>
+          <a:bodyPr rtlCol="0" anchor="ctr"/>
+          <a:lstStyle/>
+          <a:p>
+            <a:pPr algn="ctr"/>
+            <a:r>
+              <a:rPr lang="en-US" dirty="0"/>
+              <a:t>Realization</a:t>
+            </a:r>
+          </a:p>
+        </p:txBody>
+      </p:sp>
+      <p:sp>
+        <p:nvSpPr>
+          <p:cNvPr id="30" name="Arrow: Right 29">
+            <a:extLst>
+              <a:ext uri="{FF2B5EF4-FFF2-40B4-BE49-F238E27FC236}">
+                <a16:creationId xmlns:a16="http://schemas.microsoft.com/office/drawing/2014/main" id="{FBFEA770-12CF-4BC8-ACD9-A492D5F96795}"/>
+              </a:ext>
+            </a:extLst>
+          </p:cNvPr>
+          <p:cNvSpPr/>
+          <p:nvPr/>
+        </p:nvSpPr>
+        <p:spPr>
+          <a:xfrm>
+            <a:off x="4890776" y="4792980"/>
+            <a:ext cx="572767" cy="248916"/>
+          </a:xfrm>
+          <a:prstGeom prst="rightArrow">
+            <a:avLst/>
+          </a:prstGeom>
+        </p:spPr>
+        <p:style>
+          <a:lnRef idx="1">
+            <a:schemeClr val="dk1"/>
+          </a:lnRef>
+          <a:fillRef idx="2">
+            <a:schemeClr val="dk1"/>
+          </a:fillRef>
+          <a:effectRef idx="1">
+            <a:schemeClr val="dk1"/>
+          </a:effectRef>
+          <a:fontRef idx="minor">
+            <a:schemeClr val="dk1"/>
+          </a:fontRef>
+        </p:style>
+        <p:txBody>
+          <a:bodyPr rtlCol="0" anchor="ctr"/>
+          <a:lstStyle/>
+          <a:p>
+            <a:pPr algn="ctr"/>
+            <a:endParaRPr lang="en-US"/>
+          </a:p>
+        </p:txBody>
+      </p:sp>
+      <p:sp>
+        <p:nvSpPr>
+          <p:cNvPr id="31" name="Flowchart: Connector 30">
+            <a:extLst>
+              <a:ext uri="{FF2B5EF4-FFF2-40B4-BE49-F238E27FC236}">
+                <a16:creationId xmlns:a16="http://schemas.microsoft.com/office/drawing/2014/main" id="{E6C5F07A-3E29-4D71-AE45-DBFA3FB5D904}"/>
+              </a:ext>
+            </a:extLst>
+          </p:cNvPr>
+          <p:cNvSpPr/>
+          <p:nvPr/>
+        </p:nvSpPr>
+        <p:spPr>
+          <a:xfrm>
+            <a:off x="7459983" y="4349328"/>
+            <a:ext cx="1549403" cy="1198879"/>
+          </a:xfrm>
+          <a:prstGeom prst="flowChartConnector">
+            <a:avLst/>
+          </a:prstGeom>
+        </p:spPr>
+        <p:style>
+          <a:lnRef idx="1">
+            <a:schemeClr val="accent1"/>
+          </a:lnRef>
+          <a:fillRef idx="2">
+            <a:schemeClr val="accent1"/>
+          </a:fillRef>
+          <a:effectRef idx="1">
+            <a:schemeClr val="accent1"/>
+          </a:effectRef>
+          <a:fontRef idx="minor">
+            <a:schemeClr val="dk1"/>
+          </a:fontRef>
+        </p:style>
+        <p:txBody>
+          <a:bodyPr rtlCol="0" anchor="ctr"/>
+          <a:lstStyle/>
+          <a:p>
+            <a:pPr algn="ctr"/>
+            <a:r>
+              <a:rPr lang="en-US" dirty="0"/>
+              <a:t>Final Sentences</a:t>
+            </a:r>
+          </a:p>
+        </p:txBody>
+      </p:sp>
+      <p:sp>
+        <p:nvSpPr>
+          <p:cNvPr id="32" name="Arrow: Right 31">
+            <a:extLst>
+              <a:ext uri="{FF2B5EF4-FFF2-40B4-BE49-F238E27FC236}">
+                <a16:creationId xmlns:a16="http://schemas.microsoft.com/office/drawing/2014/main" id="{83845503-4E15-45F4-BF80-FFA5E897DB1D}"/>
+              </a:ext>
+            </a:extLst>
+          </p:cNvPr>
+          <p:cNvSpPr/>
+          <p:nvPr/>
+        </p:nvSpPr>
+        <p:spPr>
+          <a:xfrm>
+            <a:off x="6939919" y="4844136"/>
+            <a:ext cx="572767" cy="248916"/>
+          </a:xfrm>
+          <a:prstGeom prst="rightArrow">
+            <a:avLst/>
+          </a:prstGeom>
+        </p:spPr>
+        <p:style>
+          <a:lnRef idx="1">
+            <a:schemeClr val="dk1"/>
+          </a:lnRef>
+          <a:fillRef idx="2">
+            <a:schemeClr val="dk1"/>
+          </a:fillRef>
+          <a:effectRef idx="1">
+            <a:schemeClr val="dk1"/>
+          </a:effectRef>
+          <a:fontRef idx="minor">
+            <a:schemeClr val="dk1"/>
+          </a:fontRef>
+        </p:style>
+        <p:txBody>
+          <a:bodyPr rtlCol="0" anchor="ctr"/>
+          <a:lstStyle/>
+          <a:p>
+            <a:pPr algn="ctr"/>
+            <a:endParaRPr lang="en-US"/>
+          </a:p>
+        </p:txBody>
+      </p:sp>
+    </p:spTree>
+    <p:extLst>
+      <p:ext uri="{BB962C8B-B14F-4D97-AF65-F5344CB8AC3E}">
+        <p14:creationId xmlns:p14="http://schemas.microsoft.com/office/powerpoint/2010/main" val="968706212"/>
+      </p:ext>
+    </p:extLst>
+  </p:cSld>
+  <p:clrMapOvr>
+    <a:masterClrMapping/>
+  </p:clrMapOvr>
+</p:sld>
+</file>
+
+<file path=ppt/slides/slide22.xml><?xml version="1.0" encoding="utf-8"?>
 <p:sld xmlns:a="http://schemas.openxmlformats.org/drawingml/2006/main" xmlns:r="http://schemas.openxmlformats.org/officeDocument/2006/relationships" xmlns:p="http://schemas.openxmlformats.org/presentationml/2006/main">
   <p:cSld>
     <p:spTree>
@@ -14582,7 +14914,59 @@
           <a:bodyPr/>
           <a:lstStyle/>
           <a:p>
-            <a:endParaRPr lang="en-US"/>
+            <a:r>
+              <a:rPr lang="en-US" dirty="0"/>
+              <a:t>D3: “Expert” approach from </a:t>
+            </a:r>
+            <a:r>
+              <a:rPr lang="en-US" dirty="0" err="1"/>
+              <a:t>Bollegala</a:t>
+            </a:r>
+            <a:r>
+              <a:rPr lang="en-US" dirty="0"/>
+              <a:t> et al.</a:t>
+            </a:r>
+          </a:p>
+          <a:p>
+            <a:pPr lvl="1"/>
+            <a:r>
+              <a:rPr lang="en-US" dirty="0"/>
+              <a:t>Chronology, Topical closeness</a:t>
+            </a:r>
+          </a:p>
+          <a:p>
+            <a:r>
+              <a:rPr lang="en-US" dirty="0"/>
+              <a:t>D4: Additional features for first sentence</a:t>
+            </a:r>
+          </a:p>
+          <a:p>
+            <a:pPr lvl="1"/>
+            <a:r>
+              <a:rPr lang="en-US" dirty="0"/>
+              <a:t>Positive Feature: Word count</a:t>
+            </a:r>
+          </a:p>
+          <a:p>
+            <a:pPr lvl="1"/>
+            <a:r>
+              <a:rPr lang="en-US" dirty="0"/>
+              <a:t>Negative Features: Unlikely start terms</a:t>
+            </a:r>
+          </a:p>
+          <a:p>
+            <a:pPr lvl="2"/>
+            <a:r>
+              <a:rPr lang="en-US" dirty="0"/>
+              <a:t>He, she, it, they, that, those, some, since</a:t>
+            </a:r>
+          </a:p>
+          <a:p>
+            <a:pPr lvl="2"/>
+            <a:r>
+              <a:rPr lang="en-US" dirty="0"/>
+              <a:t>The</a:t>
+            </a:r>
           </a:p>
         </p:txBody>
       </p:sp>

--- a/doc/D4_presentation.pptx
+++ b/doc/D4_presentation.pptx
@@ -5,7 +5,7 @@
     <p:sldMasterId id="2147484045" r:id="rId1"/>
   </p:sldMasterIdLst>
   <p:notesMasterIdLst>
-    <p:notesMasterId r:id="rId23"/>
+    <p:notesMasterId r:id="rId19"/>
   </p:notesMasterIdLst>
   <p:sldIdLst>
     <p:sldId id="256" r:id="rId2"/>
@@ -25,10 +25,6 @@
     <p:sldId id="315" r:id="rId16"/>
     <p:sldId id="316" r:id="rId17"/>
     <p:sldId id="310" r:id="rId18"/>
-    <p:sldId id="306" r:id="rId19"/>
-    <p:sldId id="302" r:id="rId20"/>
-    <p:sldId id="303" r:id="rId21"/>
-    <p:sldId id="311" r:id="rId22"/>
   </p:sldIdLst>
   <p:sldSz cx="12192000" cy="6858000"/>
   <p:notesSz cx="6858000" cy="9144000"/>
@@ -4448,7 +4444,7 @@
             </a:br>
             <a:r>
               <a:rPr lang="en-US" dirty="0"/>
-              <a:t>(mildly cherrypicked) example</a:t>
+              <a:t>example</a:t>
             </a:r>
           </a:p>
         </p:txBody>
@@ -4469,15 +4465,21 @@
             <p:ph type="body" idx="1"/>
           </p:nvPr>
         </p:nvSpPr>
-        <p:spPr/>
+        <p:spPr>
+          <a:xfrm>
+            <a:off x="126111" y="1836746"/>
+            <a:ext cx="5746368" cy="743094"/>
+          </a:xfrm>
+        </p:spPr>
         <p:txBody>
           <a:bodyPr>
             <a:normAutofit/>
           </a:bodyPr>
           <a:lstStyle/>
           <a:p>
-            <a:r>
-              <a:rPr lang="en-US" sz="2400" dirty="0"/>
+            <a:pPr algn="ctr"/>
+            <a:r>
+              <a:rPr lang="en-US" sz="2800" dirty="0"/>
               <a:t>D3 Ordering</a:t>
             </a:r>
           </a:p>
@@ -4501,13 +4503,13 @@
         </p:nvSpPr>
         <p:spPr>
           <a:xfrm>
-            <a:off x="1207008" y="2656566"/>
-            <a:ext cx="4754880" cy="4201434"/>
+            <a:off x="126111" y="2651208"/>
+            <a:ext cx="5746369" cy="4201434"/>
           </a:xfrm>
         </p:spPr>
         <p:txBody>
           <a:bodyPr>
-            <a:normAutofit fontScale="70000" lnSpcReduction="20000"/>
+            <a:noAutofit/>
           </a:bodyPr>
           <a:lstStyle/>
           <a:p>
@@ -4515,7 +4517,7 @@
               <a:buNone/>
             </a:pPr>
             <a:r>
-              <a:rPr lang="en-US" sz="2300" dirty="0">
+              <a:rPr lang="en-US" sz="1700" dirty="0">
                 <a:solidFill>
                   <a:schemeClr val="accent4">
                     <a:lumMod val="50000"/>
@@ -4530,7 +4532,7 @@
               <a:buNone/>
             </a:pPr>
             <a:r>
-              <a:rPr lang="en-US" sz="2300" dirty="0">
+              <a:rPr lang="en-US" sz="1700" dirty="0">
                 <a:solidFill>
                   <a:schemeClr val="accent4">
                     <a:lumMod val="50000"/>
@@ -4545,14 +4547,14 @@
               <a:buNone/>
             </a:pPr>
             <a:r>
-              <a:rPr lang="en-US" sz="2300" dirty="0">
+              <a:rPr lang="en-US" sz="1700" dirty="0">
                 <a:solidFill>
                   <a:schemeClr val="accent4">
                     <a:lumMod val="50000"/>
                   </a:schemeClr>
                 </a:solidFill>
               </a:rPr>
-              <a:t>The official of the ministry said that at least 476,619 people were refugees, and the figure could increase as there were still many others uncounted by t    he officials.</a:t>
+              <a:t>The official of the ministry said that at least 476,619 people were refugees, and the figure could increase as there were still many others uncounted by the officials.</a:t>
             </a:r>
           </a:p>
           <a:p>
@@ -4560,7 +4562,7 @@
               <a:buNone/>
             </a:pPr>
             <a:r>
-              <a:rPr lang="en-US" sz="2300" dirty="0">
+              <a:rPr lang="en-US" sz="1700" dirty="0">
                 <a:solidFill>
                   <a:schemeClr val="accent4">
                     <a:lumMod val="50000"/>
@@ -4575,7 +4577,7 @@
               <a:buNone/>
             </a:pPr>
             <a:r>
-              <a:rPr lang="en-US" sz="2300" dirty="0">
+              <a:rPr lang="en-US" sz="1700" dirty="0">
                 <a:solidFill>
                   <a:schemeClr val="accent4">
                     <a:lumMod val="50000"/>
@@ -4603,15 +4605,21 @@
             <p:ph type="body" sz="quarter" idx="3"/>
           </p:nvPr>
         </p:nvSpPr>
-        <p:spPr/>
+        <p:spPr>
+          <a:xfrm>
+            <a:off x="6094958" y="1874235"/>
+            <a:ext cx="5746367" cy="743094"/>
+          </a:xfrm>
+        </p:spPr>
         <p:txBody>
           <a:bodyPr>
             <a:normAutofit/>
           </a:bodyPr>
           <a:lstStyle/>
           <a:p>
-            <a:r>
-              <a:rPr lang="en-US" sz="2400" dirty="0"/>
+            <a:pPr algn="ctr"/>
+            <a:r>
+              <a:rPr lang="en-US" sz="2800" dirty="0"/>
               <a:t>D4 Ordering</a:t>
             </a:r>
           </a:p>
@@ -4633,10 +4641,15 @@
             <p:ph sz="quarter" idx="4"/>
           </p:nvPr>
         </p:nvSpPr>
-        <p:spPr/>
+        <p:spPr>
+          <a:xfrm>
+            <a:off x="6094959" y="2579840"/>
+            <a:ext cx="5746369" cy="3993984"/>
+          </a:xfrm>
+        </p:spPr>
         <p:txBody>
           <a:bodyPr>
-            <a:normAutofit fontScale="70000" lnSpcReduction="20000"/>
+            <a:noAutofit/>
           </a:bodyPr>
           <a:lstStyle/>
           <a:p>
@@ -4644,7 +4657,7 @@
               <a:buNone/>
             </a:pPr>
             <a:r>
-              <a:rPr lang="en-US" sz="2300" dirty="0">
+              <a:rPr lang="en-US" sz="1700" dirty="0">
                 <a:solidFill>
                   <a:schemeClr val="accent4">
                     <a:lumMod val="50000"/>
@@ -4659,7 +4672,7 @@
               <a:buNone/>
             </a:pPr>
             <a:r>
-              <a:rPr lang="en-US" sz="2300" dirty="0">
+              <a:rPr lang="en-US" sz="1700" dirty="0">
                 <a:solidFill>
                   <a:schemeClr val="accent4">
                     <a:lumMod val="50000"/>
@@ -4674,14 +4687,14 @@
               <a:buNone/>
             </a:pPr>
             <a:r>
-              <a:rPr lang="en-US" sz="2300" dirty="0">
+              <a:rPr lang="en-US" sz="1700" dirty="0">
                 <a:solidFill>
                   <a:schemeClr val="accent4">
                     <a:lumMod val="50000"/>
                   </a:schemeClr>
                 </a:solidFill>
               </a:rPr>
-              <a:t>The official of the ministry said that at least 476,619 people were refugees, and the figure could increase as there were still many others uncounted by t    he officials.</a:t>
+              <a:t>The official of the ministry said that at least 476,619 people were refugees, and the figure could increase as there were still many others uncounted by the officials.</a:t>
             </a:r>
           </a:p>
           <a:p>
@@ -4689,7 +4702,7 @@
               <a:buNone/>
             </a:pPr>
             <a:r>
-              <a:rPr lang="en-US" sz="2300" dirty="0">
+              <a:rPr lang="en-US" sz="1700" dirty="0">
                 <a:solidFill>
                   <a:schemeClr val="accent4">
                     <a:lumMod val="50000"/>
@@ -4704,7 +4717,7 @@
               <a:buNone/>
             </a:pPr>
             <a:r>
-              <a:rPr lang="en-US" sz="2300" dirty="0">
+              <a:rPr lang="en-US" sz="1700" dirty="0">
                 <a:solidFill>
                   <a:schemeClr val="accent4">
                     <a:lumMod val="50000"/>
@@ -4715,7 +4728,7 @@
             </a:r>
           </a:p>
           <a:p>
-            <a:endParaRPr lang="en-US" dirty="0"/>
+            <a:endParaRPr lang="en-US" sz="1700" dirty="0"/>
           </a:p>
         </p:txBody>
       </p:sp>
@@ -5462,12 +5475,12 @@
         </p:spPr>
         <p:txBody>
           <a:bodyPr>
-            <a:normAutofit/>
+            <a:normAutofit lnSpcReduction="10000"/>
           </a:bodyPr>
           <a:lstStyle/>
           <a:p>
             <a:r>
-              <a:rPr lang="en-US" dirty="0"/>
+              <a:rPr lang="en-US" sz="2400" dirty="0"/>
               <a:t>Fragments:</a:t>
             </a:r>
           </a:p>
@@ -5497,7 +5510,7 @@
           </a:p>
           <a:p>
             <a:r>
-              <a:rPr lang="en-US" dirty="0">
+              <a:rPr lang="en-US" sz="2400" dirty="0">
                 <a:solidFill>
                   <a:schemeClr val="tx1"/>
                 </a:solidFill>
@@ -5544,7 +5557,7 @@
           </a:p>
           <a:p>
             <a:r>
-              <a:rPr lang="en-US" dirty="0">
+              <a:rPr lang="en-US" sz="2400" dirty="0">
                 <a:solidFill>
                   <a:schemeClr val="tx1"/>
                 </a:solidFill>
@@ -5647,8 +5660,8 @@
           <a:lstStyle/>
           <a:p>
             <a:r>
-              <a:rPr lang="en-US" dirty="0"/>
-              <a:t>Lots of good content with no thesis:</a:t>
+              <a:rPr lang="en-US" sz="2800" dirty="0"/>
+              <a:t>Sentences with good content with no thesis:</a:t>
             </a:r>
           </a:p>
           <a:p>
@@ -5837,7 +5850,7 @@
           <a:lstStyle/>
           <a:p>
             <a:r>
-              <a:rPr lang="en-US" dirty="0"/>
+              <a:rPr lang="en-US" sz="2800" dirty="0"/>
               <a:t>Big range in scores</a:t>
             </a:r>
           </a:p>
@@ -6271,15 +6284,15 @@
           <a:lstStyle/>
           <a:p>
             <a:r>
-              <a:rPr lang="en-US" dirty="0"/>
+              <a:rPr lang="en-US" sz="2600" dirty="0"/>
               <a:t>Worst summary in </a:t>
             </a:r>
             <a:r>
-              <a:rPr lang="en-US" dirty="0" err="1"/>
+              <a:rPr lang="en-US" sz="2600" dirty="0" err="1"/>
               <a:t>devtest</a:t>
             </a:r>
             <a:r>
-              <a:rPr lang="en-US" dirty="0"/>
+              <a:rPr lang="en-US" sz="2600" dirty="0"/>
               <a:t>:</a:t>
             </a:r>
           </a:p>
@@ -6345,14 +6358,14 @@
           </a:p>
           <a:p>
             <a:r>
-              <a:rPr lang="en-US" dirty="0"/>
+              <a:rPr lang="en-US" sz="2600" dirty="0"/>
               <a:t>Topic: Threat to frogs</a:t>
             </a:r>
           </a:p>
           <a:p>
             <a:r>
-              <a:rPr lang="en-US" dirty="0"/>
-              <a:t>Articles all over the place:</a:t>
+              <a:rPr lang="en-US" sz="2600" dirty="0"/>
+              <a:t>Articles quite varied:</a:t>
             </a:r>
           </a:p>
           <a:p>
@@ -6377,17 +6390,11 @@
             </a:r>
           </a:p>
           <a:p>
-            <a:pPr lvl="1"/>
-            <a:r>
-              <a:rPr lang="en-US" dirty="0"/>
-              <a:t>(Also some actually about frogs)</a:t>
-            </a:r>
-          </a:p>
-          <a:p>
-            <a:r>
-              <a:rPr lang="en-US" dirty="0"/>
+            <a:r>
+              <a:rPr lang="en-US" sz="2600" dirty="0"/>
               <a:t>Maybe query would help here?</a:t>
             </a:r>
+            <a:endParaRPr lang="en-US" dirty="0"/>
           </a:p>
         </p:txBody>
       </p:sp>
@@ -6478,7 +6485,7 @@
           <a:lstStyle/>
           <a:p>
             <a:r>
-              <a:rPr lang="en-US" dirty="0"/>
+              <a:rPr lang="en-US" sz="2400" dirty="0"/>
               <a:t>(Disappointingly?) simple rules work really well</a:t>
             </a:r>
           </a:p>
@@ -6526,7 +6533,7 @@
           </a:p>
           <a:p>
             <a:r>
-              <a:rPr lang="en-US" dirty="0"/>
+              <a:rPr lang="en-US" sz="2400" dirty="0"/>
               <a:t>Understand the difficulty of evaluating results</a:t>
             </a:r>
           </a:p>
@@ -6539,7 +6546,7 @@
           </a:p>
           <a:p>
             <a:r>
-              <a:rPr lang="en-US" dirty="0"/>
+              <a:rPr lang="en-US" sz="2400" dirty="0"/>
               <a:t>Danger of overfitting </a:t>
             </a:r>
           </a:p>
@@ -6666,1071 +6673,6 @@
 </p:sld>
 </file>
 
-<file path=ppt/slides/slide18.xml><?xml version="1.0" encoding="utf-8"?>
-<p:sld xmlns:a="http://schemas.openxmlformats.org/drawingml/2006/main" xmlns:r="http://schemas.openxmlformats.org/officeDocument/2006/relationships" xmlns:p="http://schemas.openxmlformats.org/presentationml/2006/main">
-  <p:cSld>
-    <p:spTree>
-      <p:nvGrpSpPr>
-        <p:cNvPr id="1" name=""/>
-        <p:cNvGrpSpPr/>
-        <p:nvPr/>
-      </p:nvGrpSpPr>
-      <p:grpSpPr>
-        <a:xfrm>
-          <a:off x="0" y="0"/>
-          <a:ext cx="0" cy="0"/>
-          <a:chOff x="0" y="0"/>
-          <a:chExt cx="0" cy="0"/>
-        </a:xfrm>
-      </p:grpSpPr>
-      <p:sp>
-        <p:nvSpPr>
-          <p:cNvPr id="2" name="Title 1">
-            <a:extLst>
-              <a:ext uri="{FF2B5EF4-FFF2-40B4-BE49-F238E27FC236}">
-                <a16:creationId xmlns:a16="http://schemas.microsoft.com/office/drawing/2014/main" id="{A43E375F-A7A8-4A2D-AE00-F2318DF567BA}"/>
-              </a:ext>
-            </a:extLst>
-          </p:cNvPr>
-          <p:cNvSpPr>
-            <a:spLocks noGrp="1"/>
-          </p:cNvSpPr>
-          <p:nvPr>
-            <p:ph type="title"/>
-          </p:nvPr>
-        </p:nvSpPr>
-        <p:spPr/>
-        <p:txBody>
-          <a:bodyPr/>
-          <a:lstStyle/>
-          <a:p>
-            <a:r>
-              <a:rPr lang="en-US" dirty="0"/>
-              <a:t>Bad Slides</a:t>
-            </a:r>
-          </a:p>
-        </p:txBody>
-      </p:sp>
-      <p:sp>
-        <p:nvSpPr>
-          <p:cNvPr id="3" name="Content Placeholder 2">
-            <a:extLst>
-              <a:ext uri="{FF2B5EF4-FFF2-40B4-BE49-F238E27FC236}">
-                <a16:creationId xmlns:a16="http://schemas.microsoft.com/office/drawing/2014/main" id="{790D3516-4BDC-4AFF-B9AC-2315FB757560}"/>
-              </a:ext>
-            </a:extLst>
-          </p:cNvPr>
-          <p:cNvSpPr>
-            <a:spLocks noGrp="1"/>
-          </p:cNvSpPr>
-          <p:nvPr>
-            <p:ph idx="1"/>
-          </p:nvPr>
-        </p:nvSpPr>
-        <p:spPr/>
-        <p:txBody>
-          <a:bodyPr/>
-          <a:lstStyle/>
-          <a:p>
-            <a:endParaRPr lang="en-US"/>
-          </a:p>
-        </p:txBody>
-      </p:sp>
-    </p:spTree>
-    <p:extLst>
-      <p:ext uri="{BB962C8B-B14F-4D97-AF65-F5344CB8AC3E}">
-        <p14:creationId xmlns:p14="http://schemas.microsoft.com/office/powerpoint/2010/main" val="2229649300"/>
-      </p:ext>
-    </p:extLst>
-  </p:cSld>
-  <p:clrMapOvr>
-    <a:masterClrMapping/>
-  </p:clrMapOvr>
-</p:sld>
-</file>
-
-<file path=ppt/slides/slide19.xml><?xml version="1.0" encoding="utf-8"?>
-<p:sld xmlns:a="http://schemas.openxmlformats.org/drawingml/2006/main" xmlns:r="http://schemas.openxmlformats.org/officeDocument/2006/relationships" xmlns:p="http://schemas.openxmlformats.org/presentationml/2006/main">
-  <p:cSld>
-    <p:spTree>
-      <p:nvGrpSpPr>
-        <p:cNvPr id="1" name=""/>
-        <p:cNvGrpSpPr/>
-        <p:nvPr/>
-      </p:nvGrpSpPr>
-      <p:grpSpPr>
-        <a:xfrm>
-          <a:off x="0" y="0"/>
-          <a:ext cx="0" cy="0"/>
-          <a:chOff x="0" y="0"/>
-          <a:chExt cx="0" cy="0"/>
-        </a:xfrm>
-      </p:grpSpPr>
-      <p:sp>
-        <p:nvSpPr>
-          <p:cNvPr id="2" name="Title 1">
-            <a:extLst>
-              <a:ext uri="{FF2B5EF4-FFF2-40B4-BE49-F238E27FC236}">
-                <a16:creationId xmlns:a16="http://schemas.microsoft.com/office/drawing/2014/main" id="{BE96DB2D-E3BA-4832-9999-CCE880797DF2}"/>
-              </a:ext>
-            </a:extLst>
-          </p:cNvPr>
-          <p:cNvSpPr>
-            <a:spLocks noGrp="1"/>
-          </p:cNvSpPr>
-          <p:nvPr>
-            <p:ph type="title"/>
-          </p:nvPr>
-        </p:nvSpPr>
-        <p:spPr/>
-        <p:txBody>
-          <a:bodyPr/>
-          <a:lstStyle/>
-          <a:p>
-            <a:r>
-              <a:rPr lang="en-US" dirty="0"/>
-              <a:t>Realization Updates</a:t>
-            </a:r>
-          </a:p>
-        </p:txBody>
-      </p:sp>
-      <p:sp>
-        <p:nvSpPr>
-          <p:cNvPr id="3" name="Content Placeholder 2">
-            <a:extLst>
-              <a:ext uri="{FF2B5EF4-FFF2-40B4-BE49-F238E27FC236}">
-                <a16:creationId xmlns:a16="http://schemas.microsoft.com/office/drawing/2014/main" id="{6C539262-E349-4D5D-B6BB-CAAE6B6D423C}"/>
-              </a:ext>
-            </a:extLst>
-          </p:cNvPr>
-          <p:cNvSpPr>
-            <a:spLocks noGrp="1"/>
-          </p:cNvSpPr>
-          <p:nvPr>
-            <p:ph idx="1"/>
-          </p:nvPr>
-        </p:nvSpPr>
-        <p:spPr>
-          <a:xfrm>
-            <a:off x="1295401" y="2556931"/>
-            <a:ext cx="9601196" cy="960476"/>
-          </a:xfrm>
-        </p:spPr>
-        <p:txBody>
-          <a:bodyPr>
-            <a:normAutofit/>
-          </a:bodyPr>
-          <a:lstStyle/>
-          <a:p>
-            <a:r>
-              <a:rPr lang="en-US" dirty="0"/>
-              <a:t>Moved sentence screening into selection</a:t>
-            </a:r>
-          </a:p>
-          <a:p>
-            <a:r>
-              <a:rPr lang="en-US" dirty="0"/>
-              <a:t>Previously:</a:t>
-            </a:r>
-          </a:p>
-        </p:txBody>
-      </p:sp>
-      <p:sp>
-        <p:nvSpPr>
-          <p:cNvPr id="4" name="Rectangle: Rounded Corners 3">
-            <a:extLst>
-              <a:ext uri="{FF2B5EF4-FFF2-40B4-BE49-F238E27FC236}">
-                <a16:creationId xmlns:a16="http://schemas.microsoft.com/office/drawing/2014/main" id="{BE587B96-8172-448C-9360-93597F617912}"/>
-              </a:ext>
-            </a:extLst>
-          </p:cNvPr>
-          <p:cNvSpPr/>
-          <p:nvPr/>
-        </p:nvSpPr>
-        <p:spPr>
-          <a:xfrm>
-            <a:off x="1122681" y="4150360"/>
-            <a:ext cx="1137920" cy="609600"/>
-          </a:xfrm>
-          <a:prstGeom prst="roundRect">
-            <a:avLst/>
-          </a:prstGeom>
-        </p:spPr>
-        <p:style>
-          <a:lnRef idx="1">
-            <a:schemeClr val="accent3"/>
-          </a:lnRef>
-          <a:fillRef idx="2">
-            <a:schemeClr val="accent3"/>
-          </a:fillRef>
-          <a:effectRef idx="1">
-            <a:schemeClr val="accent3"/>
-          </a:effectRef>
-          <a:fontRef idx="minor">
-            <a:schemeClr val="dk1"/>
-          </a:fontRef>
-        </p:style>
-        <p:txBody>
-          <a:bodyPr rtlCol="0" anchor="ctr"/>
-          <a:lstStyle/>
-          <a:p>
-            <a:pPr algn="ctr"/>
-            <a:r>
-              <a:rPr lang="en-US" dirty="0"/>
-              <a:t>Selection</a:t>
-            </a:r>
-          </a:p>
-        </p:txBody>
-      </p:sp>
-      <p:sp>
-        <p:nvSpPr>
-          <p:cNvPr id="6" name="Rectangle: Rounded Corners 5">
-            <a:extLst>
-              <a:ext uri="{FF2B5EF4-FFF2-40B4-BE49-F238E27FC236}">
-                <a16:creationId xmlns:a16="http://schemas.microsoft.com/office/drawing/2014/main" id="{D77740AA-6921-4143-A05E-7259014E71E3}"/>
-              </a:ext>
-            </a:extLst>
-          </p:cNvPr>
-          <p:cNvSpPr/>
-          <p:nvPr/>
-        </p:nvSpPr>
-        <p:spPr>
-          <a:xfrm>
-            <a:off x="2606040" y="4013199"/>
-            <a:ext cx="3215639" cy="1227667"/>
-          </a:xfrm>
-          <a:prstGeom prst="roundRect">
-            <a:avLst/>
-          </a:prstGeom>
-        </p:spPr>
-        <p:style>
-          <a:lnRef idx="2">
-            <a:schemeClr val="accent3"/>
-          </a:lnRef>
-          <a:fillRef idx="1">
-            <a:schemeClr val="lt1"/>
-          </a:fillRef>
-          <a:effectRef idx="0">
-            <a:schemeClr val="accent3"/>
-          </a:effectRef>
-          <a:fontRef idx="minor">
-            <a:schemeClr val="dk1"/>
-          </a:fontRef>
-        </p:style>
-        <p:txBody>
-          <a:bodyPr rtlCol="0" anchor="t"/>
-          <a:lstStyle/>
-          <a:p>
-            <a:pPr algn="ctr"/>
-            <a:endParaRPr lang="en-US" dirty="0"/>
-          </a:p>
-        </p:txBody>
-      </p:sp>
-      <p:sp>
-        <p:nvSpPr>
-          <p:cNvPr id="7" name="Rectangle: Rounded Corners 6">
-            <a:extLst>
-              <a:ext uri="{FF2B5EF4-FFF2-40B4-BE49-F238E27FC236}">
-                <a16:creationId xmlns:a16="http://schemas.microsoft.com/office/drawing/2014/main" id="{25EA4BAB-3B7E-4832-B183-DA27A97F86EA}"/>
-              </a:ext>
-            </a:extLst>
-          </p:cNvPr>
-          <p:cNvSpPr/>
-          <p:nvPr/>
-        </p:nvSpPr>
-        <p:spPr>
-          <a:xfrm>
-            <a:off x="2804159" y="4155439"/>
-            <a:ext cx="2819400" cy="172720"/>
-          </a:xfrm>
-          <a:prstGeom prst="roundRect">
-            <a:avLst/>
-          </a:prstGeom>
-        </p:spPr>
-        <p:style>
-          <a:lnRef idx="2">
-            <a:schemeClr val="accent3"/>
-          </a:lnRef>
-          <a:fillRef idx="1">
-            <a:schemeClr val="lt1"/>
-          </a:fillRef>
-          <a:effectRef idx="0">
-            <a:schemeClr val="accent3"/>
-          </a:effectRef>
-          <a:fontRef idx="minor">
-            <a:schemeClr val="dk1"/>
-          </a:fontRef>
-        </p:style>
-        <p:txBody>
-          <a:bodyPr rtlCol="0" anchor="ctr"/>
-          <a:lstStyle/>
-          <a:p>
-            <a:pPr algn="ctr"/>
-            <a:endParaRPr lang="en-US" dirty="0"/>
-          </a:p>
-        </p:txBody>
-      </p:sp>
-      <p:sp>
-        <p:nvSpPr>
-          <p:cNvPr id="8" name="Rectangle: Rounded Corners 7">
-            <a:extLst>
-              <a:ext uri="{FF2B5EF4-FFF2-40B4-BE49-F238E27FC236}">
-                <a16:creationId xmlns:a16="http://schemas.microsoft.com/office/drawing/2014/main" id="{959E695A-7800-479E-8C70-72BBFB2819AB}"/>
-              </a:ext>
-            </a:extLst>
-          </p:cNvPr>
-          <p:cNvSpPr/>
-          <p:nvPr/>
-        </p:nvSpPr>
-        <p:spPr>
-          <a:xfrm>
-            <a:off x="2804159" y="4363719"/>
-            <a:ext cx="2819400" cy="172720"/>
-          </a:xfrm>
-          <a:prstGeom prst="roundRect">
-            <a:avLst/>
-          </a:prstGeom>
-        </p:spPr>
-        <p:style>
-          <a:lnRef idx="2">
-            <a:schemeClr val="accent3"/>
-          </a:lnRef>
-          <a:fillRef idx="1">
-            <a:schemeClr val="lt1"/>
-          </a:fillRef>
-          <a:effectRef idx="0">
-            <a:schemeClr val="accent3"/>
-          </a:effectRef>
-          <a:fontRef idx="minor">
-            <a:schemeClr val="dk1"/>
-          </a:fontRef>
-        </p:style>
-        <p:txBody>
-          <a:bodyPr rtlCol="0" anchor="ctr"/>
-          <a:lstStyle/>
-          <a:p>
-            <a:pPr algn="ctr"/>
-            <a:endParaRPr lang="en-US" dirty="0"/>
-          </a:p>
-        </p:txBody>
-      </p:sp>
-      <p:sp>
-        <p:nvSpPr>
-          <p:cNvPr id="9" name="Rectangle: Rounded Corners 8">
-            <a:extLst>
-              <a:ext uri="{FF2B5EF4-FFF2-40B4-BE49-F238E27FC236}">
-                <a16:creationId xmlns:a16="http://schemas.microsoft.com/office/drawing/2014/main" id="{57B739D5-C3B7-4D78-AD63-0C18763E0F7D}"/>
-              </a:ext>
-            </a:extLst>
-          </p:cNvPr>
-          <p:cNvSpPr/>
-          <p:nvPr/>
-        </p:nvSpPr>
-        <p:spPr>
-          <a:xfrm>
-            <a:off x="2804159" y="4571999"/>
-            <a:ext cx="2819400" cy="172720"/>
-          </a:xfrm>
-          <a:prstGeom prst="roundRect">
-            <a:avLst/>
-          </a:prstGeom>
-        </p:spPr>
-        <p:style>
-          <a:lnRef idx="2">
-            <a:schemeClr val="accent3"/>
-          </a:lnRef>
-          <a:fillRef idx="1">
-            <a:schemeClr val="lt1"/>
-          </a:fillRef>
-          <a:effectRef idx="0">
-            <a:schemeClr val="accent3"/>
-          </a:effectRef>
-          <a:fontRef idx="minor">
-            <a:schemeClr val="dk1"/>
-          </a:fontRef>
-        </p:style>
-        <p:txBody>
-          <a:bodyPr rtlCol="0" anchor="ctr"/>
-          <a:lstStyle/>
-          <a:p>
-            <a:pPr algn="ctr"/>
-            <a:endParaRPr lang="en-US" dirty="0"/>
-          </a:p>
-        </p:txBody>
-      </p:sp>
-      <p:sp>
-        <p:nvSpPr>
-          <p:cNvPr id="10" name="Rectangle: Rounded Corners 9">
-            <a:extLst>
-              <a:ext uri="{FF2B5EF4-FFF2-40B4-BE49-F238E27FC236}">
-                <a16:creationId xmlns:a16="http://schemas.microsoft.com/office/drawing/2014/main" id="{04051D66-90EA-4C98-9994-DAAE73A356CC}"/>
-              </a:ext>
-            </a:extLst>
-          </p:cNvPr>
-          <p:cNvSpPr/>
-          <p:nvPr/>
-        </p:nvSpPr>
-        <p:spPr>
-          <a:xfrm>
-            <a:off x="2804159" y="4779645"/>
-            <a:ext cx="2819400" cy="172720"/>
-          </a:xfrm>
-          <a:prstGeom prst="roundRect">
-            <a:avLst/>
-          </a:prstGeom>
-        </p:spPr>
-        <p:style>
-          <a:lnRef idx="2">
-            <a:schemeClr val="accent3"/>
-          </a:lnRef>
-          <a:fillRef idx="1">
-            <a:schemeClr val="lt1"/>
-          </a:fillRef>
-          <a:effectRef idx="0">
-            <a:schemeClr val="accent3"/>
-          </a:effectRef>
-          <a:fontRef idx="minor">
-            <a:schemeClr val="dk1"/>
-          </a:fontRef>
-        </p:style>
-        <p:txBody>
-          <a:bodyPr rtlCol="0" anchor="ctr"/>
-          <a:lstStyle/>
-          <a:p>
-            <a:pPr algn="ctr"/>
-            <a:endParaRPr lang="en-US" dirty="0"/>
-          </a:p>
-        </p:txBody>
-      </p:sp>
-      <p:sp>
-        <p:nvSpPr>
-          <p:cNvPr id="11" name="Rectangle: Rounded Corners 10">
-            <a:extLst>
-              <a:ext uri="{FF2B5EF4-FFF2-40B4-BE49-F238E27FC236}">
-                <a16:creationId xmlns:a16="http://schemas.microsoft.com/office/drawing/2014/main" id="{44A6E4F8-1EFE-4B6D-BD29-47046EEA3E07}"/>
-              </a:ext>
-            </a:extLst>
-          </p:cNvPr>
-          <p:cNvSpPr/>
-          <p:nvPr/>
-        </p:nvSpPr>
-        <p:spPr>
-          <a:xfrm>
-            <a:off x="2804159" y="4988984"/>
-            <a:ext cx="2819400" cy="172720"/>
-          </a:xfrm>
-          <a:prstGeom prst="roundRect">
-            <a:avLst/>
-          </a:prstGeom>
-        </p:spPr>
-        <p:style>
-          <a:lnRef idx="2">
-            <a:schemeClr val="accent3"/>
-          </a:lnRef>
-          <a:fillRef idx="1">
-            <a:schemeClr val="lt1"/>
-          </a:fillRef>
-          <a:effectRef idx="0">
-            <a:schemeClr val="accent3"/>
-          </a:effectRef>
-          <a:fontRef idx="minor">
-            <a:schemeClr val="dk1"/>
-          </a:fontRef>
-        </p:style>
-        <p:txBody>
-          <a:bodyPr rtlCol="0" anchor="ctr"/>
-          <a:lstStyle/>
-          <a:p>
-            <a:pPr algn="ctr"/>
-            <a:endParaRPr lang="en-US" dirty="0"/>
-          </a:p>
-        </p:txBody>
-      </p:sp>
-      <p:sp>
-        <p:nvSpPr>
-          <p:cNvPr id="12" name="Flowchart: Manual Operation 11">
-            <a:extLst>
-              <a:ext uri="{FF2B5EF4-FFF2-40B4-BE49-F238E27FC236}">
-                <a16:creationId xmlns:a16="http://schemas.microsoft.com/office/drawing/2014/main" id="{E7F9E45D-A097-4700-9D5B-62660C6E1D22}"/>
-              </a:ext>
-            </a:extLst>
-          </p:cNvPr>
-          <p:cNvSpPr/>
-          <p:nvPr/>
-        </p:nvSpPr>
-        <p:spPr>
-          <a:xfrm rot="16200000">
-            <a:off x="5798818" y="3948005"/>
-            <a:ext cx="1788160" cy="1051560"/>
-          </a:xfrm>
-          <a:prstGeom prst="flowChartManualOperation">
-            <a:avLst/>
-          </a:prstGeom>
-        </p:spPr>
-        <p:style>
-          <a:lnRef idx="1">
-            <a:schemeClr val="accent3"/>
-          </a:lnRef>
-          <a:fillRef idx="2">
-            <a:schemeClr val="accent3"/>
-          </a:fillRef>
-          <a:effectRef idx="1">
-            <a:schemeClr val="accent3"/>
-          </a:effectRef>
-          <a:fontRef idx="minor">
-            <a:schemeClr val="dk1"/>
-          </a:fontRef>
-        </p:style>
-        <p:txBody>
-          <a:bodyPr rtlCol="0" anchor="ctr"/>
-          <a:lstStyle/>
-          <a:p>
-            <a:pPr algn="ctr"/>
-            <a:endParaRPr lang="en-US" dirty="0"/>
-          </a:p>
-        </p:txBody>
-      </p:sp>
-      <p:sp>
-        <p:nvSpPr>
-          <p:cNvPr id="13" name="TextBox 12">
-            <a:extLst>
-              <a:ext uri="{FF2B5EF4-FFF2-40B4-BE49-F238E27FC236}">
-                <a16:creationId xmlns:a16="http://schemas.microsoft.com/office/drawing/2014/main" id="{F759A199-392E-4B12-9262-8997B09F1F00}"/>
-              </a:ext>
-            </a:extLst>
-          </p:cNvPr>
-          <p:cNvSpPr txBox="1"/>
-          <p:nvPr/>
-        </p:nvSpPr>
-        <p:spPr>
-          <a:xfrm>
-            <a:off x="5991858" y="4141779"/>
-            <a:ext cx="1402080" cy="646331"/>
-          </a:xfrm>
-          <a:prstGeom prst="rect">
-            <a:avLst/>
-          </a:prstGeom>
-          <a:noFill/>
-        </p:spPr>
-        <p:txBody>
-          <a:bodyPr wrap="square" rtlCol="0">
-            <a:spAutoFit/>
-          </a:bodyPr>
-          <a:lstStyle/>
-          <a:p>
-            <a:pPr algn="ctr"/>
-            <a:r>
-              <a:rPr lang="en-US" dirty="0"/>
-              <a:t>Realization Screener</a:t>
-            </a:r>
-          </a:p>
-        </p:txBody>
-      </p:sp>
-      <p:sp>
-        <p:nvSpPr>
-          <p:cNvPr id="14" name="Hexagon 13">
-            <a:extLst>
-              <a:ext uri="{FF2B5EF4-FFF2-40B4-BE49-F238E27FC236}">
-                <a16:creationId xmlns:a16="http://schemas.microsoft.com/office/drawing/2014/main" id="{688A2B7E-1A9C-478D-84D0-982ACD2B8B94}"/>
-              </a:ext>
-            </a:extLst>
-          </p:cNvPr>
-          <p:cNvSpPr/>
-          <p:nvPr/>
-        </p:nvSpPr>
-        <p:spPr>
-          <a:xfrm>
-            <a:off x="7739377" y="5240867"/>
-            <a:ext cx="1170943" cy="949961"/>
-          </a:xfrm>
-          <a:prstGeom prst="hexagon">
-            <a:avLst/>
-          </a:prstGeom>
-        </p:spPr>
-        <p:style>
-          <a:lnRef idx="1">
-            <a:schemeClr val="accent4"/>
-          </a:lnRef>
-          <a:fillRef idx="2">
-            <a:schemeClr val="accent4"/>
-          </a:fillRef>
-          <a:effectRef idx="1">
-            <a:schemeClr val="accent4"/>
-          </a:effectRef>
-          <a:fontRef idx="minor">
-            <a:schemeClr val="dk1"/>
-          </a:fontRef>
-        </p:style>
-        <p:txBody>
-          <a:bodyPr rtlCol="0" anchor="t"/>
-          <a:lstStyle/>
-          <a:p>
-            <a:pPr algn="ctr"/>
-            <a:r>
-              <a:rPr lang="en-US" dirty="0"/>
-              <a:t>Rejects</a:t>
-            </a:r>
-          </a:p>
-        </p:txBody>
-      </p:sp>
-      <p:sp>
-        <p:nvSpPr>
-          <p:cNvPr id="15" name="Flowchart: Connector 14">
-            <a:extLst>
-              <a:ext uri="{FF2B5EF4-FFF2-40B4-BE49-F238E27FC236}">
-                <a16:creationId xmlns:a16="http://schemas.microsoft.com/office/drawing/2014/main" id="{43909958-63F3-4886-8EBD-A8411D69F49D}"/>
-              </a:ext>
-            </a:extLst>
-          </p:cNvPr>
-          <p:cNvSpPr/>
-          <p:nvPr/>
-        </p:nvSpPr>
-        <p:spPr>
-          <a:xfrm>
-            <a:off x="7564117" y="3764279"/>
-            <a:ext cx="1549403" cy="1198879"/>
-          </a:xfrm>
-          <a:prstGeom prst="flowChartConnector">
-            <a:avLst/>
-          </a:prstGeom>
-        </p:spPr>
-        <p:style>
-          <a:lnRef idx="1">
-            <a:schemeClr val="accent1"/>
-          </a:lnRef>
-          <a:fillRef idx="2">
-            <a:schemeClr val="accent1"/>
-          </a:fillRef>
-          <a:effectRef idx="1">
-            <a:schemeClr val="accent1"/>
-          </a:effectRef>
-          <a:fontRef idx="minor">
-            <a:schemeClr val="dk1"/>
-          </a:fontRef>
-        </p:style>
-        <p:txBody>
-          <a:bodyPr rtlCol="0" anchor="ctr"/>
-          <a:lstStyle/>
-          <a:p>
-            <a:pPr algn="ctr"/>
-            <a:r>
-              <a:rPr lang="en-US" dirty="0"/>
-              <a:t>Good</a:t>
-            </a:r>
-          </a:p>
-          <a:p>
-            <a:pPr algn="ctr"/>
-            <a:r>
-              <a:rPr lang="en-US" dirty="0"/>
-              <a:t>Sentences</a:t>
-            </a:r>
-          </a:p>
-        </p:txBody>
-      </p:sp>
-      <p:sp>
-        <p:nvSpPr>
-          <p:cNvPr id="16" name="Flowchart: Alternate Process 15">
-            <a:extLst>
-              <a:ext uri="{FF2B5EF4-FFF2-40B4-BE49-F238E27FC236}">
-                <a16:creationId xmlns:a16="http://schemas.microsoft.com/office/drawing/2014/main" id="{8A7AA4F5-4370-4623-818D-A65E8E27BBA0}"/>
-              </a:ext>
-            </a:extLst>
-          </p:cNvPr>
-          <p:cNvSpPr/>
-          <p:nvPr/>
-        </p:nvSpPr>
-        <p:spPr>
-          <a:xfrm>
-            <a:off x="9667239" y="3860800"/>
-            <a:ext cx="1402080" cy="1026162"/>
-          </a:xfrm>
-          <a:prstGeom prst="flowChartAlternateProcess">
-            <a:avLst/>
-          </a:prstGeom>
-        </p:spPr>
-        <p:style>
-          <a:lnRef idx="1">
-            <a:schemeClr val="accent2"/>
-          </a:lnRef>
-          <a:fillRef idx="2">
-            <a:schemeClr val="accent2"/>
-          </a:fillRef>
-          <a:effectRef idx="1">
-            <a:schemeClr val="accent2"/>
-          </a:effectRef>
-          <a:fontRef idx="minor">
-            <a:schemeClr val="dk1"/>
-          </a:fontRef>
-        </p:style>
-        <p:txBody>
-          <a:bodyPr rtlCol="0" anchor="ctr"/>
-          <a:lstStyle/>
-          <a:p>
-            <a:pPr algn="ctr"/>
-            <a:r>
-              <a:rPr lang="en-US" dirty="0"/>
-              <a:t>Final Set</a:t>
-            </a:r>
-          </a:p>
-        </p:txBody>
-      </p:sp>
-      <p:sp>
-        <p:nvSpPr>
-          <p:cNvPr id="17" name="Arrow: Right 16">
-            <a:extLst>
-              <a:ext uri="{FF2B5EF4-FFF2-40B4-BE49-F238E27FC236}">
-                <a16:creationId xmlns:a16="http://schemas.microsoft.com/office/drawing/2014/main" id="{5ABD7DAF-1D11-4096-86D1-307C7360E606}"/>
-              </a:ext>
-            </a:extLst>
-          </p:cNvPr>
-          <p:cNvSpPr/>
-          <p:nvPr/>
-        </p:nvSpPr>
-        <p:spPr>
-          <a:xfrm rot="19001209">
-            <a:off x="8851430" y="5000131"/>
-            <a:ext cx="822327" cy="307518"/>
-          </a:xfrm>
-          <a:prstGeom prst="rightArrow">
-            <a:avLst/>
-          </a:prstGeom>
-        </p:spPr>
-        <p:style>
-          <a:lnRef idx="2">
-            <a:schemeClr val="accent2">
-              <a:shade val="50000"/>
-            </a:schemeClr>
-          </a:lnRef>
-          <a:fillRef idx="1">
-            <a:schemeClr val="accent2"/>
-          </a:fillRef>
-          <a:effectRef idx="0">
-            <a:schemeClr val="accent2"/>
-          </a:effectRef>
-          <a:fontRef idx="minor">
-            <a:schemeClr val="lt1"/>
-          </a:fontRef>
-        </p:style>
-        <p:txBody>
-          <a:bodyPr rtlCol="0" anchor="ctr"/>
-          <a:lstStyle/>
-          <a:p>
-            <a:pPr algn="ctr"/>
-            <a:endParaRPr lang="en-US" dirty="0"/>
-          </a:p>
-        </p:txBody>
-      </p:sp>
-      <p:sp>
-        <p:nvSpPr>
-          <p:cNvPr id="18" name="TextBox 17">
-            <a:extLst>
-              <a:ext uri="{FF2B5EF4-FFF2-40B4-BE49-F238E27FC236}">
-                <a16:creationId xmlns:a16="http://schemas.microsoft.com/office/drawing/2014/main" id="{66713B1A-16EE-489E-8AE3-AB44158C1B05}"/>
-              </a:ext>
-            </a:extLst>
-          </p:cNvPr>
-          <p:cNvSpPr txBox="1"/>
-          <p:nvPr/>
-        </p:nvSpPr>
-        <p:spPr>
-          <a:xfrm rot="18855397">
-            <a:off x="8691880" y="5183198"/>
-            <a:ext cx="1788159" cy="369332"/>
-          </a:xfrm>
-          <a:prstGeom prst="rect">
-            <a:avLst/>
-          </a:prstGeom>
-          <a:noFill/>
-        </p:spPr>
-        <p:txBody>
-          <a:bodyPr wrap="square" rtlCol="0">
-            <a:spAutoFit/>
-          </a:bodyPr>
-          <a:lstStyle/>
-          <a:p>
-            <a:r>
-              <a:rPr lang="en-US" dirty="0">
-                <a:solidFill>
-                  <a:schemeClr val="accent2">
-                    <a:lumMod val="75000"/>
-                  </a:schemeClr>
-                </a:solidFill>
-              </a:rPr>
-              <a:t>Fill Extra Space</a:t>
-            </a:r>
-          </a:p>
-        </p:txBody>
-      </p:sp>
-      <p:sp>
-        <p:nvSpPr>
-          <p:cNvPr id="19" name="Arrow: Right 18">
-            <a:extLst>
-              <a:ext uri="{FF2B5EF4-FFF2-40B4-BE49-F238E27FC236}">
-                <a16:creationId xmlns:a16="http://schemas.microsoft.com/office/drawing/2014/main" id="{3B38FD16-30D9-453A-8DB3-9D0D744171A8}"/>
-              </a:ext>
-            </a:extLst>
-          </p:cNvPr>
-          <p:cNvSpPr/>
-          <p:nvPr/>
-        </p:nvSpPr>
-        <p:spPr>
-          <a:xfrm>
-            <a:off x="9113520" y="4274302"/>
-            <a:ext cx="563879" cy="221940"/>
-          </a:xfrm>
-          <a:prstGeom prst="rightArrow">
-            <a:avLst/>
-          </a:prstGeom>
-        </p:spPr>
-        <p:style>
-          <a:lnRef idx="2">
-            <a:schemeClr val="accent2">
-              <a:shade val="50000"/>
-            </a:schemeClr>
-          </a:lnRef>
-          <a:fillRef idx="1">
-            <a:schemeClr val="accent2"/>
-          </a:fillRef>
-          <a:effectRef idx="0">
-            <a:schemeClr val="accent2"/>
-          </a:effectRef>
-          <a:fontRef idx="minor">
-            <a:schemeClr val="lt1"/>
-          </a:fontRef>
-        </p:style>
-        <p:txBody>
-          <a:bodyPr rtlCol="0" anchor="ctr"/>
-          <a:lstStyle/>
-          <a:p>
-            <a:pPr algn="ctr"/>
-            <a:endParaRPr lang="en-US"/>
-          </a:p>
-        </p:txBody>
-      </p:sp>
-      <p:sp>
-        <p:nvSpPr>
-          <p:cNvPr id="20" name="Arrow: Right 19">
-            <a:extLst>
-              <a:ext uri="{FF2B5EF4-FFF2-40B4-BE49-F238E27FC236}">
-                <a16:creationId xmlns:a16="http://schemas.microsoft.com/office/drawing/2014/main" id="{BDBBECE0-8B0B-4CFF-B509-898C916934C2}"/>
-              </a:ext>
-            </a:extLst>
-          </p:cNvPr>
-          <p:cNvSpPr/>
-          <p:nvPr/>
-        </p:nvSpPr>
-        <p:spPr>
-          <a:xfrm>
-            <a:off x="7231378" y="4363719"/>
-            <a:ext cx="332739" cy="189760"/>
-          </a:xfrm>
-          <a:prstGeom prst="rightArrow">
-            <a:avLst/>
-          </a:prstGeom>
-        </p:spPr>
-        <p:style>
-          <a:lnRef idx="1">
-            <a:schemeClr val="accent1"/>
-          </a:lnRef>
-          <a:fillRef idx="2">
-            <a:schemeClr val="accent1"/>
-          </a:fillRef>
-          <a:effectRef idx="1">
-            <a:schemeClr val="accent1"/>
-          </a:effectRef>
-          <a:fontRef idx="minor">
-            <a:schemeClr val="dk1"/>
-          </a:fontRef>
-        </p:style>
-        <p:txBody>
-          <a:bodyPr rtlCol="0" anchor="ctr"/>
-          <a:lstStyle/>
-          <a:p>
-            <a:pPr algn="ctr"/>
-            <a:endParaRPr lang="en-US"/>
-          </a:p>
-        </p:txBody>
-      </p:sp>
-      <p:sp>
-        <p:nvSpPr>
-          <p:cNvPr id="21" name="Arrow: Right 20">
-            <a:extLst>
-              <a:ext uri="{FF2B5EF4-FFF2-40B4-BE49-F238E27FC236}">
-                <a16:creationId xmlns:a16="http://schemas.microsoft.com/office/drawing/2014/main" id="{5EC0FB01-2D27-49E5-8C84-5C37EEB005E7}"/>
-              </a:ext>
-            </a:extLst>
-          </p:cNvPr>
-          <p:cNvSpPr/>
-          <p:nvPr/>
-        </p:nvSpPr>
-        <p:spPr>
-          <a:xfrm>
-            <a:off x="5853428" y="4397533"/>
-            <a:ext cx="332739" cy="189760"/>
-          </a:xfrm>
-          <a:prstGeom prst="rightArrow">
-            <a:avLst/>
-          </a:prstGeom>
-        </p:spPr>
-        <p:style>
-          <a:lnRef idx="1">
-            <a:schemeClr val="accent3"/>
-          </a:lnRef>
-          <a:fillRef idx="2">
-            <a:schemeClr val="accent3"/>
-          </a:fillRef>
-          <a:effectRef idx="1">
-            <a:schemeClr val="accent3"/>
-          </a:effectRef>
-          <a:fontRef idx="minor">
-            <a:schemeClr val="dk1"/>
-          </a:fontRef>
-        </p:style>
-        <p:txBody>
-          <a:bodyPr rtlCol="0" anchor="ctr"/>
-          <a:lstStyle/>
-          <a:p>
-            <a:pPr algn="ctr"/>
-            <a:endParaRPr lang="en-US"/>
-          </a:p>
-        </p:txBody>
-      </p:sp>
-      <p:sp>
-        <p:nvSpPr>
-          <p:cNvPr id="22" name="Arrow: Right 21">
-            <a:extLst>
-              <a:ext uri="{FF2B5EF4-FFF2-40B4-BE49-F238E27FC236}">
-                <a16:creationId xmlns:a16="http://schemas.microsoft.com/office/drawing/2014/main" id="{CADEE28D-E700-4692-B38B-2F8EC9CF869B}"/>
-              </a:ext>
-            </a:extLst>
-          </p:cNvPr>
-          <p:cNvSpPr/>
-          <p:nvPr/>
-        </p:nvSpPr>
-        <p:spPr>
-          <a:xfrm rot="2616765">
-            <a:off x="7215004" y="4796805"/>
-            <a:ext cx="724642" cy="375017"/>
-          </a:xfrm>
-          <a:prstGeom prst="rightArrow">
-            <a:avLst/>
-          </a:prstGeom>
-        </p:spPr>
-        <p:style>
-          <a:lnRef idx="1">
-            <a:schemeClr val="accent4"/>
-          </a:lnRef>
-          <a:fillRef idx="2">
-            <a:schemeClr val="accent4"/>
-          </a:fillRef>
-          <a:effectRef idx="1">
-            <a:schemeClr val="accent4"/>
-          </a:effectRef>
-          <a:fontRef idx="minor">
-            <a:schemeClr val="dk1"/>
-          </a:fontRef>
-        </p:style>
-        <p:txBody>
-          <a:bodyPr rtlCol="0" anchor="ctr"/>
-          <a:lstStyle/>
-          <a:p>
-            <a:pPr algn="ctr"/>
-            <a:endParaRPr lang="en-US"/>
-          </a:p>
-        </p:txBody>
-      </p:sp>
-      <p:sp>
-        <p:nvSpPr>
-          <p:cNvPr id="23" name="Arrow: Right 22">
-            <a:extLst>
-              <a:ext uri="{FF2B5EF4-FFF2-40B4-BE49-F238E27FC236}">
-                <a16:creationId xmlns:a16="http://schemas.microsoft.com/office/drawing/2014/main" id="{653DA321-F74B-465A-8BB8-3121FBB20E10}"/>
-              </a:ext>
-            </a:extLst>
-          </p:cNvPr>
-          <p:cNvSpPr/>
-          <p:nvPr/>
-        </p:nvSpPr>
-        <p:spPr>
-          <a:xfrm>
-            <a:off x="2289176" y="4378904"/>
-            <a:ext cx="332739" cy="189760"/>
-          </a:xfrm>
-          <a:prstGeom prst="rightArrow">
-            <a:avLst/>
-          </a:prstGeom>
-        </p:spPr>
-        <p:style>
-          <a:lnRef idx="1">
-            <a:schemeClr val="accent3"/>
-          </a:lnRef>
-          <a:fillRef idx="2">
-            <a:schemeClr val="accent3"/>
-          </a:fillRef>
-          <a:effectRef idx="1">
-            <a:schemeClr val="accent3"/>
-          </a:effectRef>
-          <a:fontRef idx="minor">
-            <a:schemeClr val="dk1"/>
-          </a:fontRef>
-        </p:style>
-        <p:txBody>
-          <a:bodyPr rtlCol="0" anchor="ctr"/>
-          <a:lstStyle/>
-          <a:p>
-            <a:pPr algn="ctr"/>
-            <a:endParaRPr lang="en-US"/>
-          </a:p>
-        </p:txBody>
-      </p:sp>
-      <p:sp>
-        <p:nvSpPr>
-          <p:cNvPr id="24" name="TextBox 23">
-            <a:extLst>
-              <a:ext uri="{FF2B5EF4-FFF2-40B4-BE49-F238E27FC236}">
-                <a16:creationId xmlns:a16="http://schemas.microsoft.com/office/drawing/2014/main" id="{D3A6BA43-8976-4C8C-8DF0-EF28F12F8997}"/>
-              </a:ext>
-            </a:extLst>
-          </p:cNvPr>
-          <p:cNvSpPr txBox="1"/>
-          <p:nvPr/>
-        </p:nvSpPr>
-        <p:spPr>
-          <a:xfrm>
-            <a:off x="2804159" y="3554026"/>
-            <a:ext cx="2794635" cy="369332"/>
-          </a:xfrm>
-          <a:prstGeom prst="rect">
-            <a:avLst/>
-          </a:prstGeom>
-          <a:noFill/>
-        </p:spPr>
-        <p:txBody>
-          <a:bodyPr wrap="square" rtlCol="0">
-            <a:spAutoFit/>
-          </a:bodyPr>
-          <a:lstStyle/>
-          <a:p>
-            <a:r>
-              <a:rPr lang="en-US" dirty="0"/>
-              <a:t>5 sentences, 100 words</a:t>
-            </a:r>
-          </a:p>
-        </p:txBody>
-      </p:sp>
-    </p:spTree>
-    <p:extLst>
-      <p:ext uri="{BB962C8B-B14F-4D97-AF65-F5344CB8AC3E}">
-        <p14:creationId xmlns:p14="http://schemas.microsoft.com/office/powerpoint/2010/main" val="2617302940"/>
-      </p:ext>
-    </p:extLst>
-  </p:cSld>
-  <p:clrMapOvr>
-    <a:masterClrMapping/>
-  </p:clrMapOvr>
-</p:sld>
-</file>
-
 <file path=ppt/slides/slide2.xml><?xml version="1.0" encoding="utf-8"?>
 <p:sld xmlns:a="http://schemas.openxmlformats.org/drawingml/2006/main" xmlns:r="http://schemas.openxmlformats.org/officeDocument/2006/relationships" xmlns:p="http://schemas.openxmlformats.org/presentationml/2006/main">
   <p:cSld>
@@ -7870,1018 +6812,6 @@
     <p:extLst>
       <p:ext uri="{BB962C8B-B14F-4D97-AF65-F5344CB8AC3E}">
         <p14:creationId xmlns:p14="http://schemas.microsoft.com/office/powerpoint/2010/main" val="2789526156"/>
-      </p:ext>
-    </p:extLst>
-  </p:cSld>
-  <p:clrMapOvr>
-    <a:masterClrMapping/>
-  </p:clrMapOvr>
-</p:sld>
-</file>
-
-<file path=ppt/slides/slide20.xml><?xml version="1.0" encoding="utf-8"?>
-<p:sld xmlns:a="http://schemas.openxmlformats.org/drawingml/2006/main" xmlns:r="http://schemas.openxmlformats.org/officeDocument/2006/relationships" xmlns:p="http://schemas.openxmlformats.org/presentationml/2006/main">
-  <p:cSld>
-    <p:spTree>
-      <p:nvGrpSpPr>
-        <p:cNvPr id="1" name=""/>
-        <p:cNvGrpSpPr/>
-        <p:nvPr/>
-      </p:nvGrpSpPr>
-      <p:grpSpPr>
-        <a:xfrm>
-          <a:off x="0" y="0"/>
-          <a:ext cx="0" cy="0"/>
-          <a:chOff x="0" y="0"/>
-          <a:chExt cx="0" cy="0"/>
-        </a:xfrm>
-      </p:grpSpPr>
-      <p:sp>
-        <p:nvSpPr>
-          <p:cNvPr id="2" name="Title 1">
-            <a:extLst>
-              <a:ext uri="{FF2B5EF4-FFF2-40B4-BE49-F238E27FC236}">
-                <a16:creationId xmlns:a16="http://schemas.microsoft.com/office/drawing/2014/main" id="{BE96DB2D-E3BA-4832-9999-CCE880797DF2}"/>
-              </a:ext>
-            </a:extLst>
-          </p:cNvPr>
-          <p:cNvSpPr>
-            <a:spLocks noGrp="1"/>
-          </p:cNvSpPr>
-          <p:nvPr>
-            <p:ph type="title"/>
-          </p:nvPr>
-        </p:nvSpPr>
-        <p:spPr/>
-        <p:txBody>
-          <a:bodyPr/>
-          <a:lstStyle/>
-          <a:p>
-            <a:r>
-              <a:rPr lang="en-US" dirty="0"/>
-              <a:t>Realization Updates</a:t>
-            </a:r>
-          </a:p>
-        </p:txBody>
-      </p:sp>
-      <p:sp>
-        <p:nvSpPr>
-          <p:cNvPr id="3" name="Content Placeholder 2">
-            <a:extLst>
-              <a:ext uri="{FF2B5EF4-FFF2-40B4-BE49-F238E27FC236}">
-                <a16:creationId xmlns:a16="http://schemas.microsoft.com/office/drawing/2014/main" id="{6C539262-E349-4D5D-B6BB-CAAE6B6D423C}"/>
-              </a:ext>
-            </a:extLst>
-          </p:cNvPr>
-          <p:cNvSpPr>
-            <a:spLocks noGrp="1"/>
-          </p:cNvSpPr>
-          <p:nvPr>
-            <p:ph idx="1"/>
-          </p:nvPr>
-        </p:nvSpPr>
-        <p:spPr>
-          <a:xfrm>
-            <a:off x="1295401" y="2556931"/>
-            <a:ext cx="9601196" cy="960476"/>
-          </a:xfrm>
-        </p:spPr>
-        <p:txBody>
-          <a:bodyPr>
-            <a:normAutofit/>
-          </a:bodyPr>
-          <a:lstStyle/>
-          <a:p>
-            <a:r>
-              <a:rPr lang="en-US" dirty="0"/>
-              <a:t>Moved sentence screening into selection</a:t>
-            </a:r>
-          </a:p>
-          <a:p>
-            <a:r>
-              <a:rPr lang="en-US" dirty="0"/>
-              <a:t>Now:</a:t>
-            </a:r>
-          </a:p>
-        </p:txBody>
-      </p:sp>
-      <p:sp>
-        <p:nvSpPr>
-          <p:cNvPr id="4" name="Rectangle: Rounded Corners 3">
-            <a:extLst>
-              <a:ext uri="{FF2B5EF4-FFF2-40B4-BE49-F238E27FC236}">
-                <a16:creationId xmlns:a16="http://schemas.microsoft.com/office/drawing/2014/main" id="{BE587B96-8172-448C-9360-93597F617912}"/>
-              </a:ext>
-            </a:extLst>
-          </p:cNvPr>
-          <p:cNvSpPr/>
-          <p:nvPr/>
-        </p:nvSpPr>
-        <p:spPr>
-          <a:xfrm>
-            <a:off x="2799080" y="3865880"/>
-            <a:ext cx="2324101" cy="1854200"/>
-          </a:xfrm>
-          <a:prstGeom prst="roundRect">
-            <a:avLst/>
-          </a:prstGeom>
-        </p:spPr>
-        <p:style>
-          <a:lnRef idx="1">
-            <a:schemeClr val="accent3"/>
-          </a:lnRef>
-          <a:fillRef idx="2">
-            <a:schemeClr val="accent3"/>
-          </a:fillRef>
-          <a:effectRef idx="1">
-            <a:schemeClr val="accent3"/>
-          </a:effectRef>
-          <a:fontRef idx="minor">
-            <a:schemeClr val="dk1"/>
-          </a:fontRef>
-        </p:style>
-        <p:txBody>
-          <a:bodyPr rtlCol="0" anchor="t"/>
-          <a:lstStyle/>
-          <a:p>
-            <a:pPr algn="ctr"/>
-            <a:r>
-              <a:rPr lang="en-US" dirty="0"/>
-              <a:t>Selection</a:t>
-            </a:r>
-          </a:p>
-        </p:txBody>
-      </p:sp>
-      <p:sp>
-        <p:nvSpPr>
-          <p:cNvPr id="25" name="Flowchart: Manual Operation 24">
-            <a:extLst>
-              <a:ext uri="{FF2B5EF4-FFF2-40B4-BE49-F238E27FC236}">
-                <a16:creationId xmlns:a16="http://schemas.microsoft.com/office/drawing/2014/main" id="{9A80DBAD-0E30-4C1D-B2A3-5E9DB1D4A66C}"/>
-              </a:ext>
-            </a:extLst>
-          </p:cNvPr>
-          <p:cNvSpPr/>
-          <p:nvPr/>
-        </p:nvSpPr>
-        <p:spPr>
-          <a:xfrm rot="16200000">
-            <a:off x="3744985" y="4573024"/>
-            <a:ext cx="1303512" cy="858519"/>
-          </a:xfrm>
-          <a:prstGeom prst="flowChartManualOperation">
-            <a:avLst/>
-          </a:prstGeom>
-        </p:spPr>
-        <p:style>
-          <a:lnRef idx="1">
-            <a:schemeClr val="accent3"/>
-          </a:lnRef>
-          <a:fillRef idx="2">
-            <a:schemeClr val="accent3"/>
-          </a:fillRef>
-          <a:effectRef idx="1">
-            <a:schemeClr val="accent3"/>
-          </a:effectRef>
-          <a:fontRef idx="minor">
-            <a:schemeClr val="dk1"/>
-          </a:fontRef>
-        </p:style>
-        <p:txBody>
-          <a:bodyPr rtlCol="0" anchor="ctr"/>
-          <a:lstStyle/>
-          <a:p>
-            <a:pPr algn="ctr"/>
-            <a:endParaRPr lang="en-US" dirty="0"/>
-          </a:p>
-        </p:txBody>
-      </p:sp>
-      <p:sp>
-        <p:nvSpPr>
-          <p:cNvPr id="26" name="TextBox 25">
-            <a:extLst>
-              <a:ext uri="{FF2B5EF4-FFF2-40B4-BE49-F238E27FC236}">
-                <a16:creationId xmlns:a16="http://schemas.microsoft.com/office/drawing/2014/main" id="{3FC41A81-AB6B-45EB-8388-909FECFFA657}"/>
-              </a:ext>
-            </a:extLst>
-          </p:cNvPr>
-          <p:cNvSpPr txBox="1"/>
-          <p:nvPr/>
-        </p:nvSpPr>
-        <p:spPr>
-          <a:xfrm>
-            <a:off x="3721101" y="4792980"/>
-            <a:ext cx="1402080" cy="369332"/>
-          </a:xfrm>
-          <a:prstGeom prst="rect">
-            <a:avLst/>
-          </a:prstGeom>
-          <a:noFill/>
-        </p:spPr>
-        <p:txBody>
-          <a:bodyPr wrap="square" rtlCol="0">
-            <a:spAutoFit/>
-          </a:bodyPr>
-          <a:lstStyle/>
-          <a:p>
-            <a:pPr algn="ctr"/>
-            <a:r>
-              <a:rPr lang="en-US" dirty="0"/>
-              <a:t>Screener</a:t>
-            </a:r>
-          </a:p>
-        </p:txBody>
-      </p:sp>
-      <p:sp>
-        <p:nvSpPr>
-          <p:cNvPr id="5" name="Flowchart: Alternate Process 4">
-            <a:extLst>
-              <a:ext uri="{FF2B5EF4-FFF2-40B4-BE49-F238E27FC236}">
-                <a16:creationId xmlns:a16="http://schemas.microsoft.com/office/drawing/2014/main" id="{5180E533-B126-40D8-B207-FD99F91A6021}"/>
-              </a:ext>
-            </a:extLst>
-          </p:cNvPr>
-          <p:cNvSpPr/>
-          <p:nvPr/>
-        </p:nvSpPr>
-        <p:spPr>
-          <a:xfrm>
-            <a:off x="2387600" y="4526280"/>
-            <a:ext cx="1168401" cy="844976"/>
-          </a:xfrm>
-          <a:prstGeom prst="flowChartAlternateProcess">
-            <a:avLst/>
-          </a:prstGeom>
-        </p:spPr>
-        <p:style>
-          <a:lnRef idx="1">
-            <a:schemeClr val="accent5"/>
-          </a:lnRef>
-          <a:fillRef idx="2">
-            <a:schemeClr val="accent5"/>
-          </a:fillRef>
-          <a:effectRef idx="1">
-            <a:schemeClr val="accent5"/>
-          </a:effectRef>
-          <a:fontRef idx="minor">
-            <a:schemeClr val="dk1"/>
-          </a:fontRef>
-        </p:style>
-        <p:txBody>
-          <a:bodyPr rtlCol="0" anchor="ctr"/>
-          <a:lstStyle/>
-          <a:p>
-            <a:pPr algn="ctr"/>
-            <a:r>
-              <a:rPr lang="en-US" dirty="0"/>
-              <a:t>All Sentences</a:t>
-            </a:r>
-          </a:p>
-        </p:txBody>
-      </p:sp>
-      <p:sp>
-        <p:nvSpPr>
-          <p:cNvPr id="27" name="Arrow: Right 26">
-            <a:extLst>
-              <a:ext uri="{FF2B5EF4-FFF2-40B4-BE49-F238E27FC236}">
-                <a16:creationId xmlns:a16="http://schemas.microsoft.com/office/drawing/2014/main" id="{C4AA01A6-D1B3-472D-9622-2C3CAB582329}"/>
-              </a:ext>
-            </a:extLst>
-          </p:cNvPr>
-          <p:cNvSpPr/>
-          <p:nvPr/>
-        </p:nvSpPr>
-        <p:spPr>
-          <a:xfrm>
-            <a:off x="3572511" y="4837008"/>
-            <a:ext cx="378460" cy="223520"/>
-          </a:xfrm>
-          <a:prstGeom prst="rightArrow">
-            <a:avLst/>
-          </a:prstGeom>
-        </p:spPr>
-        <p:style>
-          <a:lnRef idx="1">
-            <a:schemeClr val="dk1"/>
-          </a:lnRef>
-          <a:fillRef idx="2">
-            <a:schemeClr val="dk1"/>
-          </a:fillRef>
-          <a:effectRef idx="1">
-            <a:schemeClr val="dk1"/>
-          </a:effectRef>
-          <a:fontRef idx="minor">
-            <a:schemeClr val="dk1"/>
-          </a:fontRef>
-        </p:style>
-        <p:txBody>
-          <a:bodyPr rtlCol="0" anchor="ctr"/>
-          <a:lstStyle/>
-          <a:p>
-            <a:pPr algn="ctr"/>
-            <a:endParaRPr lang="en-US"/>
-          </a:p>
-        </p:txBody>
-      </p:sp>
-      <p:sp>
-        <p:nvSpPr>
-          <p:cNvPr id="29" name="Flowchart: Alternate Process 28">
-            <a:extLst>
-              <a:ext uri="{FF2B5EF4-FFF2-40B4-BE49-F238E27FC236}">
-                <a16:creationId xmlns:a16="http://schemas.microsoft.com/office/drawing/2014/main" id="{380504BE-EC10-4FB6-9768-AE26EF3C7B59}"/>
-              </a:ext>
-            </a:extLst>
-          </p:cNvPr>
-          <p:cNvSpPr/>
-          <p:nvPr/>
-        </p:nvSpPr>
-        <p:spPr>
-          <a:xfrm>
-            <a:off x="5590542" y="4404357"/>
-            <a:ext cx="1402080" cy="1026162"/>
-          </a:xfrm>
-          <a:prstGeom prst="flowChartAlternateProcess">
-            <a:avLst/>
-          </a:prstGeom>
-        </p:spPr>
-        <p:style>
-          <a:lnRef idx="1">
-            <a:schemeClr val="accent3"/>
-          </a:lnRef>
-          <a:fillRef idx="2">
-            <a:schemeClr val="accent3"/>
-          </a:fillRef>
-          <a:effectRef idx="1">
-            <a:schemeClr val="accent3"/>
-          </a:effectRef>
-          <a:fontRef idx="minor">
-            <a:schemeClr val="dk1"/>
-          </a:fontRef>
-        </p:style>
-        <p:txBody>
-          <a:bodyPr rtlCol="0" anchor="ctr"/>
-          <a:lstStyle/>
-          <a:p>
-            <a:pPr algn="ctr"/>
-            <a:r>
-              <a:rPr lang="en-US" dirty="0"/>
-              <a:t>Realization</a:t>
-            </a:r>
-          </a:p>
-        </p:txBody>
-      </p:sp>
-      <p:sp>
-        <p:nvSpPr>
-          <p:cNvPr id="30" name="Arrow: Right 29">
-            <a:extLst>
-              <a:ext uri="{FF2B5EF4-FFF2-40B4-BE49-F238E27FC236}">
-                <a16:creationId xmlns:a16="http://schemas.microsoft.com/office/drawing/2014/main" id="{FBFEA770-12CF-4BC8-ACD9-A492D5F96795}"/>
-              </a:ext>
-            </a:extLst>
-          </p:cNvPr>
-          <p:cNvSpPr/>
-          <p:nvPr/>
-        </p:nvSpPr>
-        <p:spPr>
-          <a:xfrm>
-            <a:off x="4890776" y="4792980"/>
-            <a:ext cx="572767" cy="248916"/>
-          </a:xfrm>
-          <a:prstGeom prst="rightArrow">
-            <a:avLst/>
-          </a:prstGeom>
-        </p:spPr>
-        <p:style>
-          <a:lnRef idx="1">
-            <a:schemeClr val="dk1"/>
-          </a:lnRef>
-          <a:fillRef idx="2">
-            <a:schemeClr val="dk1"/>
-          </a:fillRef>
-          <a:effectRef idx="1">
-            <a:schemeClr val="dk1"/>
-          </a:effectRef>
-          <a:fontRef idx="minor">
-            <a:schemeClr val="dk1"/>
-          </a:fontRef>
-        </p:style>
-        <p:txBody>
-          <a:bodyPr rtlCol="0" anchor="ctr"/>
-          <a:lstStyle/>
-          <a:p>
-            <a:pPr algn="ctr"/>
-            <a:endParaRPr lang="en-US"/>
-          </a:p>
-        </p:txBody>
-      </p:sp>
-      <p:sp>
-        <p:nvSpPr>
-          <p:cNvPr id="31" name="Flowchart: Connector 30">
-            <a:extLst>
-              <a:ext uri="{FF2B5EF4-FFF2-40B4-BE49-F238E27FC236}">
-                <a16:creationId xmlns:a16="http://schemas.microsoft.com/office/drawing/2014/main" id="{E6C5F07A-3E29-4D71-AE45-DBFA3FB5D904}"/>
-              </a:ext>
-            </a:extLst>
-          </p:cNvPr>
-          <p:cNvSpPr/>
-          <p:nvPr/>
-        </p:nvSpPr>
-        <p:spPr>
-          <a:xfrm>
-            <a:off x="7459983" y="4349328"/>
-            <a:ext cx="1549403" cy="1198879"/>
-          </a:xfrm>
-          <a:prstGeom prst="flowChartConnector">
-            <a:avLst/>
-          </a:prstGeom>
-        </p:spPr>
-        <p:style>
-          <a:lnRef idx="1">
-            <a:schemeClr val="accent1"/>
-          </a:lnRef>
-          <a:fillRef idx="2">
-            <a:schemeClr val="accent1"/>
-          </a:fillRef>
-          <a:effectRef idx="1">
-            <a:schemeClr val="accent1"/>
-          </a:effectRef>
-          <a:fontRef idx="minor">
-            <a:schemeClr val="dk1"/>
-          </a:fontRef>
-        </p:style>
-        <p:txBody>
-          <a:bodyPr rtlCol="0" anchor="ctr"/>
-          <a:lstStyle/>
-          <a:p>
-            <a:pPr algn="ctr"/>
-            <a:r>
-              <a:rPr lang="en-US" dirty="0"/>
-              <a:t>Final Sentences</a:t>
-            </a:r>
-          </a:p>
-        </p:txBody>
-      </p:sp>
-      <p:sp>
-        <p:nvSpPr>
-          <p:cNvPr id="32" name="Arrow: Right 31">
-            <a:extLst>
-              <a:ext uri="{FF2B5EF4-FFF2-40B4-BE49-F238E27FC236}">
-                <a16:creationId xmlns:a16="http://schemas.microsoft.com/office/drawing/2014/main" id="{83845503-4E15-45F4-BF80-FFA5E897DB1D}"/>
-              </a:ext>
-            </a:extLst>
-          </p:cNvPr>
-          <p:cNvSpPr/>
-          <p:nvPr/>
-        </p:nvSpPr>
-        <p:spPr>
-          <a:xfrm>
-            <a:off x="6939919" y="4844136"/>
-            <a:ext cx="572767" cy="248916"/>
-          </a:xfrm>
-          <a:prstGeom prst="rightArrow">
-            <a:avLst/>
-          </a:prstGeom>
-        </p:spPr>
-        <p:style>
-          <a:lnRef idx="1">
-            <a:schemeClr val="dk1"/>
-          </a:lnRef>
-          <a:fillRef idx="2">
-            <a:schemeClr val="dk1"/>
-          </a:fillRef>
-          <a:effectRef idx="1">
-            <a:schemeClr val="dk1"/>
-          </a:effectRef>
-          <a:fontRef idx="minor">
-            <a:schemeClr val="dk1"/>
-          </a:fontRef>
-        </p:style>
-        <p:txBody>
-          <a:bodyPr rtlCol="0" anchor="ctr"/>
-          <a:lstStyle/>
-          <a:p>
-            <a:pPr algn="ctr"/>
-            <a:endParaRPr lang="en-US"/>
-          </a:p>
-        </p:txBody>
-      </p:sp>
-    </p:spTree>
-    <p:extLst>
-      <p:ext uri="{BB962C8B-B14F-4D97-AF65-F5344CB8AC3E}">
-        <p14:creationId xmlns:p14="http://schemas.microsoft.com/office/powerpoint/2010/main" val="968706212"/>
-      </p:ext>
-    </p:extLst>
-  </p:cSld>
-  <p:clrMapOvr>
-    <a:masterClrMapping/>
-  </p:clrMapOvr>
-</p:sld>
-</file>
-
-<file path=ppt/slides/slide21.xml><?xml version="1.0" encoding="utf-8"?>
-<p:sld xmlns:a="http://schemas.openxmlformats.org/drawingml/2006/main" xmlns:r="http://schemas.openxmlformats.org/officeDocument/2006/relationships" xmlns:p="http://schemas.openxmlformats.org/presentationml/2006/main">
-  <p:cSld>
-    <p:spTree>
-      <p:nvGrpSpPr>
-        <p:cNvPr id="1" name=""/>
-        <p:cNvGrpSpPr/>
-        <p:nvPr/>
-      </p:nvGrpSpPr>
-      <p:grpSpPr>
-        <a:xfrm>
-          <a:off x="0" y="0"/>
-          <a:ext cx="0" cy="0"/>
-          <a:chOff x="0" y="0"/>
-          <a:chExt cx="0" cy="0"/>
-        </a:xfrm>
-      </p:grpSpPr>
-      <p:sp>
-        <p:nvSpPr>
-          <p:cNvPr id="2" name="Title 1">
-            <a:extLst>
-              <a:ext uri="{FF2B5EF4-FFF2-40B4-BE49-F238E27FC236}">
-                <a16:creationId xmlns:a16="http://schemas.microsoft.com/office/drawing/2014/main" id="{83E68D61-ED96-4416-B883-7645653AEE46}"/>
-              </a:ext>
-            </a:extLst>
-          </p:cNvPr>
-          <p:cNvSpPr>
-            <a:spLocks noGrp="1"/>
-          </p:cNvSpPr>
-          <p:nvPr>
-            <p:ph type="title"/>
-          </p:nvPr>
-        </p:nvSpPr>
-        <p:spPr/>
-        <p:txBody>
-          <a:bodyPr/>
-          <a:lstStyle/>
-          <a:p>
-            <a:r>
-              <a:rPr lang="en-US" dirty="0"/>
-              <a:t>Config Values</a:t>
-            </a:r>
-          </a:p>
-        </p:txBody>
-      </p:sp>
-      <p:graphicFrame>
-        <p:nvGraphicFramePr>
-          <p:cNvPr id="8" name="Table 8">
-            <a:extLst>
-              <a:ext uri="{FF2B5EF4-FFF2-40B4-BE49-F238E27FC236}">
-                <a16:creationId xmlns:a16="http://schemas.microsoft.com/office/drawing/2014/main" id="{574A26BF-38C7-4A42-91FD-62B59B70F91D}"/>
-              </a:ext>
-            </a:extLst>
-          </p:cNvPr>
-          <p:cNvGraphicFramePr>
-            <a:graphicFrameLocks noGrp="1"/>
-          </p:cNvGraphicFramePr>
-          <p:nvPr>
-            <p:extLst>
-              <p:ext uri="{D42A27DB-BD31-4B8C-83A1-F6EECF244321}">
-                <p14:modId xmlns:p14="http://schemas.microsoft.com/office/powerpoint/2010/main" val="3171706685"/>
-              </p:ext>
-            </p:extLst>
-          </p:nvPr>
-        </p:nvGraphicFramePr>
-        <p:xfrm>
-          <a:off x="2516743" y="5493182"/>
-          <a:ext cx="7158513" cy="1112520"/>
-        </p:xfrm>
-        <a:graphic>
-          <a:graphicData uri="http://schemas.openxmlformats.org/drawingml/2006/table">
-            <a:tbl>
-              <a:tblPr firstRow="1" bandRow="1">
-                <a:tableStyleId>{5C22544A-7EE6-4342-B048-85BDC9FD1C3A}</a:tableStyleId>
-              </a:tblPr>
-              <a:tblGrid>
-                <a:gridCol w="2667793">
-                  <a:extLst>
-                    <a:ext uri="{9D8B030D-6E8A-4147-A177-3AD203B41FA5}">
-                      <a16:colId xmlns:a16="http://schemas.microsoft.com/office/drawing/2014/main" val="827930736"/>
-                    </a:ext>
-                  </a:extLst>
-                </a:gridCol>
-                <a:gridCol w="2133600">
-                  <a:extLst>
-                    <a:ext uri="{9D8B030D-6E8A-4147-A177-3AD203B41FA5}">
-                      <a16:colId xmlns:a16="http://schemas.microsoft.com/office/drawing/2014/main" val="1932012996"/>
-                    </a:ext>
-                  </a:extLst>
-                </a:gridCol>
-                <a:gridCol w="2357120">
-                  <a:extLst>
-                    <a:ext uri="{9D8B030D-6E8A-4147-A177-3AD203B41FA5}">
-                      <a16:colId xmlns:a16="http://schemas.microsoft.com/office/drawing/2014/main" val="3286939517"/>
-                    </a:ext>
-                  </a:extLst>
-                </a:gridCol>
-              </a:tblGrid>
-              <a:tr h="370840">
-                <a:tc>
-                  <a:txBody>
-                    <a:bodyPr/>
-                    <a:lstStyle/>
-                    <a:p>
-                      <a:r>
-                        <a:rPr lang="en-US" dirty="0"/>
-                        <a:t>Data Set</a:t>
-                      </a:r>
-                    </a:p>
-                  </a:txBody>
-                  <a:tcPr/>
-                </a:tc>
-                <a:tc>
-                  <a:txBody>
-                    <a:bodyPr/>
-                    <a:lstStyle/>
-                    <a:p>
-                      <a:r>
-                        <a:rPr lang="en-US" dirty="0"/>
-                        <a:t>ROUGE-1 R </a:t>
-                      </a:r>
-                    </a:p>
-                  </a:txBody>
-                  <a:tcPr/>
-                </a:tc>
-                <a:tc>
-                  <a:txBody>
-                    <a:bodyPr/>
-                    <a:lstStyle/>
-                    <a:p>
-                      <a:r>
-                        <a:rPr lang="en-US" dirty="0"/>
-                        <a:t>ROUGE-2 R</a:t>
-                      </a:r>
-                    </a:p>
-                  </a:txBody>
-                  <a:tcPr/>
-                </a:tc>
-                <a:extLst>
-                  <a:ext uri="{0D108BD9-81ED-4DB2-BD59-A6C34878D82A}">
-                    <a16:rowId xmlns:a16="http://schemas.microsoft.com/office/drawing/2014/main" val="2597899090"/>
-                  </a:ext>
-                </a:extLst>
-              </a:tr>
-              <a:tr h="370840">
-                <a:tc>
-                  <a:txBody>
-                    <a:bodyPr/>
-                    <a:lstStyle/>
-                    <a:p>
-                      <a:r>
-                        <a:rPr lang="en-US" dirty="0" err="1"/>
-                        <a:t>Devtest</a:t>
-                      </a:r>
-                      <a:r>
-                        <a:rPr lang="en-US" dirty="0"/>
-                        <a:t> (AQUAINT)</a:t>
-                      </a:r>
-                    </a:p>
-                  </a:txBody>
-                  <a:tcPr/>
-                </a:tc>
-                <a:tc>
-                  <a:txBody>
-                    <a:bodyPr/>
-                    <a:lstStyle/>
-                    <a:p>
-                      <a:r>
-                        <a:rPr lang="en-US" dirty="0"/>
-                        <a:t>0.26493</a:t>
-                      </a:r>
-                    </a:p>
-                  </a:txBody>
-                  <a:tcPr/>
-                </a:tc>
-                <a:tc>
-                  <a:txBody>
-                    <a:bodyPr/>
-                    <a:lstStyle/>
-                    <a:p>
-                      <a:r>
-                        <a:rPr lang="en-US" dirty="0"/>
-                        <a:t>0.08450</a:t>
-                      </a:r>
-                    </a:p>
-                  </a:txBody>
-                  <a:tcPr/>
-                </a:tc>
-                <a:extLst>
-                  <a:ext uri="{0D108BD9-81ED-4DB2-BD59-A6C34878D82A}">
-                    <a16:rowId xmlns:a16="http://schemas.microsoft.com/office/drawing/2014/main" val="1369580764"/>
-                  </a:ext>
-                </a:extLst>
-              </a:tr>
-              <a:tr h="370840">
-                <a:tc>
-                  <a:txBody>
-                    <a:bodyPr/>
-                    <a:lstStyle/>
-                    <a:p>
-                      <a:r>
-                        <a:rPr lang="en-US" dirty="0" err="1"/>
-                        <a:t>Evaltest</a:t>
-                      </a:r>
-                      <a:r>
-                        <a:rPr lang="en-US" dirty="0"/>
-                        <a:t> (AQUAINT-2)</a:t>
-                      </a:r>
-                    </a:p>
-                  </a:txBody>
-                  <a:tcPr/>
-                </a:tc>
-                <a:tc>
-                  <a:txBody>
-                    <a:bodyPr/>
-                    <a:lstStyle/>
-                    <a:p>
-                      <a:r>
-                        <a:rPr lang="en-US" dirty="0"/>
-                        <a:t>0.31445</a:t>
-                      </a:r>
-                    </a:p>
-                  </a:txBody>
-                  <a:tcPr/>
-                </a:tc>
-                <a:tc>
-                  <a:txBody>
-                    <a:bodyPr/>
-                    <a:lstStyle/>
-                    <a:p>
-                      <a:r>
-                        <a:rPr lang="en-US" dirty="0"/>
-                        <a:t>0.10614</a:t>
-                      </a:r>
-                    </a:p>
-                  </a:txBody>
-                  <a:tcPr/>
-                </a:tc>
-                <a:extLst>
-                  <a:ext uri="{0D108BD9-81ED-4DB2-BD59-A6C34878D82A}">
-                    <a16:rowId xmlns:a16="http://schemas.microsoft.com/office/drawing/2014/main" val="1117748445"/>
-                  </a:ext>
-                </a:extLst>
-              </a:tr>
-            </a:tbl>
-          </a:graphicData>
-        </a:graphic>
-      </p:graphicFrame>
-      <p:graphicFrame>
-        <p:nvGraphicFramePr>
-          <p:cNvPr id="6" name="Table 6">
-            <a:extLst>
-              <a:ext uri="{FF2B5EF4-FFF2-40B4-BE49-F238E27FC236}">
-                <a16:creationId xmlns:a16="http://schemas.microsoft.com/office/drawing/2014/main" id="{0C87C994-FC9B-4CF4-AFA4-95ADC037C977}"/>
-              </a:ext>
-            </a:extLst>
-          </p:cNvPr>
-          <p:cNvGraphicFramePr>
-            <a:graphicFrameLocks noGrp="1"/>
-          </p:cNvGraphicFramePr>
-          <p:nvPr>
-            <p:extLst>
-              <p:ext uri="{D42A27DB-BD31-4B8C-83A1-F6EECF244321}">
-                <p14:modId xmlns:p14="http://schemas.microsoft.com/office/powerpoint/2010/main" val="2584120710"/>
-              </p:ext>
-            </p:extLst>
-          </p:nvPr>
-        </p:nvGraphicFramePr>
-        <p:xfrm>
-          <a:off x="2032000" y="719666"/>
-          <a:ext cx="4307840" cy="2225040"/>
-        </p:xfrm>
-        <a:graphic>
-          <a:graphicData uri="http://schemas.openxmlformats.org/drawingml/2006/table">
-            <a:tbl>
-              <a:tblPr firstRow="1" bandRow="1">
-                <a:tableStyleId>{5C22544A-7EE6-4342-B048-85BDC9FD1C3A}</a:tableStyleId>
-              </a:tblPr>
-              <a:tblGrid>
-                <a:gridCol w="3129280">
-                  <a:extLst>
-                    <a:ext uri="{9D8B030D-6E8A-4147-A177-3AD203B41FA5}">
-                      <a16:colId xmlns:a16="http://schemas.microsoft.com/office/drawing/2014/main" val="1573316640"/>
-                    </a:ext>
-                  </a:extLst>
-                </a:gridCol>
-                <a:gridCol w="1178560">
-                  <a:extLst>
-                    <a:ext uri="{9D8B030D-6E8A-4147-A177-3AD203B41FA5}">
-                      <a16:colId xmlns:a16="http://schemas.microsoft.com/office/drawing/2014/main" val="3018309199"/>
-                    </a:ext>
-                  </a:extLst>
-                </a:gridCol>
-              </a:tblGrid>
-              <a:tr h="370840">
-                <a:tc>
-                  <a:txBody>
-                    <a:bodyPr/>
-                    <a:lstStyle/>
-                    <a:p>
-                      <a:r>
-                        <a:rPr lang="en-US" dirty="0"/>
-                        <a:t>Config Field</a:t>
-                      </a:r>
-                    </a:p>
-                  </a:txBody>
-                  <a:tcPr/>
-                </a:tc>
-                <a:tc>
-                  <a:txBody>
-                    <a:bodyPr/>
-                    <a:lstStyle/>
-                    <a:p>
-                      <a:r>
-                        <a:rPr lang="en-US" dirty="0"/>
-                        <a:t>Value</a:t>
-                      </a:r>
-                    </a:p>
-                  </a:txBody>
-                  <a:tcPr/>
-                </a:tc>
-                <a:extLst>
-                  <a:ext uri="{0D108BD9-81ED-4DB2-BD59-A6C34878D82A}">
-                    <a16:rowId xmlns:a16="http://schemas.microsoft.com/office/drawing/2014/main" val="32269059"/>
-                  </a:ext>
-                </a:extLst>
-              </a:tr>
-              <a:tr h="370840">
-                <a:tc>
-                  <a:txBody>
-                    <a:bodyPr/>
-                    <a:lstStyle/>
-                    <a:p>
-                      <a:r>
-                        <a:rPr lang="en-US" dirty="0"/>
-                        <a:t>Selection method</a:t>
-                      </a:r>
-                    </a:p>
-                  </a:txBody>
-                  <a:tcPr/>
-                </a:tc>
-                <a:tc>
-                  <a:txBody>
-                    <a:bodyPr/>
-                    <a:lstStyle/>
-                    <a:p>
-                      <a:r>
-                        <a:rPr lang="en-US" dirty="0"/>
-                        <a:t>N-gram</a:t>
-                      </a:r>
-                    </a:p>
-                  </a:txBody>
-                  <a:tcPr/>
-                </a:tc>
-                <a:extLst>
-                  <a:ext uri="{0D108BD9-81ED-4DB2-BD59-A6C34878D82A}">
-                    <a16:rowId xmlns:a16="http://schemas.microsoft.com/office/drawing/2014/main" val="1091837133"/>
-                  </a:ext>
-                </a:extLst>
-              </a:tr>
-              <a:tr h="370840">
-                <a:tc>
-                  <a:txBody>
-                    <a:bodyPr/>
-                    <a:lstStyle/>
-                    <a:p>
-                      <a:r>
-                        <a:rPr lang="en-US" dirty="0"/>
-                        <a:t>Unigram weight</a:t>
-                      </a:r>
-                    </a:p>
-                  </a:txBody>
-                  <a:tcPr/>
-                </a:tc>
-                <a:tc>
-                  <a:txBody>
-                    <a:bodyPr/>
-                    <a:lstStyle/>
-                    <a:p>
-                      <a:r>
-                        <a:rPr lang="en-US" dirty="0"/>
-                        <a:t>.2</a:t>
-                      </a:r>
-                    </a:p>
-                  </a:txBody>
-                  <a:tcPr/>
-                </a:tc>
-                <a:extLst>
-                  <a:ext uri="{0D108BD9-81ED-4DB2-BD59-A6C34878D82A}">
-                    <a16:rowId xmlns:a16="http://schemas.microsoft.com/office/drawing/2014/main" val="2309172630"/>
-                  </a:ext>
-                </a:extLst>
-              </a:tr>
-              <a:tr h="370840">
-                <a:tc>
-                  <a:txBody>
-                    <a:bodyPr/>
-                    <a:lstStyle/>
-                    <a:p>
-                      <a:r>
-                        <a:rPr lang="en-US" dirty="0"/>
-                        <a:t>Bigram weight</a:t>
-                      </a:r>
-                    </a:p>
-                  </a:txBody>
-                  <a:tcPr/>
-                </a:tc>
-                <a:tc>
-                  <a:txBody>
-                    <a:bodyPr/>
-                    <a:lstStyle/>
-                    <a:p>
-                      <a:r>
-                        <a:rPr lang="en-US" dirty="0"/>
-                        <a:t>.9</a:t>
-                      </a:r>
-                    </a:p>
-                  </a:txBody>
-                  <a:tcPr/>
-                </a:tc>
-                <a:extLst>
-                  <a:ext uri="{0D108BD9-81ED-4DB2-BD59-A6C34878D82A}">
-                    <a16:rowId xmlns:a16="http://schemas.microsoft.com/office/drawing/2014/main" val="4173575549"/>
-                  </a:ext>
-                </a:extLst>
-              </a:tr>
-              <a:tr h="370840">
-                <a:tc>
-                  <a:txBody>
-                    <a:bodyPr/>
-                    <a:lstStyle/>
-                    <a:p>
-                      <a:r>
-                        <a:rPr lang="en-US" dirty="0"/>
-                        <a:t>Unigram overlap threshold</a:t>
-                      </a:r>
-                    </a:p>
-                  </a:txBody>
-                  <a:tcPr/>
-                </a:tc>
-                <a:tc>
-                  <a:txBody>
-                    <a:bodyPr/>
-                    <a:lstStyle/>
-                    <a:p>
-                      <a:r>
-                        <a:rPr lang="en-US" dirty="0"/>
-                        <a:t>.74</a:t>
-                      </a:r>
-                    </a:p>
-                  </a:txBody>
-                  <a:tcPr/>
-                </a:tc>
-                <a:extLst>
-                  <a:ext uri="{0D108BD9-81ED-4DB2-BD59-A6C34878D82A}">
-                    <a16:rowId xmlns:a16="http://schemas.microsoft.com/office/drawing/2014/main" val="2202427320"/>
-                  </a:ext>
-                </a:extLst>
-              </a:tr>
-              <a:tr h="370840">
-                <a:tc>
-                  <a:txBody>
-                    <a:bodyPr/>
-                    <a:lstStyle/>
-                    <a:p>
-                      <a:r>
-                        <a:rPr lang="en-US" dirty="0" err="1"/>
-                        <a:t>spaCy</a:t>
-                      </a:r>
-                      <a:r>
-                        <a:rPr lang="en-US" dirty="0"/>
-                        <a:t> similarity threshold</a:t>
-                      </a:r>
-                    </a:p>
-                  </a:txBody>
-                  <a:tcPr/>
-                </a:tc>
-                <a:tc>
-                  <a:txBody>
-                    <a:bodyPr/>
-                    <a:lstStyle/>
-                    <a:p>
-                      <a:r>
-                        <a:rPr lang="en-US" dirty="0"/>
-                        <a:t>.95</a:t>
-                      </a:r>
-                    </a:p>
-                  </a:txBody>
-                  <a:tcPr/>
-                </a:tc>
-                <a:extLst>
-                  <a:ext uri="{0D108BD9-81ED-4DB2-BD59-A6C34878D82A}">
-                    <a16:rowId xmlns:a16="http://schemas.microsoft.com/office/drawing/2014/main" val="1473067795"/>
-                  </a:ext>
-                </a:extLst>
-              </a:tr>
-            </a:tbl>
-          </a:graphicData>
-        </a:graphic>
-      </p:graphicFrame>
-    </p:spTree>
-    <p:extLst>
-      <p:ext uri="{BB962C8B-B14F-4D97-AF65-F5344CB8AC3E}">
-        <p14:creationId xmlns:p14="http://schemas.microsoft.com/office/powerpoint/2010/main" val="2486795874"/>
       </p:ext>
     </p:extLst>
   </p:cSld>
@@ -9152,7 +7082,7 @@
           <a:lstStyle/>
           <a:p>
             <a:r>
-              <a:rPr lang="en-US" sz="2400" dirty="0">
+              <a:rPr lang="en-US" sz="2800" dirty="0">
                 <a:ea typeface="Cambria" panose="02040503050406030204" pitchFamily="18" charset="0"/>
               </a:rPr>
               <a:t>Lots of work to fix fragments</a:t>
@@ -9178,7 +7108,7 @@
           </a:p>
           <a:p>
             <a:r>
-              <a:rPr lang="en-US" sz="2400" dirty="0">
+              <a:rPr lang="en-US" sz="2800" dirty="0">
                 <a:ea typeface="Cambria" panose="02040503050406030204" pitchFamily="18" charset="0"/>
               </a:rPr>
               <a:t>Smarter quote detection</a:t>
@@ -9195,10 +7125,10 @@
           </a:p>
           <a:p>
             <a:r>
-              <a:rPr lang="en-US" sz="2400" dirty="0">
+              <a:rPr lang="en-US" sz="2800" dirty="0">
                 <a:ea typeface="Cambria" panose="02040503050406030204" pitchFamily="18" charset="0"/>
               </a:rPr>
-              <a:t>Remove a few more newspaper-specific things</a:t>
+              <a:t>Remove a few more newspaper-specifics</a:t>
             </a:r>
           </a:p>
           <a:p>
@@ -9313,28 +7243,28 @@
           <a:lstStyle/>
           <a:p>
             <a:r>
+              <a:rPr lang="en-US" sz="2800" dirty="0">
+                <a:ea typeface="Cambria" panose="02040503050406030204" pitchFamily="18" charset="0"/>
+              </a:rPr>
+              <a:t>No more appositive removal</a:t>
+            </a:r>
+          </a:p>
+          <a:p>
+            <a:pPr lvl="1"/>
+            <a:r>
               <a:rPr lang="en-US" sz="2400" dirty="0">
                 <a:ea typeface="Cambria" panose="02040503050406030204" pitchFamily="18" charset="0"/>
               </a:rPr>
-              <a:t>No more appositive removal</a:t>
-            </a:r>
-          </a:p>
-          <a:p>
-            <a:pPr lvl="1"/>
-            <a:r>
-              <a:rPr lang="en-US" sz="2000" dirty="0">
-                <a:ea typeface="Cambria" panose="02040503050406030204" pitchFamily="18" charset="0"/>
-              </a:rPr>
               <a:t>Some problems with </a:t>
             </a:r>
             <a:r>
-              <a:rPr lang="en-US" sz="2000" dirty="0" err="1">
+              <a:rPr lang="en-US" sz="2400" dirty="0" err="1">
                 <a:ea typeface="Cambria" panose="02040503050406030204" pitchFamily="18" charset="0"/>
               </a:rPr>
               <a:t>spaCy</a:t>
             </a:r>
             <a:r>
-              <a:rPr lang="en-US" sz="2000" dirty="0">
+              <a:rPr lang="en-US" sz="2400" dirty="0">
                 <a:ea typeface="Cambria" panose="02040503050406030204" pitchFamily="18" charset="0"/>
               </a:rPr>
               <a:t> parsing</a:t>
@@ -9343,7 +7273,7 @@
           <a:p>
             <a:pPr lvl="1"/>
             <a:r>
-              <a:rPr lang="en-US" sz="2000" dirty="0">
+              <a:rPr lang="en-US" sz="2400" dirty="0">
                 <a:ea typeface="Cambria" panose="02040503050406030204" pitchFamily="18" charset="0"/>
               </a:rPr>
               <a:t>Even in good cases, ROUGE-2 suffered</a:t>
@@ -9575,25 +7505,25 @@
           <a:lstStyle/>
           <a:p>
             <a:r>
+              <a:rPr lang="en-US" sz="2800" dirty="0">
+                <a:ea typeface="Cambria" panose="02040503050406030204" pitchFamily="18" charset="0"/>
+              </a:rPr>
+              <a:t>More careful word-initial removal</a:t>
+            </a:r>
+          </a:p>
+          <a:p>
+            <a:pPr lvl="1"/>
+            <a:r>
               <a:rPr lang="en-US" sz="2400" dirty="0">
                 <a:ea typeface="Cambria" panose="02040503050406030204" pitchFamily="18" charset="0"/>
               </a:rPr>
-              <a:t>More careful word-initial removal</a:t>
+              <a:t>From D3: Fine-grained tags</a:t>
             </a:r>
           </a:p>
           <a:p>
             <a:pPr lvl="1"/>
             <a:r>
-              <a:rPr lang="en-US" dirty="0">
-                <a:ea typeface="Cambria" panose="02040503050406030204" pitchFamily="18" charset="0"/>
-              </a:rPr>
-              <a:t>From D3: Fine-grained tags</a:t>
-            </a:r>
-          </a:p>
-          <a:p>
-            <a:pPr lvl="1"/>
-            <a:r>
-              <a:rPr lang="en-US" dirty="0">
+              <a:rPr lang="en-US" sz="2400" dirty="0">
                 <a:ea typeface="Cambria" panose="02040503050406030204" pitchFamily="18" charset="0"/>
               </a:rPr>
               <a:t>New: List of exception words</a:t>
@@ -9601,47 +7531,47 @@
           </a:p>
           <a:p>
             <a:r>
+              <a:rPr lang="en-US" sz="2800" dirty="0">
+                <a:ea typeface="Cambria" panose="02040503050406030204" pitchFamily="18" charset="0"/>
+              </a:rPr>
+              <a:t>Redundancy Checker</a:t>
+            </a:r>
+          </a:p>
+          <a:p>
+            <a:pPr lvl="1"/>
+            <a:r>
               <a:rPr lang="en-US" sz="2400" dirty="0">
                 <a:ea typeface="Cambria" panose="02040503050406030204" pitchFamily="18" charset="0"/>
               </a:rPr>
-              <a:t>Redundancy Checker</a:t>
-            </a:r>
-          </a:p>
-          <a:p>
-            <a:pPr lvl="1"/>
-            <a:r>
-              <a:rPr lang="en-US" dirty="0">
+              <a:t>Added naïve unigram overlap for two-step redundancy checker</a:t>
+            </a:r>
+          </a:p>
+          <a:p>
+            <a:r>
+              <a:rPr lang="en-US" sz="2800" dirty="0">
                 <a:ea typeface="Cambria" panose="02040503050406030204" pitchFamily="18" charset="0"/>
               </a:rPr>
-              <a:t>Added naïve unigram overlap for two-step redundancy checker</a:t>
-            </a:r>
-          </a:p>
-          <a:p>
+              <a:t>Full Sentence Filtering</a:t>
+            </a:r>
+          </a:p>
+          <a:p>
+            <a:pPr lvl="1"/>
             <a:r>
               <a:rPr lang="en-US" sz="2400" dirty="0">
                 <a:ea typeface="Cambria" panose="02040503050406030204" pitchFamily="18" charset="0"/>
               </a:rPr>
-              <a:t>Full Sentence Filtering</a:t>
+              <a:t>From D3: Questions, Quotes</a:t>
             </a:r>
           </a:p>
           <a:p>
             <a:pPr lvl="1"/>
             <a:r>
-              <a:rPr lang="en-US" dirty="0">
-                <a:ea typeface="Cambria" panose="02040503050406030204" pitchFamily="18" charset="0"/>
-              </a:rPr>
-              <a:t>From D3: Questions, Quotes</a:t>
-            </a:r>
-          </a:p>
-          <a:p>
-            <a:pPr lvl="1"/>
-            <a:r>
-              <a:rPr lang="en-US" dirty="0">
+              <a:rPr lang="en-US" sz="2400" dirty="0">
                 <a:ea typeface="Cambria" panose="02040503050406030204" pitchFamily="18" charset="0"/>
               </a:rPr>
               <a:t>New: Pronoun-initial sentences</a:t>
             </a:r>
-            <a:endParaRPr lang="en-US" sz="2400" dirty="0">
+            <a:endParaRPr lang="en-US" sz="2800" dirty="0">
               <a:ea typeface="Cambria" panose="02040503050406030204" pitchFamily="18" charset="0"/>
             </a:endParaRPr>
           </a:p>
@@ -9739,7 +7669,7 @@
           <a:lstStyle/>
           <a:p>
             <a:r>
-              <a:rPr lang="en-US" dirty="0"/>
+              <a:rPr lang="en-US" sz="2800" dirty="0"/>
               <a:t>Maximize word count</a:t>
             </a:r>
           </a:p>
@@ -10590,7 +8520,12 @@
             <p:ph idx="1"/>
           </p:nvPr>
         </p:nvSpPr>
-        <p:spPr/>
+        <p:spPr>
+          <a:xfrm>
+            <a:off x="1202919" y="2011680"/>
+            <a:ext cx="9784080" cy="2489200"/>
+          </a:xfrm>
+        </p:spPr>
         <p:txBody>
           <a:bodyPr>
             <a:normAutofit/>
@@ -10598,37 +8533,15 @@
           <a:lstStyle/>
           <a:p>
             <a:r>
-              <a:rPr lang="en-US" sz="2400" dirty="0"/>
+              <a:rPr lang="en-US" sz="2800" dirty="0"/>
               <a:t>Move some screening into content selection</a:t>
             </a:r>
           </a:p>
           <a:p>
             <a:r>
-              <a:rPr lang="en-US" sz="2400" dirty="0"/>
+              <a:rPr lang="en-US" sz="2800" dirty="0"/>
               <a:t>Only usable sentences are now available to realization</a:t>
             </a:r>
-          </a:p>
-          <a:p>
-            <a:pPr lvl="1"/>
-            <a:r>
-              <a:rPr lang="en-US" sz="2400" dirty="0"/>
-              <a:t>Selection is limited to selecting 2 sentences per article</a:t>
-            </a:r>
-          </a:p>
-          <a:p>
-            <a:pPr lvl="1"/>
-            <a:r>
-              <a:rPr lang="en-US" sz="2400" dirty="0"/>
-              <a:t>Make sure none of those sentences contain quotes or question marks.</a:t>
-            </a:r>
-          </a:p>
-          <a:p>
-            <a:r>
-              <a:rPr lang="en-US" sz="2400" dirty="0"/>
-              <a:t>This worked better than increasing to 3 sentences per article</a:t>
-            </a:r>
-          </a:p>
-          <a:p>
             <a:endParaRPr lang="en-US" sz="2400" dirty="0"/>
           </a:p>
           <a:p>
@@ -10636,6 +8549,746 @@
               <a:buNone/>
             </a:pPr>
             <a:endParaRPr lang="en-US" sz="2400" dirty="0"/>
+          </a:p>
+        </p:txBody>
+      </p:sp>
+      <p:sp>
+        <p:nvSpPr>
+          <p:cNvPr id="4" name="Rectangle: Rounded Corners 3">
+            <a:extLst>
+              <a:ext uri="{FF2B5EF4-FFF2-40B4-BE49-F238E27FC236}">
+                <a16:creationId xmlns:a16="http://schemas.microsoft.com/office/drawing/2014/main" id="{A6CDF2D6-D0B2-490F-839C-413BA97A1611}"/>
+              </a:ext>
+            </a:extLst>
+          </p:cNvPr>
+          <p:cNvSpPr/>
+          <p:nvPr/>
+        </p:nvSpPr>
+        <p:spPr>
+          <a:xfrm>
+            <a:off x="2001823" y="3331720"/>
+            <a:ext cx="1239520" cy="1412240"/>
+          </a:xfrm>
+          <a:prstGeom prst="roundRect">
+            <a:avLst/>
+          </a:prstGeom>
+        </p:spPr>
+        <p:style>
+          <a:lnRef idx="1">
+            <a:schemeClr val="accent2"/>
+          </a:lnRef>
+          <a:fillRef idx="2">
+            <a:schemeClr val="accent2"/>
+          </a:fillRef>
+          <a:effectRef idx="1">
+            <a:schemeClr val="accent2"/>
+          </a:effectRef>
+          <a:fontRef idx="minor">
+            <a:schemeClr val="dk1"/>
+          </a:fontRef>
+        </p:style>
+        <p:txBody>
+          <a:bodyPr rtlCol="0" anchor="ctr"/>
+          <a:lstStyle/>
+          <a:p>
+            <a:pPr algn="ctr"/>
+            <a:r>
+              <a:rPr lang="en-US" dirty="0"/>
+              <a:t>Selection</a:t>
+            </a:r>
+          </a:p>
+        </p:txBody>
+      </p:sp>
+      <p:sp>
+        <p:nvSpPr>
+          <p:cNvPr id="5" name="Trapezoid 4">
+            <a:extLst>
+              <a:ext uri="{FF2B5EF4-FFF2-40B4-BE49-F238E27FC236}">
+                <a16:creationId xmlns:a16="http://schemas.microsoft.com/office/drawing/2014/main" id="{939EA0A1-B014-49B6-B177-51E56A9CD015}"/>
+              </a:ext>
+            </a:extLst>
+          </p:cNvPr>
+          <p:cNvSpPr/>
+          <p:nvPr/>
+        </p:nvSpPr>
+        <p:spPr>
+          <a:xfrm rot="5400000">
+            <a:off x="4264703" y="3580869"/>
+            <a:ext cx="1584960" cy="980960"/>
+          </a:xfrm>
+          <a:prstGeom prst="trapezoid">
+            <a:avLst/>
+          </a:prstGeom>
+        </p:spPr>
+        <p:style>
+          <a:lnRef idx="1">
+            <a:schemeClr val="accent4"/>
+          </a:lnRef>
+          <a:fillRef idx="2">
+            <a:schemeClr val="accent4"/>
+          </a:fillRef>
+          <a:effectRef idx="1">
+            <a:schemeClr val="accent4"/>
+          </a:effectRef>
+          <a:fontRef idx="minor">
+            <a:schemeClr val="dk1"/>
+          </a:fontRef>
+        </p:style>
+        <p:txBody>
+          <a:bodyPr rtlCol="0" anchor="ctr"/>
+          <a:lstStyle/>
+          <a:p>
+            <a:pPr algn="ctr"/>
+            <a:endParaRPr lang="en-US" dirty="0"/>
+          </a:p>
+        </p:txBody>
+      </p:sp>
+      <p:sp>
+        <p:nvSpPr>
+          <p:cNvPr id="6" name="TextBox 5">
+            <a:extLst>
+              <a:ext uri="{FF2B5EF4-FFF2-40B4-BE49-F238E27FC236}">
+                <a16:creationId xmlns:a16="http://schemas.microsoft.com/office/drawing/2014/main" id="{46CF0958-035C-46B9-B2B7-7ABAB06F6564}"/>
+              </a:ext>
+            </a:extLst>
+          </p:cNvPr>
+          <p:cNvSpPr txBox="1"/>
+          <p:nvPr/>
+        </p:nvSpPr>
+        <p:spPr>
+          <a:xfrm>
+            <a:off x="4512884" y="3787665"/>
+            <a:ext cx="1229360" cy="646331"/>
+          </a:xfrm>
+          <a:prstGeom prst="rect">
+            <a:avLst/>
+          </a:prstGeom>
+          <a:noFill/>
+        </p:spPr>
+        <p:txBody>
+          <a:bodyPr wrap="square" rtlCol="0">
+            <a:spAutoFit/>
+          </a:bodyPr>
+          <a:lstStyle/>
+          <a:p>
+            <a:r>
+              <a:rPr lang="en-US" dirty="0"/>
+              <a:t>Sentence Filtering</a:t>
+            </a:r>
+          </a:p>
+        </p:txBody>
+      </p:sp>
+      <p:sp>
+        <p:nvSpPr>
+          <p:cNvPr id="7" name="Arrow: Right 6">
+            <a:extLst>
+              <a:ext uri="{FF2B5EF4-FFF2-40B4-BE49-F238E27FC236}">
+                <a16:creationId xmlns:a16="http://schemas.microsoft.com/office/drawing/2014/main" id="{CAD7AB16-01C1-4EDB-B43B-ABDEAB022A31}"/>
+              </a:ext>
+            </a:extLst>
+          </p:cNvPr>
+          <p:cNvSpPr/>
+          <p:nvPr/>
+        </p:nvSpPr>
+        <p:spPr>
+          <a:xfrm>
+            <a:off x="3311942" y="3855938"/>
+            <a:ext cx="1056640" cy="430822"/>
+          </a:xfrm>
+          <a:prstGeom prst="rightArrow">
+            <a:avLst/>
+          </a:prstGeom>
+        </p:spPr>
+        <p:style>
+          <a:lnRef idx="2">
+            <a:schemeClr val="accent1">
+              <a:shade val="50000"/>
+            </a:schemeClr>
+          </a:lnRef>
+          <a:fillRef idx="1">
+            <a:schemeClr val="accent1"/>
+          </a:fillRef>
+          <a:effectRef idx="0">
+            <a:schemeClr val="accent1"/>
+          </a:effectRef>
+          <a:fontRef idx="minor">
+            <a:schemeClr val="lt1"/>
+          </a:fontRef>
+        </p:style>
+        <p:txBody>
+          <a:bodyPr rtlCol="0" anchor="ctr"/>
+          <a:lstStyle/>
+          <a:p>
+            <a:pPr algn="ctr"/>
+            <a:endParaRPr lang="en-US" dirty="0">
+              <a:solidFill>
+                <a:schemeClr val="bg1"/>
+              </a:solidFill>
+            </a:endParaRPr>
+          </a:p>
+        </p:txBody>
+      </p:sp>
+      <p:sp>
+        <p:nvSpPr>
+          <p:cNvPr id="8" name="TextBox 7">
+            <a:extLst>
+              <a:ext uri="{FF2B5EF4-FFF2-40B4-BE49-F238E27FC236}">
+                <a16:creationId xmlns:a16="http://schemas.microsoft.com/office/drawing/2014/main" id="{E4B4E29D-8CDB-4D0D-9617-4397C593DFA4}"/>
+              </a:ext>
+            </a:extLst>
+          </p:cNvPr>
+          <p:cNvSpPr txBox="1"/>
+          <p:nvPr/>
+        </p:nvSpPr>
+        <p:spPr>
+          <a:xfrm>
+            <a:off x="3230163" y="3565568"/>
+            <a:ext cx="1303562" cy="369332"/>
+          </a:xfrm>
+          <a:prstGeom prst="rect">
+            <a:avLst/>
+          </a:prstGeom>
+          <a:noFill/>
+        </p:spPr>
+        <p:txBody>
+          <a:bodyPr wrap="none" rtlCol="0">
+            <a:spAutoFit/>
+          </a:bodyPr>
+          <a:lstStyle/>
+          <a:p>
+            <a:r>
+              <a:rPr lang="en-US" dirty="0"/>
+              <a:t>2 per article</a:t>
+            </a:r>
+          </a:p>
+        </p:txBody>
+      </p:sp>
+      <p:sp>
+        <p:nvSpPr>
+          <p:cNvPr id="9" name="Arrow: Right 8">
+            <a:extLst>
+              <a:ext uri="{FF2B5EF4-FFF2-40B4-BE49-F238E27FC236}">
+                <a16:creationId xmlns:a16="http://schemas.microsoft.com/office/drawing/2014/main" id="{C97BE05B-531D-425B-AB46-D2E7E46B8F4E}"/>
+              </a:ext>
+            </a:extLst>
+          </p:cNvPr>
+          <p:cNvSpPr/>
+          <p:nvPr/>
+        </p:nvSpPr>
+        <p:spPr>
+          <a:xfrm>
+            <a:off x="5609155" y="3934900"/>
+            <a:ext cx="1239520" cy="430822"/>
+          </a:xfrm>
+          <a:prstGeom prst="rightArrow">
+            <a:avLst/>
+          </a:prstGeom>
+        </p:spPr>
+        <p:style>
+          <a:lnRef idx="2">
+            <a:schemeClr val="accent1">
+              <a:shade val="50000"/>
+            </a:schemeClr>
+          </a:lnRef>
+          <a:fillRef idx="1">
+            <a:schemeClr val="accent1"/>
+          </a:fillRef>
+          <a:effectRef idx="0">
+            <a:schemeClr val="accent1"/>
+          </a:effectRef>
+          <a:fontRef idx="minor">
+            <a:schemeClr val="lt1"/>
+          </a:fontRef>
+        </p:style>
+        <p:txBody>
+          <a:bodyPr rtlCol="0" anchor="ctr"/>
+          <a:lstStyle/>
+          <a:p>
+            <a:pPr algn="ctr"/>
+            <a:endParaRPr lang="en-US" dirty="0">
+              <a:solidFill>
+                <a:schemeClr val="bg1"/>
+              </a:solidFill>
+            </a:endParaRPr>
+          </a:p>
+        </p:txBody>
+      </p:sp>
+      <p:sp>
+        <p:nvSpPr>
+          <p:cNvPr id="10" name="TextBox 9">
+            <a:extLst>
+              <a:ext uri="{FF2B5EF4-FFF2-40B4-BE49-F238E27FC236}">
+                <a16:creationId xmlns:a16="http://schemas.microsoft.com/office/drawing/2014/main" id="{6E741DEE-2240-4190-9ADB-BDF27BF0B167}"/>
+              </a:ext>
+            </a:extLst>
+          </p:cNvPr>
+          <p:cNvSpPr txBox="1"/>
+          <p:nvPr/>
+        </p:nvSpPr>
+        <p:spPr>
+          <a:xfrm>
+            <a:off x="5545113" y="3565568"/>
+            <a:ext cx="1468672" cy="369332"/>
+          </a:xfrm>
+          <a:prstGeom prst="rect">
+            <a:avLst/>
+          </a:prstGeom>
+          <a:noFill/>
+        </p:spPr>
+        <p:txBody>
+          <a:bodyPr wrap="none" rtlCol="0">
+            <a:spAutoFit/>
+          </a:bodyPr>
+          <a:lstStyle/>
+          <a:p>
+            <a:r>
+              <a:rPr lang="en-US" dirty="0"/>
+              <a:t>&lt; 2 per article</a:t>
+            </a:r>
+          </a:p>
+        </p:txBody>
+      </p:sp>
+      <p:sp>
+        <p:nvSpPr>
+          <p:cNvPr id="11" name="Rectangle: Rounded Corners 10">
+            <a:extLst>
+              <a:ext uri="{FF2B5EF4-FFF2-40B4-BE49-F238E27FC236}">
+                <a16:creationId xmlns:a16="http://schemas.microsoft.com/office/drawing/2014/main" id="{C0854CC9-2DBB-4877-8F0F-9C7AEB9CF192}"/>
+              </a:ext>
+            </a:extLst>
+          </p:cNvPr>
+          <p:cNvSpPr/>
+          <p:nvPr/>
+        </p:nvSpPr>
+        <p:spPr>
+          <a:xfrm>
+            <a:off x="2001822" y="5258645"/>
+            <a:ext cx="1625545" cy="1412240"/>
+          </a:xfrm>
+          <a:prstGeom prst="roundRect">
+            <a:avLst/>
+          </a:prstGeom>
+        </p:spPr>
+        <p:style>
+          <a:lnRef idx="1">
+            <a:schemeClr val="accent2"/>
+          </a:lnRef>
+          <a:fillRef idx="2">
+            <a:schemeClr val="accent2"/>
+          </a:fillRef>
+          <a:effectRef idx="1">
+            <a:schemeClr val="accent2"/>
+          </a:effectRef>
+          <a:fontRef idx="minor">
+            <a:schemeClr val="dk1"/>
+          </a:fontRef>
+        </p:style>
+        <p:txBody>
+          <a:bodyPr rtlCol="0" anchor="t"/>
+          <a:lstStyle/>
+          <a:p>
+            <a:pPr algn="ctr"/>
+            <a:r>
+              <a:rPr lang="en-US" dirty="0"/>
+              <a:t>Selection</a:t>
+            </a:r>
+          </a:p>
+        </p:txBody>
+      </p:sp>
+      <p:sp>
+        <p:nvSpPr>
+          <p:cNvPr id="12" name="Trapezoid 11">
+            <a:extLst>
+              <a:ext uri="{FF2B5EF4-FFF2-40B4-BE49-F238E27FC236}">
+                <a16:creationId xmlns:a16="http://schemas.microsoft.com/office/drawing/2014/main" id="{360D87BE-69D5-4FB6-A935-5FA7F4DA3BF6}"/>
+              </a:ext>
+            </a:extLst>
+          </p:cNvPr>
+          <p:cNvSpPr/>
+          <p:nvPr/>
+        </p:nvSpPr>
+        <p:spPr>
+          <a:xfrm rot="5400000">
+            <a:off x="2283997" y="5787272"/>
+            <a:ext cx="898055" cy="617227"/>
+          </a:xfrm>
+          <a:prstGeom prst="trapezoid">
+            <a:avLst/>
+          </a:prstGeom>
+        </p:spPr>
+        <p:style>
+          <a:lnRef idx="1">
+            <a:schemeClr val="accent4"/>
+          </a:lnRef>
+          <a:fillRef idx="2">
+            <a:schemeClr val="accent4"/>
+          </a:fillRef>
+          <a:effectRef idx="1">
+            <a:schemeClr val="accent4"/>
+          </a:effectRef>
+          <a:fontRef idx="minor">
+            <a:schemeClr val="dk1"/>
+          </a:fontRef>
+        </p:style>
+        <p:txBody>
+          <a:bodyPr rtlCol="0" anchor="ctr"/>
+          <a:lstStyle/>
+          <a:p>
+            <a:pPr algn="ctr"/>
+            <a:endParaRPr lang="en-US" dirty="0"/>
+          </a:p>
+        </p:txBody>
+      </p:sp>
+      <p:sp>
+        <p:nvSpPr>
+          <p:cNvPr id="14" name="Arrow: Right 13">
+            <a:extLst>
+              <a:ext uri="{FF2B5EF4-FFF2-40B4-BE49-F238E27FC236}">
+                <a16:creationId xmlns:a16="http://schemas.microsoft.com/office/drawing/2014/main" id="{F09B2DD0-5745-474C-8221-05510DE5E055}"/>
+              </a:ext>
+            </a:extLst>
+          </p:cNvPr>
+          <p:cNvSpPr/>
+          <p:nvPr/>
+        </p:nvSpPr>
+        <p:spPr>
+          <a:xfrm>
+            <a:off x="3199936" y="5857083"/>
+            <a:ext cx="1024585" cy="383874"/>
+          </a:xfrm>
+          <a:prstGeom prst="rightArrow">
+            <a:avLst/>
+          </a:prstGeom>
+        </p:spPr>
+        <p:style>
+          <a:lnRef idx="2">
+            <a:schemeClr val="accent1">
+              <a:shade val="50000"/>
+            </a:schemeClr>
+          </a:lnRef>
+          <a:fillRef idx="1">
+            <a:schemeClr val="accent1"/>
+          </a:fillRef>
+          <a:effectRef idx="0">
+            <a:schemeClr val="accent1"/>
+          </a:effectRef>
+          <a:fontRef idx="minor">
+            <a:schemeClr val="lt1"/>
+          </a:fontRef>
+        </p:style>
+        <p:txBody>
+          <a:bodyPr rtlCol="0" anchor="ctr"/>
+          <a:lstStyle/>
+          <a:p>
+            <a:pPr algn="ctr"/>
+            <a:endParaRPr lang="en-US" dirty="0">
+              <a:solidFill>
+                <a:schemeClr val="bg1"/>
+              </a:solidFill>
+            </a:endParaRPr>
+          </a:p>
+        </p:txBody>
+      </p:sp>
+      <p:sp>
+        <p:nvSpPr>
+          <p:cNvPr id="15" name="TextBox 14">
+            <a:extLst>
+              <a:ext uri="{FF2B5EF4-FFF2-40B4-BE49-F238E27FC236}">
+                <a16:creationId xmlns:a16="http://schemas.microsoft.com/office/drawing/2014/main" id="{387E73E1-475E-45C8-BB04-72AA53D10460}"/>
+              </a:ext>
+            </a:extLst>
+          </p:cNvPr>
+          <p:cNvSpPr txBox="1"/>
+          <p:nvPr/>
+        </p:nvSpPr>
+        <p:spPr>
+          <a:xfrm>
+            <a:off x="3078255" y="5549321"/>
+            <a:ext cx="1455470" cy="369332"/>
+          </a:xfrm>
+          <a:prstGeom prst="rect">
+            <a:avLst/>
+          </a:prstGeom>
+          <a:noFill/>
+        </p:spPr>
+        <p:txBody>
+          <a:bodyPr wrap="square" rtlCol="0">
+            <a:spAutoFit/>
+          </a:bodyPr>
+          <a:lstStyle/>
+          <a:p>
+            <a:r>
+              <a:rPr lang="en-US" dirty="0">
+                <a:solidFill>
+                  <a:schemeClr val="bg1"/>
+                </a:solidFill>
+              </a:rPr>
+              <a:t>2 per article</a:t>
+            </a:r>
+          </a:p>
+        </p:txBody>
+      </p:sp>
+      <p:sp>
+        <p:nvSpPr>
+          <p:cNvPr id="18" name="Rectangle: Rounded Corners 17">
+            <a:extLst>
+              <a:ext uri="{FF2B5EF4-FFF2-40B4-BE49-F238E27FC236}">
+                <a16:creationId xmlns:a16="http://schemas.microsoft.com/office/drawing/2014/main" id="{071171B3-EA5C-4517-99DD-1926E2A71083}"/>
+              </a:ext>
+            </a:extLst>
+          </p:cNvPr>
+          <p:cNvSpPr/>
+          <p:nvPr/>
+        </p:nvSpPr>
+        <p:spPr>
+          <a:xfrm>
+            <a:off x="4566703" y="5425726"/>
+            <a:ext cx="1625545" cy="1258343"/>
+          </a:xfrm>
+          <a:prstGeom prst="roundRect">
+            <a:avLst/>
+          </a:prstGeom>
+        </p:spPr>
+        <p:style>
+          <a:lnRef idx="1">
+            <a:schemeClr val="accent6"/>
+          </a:lnRef>
+          <a:fillRef idx="2">
+            <a:schemeClr val="accent6"/>
+          </a:fillRef>
+          <a:effectRef idx="1">
+            <a:schemeClr val="accent6"/>
+          </a:effectRef>
+          <a:fontRef idx="minor">
+            <a:schemeClr val="dk1"/>
+          </a:fontRef>
+        </p:style>
+        <p:txBody>
+          <a:bodyPr rtlCol="0" anchor="ctr"/>
+          <a:lstStyle/>
+          <a:p>
+            <a:pPr algn="ctr"/>
+            <a:r>
+              <a:rPr lang="en-US" dirty="0"/>
+              <a:t>Realization</a:t>
+            </a:r>
+          </a:p>
+        </p:txBody>
+      </p:sp>
+      <p:sp>
+        <p:nvSpPr>
+          <p:cNvPr id="19" name="Rectangle: Rounded Corners 18">
+            <a:extLst>
+              <a:ext uri="{FF2B5EF4-FFF2-40B4-BE49-F238E27FC236}">
+                <a16:creationId xmlns:a16="http://schemas.microsoft.com/office/drawing/2014/main" id="{A9FFA0CA-2687-4EEA-BCDC-DA077FBC0467}"/>
+              </a:ext>
+            </a:extLst>
+          </p:cNvPr>
+          <p:cNvSpPr/>
+          <p:nvPr/>
+        </p:nvSpPr>
+        <p:spPr>
+          <a:xfrm>
+            <a:off x="7026048" y="3487149"/>
+            <a:ext cx="1372119" cy="1412240"/>
+          </a:xfrm>
+          <a:prstGeom prst="roundRect">
+            <a:avLst/>
+          </a:prstGeom>
+        </p:spPr>
+        <p:style>
+          <a:lnRef idx="1">
+            <a:schemeClr val="accent6"/>
+          </a:lnRef>
+          <a:fillRef idx="2">
+            <a:schemeClr val="accent6"/>
+          </a:fillRef>
+          <a:effectRef idx="1">
+            <a:schemeClr val="accent6"/>
+          </a:effectRef>
+          <a:fontRef idx="minor">
+            <a:schemeClr val="dk1"/>
+          </a:fontRef>
+        </p:style>
+        <p:txBody>
+          <a:bodyPr rtlCol="0" anchor="ctr"/>
+          <a:lstStyle/>
+          <a:p>
+            <a:pPr algn="ctr"/>
+            <a:r>
+              <a:rPr lang="en-US" dirty="0"/>
+              <a:t>Remaining Realization</a:t>
+            </a:r>
+          </a:p>
+        </p:txBody>
+      </p:sp>
+      <p:sp>
+        <p:nvSpPr>
+          <p:cNvPr id="20" name="Arrow: Right 19">
+            <a:extLst>
+              <a:ext uri="{FF2B5EF4-FFF2-40B4-BE49-F238E27FC236}">
+                <a16:creationId xmlns:a16="http://schemas.microsoft.com/office/drawing/2014/main" id="{2BC92DBF-3348-4A2A-AF44-94271FBCAA69}"/>
+              </a:ext>
+            </a:extLst>
+          </p:cNvPr>
+          <p:cNvSpPr/>
+          <p:nvPr/>
+        </p:nvSpPr>
+        <p:spPr>
+          <a:xfrm>
+            <a:off x="1287964" y="5823569"/>
+            <a:ext cx="1056640" cy="430822"/>
+          </a:xfrm>
+          <a:prstGeom prst="rightArrow">
+            <a:avLst/>
+          </a:prstGeom>
+        </p:spPr>
+        <p:style>
+          <a:lnRef idx="2">
+            <a:schemeClr val="accent1">
+              <a:shade val="50000"/>
+            </a:schemeClr>
+          </a:lnRef>
+          <a:fillRef idx="1">
+            <a:schemeClr val="accent1"/>
+          </a:fillRef>
+          <a:effectRef idx="0">
+            <a:schemeClr val="accent1"/>
+          </a:effectRef>
+          <a:fontRef idx="minor">
+            <a:schemeClr val="lt1"/>
+          </a:fontRef>
+        </p:style>
+        <p:txBody>
+          <a:bodyPr rtlCol="0" anchor="ctr"/>
+          <a:lstStyle/>
+          <a:p>
+            <a:pPr algn="ctr"/>
+            <a:endParaRPr lang="en-US" dirty="0">
+              <a:solidFill>
+                <a:schemeClr val="bg1"/>
+              </a:solidFill>
+            </a:endParaRPr>
+          </a:p>
+        </p:txBody>
+      </p:sp>
+      <p:sp>
+        <p:nvSpPr>
+          <p:cNvPr id="21" name="Arrow: Right 20">
+            <a:extLst>
+              <a:ext uri="{FF2B5EF4-FFF2-40B4-BE49-F238E27FC236}">
+                <a16:creationId xmlns:a16="http://schemas.microsoft.com/office/drawing/2014/main" id="{E12E0905-A71C-4813-845B-0D6FF996228C}"/>
+              </a:ext>
+            </a:extLst>
+          </p:cNvPr>
+          <p:cNvSpPr/>
+          <p:nvPr/>
+        </p:nvSpPr>
+        <p:spPr>
+          <a:xfrm>
+            <a:off x="1287963" y="3855938"/>
+            <a:ext cx="842727" cy="430822"/>
+          </a:xfrm>
+          <a:prstGeom prst="rightArrow">
+            <a:avLst/>
+          </a:prstGeom>
+        </p:spPr>
+        <p:style>
+          <a:lnRef idx="2">
+            <a:schemeClr val="accent1">
+              <a:shade val="50000"/>
+            </a:schemeClr>
+          </a:lnRef>
+          <a:fillRef idx="1">
+            <a:schemeClr val="accent1"/>
+          </a:fillRef>
+          <a:effectRef idx="0">
+            <a:schemeClr val="accent1"/>
+          </a:effectRef>
+          <a:fontRef idx="minor">
+            <a:schemeClr val="lt1"/>
+          </a:fontRef>
+        </p:style>
+        <p:txBody>
+          <a:bodyPr rtlCol="0" anchor="ctr"/>
+          <a:lstStyle/>
+          <a:p>
+            <a:pPr algn="ctr"/>
+            <a:endParaRPr lang="en-US" dirty="0">
+              <a:solidFill>
+                <a:schemeClr val="bg1"/>
+              </a:solidFill>
+            </a:endParaRPr>
+          </a:p>
+        </p:txBody>
+      </p:sp>
+      <p:sp>
+        <p:nvSpPr>
+          <p:cNvPr id="22" name="TextBox 21">
+            <a:extLst>
+              <a:ext uri="{FF2B5EF4-FFF2-40B4-BE49-F238E27FC236}">
+                <a16:creationId xmlns:a16="http://schemas.microsoft.com/office/drawing/2014/main" id="{3C65E5DB-EB01-488D-8401-80945BA1E217}"/>
+              </a:ext>
+            </a:extLst>
+          </p:cNvPr>
+          <p:cNvSpPr txBox="1"/>
+          <p:nvPr/>
+        </p:nvSpPr>
+        <p:spPr>
+          <a:xfrm>
+            <a:off x="263962" y="3763540"/>
+            <a:ext cx="1010400" cy="523220"/>
+          </a:xfrm>
+          <a:prstGeom prst="rect">
+            <a:avLst/>
+          </a:prstGeom>
+          <a:noFill/>
+        </p:spPr>
+        <p:txBody>
+          <a:bodyPr wrap="square" rtlCol="0">
+            <a:spAutoFit/>
+          </a:bodyPr>
+          <a:lstStyle/>
+          <a:p>
+            <a:r>
+              <a:rPr lang="en-US" sz="2800" dirty="0"/>
+              <a:t>Old:</a:t>
+            </a:r>
+          </a:p>
+        </p:txBody>
+      </p:sp>
+      <p:sp>
+        <p:nvSpPr>
+          <p:cNvPr id="23" name="TextBox 22">
+            <a:extLst>
+              <a:ext uri="{FF2B5EF4-FFF2-40B4-BE49-F238E27FC236}">
+                <a16:creationId xmlns:a16="http://schemas.microsoft.com/office/drawing/2014/main" id="{A2F2430A-EB3B-4E74-BBC5-8777A4D35BAC}"/>
+              </a:ext>
+            </a:extLst>
+          </p:cNvPr>
+          <p:cNvSpPr txBox="1"/>
+          <p:nvPr/>
+        </p:nvSpPr>
+        <p:spPr>
+          <a:xfrm>
+            <a:off x="259055" y="5743596"/>
+            <a:ext cx="1010400" cy="523220"/>
+          </a:xfrm>
+          <a:prstGeom prst="rect">
+            <a:avLst/>
+          </a:prstGeom>
+          <a:noFill/>
+        </p:spPr>
+        <p:txBody>
+          <a:bodyPr wrap="square" rtlCol="0">
+            <a:spAutoFit/>
+          </a:bodyPr>
+          <a:lstStyle/>
+          <a:p>
+            <a:r>
+              <a:rPr lang="en-US" sz="2800" dirty="0"/>
+              <a:t>New:</a:t>
+            </a:r>
           </a:p>
         </p:txBody>
       </p:sp>
@@ -10725,15 +9378,15 @@
           <a:lstStyle/>
           <a:p>
             <a:r>
-              <a:rPr lang="en-US" sz="2800" dirty="0"/>
+              <a:rPr lang="en-US" sz="3200" dirty="0"/>
               <a:t>D3: “Expert” approach from </a:t>
             </a:r>
             <a:r>
-              <a:rPr lang="en-US" sz="2800" dirty="0" err="1"/>
+              <a:rPr lang="en-US" sz="3200" dirty="0" err="1"/>
               <a:t>Bollegala</a:t>
             </a:r>
             <a:r>
-              <a:rPr lang="en-US" sz="2800" dirty="0"/>
+              <a:rPr lang="en-US" sz="3200" dirty="0"/>
               <a:t> et al.</a:t>
             </a:r>
           </a:p>
@@ -10746,7 +9399,7 @@
           </a:p>
           <a:p>
             <a:r>
-              <a:rPr lang="en-US" sz="2800" dirty="0"/>
+              <a:rPr lang="en-US" sz="3200" dirty="0"/>
               <a:t>D4: Additional features for first sentence</a:t>
             </a:r>
           </a:p>

--- a/doc/D4_presentation.pptx
+++ b/doc/D4_presentation.pptx
@@ -5,26 +5,35 @@
     <p:sldMasterId id="2147484045" r:id="rId1"/>
   </p:sldMasterIdLst>
   <p:notesMasterIdLst>
-    <p:notesMasterId r:id="rId19"/>
+    <p:notesMasterId r:id="rId28"/>
   </p:notesMasterIdLst>
   <p:sldIdLst>
     <p:sldId id="256" r:id="rId2"/>
     <p:sldId id="258" r:id="rId3"/>
-    <p:sldId id="290" r:id="rId4"/>
-    <p:sldId id="312" r:id="rId5"/>
-    <p:sldId id="299" r:id="rId6"/>
-    <p:sldId id="300" r:id="rId7"/>
-    <p:sldId id="304" r:id="rId8"/>
-    <p:sldId id="307" r:id="rId9"/>
-    <p:sldId id="305" r:id="rId10"/>
-    <p:sldId id="318" r:id="rId11"/>
-    <p:sldId id="308" r:id="rId12"/>
-    <p:sldId id="309" r:id="rId13"/>
-    <p:sldId id="313" r:id="rId14"/>
-    <p:sldId id="314" r:id="rId15"/>
-    <p:sldId id="315" r:id="rId16"/>
-    <p:sldId id="316" r:id="rId17"/>
-    <p:sldId id="310" r:id="rId18"/>
+    <p:sldId id="326" r:id="rId4"/>
+    <p:sldId id="290" r:id="rId5"/>
+    <p:sldId id="320" r:id="rId6"/>
+    <p:sldId id="312" r:id="rId7"/>
+    <p:sldId id="321" r:id="rId8"/>
+    <p:sldId id="304" r:id="rId9"/>
+    <p:sldId id="307" r:id="rId10"/>
+    <p:sldId id="299" r:id="rId11"/>
+    <p:sldId id="327" r:id="rId12"/>
+    <p:sldId id="300" r:id="rId13"/>
+    <p:sldId id="322" r:id="rId14"/>
+    <p:sldId id="305" r:id="rId15"/>
+    <p:sldId id="318" r:id="rId16"/>
+    <p:sldId id="323" r:id="rId17"/>
+    <p:sldId id="308" r:id="rId18"/>
+    <p:sldId id="324" r:id="rId19"/>
+    <p:sldId id="309" r:id="rId20"/>
+    <p:sldId id="313" r:id="rId21"/>
+    <p:sldId id="314" r:id="rId22"/>
+    <p:sldId id="315" r:id="rId23"/>
+    <p:sldId id="325" r:id="rId24"/>
+    <p:sldId id="316" r:id="rId25"/>
+    <p:sldId id="310" r:id="rId26"/>
+    <p:sldId id="319" r:id="rId27"/>
   </p:sldIdLst>
   <p:sldSz cx="12192000" cy="6858000"/>
   <p:notesSz cx="6858000" cy="9144000"/>
@@ -213,7 +222,7 @@
           <a:p>
             <a:fld id="{9A0D9DA0-D7DA-4183-84DC-AA8105A910F4}" type="datetimeFigureOut">
               <a:rPr lang="en-US" smtClean="0"/>
-              <a:t>6/3/2020</a:t>
+              <a:t>6/4/2020</a:t>
             </a:fld>
             <a:endParaRPr lang="en-US"/>
           </a:p>
@@ -567,6 +576,429 @@
 </p:notes>
 </file>
 
+<file path=ppt/notesSlides/notesSlide10.xml><?xml version="1.0" encoding="utf-8"?>
+<p:notes xmlns:a="http://schemas.openxmlformats.org/drawingml/2006/main" xmlns:r="http://schemas.openxmlformats.org/officeDocument/2006/relationships" xmlns:p="http://schemas.openxmlformats.org/presentationml/2006/main">
+  <p:cSld>
+    <p:spTree>
+      <p:nvGrpSpPr>
+        <p:cNvPr id="1" name=""/>
+        <p:cNvGrpSpPr/>
+        <p:nvPr/>
+      </p:nvGrpSpPr>
+      <p:grpSpPr>
+        <a:xfrm>
+          <a:off x="0" y="0"/>
+          <a:ext cx="0" cy="0"/>
+          <a:chOff x="0" y="0"/>
+          <a:chExt cx="0" cy="0"/>
+        </a:xfrm>
+      </p:grpSpPr>
+      <p:sp>
+        <p:nvSpPr>
+          <p:cNvPr id="2" name="Slide Image Placeholder 1"/>
+          <p:cNvSpPr>
+            <a:spLocks noGrp="1" noRot="1" noChangeAspect="1"/>
+          </p:cNvSpPr>
+          <p:nvPr>
+            <p:ph type="sldImg"/>
+          </p:nvPr>
+        </p:nvSpPr>
+        <p:spPr/>
+      </p:sp>
+      <p:sp>
+        <p:nvSpPr>
+          <p:cNvPr id="3" name="Notes Placeholder 2"/>
+          <p:cNvSpPr>
+            <a:spLocks noGrp="1"/>
+          </p:cNvSpPr>
+          <p:nvPr>
+            <p:ph type="body" idx="1"/>
+          </p:nvPr>
+        </p:nvSpPr>
+        <p:spPr/>
+        <p:txBody>
+          <a:bodyPr/>
+          <a:lstStyle/>
+          <a:p>
+            <a:endParaRPr lang="en-US" dirty="0"/>
+          </a:p>
+        </p:txBody>
+      </p:sp>
+      <p:sp>
+        <p:nvSpPr>
+          <p:cNvPr id="4" name="Slide Number Placeholder 3"/>
+          <p:cNvSpPr>
+            <a:spLocks noGrp="1"/>
+          </p:cNvSpPr>
+          <p:nvPr>
+            <p:ph type="sldNum" sz="quarter" idx="5"/>
+          </p:nvPr>
+        </p:nvSpPr>
+        <p:spPr/>
+        <p:txBody>
+          <a:bodyPr/>
+          <a:lstStyle/>
+          <a:p>
+            <a:fld id="{A2CC582E-73C2-49E4-831A-F39A76F8650E}" type="slidenum">
+              <a:rPr lang="en-US" smtClean="0"/>
+              <a:t>13</a:t>
+            </a:fld>
+            <a:endParaRPr lang="en-US"/>
+          </a:p>
+        </p:txBody>
+      </p:sp>
+    </p:spTree>
+    <p:extLst>
+      <p:ext uri="{BB962C8B-B14F-4D97-AF65-F5344CB8AC3E}">
+        <p14:creationId xmlns:p14="http://schemas.microsoft.com/office/powerpoint/2010/main" val="3458284668"/>
+      </p:ext>
+    </p:extLst>
+  </p:cSld>
+  <p:clrMapOvr>
+    <a:masterClrMapping/>
+  </p:clrMapOvr>
+</p:notes>
+</file>
+
+<file path=ppt/notesSlides/notesSlide11.xml><?xml version="1.0" encoding="utf-8"?>
+<p:notes xmlns:a="http://schemas.openxmlformats.org/drawingml/2006/main" xmlns:r="http://schemas.openxmlformats.org/officeDocument/2006/relationships" xmlns:p="http://schemas.openxmlformats.org/presentationml/2006/main">
+  <p:cSld>
+    <p:spTree>
+      <p:nvGrpSpPr>
+        <p:cNvPr id="1" name=""/>
+        <p:cNvGrpSpPr/>
+        <p:nvPr/>
+      </p:nvGrpSpPr>
+      <p:grpSpPr>
+        <a:xfrm>
+          <a:off x="0" y="0"/>
+          <a:ext cx="0" cy="0"/>
+          <a:chOff x="0" y="0"/>
+          <a:chExt cx="0" cy="0"/>
+        </a:xfrm>
+      </p:grpSpPr>
+      <p:sp>
+        <p:nvSpPr>
+          <p:cNvPr id="2" name="Slide Image Placeholder 1"/>
+          <p:cNvSpPr>
+            <a:spLocks noGrp="1" noRot="1" noChangeAspect="1"/>
+          </p:cNvSpPr>
+          <p:nvPr>
+            <p:ph type="sldImg"/>
+          </p:nvPr>
+        </p:nvSpPr>
+        <p:spPr/>
+      </p:sp>
+      <p:sp>
+        <p:nvSpPr>
+          <p:cNvPr id="3" name="Notes Placeholder 2"/>
+          <p:cNvSpPr>
+            <a:spLocks noGrp="1"/>
+          </p:cNvSpPr>
+          <p:nvPr>
+            <p:ph type="body" idx="1"/>
+          </p:nvPr>
+        </p:nvSpPr>
+        <p:spPr/>
+        <p:txBody>
+          <a:bodyPr/>
+          <a:lstStyle/>
+          <a:p>
+            <a:r>
+              <a:rPr lang="en-US" dirty="0"/>
+              <a:t>Note that the focus will be on updates</a:t>
+            </a:r>
+          </a:p>
+        </p:txBody>
+      </p:sp>
+      <p:sp>
+        <p:nvSpPr>
+          <p:cNvPr id="4" name="Slide Number Placeholder 3"/>
+          <p:cNvSpPr>
+            <a:spLocks noGrp="1"/>
+          </p:cNvSpPr>
+          <p:nvPr>
+            <p:ph type="sldNum" sz="quarter" idx="5"/>
+          </p:nvPr>
+        </p:nvSpPr>
+        <p:spPr/>
+        <p:txBody>
+          <a:bodyPr/>
+          <a:lstStyle/>
+          <a:p>
+            <a:fld id="{A2CC582E-73C2-49E4-831A-F39A76F8650E}" type="slidenum">
+              <a:rPr lang="en-US" smtClean="0"/>
+              <a:t>16</a:t>
+            </a:fld>
+            <a:endParaRPr lang="en-US"/>
+          </a:p>
+        </p:txBody>
+      </p:sp>
+    </p:spTree>
+    <p:extLst>
+      <p:ext uri="{BB962C8B-B14F-4D97-AF65-F5344CB8AC3E}">
+        <p14:creationId xmlns:p14="http://schemas.microsoft.com/office/powerpoint/2010/main" val="748315281"/>
+      </p:ext>
+    </p:extLst>
+  </p:cSld>
+  <p:clrMapOvr>
+    <a:masterClrMapping/>
+  </p:clrMapOvr>
+</p:notes>
+</file>
+
+<file path=ppt/notesSlides/notesSlide12.xml><?xml version="1.0" encoding="utf-8"?>
+<p:notes xmlns:a="http://schemas.openxmlformats.org/drawingml/2006/main" xmlns:r="http://schemas.openxmlformats.org/officeDocument/2006/relationships" xmlns:p="http://schemas.openxmlformats.org/presentationml/2006/main">
+  <p:cSld>
+    <p:spTree>
+      <p:nvGrpSpPr>
+        <p:cNvPr id="1" name=""/>
+        <p:cNvGrpSpPr/>
+        <p:nvPr/>
+      </p:nvGrpSpPr>
+      <p:grpSpPr>
+        <a:xfrm>
+          <a:off x="0" y="0"/>
+          <a:ext cx="0" cy="0"/>
+          <a:chOff x="0" y="0"/>
+          <a:chExt cx="0" cy="0"/>
+        </a:xfrm>
+      </p:grpSpPr>
+      <p:sp>
+        <p:nvSpPr>
+          <p:cNvPr id="2" name="Slide Image Placeholder 1"/>
+          <p:cNvSpPr>
+            <a:spLocks noGrp="1" noRot="1" noChangeAspect="1"/>
+          </p:cNvSpPr>
+          <p:nvPr>
+            <p:ph type="sldImg"/>
+          </p:nvPr>
+        </p:nvSpPr>
+        <p:spPr/>
+      </p:sp>
+      <p:sp>
+        <p:nvSpPr>
+          <p:cNvPr id="3" name="Notes Placeholder 2"/>
+          <p:cNvSpPr>
+            <a:spLocks noGrp="1"/>
+          </p:cNvSpPr>
+          <p:nvPr>
+            <p:ph type="body" idx="1"/>
+          </p:nvPr>
+        </p:nvSpPr>
+        <p:spPr/>
+        <p:txBody>
+          <a:bodyPr/>
+          <a:lstStyle/>
+          <a:p>
+            <a:endParaRPr lang="en-US" dirty="0"/>
+          </a:p>
+        </p:txBody>
+      </p:sp>
+      <p:sp>
+        <p:nvSpPr>
+          <p:cNvPr id="4" name="Slide Number Placeholder 3"/>
+          <p:cNvSpPr>
+            <a:spLocks noGrp="1"/>
+          </p:cNvSpPr>
+          <p:nvPr>
+            <p:ph type="sldNum" sz="quarter" idx="5"/>
+          </p:nvPr>
+        </p:nvSpPr>
+        <p:spPr/>
+        <p:txBody>
+          <a:bodyPr/>
+          <a:lstStyle/>
+          <a:p>
+            <a:fld id="{A2CC582E-73C2-49E4-831A-F39A76F8650E}" type="slidenum">
+              <a:rPr lang="en-US" smtClean="0"/>
+              <a:t>18</a:t>
+            </a:fld>
+            <a:endParaRPr lang="en-US"/>
+          </a:p>
+        </p:txBody>
+      </p:sp>
+    </p:spTree>
+    <p:extLst>
+      <p:ext uri="{BB962C8B-B14F-4D97-AF65-F5344CB8AC3E}">
+        <p14:creationId xmlns:p14="http://schemas.microsoft.com/office/powerpoint/2010/main" val="2893312979"/>
+      </p:ext>
+    </p:extLst>
+  </p:cSld>
+  <p:clrMapOvr>
+    <a:masterClrMapping/>
+  </p:clrMapOvr>
+</p:notes>
+</file>
+
+<file path=ppt/notesSlides/notesSlide13.xml><?xml version="1.0" encoding="utf-8"?>
+<p:notes xmlns:a="http://schemas.openxmlformats.org/drawingml/2006/main" xmlns:r="http://schemas.openxmlformats.org/officeDocument/2006/relationships" xmlns:p="http://schemas.openxmlformats.org/presentationml/2006/main">
+  <p:cSld>
+    <p:spTree>
+      <p:nvGrpSpPr>
+        <p:cNvPr id="1" name=""/>
+        <p:cNvGrpSpPr/>
+        <p:nvPr/>
+      </p:nvGrpSpPr>
+      <p:grpSpPr>
+        <a:xfrm>
+          <a:off x="0" y="0"/>
+          <a:ext cx="0" cy="0"/>
+          <a:chOff x="0" y="0"/>
+          <a:chExt cx="0" cy="0"/>
+        </a:xfrm>
+      </p:grpSpPr>
+      <p:sp>
+        <p:nvSpPr>
+          <p:cNvPr id="2" name="Slide Image Placeholder 1"/>
+          <p:cNvSpPr>
+            <a:spLocks noGrp="1" noRot="1" noChangeAspect="1"/>
+          </p:cNvSpPr>
+          <p:nvPr>
+            <p:ph type="sldImg"/>
+          </p:nvPr>
+        </p:nvSpPr>
+        <p:spPr/>
+      </p:sp>
+      <p:sp>
+        <p:nvSpPr>
+          <p:cNvPr id="3" name="Notes Placeholder 2"/>
+          <p:cNvSpPr>
+            <a:spLocks noGrp="1"/>
+          </p:cNvSpPr>
+          <p:nvPr>
+            <p:ph type="body" idx="1"/>
+          </p:nvPr>
+        </p:nvSpPr>
+        <p:spPr/>
+        <p:txBody>
+          <a:bodyPr/>
+          <a:lstStyle/>
+          <a:p>
+            <a:endParaRPr lang="en-US" dirty="0"/>
+          </a:p>
+        </p:txBody>
+      </p:sp>
+      <p:sp>
+        <p:nvSpPr>
+          <p:cNvPr id="4" name="Slide Number Placeholder 3"/>
+          <p:cNvSpPr>
+            <a:spLocks noGrp="1"/>
+          </p:cNvSpPr>
+          <p:nvPr>
+            <p:ph type="sldNum" sz="quarter" idx="5"/>
+          </p:nvPr>
+        </p:nvSpPr>
+        <p:spPr/>
+        <p:txBody>
+          <a:bodyPr/>
+          <a:lstStyle/>
+          <a:p>
+            <a:fld id="{A2CC582E-73C2-49E4-831A-F39A76F8650E}" type="slidenum">
+              <a:rPr lang="en-US" smtClean="0"/>
+              <a:t>22</a:t>
+            </a:fld>
+            <a:endParaRPr lang="en-US"/>
+          </a:p>
+        </p:txBody>
+      </p:sp>
+    </p:spTree>
+    <p:extLst>
+      <p:ext uri="{BB962C8B-B14F-4D97-AF65-F5344CB8AC3E}">
+        <p14:creationId xmlns:p14="http://schemas.microsoft.com/office/powerpoint/2010/main" val="3640637642"/>
+      </p:ext>
+    </p:extLst>
+  </p:cSld>
+  <p:clrMapOvr>
+    <a:masterClrMapping/>
+  </p:clrMapOvr>
+</p:notes>
+</file>
+
+<file path=ppt/notesSlides/notesSlide14.xml><?xml version="1.0" encoding="utf-8"?>
+<p:notes xmlns:a="http://schemas.openxmlformats.org/drawingml/2006/main" xmlns:r="http://schemas.openxmlformats.org/officeDocument/2006/relationships" xmlns:p="http://schemas.openxmlformats.org/presentationml/2006/main">
+  <p:cSld>
+    <p:spTree>
+      <p:nvGrpSpPr>
+        <p:cNvPr id="1" name=""/>
+        <p:cNvGrpSpPr/>
+        <p:nvPr/>
+      </p:nvGrpSpPr>
+      <p:grpSpPr>
+        <a:xfrm>
+          <a:off x="0" y="0"/>
+          <a:ext cx="0" cy="0"/>
+          <a:chOff x="0" y="0"/>
+          <a:chExt cx="0" cy="0"/>
+        </a:xfrm>
+      </p:grpSpPr>
+      <p:sp>
+        <p:nvSpPr>
+          <p:cNvPr id="2" name="Slide Image Placeholder 1"/>
+          <p:cNvSpPr>
+            <a:spLocks noGrp="1" noRot="1" noChangeAspect="1"/>
+          </p:cNvSpPr>
+          <p:nvPr>
+            <p:ph type="sldImg"/>
+          </p:nvPr>
+        </p:nvSpPr>
+        <p:spPr/>
+      </p:sp>
+      <p:sp>
+        <p:nvSpPr>
+          <p:cNvPr id="3" name="Notes Placeholder 2"/>
+          <p:cNvSpPr>
+            <a:spLocks noGrp="1"/>
+          </p:cNvSpPr>
+          <p:nvPr>
+            <p:ph type="body" idx="1"/>
+          </p:nvPr>
+        </p:nvSpPr>
+        <p:spPr/>
+        <p:txBody>
+          <a:bodyPr/>
+          <a:lstStyle/>
+          <a:p>
+            <a:endParaRPr lang="en-US" dirty="0"/>
+          </a:p>
+        </p:txBody>
+      </p:sp>
+      <p:sp>
+        <p:nvSpPr>
+          <p:cNvPr id="4" name="Slide Number Placeholder 3"/>
+          <p:cNvSpPr>
+            <a:spLocks noGrp="1"/>
+          </p:cNvSpPr>
+          <p:nvPr>
+            <p:ph type="sldNum" sz="quarter" idx="5"/>
+          </p:nvPr>
+        </p:nvSpPr>
+        <p:spPr/>
+        <p:txBody>
+          <a:bodyPr/>
+          <a:lstStyle/>
+          <a:p>
+            <a:fld id="{A2CC582E-73C2-49E4-831A-F39A76F8650E}" type="slidenum">
+              <a:rPr lang="en-US" smtClean="0"/>
+              <a:t>23</a:t>
+            </a:fld>
+            <a:endParaRPr lang="en-US"/>
+          </a:p>
+        </p:txBody>
+      </p:sp>
+    </p:spTree>
+    <p:extLst>
+      <p:ext uri="{BB962C8B-B14F-4D97-AF65-F5344CB8AC3E}">
+        <p14:creationId xmlns:p14="http://schemas.microsoft.com/office/powerpoint/2010/main" val="565876381"/>
+      </p:ext>
+    </p:extLst>
+  </p:cSld>
+  <p:clrMapOvr>
+    <a:masterClrMapping/>
+  </p:clrMapOvr>
+</p:notes>
+</file>
+
 <file path=ppt/notesSlides/notesSlide2.xml><?xml version="1.0" encoding="utf-8"?>
 <p:notes xmlns:a="http://schemas.openxmlformats.org/drawingml/2006/main" xmlns:r="http://schemas.openxmlformats.org/officeDocument/2006/relationships" xmlns:p="http://schemas.openxmlformats.org/presentationml/2006/main">
   <p:cSld>
@@ -613,7 +1045,7 @@
           <a:p>
             <a:r>
               <a:rPr lang="en-US" dirty="0"/>
-              <a:t>Note: Realization and Ordering had been switched.</a:t>
+              <a:t>Note that the focus will be on updates</a:t>
             </a:r>
           </a:p>
         </p:txBody>
@@ -644,7 +1076,7 @@
     </p:spTree>
     <p:extLst>
       <p:ext uri="{BB962C8B-B14F-4D97-AF65-F5344CB8AC3E}">
-        <p14:creationId xmlns:p14="http://schemas.microsoft.com/office/powerpoint/2010/main" val="403543431"/>
+        <p14:creationId xmlns:p14="http://schemas.microsoft.com/office/powerpoint/2010/main" val="4008981371"/>
       </p:ext>
     </p:extLst>
   </p:cSld>
@@ -700,7 +1132,7 @@
           <a:p>
             <a:r>
               <a:rPr lang="en-US" dirty="0"/>
-              <a:t>Mention – “Including the two killers”  could be important to ROUGE-2 R. “two killers” in particular could be in sample summaries.</a:t>
+              <a:t>Note: Realization and Ordering had been switched.</a:t>
             </a:r>
           </a:p>
         </p:txBody>
@@ -722,7 +1154,7 @@
           <a:p>
             <a:fld id="{A2CC582E-73C2-49E4-831A-F39A76F8650E}" type="slidenum">
               <a:rPr lang="en-US" smtClean="0"/>
-              <a:t>5</a:t>
+              <a:t>4</a:t>
             </a:fld>
             <a:endParaRPr lang="en-US"/>
           </a:p>
@@ -731,7 +1163,7 @@
     </p:spTree>
     <p:extLst>
       <p:ext uri="{BB962C8B-B14F-4D97-AF65-F5344CB8AC3E}">
-        <p14:creationId xmlns:p14="http://schemas.microsoft.com/office/powerpoint/2010/main" val="3484716596"/>
+        <p14:creationId xmlns:p14="http://schemas.microsoft.com/office/powerpoint/2010/main" val="403543431"/>
       </p:ext>
     </p:extLst>
   </p:cSld>
@@ -787,13 +1219,7 @@
           <a:p>
             <a:r>
               <a:rPr lang="en-US" dirty="0"/>
-              <a:t>To-do: Add examples summaries with pronoun-initial sentences that were removed.</a:t>
-            </a:r>
-          </a:p>
-          <a:p>
-            <a:r>
-              <a:rPr lang="en-US" dirty="0"/>
-              <a:t>To-do: Examples of unigram overlap helping.</a:t>
+              <a:t>Note that the focus will be on updates</a:t>
             </a:r>
           </a:p>
         </p:txBody>
@@ -815,7 +1241,7 @@
           <a:p>
             <a:fld id="{A2CC582E-73C2-49E4-831A-F39A76F8650E}" type="slidenum">
               <a:rPr lang="en-US" smtClean="0"/>
-              <a:t>6</a:t>
+              <a:t>5</a:t>
             </a:fld>
             <a:endParaRPr lang="en-US"/>
           </a:p>
@@ -824,7 +1250,7 @@
     </p:spTree>
     <p:extLst>
       <p:ext uri="{BB962C8B-B14F-4D97-AF65-F5344CB8AC3E}">
-        <p14:creationId xmlns:p14="http://schemas.microsoft.com/office/powerpoint/2010/main" val="2687450759"/>
+        <p14:creationId xmlns:p14="http://schemas.microsoft.com/office/powerpoint/2010/main" val="3889922180"/>
       </p:ext>
     </p:extLst>
   </p:cSld>
@@ -880,7 +1306,7 @@
           <a:p>
             <a:r>
               <a:rPr lang="en-US" dirty="0"/>
-              <a:t>To-do: maybe a visual?</a:t>
+              <a:t>Add examples of fragments and solutions</a:t>
             </a:r>
           </a:p>
         </p:txBody>
@@ -902,7 +1328,7 @@
           <a:p>
             <a:fld id="{A2CC582E-73C2-49E4-831A-F39A76F8650E}" type="slidenum">
               <a:rPr lang="en-US" smtClean="0"/>
-              <a:t>8</a:t>
+              <a:t>6</a:t>
             </a:fld>
             <a:endParaRPr lang="en-US"/>
           </a:p>
@@ -911,7 +1337,7 @@
     </p:spTree>
     <p:extLst>
       <p:ext uri="{BB962C8B-B14F-4D97-AF65-F5344CB8AC3E}">
-        <p14:creationId xmlns:p14="http://schemas.microsoft.com/office/powerpoint/2010/main" val="2821927476"/>
+        <p14:creationId xmlns:p14="http://schemas.microsoft.com/office/powerpoint/2010/main" val="1620987010"/>
       </p:ext>
     </p:extLst>
   </p:cSld>
@@ -965,10 +1391,7 @@
           <a:bodyPr/>
           <a:lstStyle/>
           <a:p>
-            <a:r>
-              <a:rPr lang="en-US" dirty="0"/>
-              <a:t>To-do: try using query-focused summary and see what actually changes!</a:t>
-            </a:r>
+            <a:endParaRPr lang="en-US" dirty="0"/>
           </a:p>
         </p:txBody>
       </p:sp>
@@ -989,7 +1412,7 @@
           <a:p>
             <a:fld id="{A2CC582E-73C2-49E4-831A-F39A76F8650E}" type="slidenum">
               <a:rPr lang="en-US" smtClean="0"/>
-              <a:t>15</a:t>
+              <a:t>7</a:t>
             </a:fld>
             <a:endParaRPr lang="en-US"/>
           </a:p>
@@ -998,7 +1421,265 @@
     </p:spTree>
     <p:extLst>
       <p:ext uri="{BB962C8B-B14F-4D97-AF65-F5344CB8AC3E}">
-        <p14:creationId xmlns:p14="http://schemas.microsoft.com/office/powerpoint/2010/main" val="3640637642"/>
+        <p14:creationId xmlns:p14="http://schemas.microsoft.com/office/powerpoint/2010/main" val="1795947017"/>
+      </p:ext>
+    </p:extLst>
+  </p:cSld>
+  <p:clrMapOvr>
+    <a:masterClrMapping/>
+  </p:clrMapOvr>
+</p:notes>
+</file>
+
+<file path=ppt/notesSlides/notesSlide7.xml><?xml version="1.0" encoding="utf-8"?>
+<p:notes xmlns:a="http://schemas.openxmlformats.org/drawingml/2006/main" xmlns:r="http://schemas.openxmlformats.org/officeDocument/2006/relationships" xmlns:p="http://schemas.openxmlformats.org/presentationml/2006/main">
+  <p:cSld>
+    <p:spTree>
+      <p:nvGrpSpPr>
+        <p:cNvPr id="1" name=""/>
+        <p:cNvGrpSpPr/>
+        <p:nvPr/>
+      </p:nvGrpSpPr>
+      <p:grpSpPr>
+        <a:xfrm>
+          <a:off x="0" y="0"/>
+          <a:ext cx="0" cy="0"/>
+          <a:chOff x="0" y="0"/>
+          <a:chExt cx="0" cy="0"/>
+        </a:xfrm>
+      </p:grpSpPr>
+      <p:sp>
+        <p:nvSpPr>
+          <p:cNvPr id="2" name="Slide Image Placeholder 1"/>
+          <p:cNvSpPr>
+            <a:spLocks noGrp="1" noRot="1" noChangeAspect="1"/>
+          </p:cNvSpPr>
+          <p:nvPr>
+            <p:ph type="sldImg"/>
+          </p:nvPr>
+        </p:nvSpPr>
+        <p:spPr/>
+      </p:sp>
+      <p:sp>
+        <p:nvSpPr>
+          <p:cNvPr id="3" name="Notes Placeholder 2"/>
+          <p:cNvSpPr>
+            <a:spLocks noGrp="1"/>
+          </p:cNvSpPr>
+          <p:nvPr>
+            <p:ph type="body" idx="1"/>
+          </p:nvPr>
+        </p:nvSpPr>
+        <p:spPr/>
+        <p:txBody>
+          <a:bodyPr/>
+          <a:lstStyle/>
+          <a:p>
+            <a:r>
+              <a:rPr lang="en-US" dirty="0"/>
+              <a:t>To-do: maybe a visual?</a:t>
+            </a:r>
+          </a:p>
+        </p:txBody>
+      </p:sp>
+      <p:sp>
+        <p:nvSpPr>
+          <p:cNvPr id="4" name="Slide Number Placeholder 3"/>
+          <p:cNvSpPr>
+            <a:spLocks noGrp="1"/>
+          </p:cNvSpPr>
+          <p:nvPr>
+            <p:ph type="sldNum" sz="quarter" idx="5"/>
+          </p:nvPr>
+        </p:nvSpPr>
+        <p:spPr/>
+        <p:txBody>
+          <a:bodyPr/>
+          <a:lstStyle/>
+          <a:p>
+            <a:fld id="{A2CC582E-73C2-49E4-831A-F39A76F8650E}" type="slidenum">
+              <a:rPr lang="en-US" smtClean="0"/>
+              <a:t>9</a:t>
+            </a:fld>
+            <a:endParaRPr lang="en-US"/>
+          </a:p>
+        </p:txBody>
+      </p:sp>
+    </p:spTree>
+    <p:extLst>
+      <p:ext uri="{BB962C8B-B14F-4D97-AF65-F5344CB8AC3E}">
+        <p14:creationId xmlns:p14="http://schemas.microsoft.com/office/powerpoint/2010/main" val="2821927476"/>
+      </p:ext>
+    </p:extLst>
+  </p:cSld>
+  <p:clrMapOvr>
+    <a:masterClrMapping/>
+  </p:clrMapOvr>
+</p:notes>
+</file>
+
+<file path=ppt/notesSlides/notesSlide8.xml><?xml version="1.0" encoding="utf-8"?>
+<p:notes xmlns:a="http://schemas.openxmlformats.org/drawingml/2006/main" xmlns:r="http://schemas.openxmlformats.org/officeDocument/2006/relationships" xmlns:p="http://schemas.openxmlformats.org/presentationml/2006/main">
+  <p:cSld>
+    <p:spTree>
+      <p:nvGrpSpPr>
+        <p:cNvPr id="1" name=""/>
+        <p:cNvGrpSpPr/>
+        <p:nvPr/>
+      </p:nvGrpSpPr>
+      <p:grpSpPr>
+        <a:xfrm>
+          <a:off x="0" y="0"/>
+          <a:ext cx="0" cy="0"/>
+          <a:chOff x="0" y="0"/>
+          <a:chExt cx="0" cy="0"/>
+        </a:xfrm>
+      </p:grpSpPr>
+      <p:sp>
+        <p:nvSpPr>
+          <p:cNvPr id="2" name="Slide Image Placeholder 1"/>
+          <p:cNvSpPr>
+            <a:spLocks noGrp="1" noRot="1" noChangeAspect="1"/>
+          </p:cNvSpPr>
+          <p:nvPr>
+            <p:ph type="sldImg"/>
+          </p:nvPr>
+        </p:nvSpPr>
+        <p:spPr/>
+      </p:sp>
+      <p:sp>
+        <p:nvSpPr>
+          <p:cNvPr id="3" name="Notes Placeholder 2"/>
+          <p:cNvSpPr>
+            <a:spLocks noGrp="1"/>
+          </p:cNvSpPr>
+          <p:nvPr>
+            <p:ph type="body" idx="1"/>
+          </p:nvPr>
+        </p:nvSpPr>
+        <p:spPr/>
+        <p:txBody>
+          <a:bodyPr/>
+          <a:lstStyle/>
+          <a:p>
+            <a:r>
+              <a:rPr lang="en-US" dirty="0"/>
+              <a:t>Mention – “Including the two killers”  could be important to ROUGE-2 R. “two killers” in particular could be in sample summaries.</a:t>
+            </a:r>
+          </a:p>
+        </p:txBody>
+      </p:sp>
+      <p:sp>
+        <p:nvSpPr>
+          <p:cNvPr id="4" name="Slide Number Placeholder 3"/>
+          <p:cNvSpPr>
+            <a:spLocks noGrp="1"/>
+          </p:cNvSpPr>
+          <p:nvPr>
+            <p:ph type="sldNum" sz="quarter" idx="5"/>
+          </p:nvPr>
+        </p:nvSpPr>
+        <p:spPr/>
+        <p:txBody>
+          <a:bodyPr/>
+          <a:lstStyle/>
+          <a:p>
+            <a:fld id="{A2CC582E-73C2-49E4-831A-F39A76F8650E}" type="slidenum">
+              <a:rPr lang="en-US" smtClean="0"/>
+              <a:t>10</a:t>
+            </a:fld>
+            <a:endParaRPr lang="en-US"/>
+          </a:p>
+        </p:txBody>
+      </p:sp>
+    </p:spTree>
+    <p:extLst>
+      <p:ext uri="{BB962C8B-B14F-4D97-AF65-F5344CB8AC3E}">
+        <p14:creationId xmlns:p14="http://schemas.microsoft.com/office/powerpoint/2010/main" val="3484716596"/>
+      </p:ext>
+    </p:extLst>
+  </p:cSld>
+  <p:clrMapOvr>
+    <a:masterClrMapping/>
+  </p:clrMapOvr>
+</p:notes>
+</file>
+
+<file path=ppt/notesSlides/notesSlide9.xml><?xml version="1.0" encoding="utf-8"?>
+<p:notes xmlns:a="http://schemas.openxmlformats.org/drawingml/2006/main" xmlns:r="http://schemas.openxmlformats.org/officeDocument/2006/relationships" xmlns:p="http://schemas.openxmlformats.org/presentationml/2006/main">
+  <p:cSld>
+    <p:spTree>
+      <p:nvGrpSpPr>
+        <p:cNvPr id="1" name=""/>
+        <p:cNvGrpSpPr/>
+        <p:nvPr/>
+      </p:nvGrpSpPr>
+      <p:grpSpPr>
+        <a:xfrm>
+          <a:off x="0" y="0"/>
+          <a:ext cx="0" cy="0"/>
+          <a:chOff x="0" y="0"/>
+          <a:chExt cx="0" cy="0"/>
+        </a:xfrm>
+      </p:grpSpPr>
+      <p:sp>
+        <p:nvSpPr>
+          <p:cNvPr id="2" name="Slide Image Placeholder 1"/>
+          <p:cNvSpPr>
+            <a:spLocks noGrp="1" noRot="1" noChangeAspect="1"/>
+          </p:cNvSpPr>
+          <p:nvPr>
+            <p:ph type="sldImg"/>
+          </p:nvPr>
+        </p:nvSpPr>
+        <p:spPr/>
+      </p:sp>
+      <p:sp>
+        <p:nvSpPr>
+          <p:cNvPr id="3" name="Notes Placeholder 2"/>
+          <p:cNvSpPr>
+            <a:spLocks noGrp="1"/>
+          </p:cNvSpPr>
+          <p:nvPr>
+            <p:ph type="body" idx="1"/>
+          </p:nvPr>
+        </p:nvSpPr>
+        <p:spPr/>
+        <p:txBody>
+          <a:bodyPr/>
+          <a:lstStyle/>
+          <a:p>
+            <a:endParaRPr lang="en-US" dirty="0"/>
+          </a:p>
+        </p:txBody>
+      </p:sp>
+      <p:sp>
+        <p:nvSpPr>
+          <p:cNvPr id="4" name="Slide Number Placeholder 3"/>
+          <p:cNvSpPr>
+            <a:spLocks noGrp="1"/>
+          </p:cNvSpPr>
+          <p:nvPr>
+            <p:ph type="sldNum" sz="quarter" idx="5"/>
+          </p:nvPr>
+        </p:nvSpPr>
+        <p:spPr/>
+        <p:txBody>
+          <a:bodyPr/>
+          <a:lstStyle/>
+          <a:p>
+            <a:fld id="{A2CC582E-73C2-49E4-831A-F39A76F8650E}" type="slidenum">
+              <a:rPr lang="en-US" smtClean="0"/>
+              <a:t>12</a:t>
+            </a:fld>
+            <a:endParaRPr lang="en-US"/>
+          </a:p>
+        </p:txBody>
+      </p:sp>
+    </p:spTree>
+    <p:extLst>
+      <p:ext uri="{BB962C8B-B14F-4D97-AF65-F5344CB8AC3E}">
+        <p14:creationId xmlns:p14="http://schemas.microsoft.com/office/powerpoint/2010/main" val="2687450759"/>
       </p:ext>
     </p:extLst>
   </p:cSld>
@@ -1185,7 +1866,7 @@
             <a:fld id="{B61BEF0D-F0BB-DE4B-95CE-6DB70DBA9567}" type="datetimeFigureOut">
               <a:rPr lang="en-US" smtClean="0"/>
               <a:pPr/>
-              <a:t>6/3/2020</a:t>
+              <a:t>6/4/2020</a:t>
             </a:fld>
             <a:endParaRPr lang="en-US" dirty="0"/>
           </a:p>
@@ -1362,7 +2043,7 @@
             <a:fld id="{B61BEF0D-F0BB-DE4B-95CE-6DB70DBA9567}" type="datetimeFigureOut">
               <a:rPr lang="en-US" smtClean="0"/>
               <a:pPr/>
-              <a:t>6/3/2020</a:t>
+              <a:t>6/4/2020</a:t>
             </a:fld>
             <a:endParaRPr lang="en-US" dirty="0"/>
           </a:p>
@@ -1587,7 +2268,7 @@
             <a:fld id="{B61BEF0D-F0BB-DE4B-95CE-6DB70DBA9567}" type="datetimeFigureOut">
               <a:rPr lang="en-US" smtClean="0"/>
               <a:pPr/>
-              <a:t>6/3/2020</a:t>
+              <a:t>6/4/2020</a:t>
             </a:fld>
             <a:endParaRPr lang="en-US" dirty="0"/>
           </a:p>
@@ -1769,7 +2450,7 @@
             <a:fld id="{B61BEF0D-F0BB-DE4B-95CE-6DB70DBA9567}" type="datetimeFigureOut">
               <a:rPr lang="en-US" smtClean="0"/>
               <a:pPr/>
-              <a:t>6/3/2020</a:t>
+              <a:t>6/4/2020</a:t>
             </a:fld>
             <a:endParaRPr lang="en-US" dirty="0"/>
           </a:p>
@@ -2077,7 +2758,7 @@
             <a:fld id="{B61BEF0D-F0BB-DE4B-95CE-6DB70DBA9567}" type="datetimeFigureOut">
               <a:rPr lang="en-US" smtClean="0"/>
               <a:pPr/>
-              <a:t>6/3/2020</a:t>
+              <a:t>6/4/2020</a:t>
             </a:fld>
             <a:endParaRPr lang="en-US" dirty="0"/>
           </a:p>
@@ -2383,7 +3064,7 @@
             <a:fld id="{B61BEF0D-F0BB-DE4B-95CE-6DB70DBA9567}" type="datetimeFigureOut">
               <a:rPr lang="en-US" smtClean="0"/>
               <a:pPr/>
-              <a:t>6/3/2020</a:t>
+              <a:t>6/4/2020</a:t>
             </a:fld>
             <a:endParaRPr lang="en-US" dirty="0"/>
           </a:p>
@@ -2812,7 +3493,7 @@
             <a:fld id="{B61BEF0D-F0BB-DE4B-95CE-6DB70DBA9567}" type="datetimeFigureOut">
               <a:rPr lang="en-US" smtClean="0"/>
               <a:pPr/>
-              <a:t>6/3/2020</a:t>
+              <a:t>6/4/2020</a:t>
             </a:fld>
             <a:endParaRPr lang="en-US" dirty="0"/>
           </a:p>
@@ -2937,7 +3618,7 @@
             <a:fld id="{B61BEF0D-F0BB-DE4B-95CE-6DB70DBA9567}" type="datetimeFigureOut">
               <a:rPr lang="en-US" smtClean="0"/>
               <a:pPr/>
-              <a:t>6/3/2020</a:t>
+              <a:t>6/4/2020</a:t>
             </a:fld>
             <a:endParaRPr lang="en-US" dirty="0"/>
           </a:p>
@@ -3034,7 +3715,7 @@
             <a:fld id="{B61BEF0D-F0BB-DE4B-95CE-6DB70DBA9567}" type="datetimeFigureOut">
               <a:rPr lang="en-US" smtClean="0"/>
               <a:pPr/>
-              <a:t>6/3/2020</a:t>
+              <a:t>6/4/2020</a:t>
             </a:fld>
             <a:endParaRPr lang="en-US" dirty="0"/>
           </a:p>
@@ -3314,7 +3995,7 @@
             <a:fld id="{B61BEF0D-F0BB-DE4B-95CE-6DB70DBA9567}" type="datetimeFigureOut">
               <a:rPr lang="en-US" smtClean="0"/>
               <a:pPr/>
-              <a:t>6/3/2020</a:t>
+              <a:t>6/4/2020</a:t>
             </a:fld>
             <a:endParaRPr lang="en-US" dirty="0"/>
           </a:p>
@@ -3586,7 +4267,7 @@
             <a:fld id="{B61BEF0D-F0BB-DE4B-95CE-6DB70DBA9567}" type="datetimeFigureOut">
               <a:rPr lang="en-US" smtClean="0"/>
               <a:pPr/>
-              <a:t>6/3/2020</a:t>
+              <a:t>6/4/2020</a:t>
             </a:fld>
             <a:endParaRPr lang="en-US" dirty="0"/>
           </a:p>
@@ -3837,7 +4518,7 @@
             <a:fld id="{B61BEF0D-F0BB-DE4B-95CE-6DB70DBA9567}" type="datetimeFigureOut">
               <a:rPr lang="en-US" smtClean="0"/>
               <a:pPr/>
-              <a:t>6/3/2020</a:t>
+              <a:t>6/4/2020</a:t>
             </a:fld>
             <a:endParaRPr lang="en-US" dirty="0"/>
           </a:p>
@@ -4398,6 +5079,11 @@
 <file path=ppt/slides/slide10.xml><?xml version="1.0" encoding="utf-8"?>
 <p:sld xmlns:a="http://schemas.openxmlformats.org/drawingml/2006/main" xmlns:r="http://schemas.openxmlformats.org/officeDocument/2006/relationships" xmlns:p="http://schemas.openxmlformats.org/presentationml/2006/main">
   <p:cSld>
+    <p:bg>
+      <p:bgRef idx="1001">
+        <a:schemeClr val="bg2"/>
+      </p:bgRef>
+    </p:bg>
     <p:spTree>
       <p:nvGrpSpPr>
         <p:cNvPr id="1" name=""/>
@@ -4417,6 +5103,1123 @@
           <p:cNvPr id="2" name="Title 1">
             <a:extLst>
               <a:ext uri="{FF2B5EF4-FFF2-40B4-BE49-F238E27FC236}">
+                <a16:creationId xmlns:a16="http://schemas.microsoft.com/office/drawing/2014/main" id="{1BD3A08D-451A-41B7-B229-62256DBF31CA}"/>
+              </a:ext>
+            </a:extLst>
+          </p:cNvPr>
+          <p:cNvSpPr>
+            <a:spLocks noGrp="1"/>
+          </p:cNvSpPr>
+          <p:nvPr>
+            <p:ph type="title"/>
+          </p:nvPr>
+        </p:nvSpPr>
+        <p:spPr/>
+        <p:txBody>
+          <a:bodyPr>
+            <a:normAutofit/>
+          </a:bodyPr>
+          <a:lstStyle/>
+          <a:p>
+            <a:r>
+              <a:rPr lang="en-US" dirty="0">
+                <a:ea typeface="Cambria" panose="02040503050406030204" pitchFamily="18" charset="0"/>
+              </a:rPr>
+              <a:t>Realization Updates</a:t>
+            </a:r>
+          </a:p>
+        </p:txBody>
+      </p:sp>
+      <p:sp>
+        <p:nvSpPr>
+          <p:cNvPr id="3" name="Content Placeholder 2">
+            <a:extLst>
+              <a:ext uri="{FF2B5EF4-FFF2-40B4-BE49-F238E27FC236}">
+                <a16:creationId xmlns:a16="http://schemas.microsoft.com/office/drawing/2014/main" id="{285DD0F6-4AC3-437E-88A0-2C8C246B0DE7}"/>
+              </a:ext>
+            </a:extLst>
+          </p:cNvPr>
+          <p:cNvSpPr>
+            <a:spLocks noGrp="1"/>
+          </p:cNvSpPr>
+          <p:nvPr>
+            <p:ph idx="1"/>
+          </p:nvPr>
+        </p:nvSpPr>
+        <p:spPr/>
+        <p:txBody>
+          <a:bodyPr>
+            <a:normAutofit/>
+          </a:bodyPr>
+          <a:lstStyle/>
+          <a:p>
+            <a:r>
+              <a:rPr lang="en-US" sz="2800" dirty="0">
+                <a:ea typeface="Cambria" panose="02040503050406030204" pitchFamily="18" charset="0"/>
+              </a:rPr>
+              <a:t>No more appositive removal</a:t>
+            </a:r>
+          </a:p>
+          <a:p>
+            <a:pPr lvl="1"/>
+            <a:r>
+              <a:rPr lang="en-US" sz="2400" dirty="0">
+                <a:ea typeface="Cambria" panose="02040503050406030204" pitchFamily="18" charset="0"/>
+              </a:rPr>
+              <a:t>Some problems with </a:t>
+            </a:r>
+            <a:r>
+              <a:rPr lang="en-US" sz="2400" dirty="0" err="1">
+                <a:ea typeface="Cambria" panose="02040503050406030204" pitchFamily="18" charset="0"/>
+              </a:rPr>
+              <a:t>spaCy</a:t>
+            </a:r>
+            <a:r>
+              <a:rPr lang="en-US" sz="2400" dirty="0">
+                <a:ea typeface="Cambria" panose="02040503050406030204" pitchFamily="18" charset="0"/>
+              </a:rPr>
+              <a:t> parsing</a:t>
+            </a:r>
+          </a:p>
+          <a:p>
+            <a:pPr lvl="1"/>
+            <a:r>
+              <a:rPr lang="en-US" sz="2400" dirty="0">
+                <a:ea typeface="Cambria" panose="02040503050406030204" pitchFamily="18" charset="0"/>
+              </a:rPr>
+              <a:t>Even in good cases, ROUGE-2 suffered</a:t>
+            </a:r>
+          </a:p>
+        </p:txBody>
+      </p:sp>
+      <p:sp>
+        <p:nvSpPr>
+          <p:cNvPr id="4" name="TextBox 3">
+            <a:extLst>
+              <a:ext uri="{FF2B5EF4-FFF2-40B4-BE49-F238E27FC236}">
+                <a16:creationId xmlns:a16="http://schemas.microsoft.com/office/drawing/2014/main" id="{A4521C37-9FF9-4568-A2EE-3097B3A6085D}"/>
+              </a:ext>
+            </a:extLst>
+          </p:cNvPr>
+          <p:cNvSpPr txBox="1"/>
+          <p:nvPr/>
+        </p:nvSpPr>
+        <p:spPr>
+          <a:xfrm>
+            <a:off x="1300481" y="3879116"/>
+            <a:ext cx="3728720" cy="1938992"/>
+          </a:xfrm>
+          <a:prstGeom prst="rect">
+            <a:avLst/>
+          </a:prstGeom>
+          <a:noFill/>
+        </p:spPr>
+        <p:txBody>
+          <a:bodyPr wrap="square" rtlCol="0">
+            <a:spAutoFit/>
+          </a:bodyPr>
+          <a:lstStyle/>
+          <a:p>
+            <a:r>
+              <a:rPr lang="en-US" sz="2400" dirty="0">
+                <a:solidFill>
+                  <a:schemeClr val="accent4">
+                    <a:lumMod val="50000"/>
+                  </a:schemeClr>
+                </a:solidFill>
+                <a:ea typeface="Cambria" panose="02040503050406030204" pitchFamily="18" charset="0"/>
+              </a:rPr>
+              <a:t>… Eric Harris and Dylan Klebold, </a:t>
+            </a:r>
+            <a:r>
+              <a:rPr lang="en-US" sz="2400" dirty="0">
+                <a:solidFill>
+                  <a:schemeClr val="accent1">
+                    <a:lumMod val="40000"/>
+                    <a:lumOff val="60000"/>
+                  </a:schemeClr>
+                </a:solidFill>
+                <a:ea typeface="Cambria" panose="02040503050406030204" pitchFamily="18" charset="0"/>
+              </a:rPr>
+              <a:t>also Columbine students</a:t>
+            </a:r>
+            <a:r>
+              <a:rPr lang="en-US" sz="2400" dirty="0">
+                <a:solidFill>
+                  <a:schemeClr val="accent4">
+                    <a:lumMod val="50000"/>
+                  </a:schemeClr>
+                </a:solidFill>
+                <a:ea typeface="Cambria" panose="02040503050406030204" pitchFamily="18" charset="0"/>
+              </a:rPr>
+              <a:t>, opened fire with at least four guns and dozens of bombs.</a:t>
+            </a:r>
+          </a:p>
+        </p:txBody>
+      </p:sp>
+      <p:sp>
+        <p:nvSpPr>
+          <p:cNvPr id="59" name="TextBox 58">
+            <a:extLst>
+              <a:ext uri="{FF2B5EF4-FFF2-40B4-BE49-F238E27FC236}">
+                <a16:creationId xmlns:a16="http://schemas.microsoft.com/office/drawing/2014/main" id="{B809C448-730A-446B-AD1C-2EE24555CED3}"/>
+              </a:ext>
+            </a:extLst>
+          </p:cNvPr>
+          <p:cNvSpPr txBox="1"/>
+          <p:nvPr/>
+        </p:nvSpPr>
+        <p:spPr>
+          <a:xfrm>
+            <a:off x="6360162" y="3879116"/>
+            <a:ext cx="3545840" cy="1569660"/>
+          </a:xfrm>
+          <a:prstGeom prst="rect">
+            <a:avLst/>
+          </a:prstGeom>
+          <a:noFill/>
+        </p:spPr>
+        <p:txBody>
+          <a:bodyPr wrap="square" rtlCol="0">
+            <a:spAutoFit/>
+          </a:bodyPr>
+          <a:lstStyle/>
+          <a:p>
+            <a:r>
+              <a:rPr lang="en-US" sz="2400" dirty="0">
+                <a:solidFill>
+                  <a:schemeClr val="accent4">
+                    <a:lumMod val="50000"/>
+                  </a:schemeClr>
+                </a:solidFill>
+                <a:ea typeface="Cambria" panose="02040503050406030204" pitchFamily="18" charset="0"/>
+              </a:rPr>
+              <a:t>…Eric Harris and Dylan Klebold opened fire with at least four guns and dozens of bombs.</a:t>
+            </a:r>
+          </a:p>
+        </p:txBody>
+      </p:sp>
+      <p:sp>
+        <p:nvSpPr>
+          <p:cNvPr id="7" name="TextBox 6">
+            <a:extLst>
+              <a:ext uri="{FF2B5EF4-FFF2-40B4-BE49-F238E27FC236}">
+                <a16:creationId xmlns:a16="http://schemas.microsoft.com/office/drawing/2014/main" id="{B7190262-835A-4551-B86D-4E1F4278C288}"/>
+              </a:ext>
+            </a:extLst>
+          </p:cNvPr>
+          <p:cNvSpPr txBox="1"/>
+          <p:nvPr/>
+        </p:nvSpPr>
+        <p:spPr>
+          <a:xfrm>
+            <a:off x="5303519" y="4663946"/>
+            <a:ext cx="528321" cy="369332"/>
+          </a:xfrm>
+          <a:prstGeom prst="rect">
+            <a:avLst/>
+          </a:prstGeom>
+          <a:noFill/>
+        </p:spPr>
+        <p:txBody>
+          <a:bodyPr wrap="square" rtlCol="0">
+            <a:spAutoFit/>
+          </a:bodyPr>
+          <a:lstStyle/>
+          <a:p>
+            <a:r>
+              <a:rPr lang="en-US" b="1" dirty="0"/>
+              <a:t>VS</a:t>
+            </a:r>
+          </a:p>
+        </p:txBody>
+      </p:sp>
+    </p:spTree>
+    <p:extLst>
+      <p:ext uri="{BB962C8B-B14F-4D97-AF65-F5344CB8AC3E}">
+        <p14:creationId xmlns:p14="http://schemas.microsoft.com/office/powerpoint/2010/main" val="2185382818"/>
+      </p:ext>
+    </p:extLst>
+  </p:cSld>
+  <p:clrMapOvr>
+    <a:overrideClrMapping bg1="dk1" tx1="lt1" bg2="dk2" tx2="lt2" accent1="accent1" accent2="accent2" accent3="accent3" accent4="accent4" accent5="accent5" accent6="accent6" hlink="hlink" folHlink="folHlink"/>
+  </p:clrMapOvr>
+</p:sld>
+</file>
+
+<file path=ppt/slides/slide11.xml><?xml version="1.0" encoding="utf-8"?>
+<p:sld xmlns:a="http://schemas.openxmlformats.org/drawingml/2006/main" xmlns:r="http://schemas.openxmlformats.org/officeDocument/2006/relationships" xmlns:p="http://schemas.openxmlformats.org/presentationml/2006/main">
+  <p:cSld>
+    <p:spTree>
+      <p:nvGrpSpPr>
+        <p:cNvPr id="1" name=""/>
+        <p:cNvGrpSpPr/>
+        <p:nvPr/>
+      </p:nvGrpSpPr>
+      <p:grpSpPr>
+        <a:xfrm>
+          <a:off x="0" y="0"/>
+          <a:ext cx="0" cy="0"/>
+          <a:chOff x="0" y="0"/>
+          <a:chExt cx="0" cy="0"/>
+        </a:xfrm>
+      </p:grpSpPr>
+      <p:sp>
+        <p:nvSpPr>
+          <p:cNvPr id="2" name="Title 1">
+            <a:extLst>
+              <a:ext uri="{FF2B5EF4-FFF2-40B4-BE49-F238E27FC236}">
+                <a16:creationId xmlns:a16="http://schemas.microsoft.com/office/drawing/2014/main" id="{C7558ECB-8E83-40FB-91C4-0BCC0A977DDA}"/>
+              </a:ext>
+            </a:extLst>
+          </p:cNvPr>
+          <p:cNvSpPr>
+            <a:spLocks noGrp="1"/>
+          </p:cNvSpPr>
+          <p:nvPr>
+            <p:ph type="title"/>
+          </p:nvPr>
+        </p:nvSpPr>
+        <p:spPr/>
+        <p:txBody>
+          <a:bodyPr/>
+          <a:lstStyle/>
+          <a:p>
+            <a:r>
+              <a:rPr lang="en-US" dirty="0"/>
+              <a:t>Realization Updates</a:t>
+            </a:r>
+          </a:p>
+        </p:txBody>
+      </p:sp>
+      <p:sp>
+        <p:nvSpPr>
+          <p:cNvPr id="3" name="Content Placeholder 2">
+            <a:extLst>
+              <a:ext uri="{FF2B5EF4-FFF2-40B4-BE49-F238E27FC236}">
+                <a16:creationId xmlns:a16="http://schemas.microsoft.com/office/drawing/2014/main" id="{4858B6DD-2742-4F1E-9B3A-AB01AB67B6F6}"/>
+              </a:ext>
+            </a:extLst>
+          </p:cNvPr>
+          <p:cNvSpPr>
+            <a:spLocks noGrp="1"/>
+          </p:cNvSpPr>
+          <p:nvPr>
+            <p:ph idx="1"/>
+          </p:nvPr>
+        </p:nvSpPr>
+        <p:spPr/>
+        <p:txBody>
+          <a:bodyPr/>
+          <a:lstStyle/>
+          <a:p>
+            <a:r>
+              <a:rPr lang="en-US" sz="2800" dirty="0">
+                <a:ea typeface="Cambria" panose="02040503050406030204" pitchFamily="18" charset="0"/>
+              </a:rPr>
+              <a:t>Redundancy checker updates</a:t>
+            </a:r>
+          </a:p>
+          <a:p>
+            <a:pPr lvl="1"/>
+            <a:r>
+              <a:rPr lang="en-US" sz="2400" dirty="0">
+                <a:ea typeface="Cambria" panose="02040503050406030204" pitchFamily="18" charset="0"/>
+              </a:rPr>
+              <a:t>Added unigram overlap</a:t>
+            </a:r>
+          </a:p>
+          <a:p>
+            <a:pPr lvl="1"/>
+            <a:r>
+              <a:rPr lang="en-US" sz="2400" dirty="0">
+                <a:ea typeface="Cambria" panose="02040503050406030204" pitchFamily="18" charset="0"/>
+              </a:rPr>
+              <a:t>Still followed by </a:t>
+            </a:r>
+            <a:r>
+              <a:rPr lang="en-US" sz="2400" dirty="0" err="1">
+                <a:ea typeface="Cambria" panose="02040503050406030204" pitchFamily="18" charset="0"/>
+              </a:rPr>
+              <a:t>spaCy</a:t>
+            </a:r>
+            <a:r>
+              <a:rPr lang="en-US" sz="2400" dirty="0">
+                <a:ea typeface="Cambria" panose="02040503050406030204" pitchFamily="18" charset="0"/>
+              </a:rPr>
+              <a:t> word vector similarity</a:t>
+            </a:r>
+          </a:p>
+          <a:p>
+            <a:pPr marL="228600" lvl="1" indent="0">
+              <a:buNone/>
+            </a:pPr>
+            <a:endParaRPr lang="en-US" sz="2400" dirty="0">
+              <a:ea typeface="Cambria" panose="02040503050406030204" pitchFamily="18" charset="0"/>
+            </a:endParaRPr>
+          </a:p>
+          <a:p>
+            <a:endParaRPr lang="en-US" dirty="0"/>
+          </a:p>
+        </p:txBody>
+      </p:sp>
+      <p:sp>
+        <p:nvSpPr>
+          <p:cNvPr id="4" name="TextBox 3">
+            <a:extLst>
+              <a:ext uri="{FF2B5EF4-FFF2-40B4-BE49-F238E27FC236}">
+                <a16:creationId xmlns:a16="http://schemas.microsoft.com/office/drawing/2014/main" id="{73936359-51BF-49E7-95D7-FBA66CB030A2}"/>
+              </a:ext>
+            </a:extLst>
+          </p:cNvPr>
+          <p:cNvSpPr txBox="1"/>
+          <p:nvPr/>
+        </p:nvSpPr>
+        <p:spPr>
+          <a:xfrm>
+            <a:off x="1297421" y="3815080"/>
+            <a:ext cx="4998720" cy="1754326"/>
+          </a:xfrm>
+          <a:prstGeom prst="rect">
+            <a:avLst/>
+          </a:prstGeom>
+          <a:noFill/>
+        </p:spPr>
+        <p:txBody>
+          <a:bodyPr wrap="square" rtlCol="0">
+            <a:spAutoFit/>
+          </a:bodyPr>
+          <a:lstStyle/>
+          <a:p>
+            <a:r>
+              <a:rPr lang="en-US" dirty="0">
+                <a:solidFill>
+                  <a:schemeClr val="accent4">
+                    <a:lumMod val="50000"/>
+                  </a:schemeClr>
+                </a:solidFill>
+              </a:rPr>
+              <a:t>Norway, which is the world's third-largest oil exporter after Saudi Arabia and Russia and which normally has an average daily production of three million barrels, has seen its oil production reduced by some 205,000 barrels per day (bpd) since the platforms were closed.</a:t>
+            </a:r>
+          </a:p>
+        </p:txBody>
+      </p:sp>
+      <p:sp>
+        <p:nvSpPr>
+          <p:cNvPr id="5" name="TextBox 4">
+            <a:extLst>
+              <a:ext uri="{FF2B5EF4-FFF2-40B4-BE49-F238E27FC236}">
+                <a16:creationId xmlns:a16="http://schemas.microsoft.com/office/drawing/2014/main" id="{365CF477-1F70-4B79-A4A8-6EF9F1FBDE29}"/>
+              </a:ext>
+            </a:extLst>
+          </p:cNvPr>
+          <p:cNvSpPr txBox="1"/>
+          <p:nvPr/>
+        </p:nvSpPr>
+        <p:spPr>
+          <a:xfrm>
+            <a:off x="7284722" y="4114800"/>
+            <a:ext cx="3860798" cy="646331"/>
+          </a:xfrm>
+          <a:prstGeom prst="rect">
+            <a:avLst/>
+          </a:prstGeom>
+          <a:noFill/>
+        </p:spPr>
+        <p:txBody>
+          <a:bodyPr wrap="square" rtlCol="0">
+            <a:spAutoFit/>
+          </a:bodyPr>
+          <a:lstStyle/>
+          <a:p>
+            <a:r>
+              <a:rPr lang="en-US" dirty="0">
+                <a:solidFill>
+                  <a:schemeClr val="accent4">
+                    <a:lumMod val="50000"/>
+                  </a:schemeClr>
+                </a:solidFill>
+              </a:rPr>
+              <a:t>Norway is the world's third-largest oil exporter after Saudi Arabia and Russia.</a:t>
+            </a:r>
+          </a:p>
+        </p:txBody>
+      </p:sp>
+      <p:sp>
+        <p:nvSpPr>
+          <p:cNvPr id="6" name="TextBox 5">
+            <a:extLst>
+              <a:ext uri="{FF2B5EF4-FFF2-40B4-BE49-F238E27FC236}">
+                <a16:creationId xmlns:a16="http://schemas.microsoft.com/office/drawing/2014/main" id="{1FB9A24F-BDEB-4BE2-B3AB-2F084654273B}"/>
+              </a:ext>
+            </a:extLst>
+          </p:cNvPr>
+          <p:cNvSpPr txBox="1"/>
+          <p:nvPr/>
+        </p:nvSpPr>
+        <p:spPr>
+          <a:xfrm>
+            <a:off x="6519661" y="4253299"/>
+            <a:ext cx="1016000" cy="369332"/>
+          </a:xfrm>
+          <a:prstGeom prst="rect">
+            <a:avLst/>
+          </a:prstGeom>
+          <a:noFill/>
+        </p:spPr>
+        <p:txBody>
+          <a:bodyPr wrap="square" rtlCol="0">
+            <a:spAutoFit/>
+          </a:bodyPr>
+          <a:lstStyle/>
+          <a:p>
+            <a:r>
+              <a:rPr lang="en-US" dirty="0">
+                <a:solidFill>
+                  <a:schemeClr val="bg1"/>
+                </a:solidFill>
+              </a:rPr>
+              <a:t>vs</a:t>
+            </a:r>
+          </a:p>
+        </p:txBody>
+      </p:sp>
+      <p:sp>
+        <p:nvSpPr>
+          <p:cNvPr id="7" name="TextBox 6">
+            <a:extLst>
+              <a:ext uri="{FF2B5EF4-FFF2-40B4-BE49-F238E27FC236}">
+                <a16:creationId xmlns:a16="http://schemas.microsoft.com/office/drawing/2014/main" id="{822F9E78-647D-412E-BC44-34CA1441EC6E}"/>
+              </a:ext>
+            </a:extLst>
+          </p:cNvPr>
+          <p:cNvSpPr txBox="1"/>
+          <p:nvPr/>
+        </p:nvSpPr>
+        <p:spPr>
+          <a:xfrm>
+            <a:off x="1202919" y="5733980"/>
+            <a:ext cx="5476240" cy="646331"/>
+          </a:xfrm>
+          <a:prstGeom prst="rect">
+            <a:avLst/>
+          </a:prstGeom>
+          <a:noFill/>
+        </p:spPr>
+        <p:txBody>
+          <a:bodyPr wrap="square" rtlCol="0">
+            <a:spAutoFit/>
+          </a:bodyPr>
+          <a:lstStyle/>
+          <a:p>
+            <a:r>
+              <a:rPr lang="en-US" dirty="0">
+                <a:solidFill>
+                  <a:schemeClr val="bg1"/>
+                </a:solidFill>
+              </a:rPr>
+              <a:t>Vector similarity: 0.859</a:t>
+            </a:r>
+          </a:p>
+          <a:p>
+            <a:r>
+              <a:rPr lang="en-US" dirty="0" err="1">
+                <a:solidFill>
+                  <a:schemeClr val="bg1"/>
+                </a:solidFill>
+              </a:rPr>
+              <a:t>Ngram</a:t>
+            </a:r>
+            <a:r>
+              <a:rPr lang="en-US" dirty="0">
+                <a:solidFill>
+                  <a:schemeClr val="bg1"/>
+                </a:solidFill>
+              </a:rPr>
+              <a:t> overlap: 0.923</a:t>
+            </a:r>
+          </a:p>
+        </p:txBody>
+      </p:sp>
+    </p:spTree>
+    <p:extLst>
+      <p:ext uri="{BB962C8B-B14F-4D97-AF65-F5344CB8AC3E}">
+        <p14:creationId xmlns:p14="http://schemas.microsoft.com/office/powerpoint/2010/main" val="1027611672"/>
+      </p:ext>
+    </p:extLst>
+  </p:cSld>
+  <p:clrMapOvr>
+    <a:masterClrMapping/>
+  </p:clrMapOvr>
+</p:sld>
+</file>
+
+<file path=ppt/slides/slide12.xml><?xml version="1.0" encoding="utf-8"?>
+<p:sld xmlns:a="http://schemas.openxmlformats.org/drawingml/2006/main" xmlns:r="http://schemas.openxmlformats.org/officeDocument/2006/relationships" xmlns:p="http://schemas.openxmlformats.org/presentationml/2006/main">
+  <p:cSld>
+    <p:spTree>
+      <p:nvGrpSpPr>
+        <p:cNvPr id="1" name=""/>
+        <p:cNvGrpSpPr/>
+        <p:nvPr/>
+      </p:nvGrpSpPr>
+      <p:grpSpPr>
+        <a:xfrm>
+          <a:off x="0" y="0"/>
+          <a:ext cx="0" cy="0"/>
+          <a:chOff x="0" y="0"/>
+          <a:chExt cx="0" cy="0"/>
+        </a:xfrm>
+      </p:grpSpPr>
+      <p:sp>
+        <p:nvSpPr>
+          <p:cNvPr id="2" name="Title 1">
+            <a:extLst>
+              <a:ext uri="{FF2B5EF4-FFF2-40B4-BE49-F238E27FC236}">
+                <a16:creationId xmlns:a16="http://schemas.microsoft.com/office/drawing/2014/main" id="{BE96DB2D-E3BA-4832-9999-CCE880797DF2}"/>
+              </a:ext>
+            </a:extLst>
+          </p:cNvPr>
+          <p:cNvSpPr>
+            <a:spLocks noGrp="1"/>
+          </p:cNvSpPr>
+          <p:nvPr>
+            <p:ph type="title"/>
+          </p:nvPr>
+        </p:nvSpPr>
+        <p:spPr/>
+        <p:txBody>
+          <a:bodyPr/>
+          <a:lstStyle/>
+          <a:p>
+            <a:r>
+              <a:rPr lang="en-US" dirty="0">
+                <a:ea typeface="Cambria" panose="02040503050406030204" pitchFamily="18" charset="0"/>
+              </a:rPr>
+              <a:t>Realization Updates</a:t>
+            </a:r>
+          </a:p>
+        </p:txBody>
+      </p:sp>
+      <p:sp>
+        <p:nvSpPr>
+          <p:cNvPr id="3" name="Content Placeholder 2">
+            <a:extLst>
+              <a:ext uri="{FF2B5EF4-FFF2-40B4-BE49-F238E27FC236}">
+                <a16:creationId xmlns:a16="http://schemas.microsoft.com/office/drawing/2014/main" id="{6C539262-E349-4D5D-B6BB-CAAE6B6D423C}"/>
+              </a:ext>
+            </a:extLst>
+          </p:cNvPr>
+          <p:cNvSpPr>
+            <a:spLocks noGrp="1"/>
+          </p:cNvSpPr>
+          <p:nvPr>
+            <p:ph idx="1"/>
+          </p:nvPr>
+        </p:nvSpPr>
+        <p:spPr>
+          <a:xfrm>
+            <a:off x="1202919" y="2011680"/>
+            <a:ext cx="9784080" cy="4562144"/>
+          </a:xfrm>
+        </p:spPr>
+        <p:txBody>
+          <a:bodyPr>
+            <a:normAutofit/>
+          </a:bodyPr>
+          <a:lstStyle/>
+          <a:p>
+            <a:r>
+              <a:rPr lang="en-US" sz="2800" dirty="0">
+                <a:ea typeface="Cambria" panose="02040503050406030204" pitchFamily="18" charset="0"/>
+              </a:rPr>
+              <a:t>More careful word-initial removal</a:t>
+            </a:r>
+          </a:p>
+          <a:p>
+            <a:pPr lvl="1"/>
+            <a:r>
+              <a:rPr lang="en-US" sz="2400" dirty="0">
+                <a:ea typeface="Cambria" panose="02040503050406030204" pitchFamily="18" charset="0"/>
+              </a:rPr>
+              <a:t>From D3: Fine-grained tags</a:t>
+            </a:r>
+          </a:p>
+          <a:p>
+            <a:pPr lvl="1"/>
+            <a:r>
+              <a:rPr lang="en-US" sz="2400" dirty="0">
+                <a:ea typeface="Cambria" panose="02040503050406030204" pitchFamily="18" charset="0"/>
+              </a:rPr>
+              <a:t>New: List of exception words</a:t>
+            </a:r>
+          </a:p>
+          <a:p>
+            <a:r>
+              <a:rPr lang="en-US" sz="2800" dirty="0">
+                <a:ea typeface="Cambria" panose="02040503050406030204" pitchFamily="18" charset="0"/>
+              </a:rPr>
+              <a:t>Full sentence filtering updates</a:t>
+            </a:r>
+          </a:p>
+          <a:p>
+            <a:pPr lvl="1"/>
+            <a:r>
+              <a:rPr lang="en-US" sz="2400" dirty="0">
+                <a:ea typeface="Cambria" panose="02040503050406030204" pitchFamily="18" charset="0"/>
+              </a:rPr>
+              <a:t>From D3: Questions, Quotes</a:t>
+            </a:r>
+          </a:p>
+          <a:p>
+            <a:pPr lvl="1"/>
+            <a:r>
+              <a:rPr lang="en-US" sz="2400" dirty="0">
+                <a:ea typeface="Cambria" panose="02040503050406030204" pitchFamily="18" charset="0"/>
+              </a:rPr>
+              <a:t>New: Pronoun-initial sentences</a:t>
+            </a:r>
+          </a:p>
+          <a:p>
+            <a:pPr lvl="2"/>
+            <a:r>
+              <a:rPr lang="en-US" sz="2000" dirty="0">
+                <a:solidFill>
+                  <a:schemeClr val="accent4">
+                    <a:lumMod val="50000"/>
+                  </a:schemeClr>
+                </a:solidFill>
+                <a:ea typeface="Cambria" panose="02040503050406030204" pitchFamily="18" charset="0"/>
+              </a:rPr>
+              <a:t>Most had eaten cooked hot dogs the month before they became ill.</a:t>
+            </a:r>
+          </a:p>
+          <a:p>
+            <a:pPr lvl="1"/>
+            <a:endParaRPr lang="en-US" dirty="0">
+              <a:ea typeface="Cambria" panose="02040503050406030204" pitchFamily="18" charset="0"/>
+            </a:endParaRPr>
+          </a:p>
+          <a:p>
+            <a:pPr lvl="1"/>
+            <a:endParaRPr lang="en-US" dirty="0">
+              <a:ea typeface="Cambria" panose="02040503050406030204" pitchFamily="18" charset="0"/>
+            </a:endParaRPr>
+          </a:p>
+        </p:txBody>
+      </p:sp>
+    </p:spTree>
+    <p:extLst>
+      <p:ext uri="{BB962C8B-B14F-4D97-AF65-F5344CB8AC3E}">
+        <p14:creationId xmlns:p14="http://schemas.microsoft.com/office/powerpoint/2010/main" val="3250515396"/>
+      </p:ext>
+    </p:extLst>
+  </p:cSld>
+  <p:clrMapOvr>
+    <a:masterClrMapping/>
+  </p:clrMapOvr>
+</p:sld>
+</file>
+
+<file path=ppt/slides/slide13.xml><?xml version="1.0" encoding="utf-8"?>
+<p:sld xmlns:a="http://schemas.openxmlformats.org/drawingml/2006/main" xmlns:r="http://schemas.openxmlformats.org/officeDocument/2006/relationships" xmlns:p="http://schemas.openxmlformats.org/presentationml/2006/main">
+  <p:cSld>
+    <p:spTree>
+      <p:nvGrpSpPr>
+        <p:cNvPr id="1" name=""/>
+        <p:cNvGrpSpPr/>
+        <p:nvPr/>
+      </p:nvGrpSpPr>
+      <p:grpSpPr>
+        <a:xfrm>
+          <a:off x="0" y="0"/>
+          <a:ext cx="0" cy="0"/>
+          <a:chOff x="0" y="0"/>
+          <a:chExt cx="0" cy="0"/>
+        </a:xfrm>
+      </p:grpSpPr>
+      <p:sp>
+        <p:nvSpPr>
+          <p:cNvPr id="2" name="Title 1">
+            <a:extLst>
+              <a:ext uri="{FF2B5EF4-FFF2-40B4-BE49-F238E27FC236}">
+                <a16:creationId xmlns:a16="http://schemas.microsoft.com/office/drawing/2014/main" id="{1542409B-C188-415B-BE80-1DC700D0DF32}"/>
+              </a:ext>
+            </a:extLst>
+          </p:cNvPr>
+          <p:cNvSpPr>
+            <a:spLocks noGrp="1"/>
+          </p:cNvSpPr>
+          <p:nvPr>
+            <p:ph type="title"/>
+          </p:nvPr>
+        </p:nvSpPr>
+        <p:spPr/>
+        <p:txBody>
+          <a:bodyPr/>
+          <a:lstStyle/>
+          <a:p>
+            <a:r>
+              <a:rPr lang="en-US" dirty="0">
+                <a:ea typeface="Cambria" panose="02040503050406030204" pitchFamily="18" charset="0"/>
+              </a:rPr>
+              <a:t>Presentation Plan</a:t>
+            </a:r>
+          </a:p>
+        </p:txBody>
+      </p:sp>
+      <p:sp>
+        <p:nvSpPr>
+          <p:cNvPr id="3" name="Content Placeholder 2">
+            <a:extLst>
+              <a:ext uri="{FF2B5EF4-FFF2-40B4-BE49-F238E27FC236}">
+                <a16:creationId xmlns:a16="http://schemas.microsoft.com/office/drawing/2014/main" id="{3B18F65C-9328-489A-A6A9-E4012B1C37DF}"/>
+              </a:ext>
+            </a:extLst>
+          </p:cNvPr>
+          <p:cNvSpPr>
+            <a:spLocks noGrp="1"/>
+          </p:cNvSpPr>
+          <p:nvPr>
+            <p:ph idx="1"/>
+          </p:nvPr>
+        </p:nvSpPr>
+        <p:spPr>
+          <a:xfrm>
+            <a:off x="1295398" y="2448192"/>
+            <a:ext cx="9601200" cy="3581400"/>
+          </a:xfrm>
+        </p:spPr>
+        <p:txBody>
+          <a:bodyPr>
+            <a:normAutofit fontScale="92500" lnSpcReduction="10000"/>
+          </a:bodyPr>
+          <a:lstStyle/>
+          <a:p>
+            <a:r>
+              <a:rPr lang="en-US" sz="2800" dirty="0">
+                <a:ea typeface="Cambria" panose="02040503050406030204" pitchFamily="18" charset="0"/>
+              </a:rPr>
+              <a:t>System Architecture (Reminder)</a:t>
+            </a:r>
+            <a:endParaRPr lang="en-US" sz="2400" i="0" dirty="0">
+              <a:ea typeface="Cambria" panose="02040503050406030204" pitchFamily="18" charset="0"/>
+            </a:endParaRPr>
+          </a:p>
+          <a:p>
+            <a:r>
+              <a:rPr lang="en-US" sz="2800" dirty="0">
+                <a:ea typeface="Cambria" panose="02040503050406030204" pitchFamily="18" charset="0"/>
+              </a:rPr>
+              <a:t>Preprocessing Updates</a:t>
+            </a:r>
+          </a:p>
+          <a:p>
+            <a:r>
+              <a:rPr lang="en-US" sz="2800" dirty="0">
+                <a:ea typeface="Cambria" panose="02040503050406030204" pitchFamily="18" charset="0"/>
+              </a:rPr>
+              <a:t>Realization Updates</a:t>
+            </a:r>
+          </a:p>
+          <a:p>
+            <a:r>
+              <a:rPr lang="en-US" sz="2800" dirty="0">
+                <a:ea typeface="Cambria" panose="02040503050406030204" pitchFamily="18" charset="0"/>
+              </a:rPr>
+              <a:t>Ordering Updates</a:t>
+            </a:r>
+          </a:p>
+          <a:p>
+            <a:r>
+              <a:rPr lang="en-US" sz="2800" dirty="0">
+                <a:ea typeface="Cambria" panose="02040503050406030204" pitchFamily="18" charset="0"/>
+              </a:rPr>
+              <a:t>Results</a:t>
+            </a:r>
+          </a:p>
+          <a:p>
+            <a:r>
+              <a:rPr lang="en-US" sz="2800" dirty="0">
+                <a:ea typeface="Cambria" panose="02040503050406030204" pitchFamily="18" charset="0"/>
+              </a:rPr>
+              <a:t>Error Analysis</a:t>
+            </a:r>
+          </a:p>
+          <a:p>
+            <a:r>
+              <a:rPr lang="en-US" sz="2800" dirty="0">
+                <a:ea typeface="Cambria" panose="02040503050406030204" pitchFamily="18" charset="0"/>
+              </a:rPr>
+              <a:t>Relevant Reading</a:t>
+            </a:r>
+          </a:p>
+        </p:txBody>
+      </p:sp>
+      <p:pic>
+        <p:nvPicPr>
+          <p:cNvPr id="5" name="Picture 4" descr="A close up of a logo&#10;&#10;Description automatically generated">
+            <a:extLst>
+              <a:ext uri="{FF2B5EF4-FFF2-40B4-BE49-F238E27FC236}">
+                <a16:creationId xmlns:a16="http://schemas.microsoft.com/office/drawing/2014/main" id="{32D948E2-08FF-4914-8883-6E824F9832C2}"/>
+              </a:ext>
+            </a:extLst>
+          </p:cNvPr>
+          <p:cNvPicPr>
+            <a:picLocks noChangeAspect="1"/>
+          </p:cNvPicPr>
+          <p:nvPr/>
+        </p:nvPicPr>
+        <p:blipFill>
+          <a:blip r:embed="rId3">
+            <a:extLst>
+              <a:ext uri="{837473B0-CC2E-450A-ABE3-18F120FF3D39}">
+                <a1611:picAttrSrcUrl xmlns:a1611="http://schemas.microsoft.com/office/drawing/2016/11/main" r:id="rId4"/>
+              </a:ext>
+            </a:extLst>
+          </a:blip>
+          <a:stretch>
+            <a:fillRect/>
+          </a:stretch>
+        </p:blipFill>
+        <p:spPr>
+          <a:xfrm>
+            <a:off x="6996747" y="2692400"/>
+            <a:ext cx="4472235" cy="4165600"/>
+          </a:xfrm>
+          <a:prstGeom prst="rect">
+            <a:avLst/>
+          </a:prstGeom>
+        </p:spPr>
+      </p:pic>
+      <p:sp>
+        <p:nvSpPr>
+          <p:cNvPr id="6" name="Rectangle 5">
+            <a:extLst>
+              <a:ext uri="{FF2B5EF4-FFF2-40B4-BE49-F238E27FC236}">
+                <a16:creationId xmlns:a16="http://schemas.microsoft.com/office/drawing/2014/main" id="{3AAF9385-5E61-46B4-9CE7-B45567AD1167}"/>
+              </a:ext>
+            </a:extLst>
+          </p:cNvPr>
+          <p:cNvSpPr/>
+          <p:nvPr/>
+        </p:nvSpPr>
+        <p:spPr>
+          <a:xfrm>
+            <a:off x="1202919" y="3911232"/>
+            <a:ext cx="3287801" cy="447408"/>
+          </a:xfrm>
+          <a:prstGeom prst="rect">
+            <a:avLst/>
+          </a:prstGeom>
+          <a:noFill/>
+          <a:ln w="57150">
+            <a:solidFill>
+              <a:schemeClr val="accent6"/>
+            </a:solidFill>
+          </a:ln>
+        </p:spPr>
+        <p:style>
+          <a:lnRef idx="2">
+            <a:schemeClr val="accent1">
+              <a:shade val="50000"/>
+            </a:schemeClr>
+          </a:lnRef>
+          <a:fillRef idx="1">
+            <a:schemeClr val="accent1"/>
+          </a:fillRef>
+          <a:effectRef idx="0">
+            <a:schemeClr val="accent1"/>
+          </a:effectRef>
+          <a:fontRef idx="minor">
+            <a:schemeClr val="lt1"/>
+          </a:fontRef>
+        </p:style>
+        <p:txBody>
+          <a:bodyPr rtlCol="0" anchor="ctr"/>
+          <a:lstStyle/>
+          <a:p>
+            <a:pPr algn="ctr"/>
+            <a:endParaRPr lang="en-US"/>
+          </a:p>
+        </p:txBody>
+      </p:sp>
+    </p:spTree>
+    <p:extLst>
+      <p:ext uri="{BB962C8B-B14F-4D97-AF65-F5344CB8AC3E}">
+        <p14:creationId xmlns:p14="http://schemas.microsoft.com/office/powerpoint/2010/main" val="4007464555"/>
+      </p:ext>
+    </p:extLst>
+  </p:cSld>
+  <p:clrMapOvr>
+    <a:masterClrMapping/>
+  </p:clrMapOvr>
+</p:sld>
+</file>
+
+<file path=ppt/slides/slide14.xml><?xml version="1.0" encoding="utf-8"?>
+<p:sld xmlns:a="http://schemas.openxmlformats.org/drawingml/2006/main" xmlns:r="http://schemas.openxmlformats.org/officeDocument/2006/relationships" xmlns:p="http://schemas.openxmlformats.org/presentationml/2006/main">
+  <p:cSld>
+    <p:spTree>
+      <p:nvGrpSpPr>
+        <p:cNvPr id="1" name=""/>
+        <p:cNvGrpSpPr/>
+        <p:nvPr/>
+      </p:nvGrpSpPr>
+      <p:grpSpPr>
+        <a:xfrm>
+          <a:off x="0" y="0"/>
+          <a:ext cx="0" cy="0"/>
+          <a:chOff x="0" y="0"/>
+          <a:chExt cx="0" cy="0"/>
+        </a:xfrm>
+      </p:grpSpPr>
+      <p:sp>
+        <p:nvSpPr>
+          <p:cNvPr id="2" name="Title 1">
+            <a:extLst>
+              <a:ext uri="{FF2B5EF4-FFF2-40B4-BE49-F238E27FC236}">
+                <a16:creationId xmlns:a16="http://schemas.microsoft.com/office/drawing/2014/main" id="{83E68D61-ED96-4416-B883-7645653AEE46}"/>
+              </a:ext>
+            </a:extLst>
+          </p:cNvPr>
+          <p:cNvSpPr>
+            <a:spLocks noGrp="1"/>
+          </p:cNvSpPr>
+          <p:nvPr>
+            <p:ph type="title"/>
+          </p:nvPr>
+        </p:nvSpPr>
+        <p:spPr/>
+        <p:txBody>
+          <a:bodyPr/>
+          <a:lstStyle/>
+          <a:p>
+            <a:r>
+              <a:rPr lang="en-US" dirty="0"/>
+              <a:t>Ordering Updates</a:t>
+            </a:r>
+            <a:br>
+              <a:rPr lang="en-US" dirty="0"/>
+            </a:br>
+            <a:endParaRPr lang="en-US" dirty="0"/>
+          </a:p>
+        </p:txBody>
+      </p:sp>
+      <p:sp>
+        <p:nvSpPr>
+          <p:cNvPr id="3" name="Content Placeholder 2">
+            <a:extLst>
+              <a:ext uri="{FF2B5EF4-FFF2-40B4-BE49-F238E27FC236}">
+                <a16:creationId xmlns:a16="http://schemas.microsoft.com/office/drawing/2014/main" id="{E4E6DCE7-6F93-4C89-9547-9D68557286BB}"/>
+              </a:ext>
+            </a:extLst>
+          </p:cNvPr>
+          <p:cNvSpPr>
+            <a:spLocks noGrp="1"/>
+          </p:cNvSpPr>
+          <p:nvPr>
+            <p:ph idx="1"/>
+          </p:nvPr>
+        </p:nvSpPr>
+        <p:spPr/>
+        <p:txBody>
+          <a:bodyPr>
+            <a:normAutofit/>
+          </a:bodyPr>
+          <a:lstStyle/>
+          <a:p>
+            <a:r>
+              <a:rPr lang="en-US" sz="3200" dirty="0"/>
+              <a:t>D3: “Expert” approach from </a:t>
+            </a:r>
+            <a:r>
+              <a:rPr lang="en-US" sz="3200" dirty="0" err="1"/>
+              <a:t>Bollegala</a:t>
+            </a:r>
+            <a:r>
+              <a:rPr lang="en-US" sz="3200" dirty="0"/>
+              <a:t> et al., 2012</a:t>
+            </a:r>
+          </a:p>
+          <a:p>
+            <a:pPr lvl="1"/>
+            <a:r>
+              <a:rPr lang="en-US" sz="2800" dirty="0"/>
+              <a:t>Chronology, topical closeness</a:t>
+            </a:r>
+          </a:p>
+          <a:p>
+            <a:r>
+              <a:rPr lang="en-US" sz="3200" dirty="0"/>
+              <a:t>D4: Additional features for first sentence</a:t>
+            </a:r>
+          </a:p>
+          <a:p>
+            <a:pPr lvl="1"/>
+            <a:r>
+              <a:rPr lang="en-US" sz="2800" dirty="0"/>
+              <a:t>Positive feature: word count</a:t>
+            </a:r>
+          </a:p>
+          <a:p>
+            <a:pPr lvl="1"/>
+            <a:r>
+              <a:rPr lang="en-US" sz="2800" dirty="0"/>
+              <a:t>Negative features: unlikely start terms</a:t>
+            </a:r>
+          </a:p>
+          <a:p>
+            <a:pPr lvl="2"/>
+            <a:r>
+              <a:rPr lang="en-US" sz="2400" dirty="0"/>
+              <a:t>He, she, it, they, that, those, some, since</a:t>
+            </a:r>
+          </a:p>
+          <a:p>
+            <a:pPr lvl="2"/>
+            <a:r>
+              <a:rPr lang="en-US" sz="2400" dirty="0"/>
+              <a:t>The</a:t>
+            </a:r>
+          </a:p>
+        </p:txBody>
+      </p:sp>
+    </p:spTree>
+    <p:extLst>
+      <p:ext uri="{BB962C8B-B14F-4D97-AF65-F5344CB8AC3E}">
+        <p14:creationId xmlns:p14="http://schemas.microsoft.com/office/powerpoint/2010/main" val="2334093558"/>
+      </p:ext>
+    </p:extLst>
+  </p:cSld>
+  <p:clrMapOvr>
+    <a:masterClrMapping/>
+  </p:clrMapOvr>
+</p:sld>
+</file>
+
+<file path=ppt/slides/slide15.xml><?xml version="1.0" encoding="utf-8"?>
+<p:sld xmlns:a="http://schemas.openxmlformats.org/drawingml/2006/main" xmlns:r="http://schemas.openxmlformats.org/officeDocument/2006/relationships" xmlns:p="http://schemas.openxmlformats.org/presentationml/2006/main">
+  <p:cSld>
+    <p:spTree>
+      <p:nvGrpSpPr>
+        <p:cNvPr id="1" name=""/>
+        <p:cNvGrpSpPr/>
+        <p:nvPr/>
+      </p:nvGrpSpPr>
+      <p:grpSpPr>
+        <a:xfrm>
+          <a:off x="0" y="0"/>
+          <a:ext cx="0" cy="0"/>
+          <a:chOff x="0" y="0"/>
+          <a:chExt cx="0" cy="0"/>
+        </a:xfrm>
+      </p:grpSpPr>
+      <p:sp>
+        <p:nvSpPr>
+          <p:cNvPr id="2" name="Title 1">
+            <a:extLst>
+              <a:ext uri="{FF2B5EF4-FFF2-40B4-BE49-F238E27FC236}">
                 <a16:creationId xmlns:a16="http://schemas.microsoft.com/office/drawing/2014/main" id="{B3AEC41C-4EE0-4744-A3DA-5A7DA7E7CCFB}"/>
               </a:ext>
             </a:extLst>
@@ -4664,7 +6467,7 @@
                   </a:schemeClr>
                 </a:solidFill>
               </a:rPr>
-              <a:t>An extremely powerful earthquake and the tsunami that followed devastated many parts of North Sumatra and Aceh on Dec. 26 last year, killing more than 100    ,000 people there.</a:t>
+              <a:t>An extremely powerful earthquake and the tsunami that followed devastated many parts of North Sumatra and Aceh on Dec. 26 last year, killing more than 100,000 people there.</a:t>
             </a:r>
           </a:p>
           <a:p>
@@ -4745,7 +6548,243 @@
 </p:sld>
 </file>
 
-<file path=ppt/slides/slide11.xml><?xml version="1.0" encoding="utf-8"?>
+<file path=ppt/slides/slide16.xml><?xml version="1.0" encoding="utf-8"?>
+<p:sld xmlns:a="http://schemas.openxmlformats.org/drawingml/2006/main" xmlns:r="http://schemas.openxmlformats.org/officeDocument/2006/relationships" xmlns:p="http://schemas.openxmlformats.org/presentationml/2006/main">
+  <p:cSld>
+    <p:spTree>
+      <p:nvGrpSpPr>
+        <p:cNvPr id="1" name=""/>
+        <p:cNvGrpSpPr/>
+        <p:nvPr/>
+      </p:nvGrpSpPr>
+      <p:grpSpPr>
+        <a:xfrm>
+          <a:off x="0" y="0"/>
+          <a:ext cx="0" cy="0"/>
+          <a:chOff x="0" y="0"/>
+          <a:chExt cx="0" cy="0"/>
+        </a:xfrm>
+      </p:grpSpPr>
+      <p:sp>
+        <p:nvSpPr>
+          <p:cNvPr id="2" name="Title 1">
+            <a:extLst>
+              <a:ext uri="{FF2B5EF4-FFF2-40B4-BE49-F238E27FC236}">
+                <a16:creationId xmlns:a16="http://schemas.microsoft.com/office/drawing/2014/main" id="{1542409B-C188-415B-BE80-1DC700D0DF32}"/>
+              </a:ext>
+            </a:extLst>
+          </p:cNvPr>
+          <p:cNvSpPr>
+            <a:spLocks noGrp="1"/>
+          </p:cNvSpPr>
+          <p:nvPr>
+            <p:ph type="title"/>
+          </p:nvPr>
+        </p:nvSpPr>
+        <p:spPr/>
+        <p:txBody>
+          <a:bodyPr/>
+          <a:lstStyle/>
+          <a:p>
+            <a:r>
+              <a:rPr lang="en-US" dirty="0">
+                <a:ea typeface="Cambria" panose="02040503050406030204" pitchFamily="18" charset="0"/>
+              </a:rPr>
+              <a:t>Presentation Plan</a:t>
+            </a:r>
+          </a:p>
+        </p:txBody>
+      </p:sp>
+      <p:sp>
+        <p:nvSpPr>
+          <p:cNvPr id="3" name="Content Placeholder 2">
+            <a:extLst>
+              <a:ext uri="{FF2B5EF4-FFF2-40B4-BE49-F238E27FC236}">
+                <a16:creationId xmlns:a16="http://schemas.microsoft.com/office/drawing/2014/main" id="{3B18F65C-9328-489A-A6A9-E4012B1C37DF}"/>
+              </a:ext>
+            </a:extLst>
+          </p:cNvPr>
+          <p:cNvSpPr>
+            <a:spLocks noGrp="1"/>
+          </p:cNvSpPr>
+          <p:nvPr>
+            <p:ph idx="1"/>
+          </p:nvPr>
+        </p:nvSpPr>
+        <p:spPr>
+          <a:xfrm>
+            <a:off x="1295398" y="2448192"/>
+            <a:ext cx="9601200" cy="3581400"/>
+          </a:xfrm>
+        </p:spPr>
+        <p:txBody>
+          <a:bodyPr>
+            <a:normAutofit fontScale="92500" lnSpcReduction="10000"/>
+          </a:bodyPr>
+          <a:lstStyle/>
+          <a:p>
+            <a:r>
+              <a:rPr lang="en-US" sz="2800" dirty="0">
+                <a:ea typeface="Cambria" panose="02040503050406030204" pitchFamily="18" charset="0"/>
+              </a:rPr>
+              <a:t>System Architecture (Reminder)</a:t>
+            </a:r>
+            <a:endParaRPr lang="en-US" sz="2400" i="0" dirty="0">
+              <a:ea typeface="Cambria" panose="02040503050406030204" pitchFamily="18" charset="0"/>
+            </a:endParaRPr>
+          </a:p>
+          <a:p>
+            <a:r>
+              <a:rPr lang="en-US" sz="2800" dirty="0">
+                <a:ea typeface="Cambria" panose="02040503050406030204" pitchFamily="18" charset="0"/>
+              </a:rPr>
+              <a:t>Preprocessing Updates</a:t>
+            </a:r>
+          </a:p>
+          <a:p>
+            <a:r>
+              <a:rPr lang="en-US" sz="2800" dirty="0">
+                <a:ea typeface="Cambria" panose="02040503050406030204" pitchFamily="18" charset="0"/>
+              </a:rPr>
+              <a:t>Realization Updates</a:t>
+            </a:r>
+          </a:p>
+          <a:p>
+            <a:r>
+              <a:rPr lang="en-US" sz="2800" dirty="0">
+                <a:ea typeface="Cambria" panose="02040503050406030204" pitchFamily="18" charset="0"/>
+              </a:rPr>
+              <a:t>Ordering Updates</a:t>
+            </a:r>
+          </a:p>
+          <a:p>
+            <a:r>
+              <a:rPr lang="en-US" sz="2800" dirty="0">
+                <a:ea typeface="Cambria" panose="02040503050406030204" pitchFamily="18" charset="0"/>
+              </a:rPr>
+              <a:t>Results</a:t>
+            </a:r>
+          </a:p>
+          <a:p>
+            <a:r>
+              <a:rPr lang="en-US" sz="2800" dirty="0">
+                <a:ea typeface="Cambria" panose="02040503050406030204" pitchFamily="18" charset="0"/>
+              </a:rPr>
+              <a:t>Error Analysis</a:t>
+            </a:r>
+          </a:p>
+          <a:p>
+            <a:r>
+              <a:rPr lang="en-US" sz="2800" dirty="0">
+                <a:ea typeface="Cambria" panose="02040503050406030204" pitchFamily="18" charset="0"/>
+              </a:rPr>
+              <a:t>Relevant Reading</a:t>
+            </a:r>
+          </a:p>
+        </p:txBody>
+      </p:sp>
+      <p:pic>
+        <p:nvPicPr>
+          <p:cNvPr id="5" name="Picture 4" descr="A close up of a logo&#10;&#10;Description automatically generated">
+            <a:extLst>
+              <a:ext uri="{FF2B5EF4-FFF2-40B4-BE49-F238E27FC236}">
+                <a16:creationId xmlns:a16="http://schemas.microsoft.com/office/drawing/2014/main" id="{32D948E2-08FF-4914-8883-6E824F9832C2}"/>
+              </a:ext>
+            </a:extLst>
+          </p:cNvPr>
+          <p:cNvPicPr>
+            <a:picLocks noChangeAspect="1"/>
+          </p:cNvPicPr>
+          <p:nvPr/>
+        </p:nvPicPr>
+        <p:blipFill>
+          <a:blip r:embed="rId3">
+            <a:extLst>
+              <a:ext uri="{837473B0-CC2E-450A-ABE3-18F120FF3D39}">
+                <a1611:picAttrSrcUrl xmlns:a1611="http://schemas.microsoft.com/office/drawing/2016/11/main" r:id="rId4"/>
+              </a:ext>
+            </a:extLst>
+          </a:blip>
+          <a:stretch>
+            <a:fillRect/>
+          </a:stretch>
+        </p:blipFill>
+        <p:spPr>
+          <a:xfrm>
+            <a:off x="6996747" y="2692400"/>
+            <a:ext cx="4472235" cy="4165600"/>
+          </a:xfrm>
+          <a:prstGeom prst="rect">
+            <a:avLst/>
+          </a:prstGeom>
+        </p:spPr>
+      </p:pic>
+      <p:sp>
+        <p:nvSpPr>
+          <p:cNvPr id="6" name="Rectangle 5">
+            <a:extLst>
+              <a:ext uri="{FF2B5EF4-FFF2-40B4-BE49-F238E27FC236}">
+                <a16:creationId xmlns:a16="http://schemas.microsoft.com/office/drawing/2014/main" id="{3AAF9385-5E61-46B4-9CE7-B45567AD1167}"/>
+              </a:ext>
+            </a:extLst>
+          </p:cNvPr>
+          <p:cNvSpPr/>
+          <p:nvPr/>
+        </p:nvSpPr>
+        <p:spPr>
+          <a:xfrm>
+            <a:off x="1202919" y="4419232"/>
+            <a:ext cx="1682521" cy="447408"/>
+          </a:xfrm>
+          <a:prstGeom prst="rect">
+            <a:avLst/>
+          </a:prstGeom>
+          <a:noFill/>
+          <a:ln w="57150">
+            <a:solidFill>
+              <a:schemeClr val="accent6"/>
+            </a:solidFill>
+          </a:ln>
+        </p:spPr>
+        <p:style>
+          <a:lnRef idx="2">
+            <a:schemeClr val="accent1">
+              <a:shade val="50000"/>
+            </a:schemeClr>
+          </a:lnRef>
+          <a:fillRef idx="1">
+            <a:schemeClr val="accent1"/>
+          </a:fillRef>
+          <a:effectRef idx="0">
+            <a:schemeClr val="accent1"/>
+          </a:effectRef>
+          <a:fontRef idx="minor">
+            <a:schemeClr val="lt1"/>
+          </a:fontRef>
+        </p:style>
+        <p:txBody>
+          <a:bodyPr rtlCol="0" anchor="ctr"/>
+          <a:lstStyle/>
+          <a:p>
+            <a:pPr algn="ctr"/>
+            <a:endParaRPr lang="en-US"/>
+          </a:p>
+        </p:txBody>
+      </p:sp>
+    </p:spTree>
+    <p:extLst>
+      <p:ext uri="{BB962C8B-B14F-4D97-AF65-F5344CB8AC3E}">
+        <p14:creationId xmlns:p14="http://schemas.microsoft.com/office/powerpoint/2010/main" val="1166256001"/>
+      </p:ext>
+    </p:extLst>
+  </p:cSld>
+  <p:clrMapOvr>
+    <a:masterClrMapping/>
+  </p:clrMapOvr>
+</p:sld>
+</file>
+
+<file path=ppt/slides/slide17.xml><?xml version="1.0" encoding="utf-8"?>
 <p:sld xmlns:a="http://schemas.openxmlformats.org/drawingml/2006/main" xmlns:r="http://schemas.openxmlformats.org/officeDocument/2006/relationships" xmlns:p="http://schemas.openxmlformats.org/presentationml/2006/main">
   <p:cSld>
     <p:spTree>
@@ -4997,7 +7036,7 @@
           <p:nvPr>
             <p:extLst>
               <p:ext uri="{D42A27DB-BD31-4B8C-83A1-F6EECF244321}">
-                <p14:modId xmlns:p14="http://schemas.microsoft.com/office/powerpoint/2010/main" val="4037572247"/>
+                <p14:modId xmlns:p14="http://schemas.microsoft.com/office/powerpoint/2010/main" val="2006310237"/>
               </p:ext>
             </p:extLst>
           </p:nvPr>
@@ -5071,10 +7110,7 @@
                         <a:rPr lang="en-US" dirty="0" err="1"/>
                         <a:t>Devtest</a:t>
                       </a:r>
-                      <a:r>
-                        <a:rPr lang="en-US" dirty="0"/>
-                        <a:t> (AQUAINT)</a:t>
-                      </a:r>
+                      <a:endParaRPr lang="en-US" dirty="0"/>
                     </a:p>
                   </a:txBody>
                   <a:tcPr/>
@@ -5109,10 +7145,7 @@
                         <a:rPr lang="en-US" dirty="0" err="1"/>
                         <a:t>Evaltest</a:t>
                       </a:r>
-                      <a:r>
-                        <a:rPr lang="en-US" dirty="0"/>
-                        <a:t> (AQUAINT-2)</a:t>
-                      </a:r>
+                      <a:endParaRPr lang="en-US" dirty="0"/>
                     </a:p>
                   </a:txBody>
                   <a:tcPr/>
@@ -5406,7 +7439,7 @@
 </p:sld>
 </file>
 
-<file path=ppt/slides/slide12.xml><?xml version="1.0" encoding="utf-8"?>
+<file path=ppt/slides/slide18.xml><?xml version="1.0" encoding="utf-8"?>
 <p:sld xmlns:a="http://schemas.openxmlformats.org/drawingml/2006/main" xmlns:r="http://schemas.openxmlformats.org/officeDocument/2006/relationships" xmlns:p="http://schemas.openxmlformats.org/presentationml/2006/main">
   <p:cSld>
     <p:spTree>
@@ -5428,7 +7461,7 @@
           <p:cNvPr id="2" name="Title 1">
             <a:extLst>
               <a:ext uri="{FF2B5EF4-FFF2-40B4-BE49-F238E27FC236}">
-                <a16:creationId xmlns:a16="http://schemas.microsoft.com/office/drawing/2014/main" id="{83E68D61-ED96-4416-B883-7645653AEE46}"/>
+                <a16:creationId xmlns:a16="http://schemas.microsoft.com/office/drawing/2014/main" id="{1542409B-C188-415B-BE80-1DC700D0DF32}"/>
               </a:ext>
             </a:extLst>
           </p:cNvPr>
@@ -5445,8 +7478,10 @@
           <a:lstStyle/>
           <a:p>
             <a:r>
-              <a:rPr lang="en-US" dirty="0"/>
-              <a:t>Error Analysis</a:t>
+              <a:rPr lang="en-US" dirty="0">
+                <a:ea typeface="Cambria" panose="02040503050406030204" pitchFamily="18" charset="0"/>
+              </a:rPr>
+              <a:t>Presentation Plan</a:t>
             </a:r>
           </a:p>
         </p:txBody>
@@ -5456,7 +7491,7 @@
           <p:cNvPr id="3" name="Content Placeholder 2">
             <a:extLst>
               <a:ext uri="{FF2B5EF4-FFF2-40B4-BE49-F238E27FC236}">
-                <a16:creationId xmlns:a16="http://schemas.microsoft.com/office/drawing/2014/main" id="{E4E6DCE7-6F93-4C89-9547-9D68557286BB}"/>
+                <a16:creationId xmlns:a16="http://schemas.microsoft.com/office/drawing/2014/main" id="{3B18F65C-9328-489A-A6A9-E4012B1C37DF}"/>
               </a:ext>
             </a:extLst>
           </p:cNvPr>
@@ -5469,121 +7504,168 @@
         </p:nvSpPr>
         <p:spPr>
           <a:xfrm>
-            <a:off x="1202919" y="2022144"/>
-            <a:ext cx="8915400" cy="4551680"/>
+            <a:off x="1295398" y="2448192"/>
+            <a:ext cx="9601200" cy="3581400"/>
           </a:xfrm>
         </p:spPr>
         <p:txBody>
           <a:bodyPr>
-            <a:normAutofit lnSpcReduction="10000"/>
+            <a:normAutofit fontScale="92500" lnSpcReduction="10000"/>
           </a:bodyPr>
           <a:lstStyle/>
           <a:p>
             <a:r>
-              <a:rPr lang="en-US" sz="2400" dirty="0"/>
-              <a:t>Fragments:</a:t>
-            </a:r>
-          </a:p>
-          <a:p>
-            <a:pPr lvl="1"/>
-            <a:r>
-              <a:rPr lang="en-US" dirty="0">
-                <a:solidFill>
-                  <a:schemeClr val="accent4">
-                    <a:lumMod val="50000"/>
-                  </a:schemeClr>
-                </a:solidFill>
-              </a:rPr>
-              <a:t>A look at the situation of seniors and others at a now-closed Columbine High.</a:t>
-            </a:r>
-          </a:p>
-          <a:p>
-            <a:pPr lvl="1"/>
-            <a:r>
-              <a:rPr lang="en-US" dirty="0">
-                <a:solidFill>
-                  <a:schemeClr val="tx1"/>
-                </a:solidFill>
-              </a:rPr>
-              <a:t>Filtering them causes significant drop in ROUGE</a:t>
-            </a:r>
-          </a:p>
-          <a:p>
-            <a:r>
-              <a:rPr lang="en-US" sz="2400" dirty="0">
-                <a:solidFill>
-                  <a:schemeClr val="tx1"/>
-                </a:solidFill>
-              </a:rPr>
-              <a:t>Repetitive Sentences:</a:t>
-            </a:r>
-          </a:p>
-          <a:p>
-            <a:pPr lvl="1"/>
-            <a:r>
-              <a:rPr lang="en-US" dirty="0">
-                <a:solidFill>
-                  <a:schemeClr val="accent4">
-                    <a:lumMod val="50000"/>
-                  </a:schemeClr>
-                </a:solidFill>
-              </a:rPr>
-              <a:t>An Iraqi reporter threw his shoes at visiting U.S. President George W. Bush and called him a "dog" in Arabic during a news conference with Iraqi Prime Minister Nuri al-Maliki in Baghdad on Sunday.</a:t>
-            </a:r>
-          </a:p>
-          <a:p>
-            <a:pPr lvl="1"/>
-            <a:r>
-              <a:rPr lang="en-US" dirty="0">
-                <a:solidFill>
-                  <a:schemeClr val="accent4">
-                    <a:lumMod val="50000"/>
-                  </a:schemeClr>
-                </a:solidFill>
-              </a:rPr>
-              <a:t>President George W. Bush ducked a pair of shoes hurled at his head--one shoe after the other--in the middle of a news conference with Iraqi Prime Minister Nouri al-Maliki.</a:t>
-            </a:r>
-          </a:p>
-          <a:p>
-            <a:pPr lvl="1"/>
-            <a:r>
-              <a:rPr lang="en-US" dirty="0">
-                <a:solidFill>
-                  <a:schemeClr val="tx1"/>
-                </a:solidFill>
-              </a:rPr>
-              <a:t>(93.7% similar)... Lower threshold drops ROUGE</a:t>
-            </a:r>
-          </a:p>
-          <a:p>
-            <a:r>
-              <a:rPr lang="en-US" sz="2400" dirty="0">
-                <a:solidFill>
-                  <a:schemeClr val="tx1"/>
-                </a:solidFill>
-              </a:rPr>
-              <a:t>Referential Issues</a:t>
-            </a:r>
-          </a:p>
-          <a:p>
-            <a:pPr lvl="1"/>
-            <a:r>
-              <a:rPr lang="en-US" dirty="0">
-                <a:solidFill>
-                  <a:schemeClr val="accent4">
-                    <a:lumMod val="50000"/>
-                  </a:schemeClr>
-                </a:solidFill>
-              </a:rPr>
-              <a:t>More than 100 Giant Pandas live there.</a:t>
-            </a:r>
+              <a:rPr lang="en-US" sz="2800" dirty="0">
+                <a:ea typeface="Cambria" panose="02040503050406030204" pitchFamily="18" charset="0"/>
+              </a:rPr>
+              <a:t>System Architecture (Reminder)</a:t>
+            </a:r>
+            <a:endParaRPr lang="en-US" sz="2400" i="0" dirty="0">
+              <a:ea typeface="Cambria" panose="02040503050406030204" pitchFamily="18" charset="0"/>
+            </a:endParaRPr>
+          </a:p>
+          <a:p>
+            <a:r>
+              <a:rPr lang="en-US" sz="2800" dirty="0">
+                <a:ea typeface="Cambria" panose="02040503050406030204" pitchFamily="18" charset="0"/>
+              </a:rPr>
+              <a:t>Preprocessing Updates</a:t>
+            </a:r>
+          </a:p>
+          <a:p>
+            <a:r>
+              <a:rPr lang="en-US" sz="2800" dirty="0">
+                <a:ea typeface="Cambria" panose="02040503050406030204" pitchFamily="18" charset="0"/>
+              </a:rPr>
+              <a:t>Realization Updates</a:t>
+            </a:r>
+          </a:p>
+          <a:p>
+            <a:r>
+              <a:rPr lang="en-US" sz="2800" dirty="0">
+                <a:ea typeface="Cambria" panose="02040503050406030204" pitchFamily="18" charset="0"/>
+              </a:rPr>
+              <a:t>Ordering Updates</a:t>
+            </a:r>
+          </a:p>
+          <a:p>
+            <a:r>
+              <a:rPr lang="en-US" sz="2800" dirty="0">
+                <a:ea typeface="Cambria" panose="02040503050406030204" pitchFamily="18" charset="0"/>
+              </a:rPr>
+              <a:t>Results</a:t>
+            </a:r>
+          </a:p>
+          <a:p>
+            <a:r>
+              <a:rPr lang="en-US" sz="2800" dirty="0">
+                <a:ea typeface="Cambria" panose="02040503050406030204" pitchFamily="18" charset="0"/>
+              </a:rPr>
+              <a:t>Error Analysis</a:t>
+            </a:r>
+          </a:p>
+          <a:p>
+            <a:r>
+              <a:rPr lang="en-US" sz="2800" dirty="0">
+                <a:ea typeface="Cambria" panose="02040503050406030204" pitchFamily="18" charset="0"/>
+              </a:rPr>
+              <a:t>Relevant Reading</a:t>
+            </a:r>
+          </a:p>
+        </p:txBody>
+      </p:sp>
+      <p:pic>
+        <p:nvPicPr>
+          <p:cNvPr id="5" name="Picture 4" descr="A close up of a logo&#10;&#10;Description automatically generated">
+            <a:extLst>
+              <a:ext uri="{FF2B5EF4-FFF2-40B4-BE49-F238E27FC236}">
+                <a16:creationId xmlns:a16="http://schemas.microsoft.com/office/drawing/2014/main" id="{32D948E2-08FF-4914-8883-6E824F9832C2}"/>
+              </a:ext>
+            </a:extLst>
+          </p:cNvPr>
+          <p:cNvPicPr>
+            <a:picLocks noChangeAspect="1"/>
+          </p:cNvPicPr>
+          <p:nvPr/>
+        </p:nvPicPr>
+        <p:blipFill>
+          <a:blip r:embed="rId3">
+            <a:extLst>
+              <a:ext uri="{837473B0-CC2E-450A-ABE3-18F120FF3D39}">
+                <a1611:picAttrSrcUrl xmlns:a1611="http://schemas.microsoft.com/office/drawing/2016/11/main" r:id="rId4"/>
+              </a:ext>
+            </a:extLst>
+          </a:blip>
+          <a:stretch>
+            <a:fillRect/>
+          </a:stretch>
+        </p:blipFill>
+        <p:spPr>
+          <a:xfrm>
+            <a:off x="6996747" y="2692400"/>
+            <a:ext cx="4472235" cy="4165600"/>
+          </a:xfrm>
+          <a:prstGeom prst="rect">
+            <a:avLst/>
+          </a:prstGeom>
+        </p:spPr>
+      </p:pic>
+      <p:sp>
+        <p:nvSpPr>
+          <p:cNvPr id="6" name="Rectangle 5">
+            <a:extLst>
+              <a:ext uri="{FF2B5EF4-FFF2-40B4-BE49-F238E27FC236}">
+                <a16:creationId xmlns:a16="http://schemas.microsoft.com/office/drawing/2014/main" id="{3AAF9385-5E61-46B4-9CE7-B45567AD1167}"/>
+              </a:ext>
+            </a:extLst>
+          </p:cNvPr>
+          <p:cNvSpPr/>
+          <p:nvPr/>
+        </p:nvSpPr>
+        <p:spPr>
+          <a:xfrm>
+            <a:off x="1295398" y="4871841"/>
+            <a:ext cx="2240282" cy="447408"/>
+          </a:xfrm>
+          <a:prstGeom prst="rect">
+            <a:avLst/>
+          </a:prstGeom>
+          <a:noFill/>
+          <a:ln w="57150">
+            <a:solidFill>
+              <a:schemeClr val="accent6"/>
+            </a:solidFill>
+          </a:ln>
+        </p:spPr>
+        <p:style>
+          <a:lnRef idx="2">
+            <a:schemeClr val="accent1">
+              <a:shade val="50000"/>
+            </a:schemeClr>
+          </a:lnRef>
+          <a:fillRef idx="1">
+            <a:schemeClr val="accent1"/>
+          </a:fillRef>
+          <a:effectRef idx="0">
+            <a:schemeClr val="accent1"/>
+          </a:effectRef>
+          <a:fontRef idx="minor">
+            <a:schemeClr val="lt1"/>
+          </a:fontRef>
+        </p:style>
+        <p:txBody>
+          <a:bodyPr rtlCol="0" anchor="ctr"/>
+          <a:lstStyle/>
+          <a:p>
+            <a:pPr algn="ctr"/>
+            <a:endParaRPr lang="en-US"/>
           </a:p>
         </p:txBody>
       </p:sp>
     </p:spTree>
     <p:extLst>
       <p:ext uri="{BB962C8B-B14F-4D97-AF65-F5344CB8AC3E}">
-        <p14:creationId xmlns:p14="http://schemas.microsoft.com/office/powerpoint/2010/main" val="1926614167"/>
+        <p14:creationId xmlns:p14="http://schemas.microsoft.com/office/powerpoint/2010/main" val="651078857"/>
       </p:ext>
     </p:extLst>
   </p:cSld>
@@ -5593,7 +7675,7 @@
 </p:sld>
 </file>
 
-<file path=ppt/slides/slide13.xml><?xml version="1.0" encoding="utf-8"?>
+<file path=ppt/slides/slide19.xml><?xml version="1.0" encoding="utf-8"?>
 <p:sld xmlns:a="http://schemas.openxmlformats.org/drawingml/2006/main" xmlns:r="http://schemas.openxmlformats.org/officeDocument/2006/relationships" xmlns:p="http://schemas.openxmlformats.org/presentationml/2006/main">
   <p:cSld>
     <p:spTree>
@@ -5615,6 +7697,377 @@
           <p:cNvPr id="2" name="Title 1">
             <a:extLst>
               <a:ext uri="{FF2B5EF4-FFF2-40B4-BE49-F238E27FC236}">
+                <a16:creationId xmlns:a16="http://schemas.microsoft.com/office/drawing/2014/main" id="{83E68D61-ED96-4416-B883-7645653AEE46}"/>
+              </a:ext>
+            </a:extLst>
+          </p:cNvPr>
+          <p:cNvSpPr>
+            <a:spLocks noGrp="1"/>
+          </p:cNvSpPr>
+          <p:nvPr>
+            <p:ph type="title"/>
+          </p:nvPr>
+        </p:nvSpPr>
+        <p:spPr/>
+        <p:txBody>
+          <a:bodyPr/>
+          <a:lstStyle/>
+          <a:p>
+            <a:r>
+              <a:rPr lang="en-US" dirty="0"/>
+              <a:t>Error Analysis</a:t>
+            </a:r>
+          </a:p>
+        </p:txBody>
+      </p:sp>
+      <p:sp>
+        <p:nvSpPr>
+          <p:cNvPr id="3" name="Content Placeholder 2">
+            <a:extLst>
+              <a:ext uri="{FF2B5EF4-FFF2-40B4-BE49-F238E27FC236}">
+                <a16:creationId xmlns:a16="http://schemas.microsoft.com/office/drawing/2014/main" id="{E4E6DCE7-6F93-4C89-9547-9D68557286BB}"/>
+              </a:ext>
+            </a:extLst>
+          </p:cNvPr>
+          <p:cNvSpPr>
+            <a:spLocks noGrp="1"/>
+          </p:cNvSpPr>
+          <p:nvPr>
+            <p:ph idx="1"/>
+          </p:nvPr>
+        </p:nvSpPr>
+        <p:spPr>
+          <a:xfrm>
+            <a:off x="1202919" y="2022144"/>
+            <a:ext cx="8915400" cy="4551680"/>
+          </a:xfrm>
+        </p:spPr>
+        <p:txBody>
+          <a:bodyPr>
+            <a:normAutofit lnSpcReduction="10000"/>
+          </a:bodyPr>
+          <a:lstStyle/>
+          <a:p>
+            <a:r>
+              <a:rPr lang="en-US" sz="2400" dirty="0"/>
+              <a:t>Fragments:</a:t>
+            </a:r>
+          </a:p>
+          <a:p>
+            <a:pPr lvl="1"/>
+            <a:r>
+              <a:rPr lang="en-US" dirty="0">
+                <a:solidFill>
+                  <a:schemeClr val="accent4">
+                    <a:lumMod val="50000"/>
+                  </a:schemeClr>
+                </a:solidFill>
+              </a:rPr>
+              <a:t>A look at the situation of seniors and others at a now-closed Columbine High.</a:t>
+            </a:r>
+          </a:p>
+          <a:p>
+            <a:pPr lvl="1"/>
+            <a:r>
+              <a:rPr lang="en-US" dirty="0">
+                <a:solidFill>
+                  <a:schemeClr val="tx1"/>
+                </a:solidFill>
+              </a:rPr>
+              <a:t>Filtering them causes significant drop in ROUGE</a:t>
+            </a:r>
+          </a:p>
+          <a:p>
+            <a:r>
+              <a:rPr lang="en-US" sz="2400" dirty="0">
+                <a:solidFill>
+                  <a:schemeClr val="tx1"/>
+                </a:solidFill>
+              </a:rPr>
+              <a:t>Repetitive sentences:</a:t>
+            </a:r>
+          </a:p>
+          <a:p>
+            <a:pPr lvl="1"/>
+            <a:r>
+              <a:rPr lang="en-US" dirty="0">
+                <a:solidFill>
+                  <a:schemeClr val="accent4">
+                    <a:lumMod val="50000"/>
+                  </a:schemeClr>
+                </a:solidFill>
+              </a:rPr>
+              <a:t>An Iraqi reporter threw his shoes at visiting U.S. President George W. Bush and called him a "dog" in Arabic during a news conference with Iraqi Prime Minister Nuri al-Maliki in Baghdad on Sunday.</a:t>
+            </a:r>
+          </a:p>
+          <a:p>
+            <a:pPr lvl="1"/>
+            <a:r>
+              <a:rPr lang="en-US" dirty="0">
+                <a:solidFill>
+                  <a:schemeClr val="accent4">
+                    <a:lumMod val="50000"/>
+                  </a:schemeClr>
+                </a:solidFill>
+              </a:rPr>
+              <a:t>President George W. Bush ducked a pair of shoes hurled at his head--one shoe after the other--in the middle of a news conference with Iraqi Prime Minister Nouri al-Maliki.</a:t>
+            </a:r>
+          </a:p>
+          <a:p>
+            <a:pPr lvl="1"/>
+            <a:r>
+              <a:rPr lang="en-US" dirty="0">
+                <a:solidFill>
+                  <a:schemeClr val="tx1"/>
+                </a:solidFill>
+              </a:rPr>
+              <a:t>(93.7% similar)... Lower threshold drops ROUGE</a:t>
+            </a:r>
+          </a:p>
+          <a:p>
+            <a:r>
+              <a:rPr lang="en-US" sz="2400" dirty="0">
+                <a:solidFill>
+                  <a:schemeClr val="tx1"/>
+                </a:solidFill>
+              </a:rPr>
+              <a:t>Referential issues</a:t>
+            </a:r>
+          </a:p>
+          <a:p>
+            <a:pPr lvl="1"/>
+            <a:r>
+              <a:rPr lang="en-US" dirty="0">
+                <a:solidFill>
+                  <a:schemeClr val="accent4">
+                    <a:lumMod val="50000"/>
+                  </a:schemeClr>
+                </a:solidFill>
+              </a:rPr>
+              <a:t>More than 100 Giant Pandas live there.</a:t>
+            </a:r>
+          </a:p>
+        </p:txBody>
+      </p:sp>
+    </p:spTree>
+    <p:extLst>
+      <p:ext uri="{BB962C8B-B14F-4D97-AF65-F5344CB8AC3E}">
+        <p14:creationId xmlns:p14="http://schemas.microsoft.com/office/powerpoint/2010/main" val="1926614167"/>
+      </p:ext>
+    </p:extLst>
+  </p:cSld>
+  <p:clrMapOvr>
+    <a:masterClrMapping/>
+  </p:clrMapOvr>
+</p:sld>
+</file>
+
+<file path=ppt/slides/slide2.xml><?xml version="1.0" encoding="utf-8"?>
+<p:sld xmlns:a="http://schemas.openxmlformats.org/drawingml/2006/main" xmlns:r="http://schemas.openxmlformats.org/officeDocument/2006/relationships" xmlns:p="http://schemas.openxmlformats.org/presentationml/2006/main">
+  <p:cSld>
+    <p:spTree>
+      <p:nvGrpSpPr>
+        <p:cNvPr id="1" name=""/>
+        <p:cNvGrpSpPr/>
+        <p:nvPr/>
+      </p:nvGrpSpPr>
+      <p:grpSpPr>
+        <a:xfrm>
+          <a:off x="0" y="0"/>
+          <a:ext cx="0" cy="0"/>
+          <a:chOff x="0" y="0"/>
+          <a:chExt cx="0" cy="0"/>
+        </a:xfrm>
+      </p:grpSpPr>
+      <p:sp>
+        <p:nvSpPr>
+          <p:cNvPr id="2" name="Title 1">
+            <a:extLst>
+              <a:ext uri="{FF2B5EF4-FFF2-40B4-BE49-F238E27FC236}">
+                <a16:creationId xmlns:a16="http://schemas.microsoft.com/office/drawing/2014/main" id="{1542409B-C188-415B-BE80-1DC700D0DF32}"/>
+              </a:ext>
+            </a:extLst>
+          </p:cNvPr>
+          <p:cNvSpPr>
+            <a:spLocks noGrp="1"/>
+          </p:cNvSpPr>
+          <p:nvPr>
+            <p:ph type="title"/>
+          </p:nvPr>
+        </p:nvSpPr>
+        <p:spPr/>
+        <p:txBody>
+          <a:bodyPr/>
+          <a:lstStyle/>
+          <a:p>
+            <a:r>
+              <a:rPr lang="en-US" dirty="0">
+                <a:ea typeface="Cambria" panose="02040503050406030204" pitchFamily="18" charset="0"/>
+              </a:rPr>
+              <a:t>Presentation Plan</a:t>
+            </a:r>
+          </a:p>
+        </p:txBody>
+      </p:sp>
+      <p:sp>
+        <p:nvSpPr>
+          <p:cNvPr id="3" name="Content Placeholder 2">
+            <a:extLst>
+              <a:ext uri="{FF2B5EF4-FFF2-40B4-BE49-F238E27FC236}">
+                <a16:creationId xmlns:a16="http://schemas.microsoft.com/office/drawing/2014/main" id="{3B18F65C-9328-489A-A6A9-E4012B1C37DF}"/>
+              </a:ext>
+            </a:extLst>
+          </p:cNvPr>
+          <p:cNvSpPr>
+            <a:spLocks noGrp="1"/>
+          </p:cNvSpPr>
+          <p:nvPr>
+            <p:ph idx="1"/>
+          </p:nvPr>
+        </p:nvSpPr>
+        <p:spPr>
+          <a:xfrm>
+            <a:off x="1295398" y="2448192"/>
+            <a:ext cx="9601200" cy="3581400"/>
+          </a:xfrm>
+        </p:spPr>
+        <p:txBody>
+          <a:bodyPr>
+            <a:normAutofit fontScale="92500" lnSpcReduction="10000"/>
+          </a:bodyPr>
+          <a:lstStyle/>
+          <a:p>
+            <a:r>
+              <a:rPr lang="en-US" sz="2800" dirty="0">
+                <a:ea typeface="Cambria" panose="02040503050406030204" pitchFamily="18" charset="0"/>
+              </a:rPr>
+              <a:t>System Architecture (Reminder)</a:t>
+            </a:r>
+            <a:endParaRPr lang="en-US" sz="2400" i="0" dirty="0">
+              <a:ea typeface="Cambria" panose="02040503050406030204" pitchFamily="18" charset="0"/>
+            </a:endParaRPr>
+          </a:p>
+          <a:p>
+            <a:r>
+              <a:rPr lang="en-US" sz="2800" dirty="0">
+                <a:ea typeface="Cambria" panose="02040503050406030204" pitchFamily="18" charset="0"/>
+              </a:rPr>
+              <a:t>Preprocessing Updates</a:t>
+            </a:r>
+          </a:p>
+          <a:p>
+            <a:r>
+              <a:rPr lang="en-US" sz="2800" dirty="0">
+                <a:ea typeface="Cambria" panose="02040503050406030204" pitchFamily="18" charset="0"/>
+              </a:rPr>
+              <a:t>Realization Updates</a:t>
+            </a:r>
+          </a:p>
+          <a:p>
+            <a:r>
+              <a:rPr lang="en-US" sz="2800" dirty="0">
+                <a:ea typeface="Cambria" panose="02040503050406030204" pitchFamily="18" charset="0"/>
+              </a:rPr>
+              <a:t>Ordering Updates</a:t>
+            </a:r>
+          </a:p>
+          <a:p>
+            <a:r>
+              <a:rPr lang="en-US" sz="2800" dirty="0">
+                <a:ea typeface="Cambria" panose="02040503050406030204" pitchFamily="18" charset="0"/>
+              </a:rPr>
+              <a:t>Results</a:t>
+            </a:r>
+          </a:p>
+          <a:p>
+            <a:r>
+              <a:rPr lang="en-US" sz="2800" dirty="0">
+                <a:ea typeface="Cambria" panose="02040503050406030204" pitchFamily="18" charset="0"/>
+              </a:rPr>
+              <a:t>Error Analysis</a:t>
+            </a:r>
+          </a:p>
+          <a:p>
+            <a:r>
+              <a:rPr lang="en-US" sz="2800" dirty="0">
+                <a:ea typeface="Cambria" panose="02040503050406030204" pitchFamily="18" charset="0"/>
+              </a:rPr>
+              <a:t>Relevant Reading</a:t>
+            </a:r>
+          </a:p>
+        </p:txBody>
+      </p:sp>
+      <p:pic>
+        <p:nvPicPr>
+          <p:cNvPr id="5" name="Picture 4" descr="A close up of a logo&#10;&#10;Description automatically generated">
+            <a:extLst>
+              <a:ext uri="{FF2B5EF4-FFF2-40B4-BE49-F238E27FC236}">
+                <a16:creationId xmlns:a16="http://schemas.microsoft.com/office/drawing/2014/main" id="{32D948E2-08FF-4914-8883-6E824F9832C2}"/>
+              </a:ext>
+            </a:extLst>
+          </p:cNvPr>
+          <p:cNvPicPr>
+            <a:picLocks noChangeAspect="1"/>
+          </p:cNvPicPr>
+          <p:nvPr/>
+        </p:nvPicPr>
+        <p:blipFill>
+          <a:blip r:embed="rId3">
+            <a:extLst>
+              <a:ext uri="{837473B0-CC2E-450A-ABE3-18F120FF3D39}">
+                <a1611:picAttrSrcUrl xmlns:a1611="http://schemas.microsoft.com/office/drawing/2016/11/main" r:id="rId4"/>
+              </a:ext>
+            </a:extLst>
+          </a:blip>
+          <a:stretch>
+            <a:fillRect/>
+          </a:stretch>
+        </p:blipFill>
+        <p:spPr>
+          <a:xfrm>
+            <a:off x="6996747" y="2692400"/>
+            <a:ext cx="4472235" cy="4165600"/>
+          </a:xfrm>
+          <a:prstGeom prst="rect">
+            <a:avLst/>
+          </a:prstGeom>
+        </p:spPr>
+      </p:pic>
+    </p:spTree>
+    <p:extLst>
+      <p:ext uri="{BB962C8B-B14F-4D97-AF65-F5344CB8AC3E}">
+        <p14:creationId xmlns:p14="http://schemas.microsoft.com/office/powerpoint/2010/main" val="2789526156"/>
+      </p:ext>
+    </p:extLst>
+  </p:cSld>
+  <p:clrMapOvr>
+    <a:masterClrMapping/>
+  </p:clrMapOvr>
+</p:sld>
+</file>
+
+<file path=ppt/slides/slide20.xml><?xml version="1.0" encoding="utf-8"?>
+<p:sld xmlns:a="http://schemas.openxmlformats.org/drawingml/2006/main" xmlns:r="http://schemas.openxmlformats.org/officeDocument/2006/relationships" xmlns:p="http://schemas.openxmlformats.org/presentationml/2006/main">
+  <p:cSld>
+    <p:spTree>
+      <p:nvGrpSpPr>
+        <p:cNvPr id="1" name=""/>
+        <p:cNvGrpSpPr/>
+        <p:nvPr/>
+      </p:nvGrpSpPr>
+      <p:grpSpPr>
+        <a:xfrm>
+          <a:off x="0" y="0"/>
+          <a:ext cx="0" cy="0"/>
+          <a:chOff x="0" y="0"/>
+          <a:chExt cx="0" cy="0"/>
+        </a:xfrm>
+      </p:grpSpPr>
+      <p:sp>
+        <p:nvSpPr>
+          <p:cNvPr id="2" name="Title 1">
+            <a:extLst>
+              <a:ext uri="{FF2B5EF4-FFF2-40B4-BE49-F238E27FC236}">
                 <a16:creationId xmlns:a16="http://schemas.microsoft.com/office/drawing/2014/main" id="{3E49FE5D-0B06-461D-88BB-D74B81394F93}"/>
               </a:ext>
             </a:extLst>
@@ -5661,7 +8114,7 @@
           <a:p>
             <a:r>
               <a:rPr lang="en-US" sz="2800" dirty="0"/>
-              <a:t>Sentences with good content with no thesis:</a:t>
+              <a:t>Summaries with good content but no thesis:</a:t>
             </a:r>
           </a:p>
           <a:p>
@@ -5778,7 +8231,7 @@
 </p:sld>
 </file>
 
-<file path=ppt/slides/slide14.xml><?xml version="1.0" encoding="utf-8"?>
+<file path=ppt/slides/slide21.xml><?xml version="1.0" encoding="utf-8"?>
 <p:sld xmlns:a="http://schemas.openxmlformats.org/drawingml/2006/main" xmlns:r="http://schemas.openxmlformats.org/officeDocument/2006/relationships" xmlns:p="http://schemas.openxmlformats.org/presentationml/2006/main">
   <p:cSld>
     <p:spTree>
@@ -6210,7 +8663,7 @@
 </p:sld>
 </file>
 
-<file path=ppt/slides/slide15.xml><?xml version="1.0" encoding="utf-8"?>
+<file path=ppt/slides/slide22.xml><?xml version="1.0" encoding="utf-8"?>
 <p:sld xmlns:a="http://schemas.openxmlformats.org/drawingml/2006/main" xmlns:r="http://schemas.openxmlformats.org/officeDocument/2006/relationships" xmlns:p="http://schemas.openxmlformats.org/presentationml/2006/main">
   <p:cSld>
     <p:spTree>
@@ -6411,7 +8864,7 @@
 </p:sld>
 </file>
 
-<file path=ppt/slides/slide16.xml><?xml version="1.0" encoding="utf-8"?>
+<file path=ppt/slides/slide23.xml><?xml version="1.0" encoding="utf-8"?>
 <p:sld xmlns:a="http://schemas.openxmlformats.org/drawingml/2006/main" xmlns:r="http://schemas.openxmlformats.org/officeDocument/2006/relationships" xmlns:p="http://schemas.openxmlformats.org/presentationml/2006/main">
   <p:cSld>
     <p:spTree>
@@ -6433,7 +8886,7 @@
           <p:cNvPr id="2" name="Title 1">
             <a:extLst>
               <a:ext uri="{FF2B5EF4-FFF2-40B4-BE49-F238E27FC236}">
-                <a16:creationId xmlns:a16="http://schemas.microsoft.com/office/drawing/2014/main" id="{D14C60C4-6EFD-421B-868A-F795ABEC9AA6}"/>
+                <a16:creationId xmlns:a16="http://schemas.microsoft.com/office/drawing/2014/main" id="{1542409B-C188-415B-BE80-1DC700D0DF32}"/>
               </a:ext>
             </a:extLst>
           </p:cNvPr>
@@ -6450,8 +8903,10 @@
           <a:lstStyle/>
           <a:p>
             <a:r>
-              <a:rPr lang="en-US" dirty="0"/>
-              <a:t>Conclusion</a:t>
+              <a:rPr lang="en-US" dirty="0">
+                <a:ea typeface="Cambria" panose="02040503050406030204" pitchFamily="18" charset="0"/>
+              </a:rPr>
+              <a:t>Presentation Plan</a:t>
             </a:r>
           </a:p>
         </p:txBody>
@@ -6461,7 +8916,7 @@
           <p:cNvPr id="3" name="Content Placeholder 2">
             <a:extLst>
               <a:ext uri="{FF2B5EF4-FFF2-40B4-BE49-F238E27FC236}">
-                <a16:creationId xmlns:a16="http://schemas.microsoft.com/office/drawing/2014/main" id="{60701DA2-51E6-4B28-8B35-0BF234A7BFC7}"/>
+                <a16:creationId xmlns:a16="http://schemas.microsoft.com/office/drawing/2014/main" id="{3B18F65C-9328-489A-A6A9-E4012B1C37DF}"/>
               </a:ext>
             </a:extLst>
           </p:cNvPr>
@@ -6474,113 +8929,168 @@
         </p:nvSpPr>
         <p:spPr>
           <a:xfrm>
-            <a:off x="1202919" y="1960880"/>
-            <a:ext cx="8915400" cy="4297680"/>
+            <a:off x="1295398" y="2448192"/>
+            <a:ext cx="9601200" cy="3581400"/>
           </a:xfrm>
         </p:spPr>
         <p:txBody>
           <a:bodyPr>
-            <a:normAutofit lnSpcReduction="10000"/>
+            <a:normAutofit fontScale="92500" lnSpcReduction="10000"/>
           </a:bodyPr>
           <a:lstStyle/>
           <a:p>
             <a:r>
-              <a:rPr lang="en-US" sz="2400" dirty="0"/>
-              <a:t>(Disappointingly?) simple rules work really well</a:t>
-            </a:r>
-          </a:p>
-          <a:p>
-            <a:pPr lvl="1"/>
-            <a:r>
-              <a:rPr lang="en-US" dirty="0"/>
-              <a:t>Clean the data!</a:t>
-            </a:r>
-          </a:p>
-          <a:p>
-            <a:pPr lvl="1"/>
-            <a:r>
-              <a:rPr lang="en-US" dirty="0"/>
-              <a:t>No sentences with quotes</a:t>
-            </a:r>
-          </a:p>
-          <a:p>
-            <a:pPr lvl="1"/>
-            <a:r>
-              <a:rPr lang="en-US" dirty="0"/>
-              <a:t>No sentences with questions</a:t>
-            </a:r>
-          </a:p>
-          <a:p>
-            <a:pPr lvl="1"/>
-            <a:r>
-              <a:rPr lang="en-US" dirty="0"/>
-              <a:t>No sentences starting with pronouns</a:t>
-            </a:r>
-          </a:p>
-          <a:p>
-            <a:pPr lvl="1"/>
-            <a:r>
-              <a:rPr lang="en-US" dirty="0"/>
-              <a:t>Weighted n-gram scores instead of topic-oriented selection</a:t>
-            </a:r>
-          </a:p>
-          <a:p>
-            <a:pPr lvl="1"/>
-            <a:r>
-              <a:rPr lang="en-US" dirty="0"/>
-              <a:t>Order longer sentences first, avoiding specific words</a:t>
-            </a:r>
-          </a:p>
-          <a:p>
-            <a:r>
-              <a:rPr lang="en-US" sz="2400" dirty="0"/>
-              <a:t>Understand the difficulty of evaluating results</a:t>
-            </a:r>
-          </a:p>
-          <a:p>
-            <a:pPr lvl="1"/>
-            <a:r>
-              <a:rPr lang="en-US" dirty="0"/>
-              <a:t>ROUGE-2 R is frustrating… but what would be better?</a:t>
-            </a:r>
-          </a:p>
-          <a:p>
-            <a:r>
-              <a:rPr lang="en-US" sz="2400" dirty="0"/>
-              <a:t>Danger of overfitting </a:t>
-            </a:r>
-          </a:p>
-          <a:p>
-            <a:pPr lvl="1"/>
-            <a:r>
-              <a:rPr lang="en-US" dirty="0"/>
-              <a:t>Our system could be awful for non-news</a:t>
-            </a:r>
-          </a:p>
-          <a:p>
-            <a:pPr lvl="1"/>
-            <a:r>
-              <a:rPr lang="en-US" dirty="0"/>
-              <a:t>However, generalized to </a:t>
-            </a:r>
-            <a:r>
-              <a:rPr lang="en-US" dirty="0" err="1"/>
-              <a:t>evaltest</a:t>
-            </a:r>
-            <a:r>
-              <a:rPr lang="en-US" dirty="0"/>
-              <a:t> pretty well</a:t>
-            </a:r>
-          </a:p>
-          <a:p>
-            <a:endParaRPr lang="en-US" dirty="0"/>
+              <a:rPr lang="en-US" sz="2800" dirty="0">
+                <a:ea typeface="Cambria" panose="02040503050406030204" pitchFamily="18" charset="0"/>
+              </a:rPr>
+              <a:t>System Architecture (Reminder)</a:t>
+            </a:r>
+            <a:endParaRPr lang="en-US" sz="2400" i="0" dirty="0">
+              <a:ea typeface="Cambria" panose="02040503050406030204" pitchFamily="18" charset="0"/>
+            </a:endParaRPr>
+          </a:p>
+          <a:p>
+            <a:r>
+              <a:rPr lang="en-US" sz="2800" dirty="0">
+                <a:ea typeface="Cambria" panose="02040503050406030204" pitchFamily="18" charset="0"/>
+              </a:rPr>
+              <a:t>Preprocessing Updates</a:t>
+            </a:r>
+          </a:p>
+          <a:p>
+            <a:r>
+              <a:rPr lang="en-US" sz="2800" dirty="0">
+                <a:ea typeface="Cambria" panose="02040503050406030204" pitchFamily="18" charset="0"/>
+              </a:rPr>
+              <a:t>Realization Updates</a:t>
+            </a:r>
+          </a:p>
+          <a:p>
+            <a:r>
+              <a:rPr lang="en-US" sz="2800" dirty="0">
+                <a:ea typeface="Cambria" panose="02040503050406030204" pitchFamily="18" charset="0"/>
+              </a:rPr>
+              <a:t>Ordering Updates</a:t>
+            </a:r>
+          </a:p>
+          <a:p>
+            <a:r>
+              <a:rPr lang="en-US" sz="2800" dirty="0">
+                <a:ea typeface="Cambria" panose="02040503050406030204" pitchFamily="18" charset="0"/>
+              </a:rPr>
+              <a:t>Results</a:t>
+            </a:r>
+          </a:p>
+          <a:p>
+            <a:r>
+              <a:rPr lang="en-US" sz="2800" dirty="0">
+                <a:ea typeface="Cambria" panose="02040503050406030204" pitchFamily="18" charset="0"/>
+              </a:rPr>
+              <a:t>Error Analysis</a:t>
+            </a:r>
+          </a:p>
+          <a:p>
+            <a:r>
+              <a:rPr lang="en-US" sz="2800" dirty="0">
+                <a:ea typeface="Cambria" panose="02040503050406030204" pitchFamily="18" charset="0"/>
+              </a:rPr>
+              <a:t>Conclusion and Relevant Reading</a:t>
+            </a:r>
+          </a:p>
+        </p:txBody>
+      </p:sp>
+      <p:pic>
+        <p:nvPicPr>
+          <p:cNvPr id="5" name="Picture 4" descr="A close up of a logo&#10;&#10;Description automatically generated">
+            <a:extLst>
+              <a:ext uri="{FF2B5EF4-FFF2-40B4-BE49-F238E27FC236}">
+                <a16:creationId xmlns:a16="http://schemas.microsoft.com/office/drawing/2014/main" id="{32D948E2-08FF-4914-8883-6E824F9832C2}"/>
+              </a:ext>
+            </a:extLst>
+          </p:cNvPr>
+          <p:cNvPicPr>
+            <a:picLocks noChangeAspect="1"/>
+          </p:cNvPicPr>
+          <p:nvPr/>
+        </p:nvPicPr>
+        <p:blipFill>
+          <a:blip r:embed="rId3">
+            <a:extLst>
+              <a:ext uri="{837473B0-CC2E-450A-ABE3-18F120FF3D39}">
+                <a1611:picAttrSrcUrl xmlns:a1611="http://schemas.microsoft.com/office/drawing/2016/11/main" r:id="rId4"/>
+              </a:ext>
+            </a:extLst>
+          </a:blip>
+          <a:stretch>
+            <a:fillRect/>
+          </a:stretch>
+        </p:blipFill>
+        <p:spPr>
+          <a:xfrm>
+            <a:off x="6996747" y="2692400"/>
+            <a:ext cx="4472235" cy="4165600"/>
+          </a:xfrm>
+          <a:prstGeom prst="rect">
+            <a:avLst/>
+          </a:prstGeom>
+        </p:spPr>
+      </p:pic>
+      <p:sp>
+        <p:nvSpPr>
+          <p:cNvPr id="6" name="Rectangle 5">
+            <a:extLst>
+              <a:ext uri="{FF2B5EF4-FFF2-40B4-BE49-F238E27FC236}">
+                <a16:creationId xmlns:a16="http://schemas.microsoft.com/office/drawing/2014/main" id="{3AAF9385-5E61-46B4-9CE7-B45567AD1167}"/>
+              </a:ext>
+            </a:extLst>
+          </p:cNvPr>
+          <p:cNvSpPr/>
+          <p:nvPr/>
+        </p:nvSpPr>
+        <p:spPr>
+          <a:xfrm>
+            <a:off x="1295397" y="5379841"/>
+            <a:ext cx="5128965" cy="447408"/>
+          </a:xfrm>
+          <a:prstGeom prst="rect">
+            <a:avLst/>
+          </a:prstGeom>
+          <a:noFill/>
+          <a:ln w="57150">
+            <a:solidFill>
+              <a:schemeClr val="accent6"/>
+            </a:solidFill>
+          </a:ln>
+        </p:spPr>
+        <p:style>
+          <a:lnRef idx="2">
+            <a:schemeClr val="accent1">
+              <a:shade val="50000"/>
+            </a:schemeClr>
+          </a:lnRef>
+          <a:fillRef idx="1">
+            <a:schemeClr val="accent1"/>
+          </a:fillRef>
+          <a:effectRef idx="0">
+            <a:schemeClr val="accent1"/>
+          </a:effectRef>
+          <a:fontRef idx="minor">
+            <a:schemeClr val="lt1"/>
+          </a:fontRef>
+        </p:style>
+        <p:txBody>
+          <a:bodyPr rtlCol="0" anchor="ctr"/>
+          <a:lstStyle/>
+          <a:p>
+            <a:pPr algn="ctr"/>
+            <a:endParaRPr lang="en-US"/>
           </a:p>
         </p:txBody>
       </p:sp>
     </p:spTree>
     <p:extLst>
       <p:ext uri="{BB962C8B-B14F-4D97-AF65-F5344CB8AC3E}">
-        <p14:creationId xmlns:p14="http://schemas.microsoft.com/office/powerpoint/2010/main" val="251863326"/>
+        <p14:creationId xmlns:p14="http://schemas.microsoft.com/office/powerpoint/2010/main" val="195750037"/>
       </p:ext>
     </p:extLst>
   </p:cSld>
@@ -6590,7 +9100,7 @@
 </p:sld>
 </file>
 
-<file path=ppt/slides/slide17.xml><?xml version="1.0" encoding="utf-8"?>
+<file path=ppt/slides/slide24.xml><?xml version="1.0" encoding="utf-8"?>
 <p:sld xmlns:a="http://schemas.openxmlformats.org/drawingml/2006/main" xmlns:r="http://schemas.openxmlformats.org/officeDocument/2006/relationships" xmlns:p="http://schemas.openxmlformats.org/presentationml/2006/main">
   <p:cSld>
     <p:spTree>
@@ -6612,7 +9122,7 @@
           <p:cNvPr id="2" name="Title 1">
             <a:extLst>
               <a:ext uri="{FF2B5EF4-FFF2-40B4-BE49-F238E27FC236}">
-                <a16:creationId xmlns:a16="http://schemas.microsoft.com/office/drawing/2014/main" id="{83E68D61-ED96-4416-B883-7645653AEE46}"/>
+                <a16:creationId xmlns:a16="http://schemas.microsoft.com/office/drawing/2014/main" id="{D14C60C4-6EFD-421B-868A-F795ABEC9AA6}"/>
               </a:ext>
             </a:extLst>
           </p:cNvPr>
@@ -6630,7 +9140,7 @@
           <a:p>
             <a:r>
               <a:rPr lang="en-US" dirty="0"/>
-              <a:t>Related Reading</a:t>
+              <a:t>Conclusion</a:t>
             </a:r>
           </a:p>
         </p:txBody>
@@ -6640,7 +9150,7 @@
           <p:cNvPr id="3" name="Content Placeholder 2">
             <a:extLst>
               <a:ext uri="{FF2B5EF4-FFF2-40B4-BE49-F238E27FC236}">
-                <a16:creationId xmlns:a16="http://schemas.microsoft.com/office/drawing/2014/main" id="{E4E6DCE7-6F93-4C89-9547-9D68557286BB}"/>
+                <a16:creationId xmlns:a16="http://schemas.microsoft.com/office/drawing/2014/main" id="{60701DA2-51E6-4B28-8B35-0BF234A7BFC7}"/>
               </a:ext>
             </a:extLst>
           </p:cNvPr>
@@ -6651,19 +9161,115 @@
             <p:ph idx="1"/>
           </p:nvPr>
         </p:nvSpPr>
-        <p:spPr/>
-        <p:txBody>
-          <a:bodyPr/>
-          <a:lstStyle/>
-          <a:p>
-            <a:endParaRPr lang="en-US"/>
+        <p:spPr>
+          <a:xfrm>
+            <a:off x="1202919" y="1960880"/>
+            <a:ext cx="8915400" cy="4297680"/>
+          </a:xfrm>
+        </p:spPr>
+        <p:txBody>
+          <a:bodyPr>
+            <a:normAutofit lnSpcReduction="10000"/>
+          </a:bodyPr>
+          <a:lstStyle/>
+          <a:p>
+            <a:r>
+              <a:rPr lang="en-US" sz="2400" dirty="0"/>
+              <a:t>Simple rules work really well (instead of deep linguistic rules)</a:t>
+            </a:r>
+          </a:p>
+          <a:p>
+            <a:pPr lvl="1"/>
+            <a:r>
+              <a:rPr lang="en-US" dirty="0"/>
+              <a:t>Clean the data!</a:t>
+            </a:r>
+          </a:p>
+          <a:p>
+            <a:pPr lvl="1"/>
+            <a:r>
+              <a:rPr lang="en-US" dirty="0"/>
+              <a:t>No sentences with quotes</a:t>
+            </a:r>
+          </a:p>
+          <a:p>
+            <a:pPr lvl="1"/>
+            <a:r>
+              <a:rPr lang="en-US" dirty="0"/>
+              <a:t>No sentences with questions</a:t>
+            </a:r>
+          </a:p>
+          <a:p>
+            <a:pPr lvl="1"/>
+            <a:r>
+              <a:rPr lang="en-US" dirty="0"/>
+              <a:t>No sentences starting with pronouns</a:t>
+            </a:r>
+          </a:p>
+          <a:p>
+            <a:pPr lvl="1"/>
+            <a:r>
+              <a:rPr lang="en-US" dirty="0"/>
+              <a:t>Weighted n-gram scores instead of topic-oriented selection</a:t>
+            </a:r>
+          </a:p>
+          <a:p>
+            <a:pPr lvl="1"/>
+            <a:r>
+              <a:rPr lang="en-US" dirty="0"/>
+              <a:t>Order longer sentences first, avoiding specific words</a:t>
+            </a:r>
+          </a:p>
+          <a:p>
+            <a:r>
+              <a:rPr lang="en-US" sz="2400" dirty="0"/>
+              <a:t>Understand the difficulty of evaluating results</a:t>
+            </a:r>
+          </a:p>
+          <a:p>
+            <a:pPr lvl="1"/>
+            <a:r>
+              <a:rPr lang="en-US" dirty="0"/>
+              <a:t>ROUGE-2 R is frustrating… but what would be better?</a:t>
+            </a:r>
+          </a:p>
+          <a:p>
+            <a:r>
+              <a:rPr lang="en-US" sz="2400" dirty="0"/>
+              <a:t>Danger of overfitting </a:t>
+            </a:r>
+          </a:p>
+          <a:p>
+            <a:pPr lvl="1"/>
+            <a:r>
+              <a:rPr lang="en-US" dirty="0"/>
+              <a:t>Our system could be awful for non-news</a:t>
+            </a:r>
+          </a:p>
+          <a:p>
+            <a:pPr lvl="1"/>
+            <a:r>
+              <a:rPr lang="en-US" dirty="0"/>
+              <a:t>However, generalized to </a:t>
+            </a:r>
+            <a:r>
+              <a:rPr lang="en-US" dirty="0" err="1"/>
+              <a:t>evaltest</a:t>
+            </a:r>
+            <a:r>
+              <a:rPr lang="en-US" dirty="0"/>
+              <a:t> pretty well</a:t>
+            </a:r>
+          </a:p>
+          <a:p>
+            <a:endParaRPr lang="en-US" dirty="0"/>
           </a:p>
         </p:txBody>
       </p:sp>
     </p:spTree>
     <p:extLst>
       <p:ext uri="{BB962C8B-B14F-4D97-AF65-F5344CB8AC3E}">
-        <p14:creationId xmlns:p14="http://schemas.microsoft.com/office/powerpoint/2010/main" val="2009909376"/>
+        <p14:creationId xmlns:p14="http://schemas.microsoft.com/office/powerpoint/2010/main" val="251863326"/>
       </p:ext>
     </p:extLst>
   </p:cSld>
@@ -6673,7 +9279,7 @@
 </p:sld>
 </file>
 
-<file path=ppt/slides/slide2.xml><?xml version="1.0" encoding="utf-8"?>
+<file path=ppt/slides/slide25.xml><?xml version="1.0" encoding="utf-8"?>
 <p:sld xmlns:a="http://schemas.openxmlformats.org/drawingml/2006/main" xmlns:r="http://schemas.openxmlformats.org/officeDocument/2006/relationships" xmlns:p="http://schemas.openxmlformats.org/presentationml/2006/main">
   <p:cSld>
     <p:spTree>
@@ -6695,7 +9301,7 @@
           <p:cNvPr id="2" name="Title 1">
             <a:extLst>
               <a:ext uri="{FF2B5EF4-FFF2-40B4-BE49-F238E27FC236}">
-                <a16:creationId xmlns:a16="http://schemas.microsoft.com/office/drawing/2014/main" id="{1542409B-C188-415B-BE80-1DC700D0DF32}"/>
+                <a16:creationId xmlns:a16="http://schemas.microsoft.com/office/drawing/2014/main" id="{83E68D61-ED96-4416-B883-7645653AEE46}"/>
               </a:ext>
             </a:extLst>
           </p:cNvPr>
@@ -6712,10 +9318,8 @@
           <a:lstStyle/>
           <a:p>
             <a:r>
-              <a:rPr lang="en-US" dirty="0">
-                <a:ea typeface="Cambria" panose="02040503050406030204" pitchFamily="18" charset="0"/>
-              </a:rPr>
-              <a:t>Presentation Plan</a:t>
+              <a:rPr lang="en-US" dirty="0"/>
+              <a:t>Related Reading</a:t>
             </a:r>
           </a:p>
         </p:txBody>
@@ -6725,7 +9329,7 @@
           <p:cNvPr id="3" name="Content Placeholder 2">
             <a:extLst>
               <a:ext uri="{FF2B5EF4-FFF2-40B4-BE49-F238E27FC236}">
-                <a16:creationId xmlns:a16="http://schemas.microsoft.com/office/drawing/2014/main" id="{3B18F65C-9328-489A-A6A9-E4012B1C37DF}"/>
+                <a16:creationId xmlns:a16="http://schemas.microsoft.com/office/drawing/2014/main" id="{E4E6DCE7-6F93-4C89-9547-9D68557286BB}"/>
               </a:ext>
             </a:extLst>
           </p:cNvPr>
@@ -6736,74 +9340,93 @@
             <p:ph idx="1"/>
           </p:nvPr>
         </p:nvSpPr>
-        <p:spPr>
-          <a:xfrm>
-            <a:off x="1295398" y="2448192"/>
-            <a:ext cx="9601200" cy="3581400"/>
-          </a:xfrm>
-        </p:spPr>
-        <p:txBody>
-          <a:bodyPr>
-            <a:normAutofit fontScale="92500" lnSpcReduction="10000"/>
-          </a:bodyPr>
-          <a:lstStyle/>
-          <a:p>
-            <a:r>
-              <a:rPr lang="en-US" sz="2800" dirty="0">
-                <a:ea typeface="Cambria" panose="02040503050406030204" pitchFamily="18" charset="0"/>
-              </a:rPr>
-              <a:t>System Architecture (Reminder)</a:t>
-            </a:r>
-            <a:endParaRPr lang="en-US" sz="2400" i="0" dirty="0">
-              <a:ea typeface="Cambria" panose="02040503050406030204" pitchFamily="18" charset="0"/>
-            </a:endParaRPr>
-          </a:p>
-          <a:p>
-            <a:r>
-              <a:rPr lang="en-US" sz="2800" dirty="0">
-                <a:ea typeface="Cambria" panose="02040503050406030204" pitchFamily="18" charset="0"/>
-              </a:rPr>
-              <a:t>Preprocessing Updates</a:t>
-            </a:r>
-          </a:p>
-          <a:p>
-            <a:r>
-              <a:rPr lang="en-US" sz="2800" dirty="0">
-                <a:ea typeface="Cambria" panose="02040503050406030204" pitchFamily="18" charset="0"/>
-              </a:rPr>
-              <a:t>Realization Updates</a:t>
-            </a:r>
-          </a:p>
-          <a:p>
-            <a:r>
-              <a:rPr lang="en-US" sz="2800" dirty="0">
-                <a:ea typeface="Cambria" panose="02040503050406030204" pitchFamily="18" charset="0"/>
-              </a:rPr>
-              <a:t>Ordering Updates</a:t>
-            </a:r>
-          </a:p>
-          <a:p>
-            <a:r>
-              <a:rPr lang="en-US" sz="2800" dirty="0">
-                <a:ea typeface="Cambria" panose="02040503050406030204" pitchFamily="18" charset="0"/>
-              </a:rPr>
-              <a:t>Results</a:t>
-            </a:r>
-          </a:p>
-          <a:p>
-            <a:r>
-              <a:rPr lang="en-US" sz="2800" dirty="0">
-                <a:ea typeface="Cambria" panose="02040503050406030204" pitchFamily="18" charset="0"/>
-              </a:rPr>
-              <a:t>Error Analysis</a:t>
-            </a:r>
-          </a:p>
-          <a:p>
-            <a:r>
-              <a:rPr lang="en-US" sz="2800" dirty="0">
-                <a:ea typeface="Cambria" panose="02040503050406030204" pitchFamily="18" charset="0"/>
-              </a:rPr>
-              <a:t>Relevant Reading</a:t>
+        <p:spPr/>
+        <p:txBody>
+          <a:bodyPr/>
+          <a:lstStyle/>
+          <a:p>
+            <a:r>
+              <a:rPr lang="en-US" sz="2800" dirty="0"/>
+              <a:t>Content Selection:</a:t>
+            </a:r>
+          </a:p>
+          <a:p>
+            <a:pPr lvl="1"/>
+            <a:r>
+              <a:rPr lang="en-US" sz="2400" dirty="0"/>
+              <a:t>Erkan and </a:t>
+            </a:r>
+            <a:r>
+              <a:rPr lang="en-US" sz="2400" dirty="0" err="1"/>
+              <a:t>Radev</a:t>
+            </a:r>
+            <a:r>
+              <a:rPr lang="en-US" sz="2400" dirty="0"/>
+              <a:t> (2004)</a:t>
+            </a:r>
+          </a:p>
+          <a:p>
+            <a:pPr lvl="1"/>
+            <a:r>
+              <a:rPr lang="en-US" sz="2400" dirty="0" err="1"/>
+              <a:t>Otterbacher</a:t>
+            </a:r>
+            <a:r>
+              <a:rPr lang="en-US" sz="2400" dirty="0"/>
+              <a:t> et al. (2008)</a:t>
+            </a:r>
+          </a:p>
+          <a:p>
+            <a:pPr lvl="1"/>
+            <a:r>
+              <a:rPr lang="en-US" sz="2400" dirty="0" err="1"/>
+              <a:t>Vanderwende</a:t>
+            </a:r>
+            <a:r>
+              <a:rPr lang="en-US" sz="2400" dirty="0"/>
+              <a:t> et al. (2015)</a:t>
+            </a:r>
+          </a:p>
+          <a:p>
+            <a:r>
+              <a:rPr lang="en-US" sz="2800" dirty="0"/>
+              <a:t>Content Realization:</a:t>
+            </a:r>
+          </a:p>
+          <a:p>
+            <a:pPr lvl="1"/>
+            <a:r>
+              <a:rPr lang="en-US" sz="2400" dirty="0"/>
+              <a:t>Conroy et al., 2006 </a:t>
+            </a:r>
+          </a:p>
+          <a:p>
+            <a:pPr lvl="1"/>
+            <a:r>
+              <a:rPr lang="en-US" sz="2400" dirty="0" err="1"/>
+              <a:t>Zajic</a:t>
+            </a:r>
+            <a:r>
+              <a:rPr lang="en-US" sz="2400" dirty="0"/>
+              <a:t> et al., 2007</a:t>
+            </a:r>
+            <a:endParaRPr lang="en-US" dirty="0"/>
+          </a:p>
+          <a:p>
+            <a:r>
+              <a:rPr lang="en-US" sz="2800" dirty="0"/>
+              <a:t>Information Ordering:</a:t>
+            </a:r>
+          </a:p>
+          <a:p>
+            <a:pPr lvl="1"/>
+            <a:r>
+              <a:rPr lang="en-US" sz="2400" dirty="0" err="1"/>
+              <a:t>Bollegala</a:t>
+            </a:r>
+            <a:r>
+              <a:rPr lang="en-US" sz="2400" dirty="0"/>
+              <a:t> et al., 2012</a:t>
             </a:r>
           </a:p>
         </p:txBody>
@@ -6811,7 +9434,65 @@
     </p:spTree>
     <p:extLst>
       <p:ext uri="{BB962C8B-B14F-4D97-AF65-F5344CB8AC3E}">
-        <p14:creationId xmlns:p14="http://schemas.microsoft.com/office/powerpoint/2010/main" val="2789526156"/>
+        <p14:creationId xmlns:p14="http://schemas.microsoft.com/office/powerpoint/2010/main" val="2009909376"/>
+      </p:ext>
+    </p:extLst>
+  </p:cSld>
+  <p:clrMapOvr>
+    <a:masterClrMapping/>
+  </p:clrMapOvr>
+</p:sld>
+</file>
+
+<file path=ppt/slides/slide26.xml><?xml version="1.0" encoding="utf-8"?>
+<p:sld xmlns:a="http://schemas.openxmlformats.org/drawingml/2006/main" xmlns:r="http://schemas.openxmlformats.org/officeDocument/2006/relationships" xmlns:p="http://schemas.openxmlformats.org/presentationml/2006/main">
+  <p:cSld>
+    <p:spTree>
+      <p:nvGrpSpPr>
+        <p:cNvPr id="1" name=""/>
+        <p:cNvGrpSpPr/>
+        <p:nvPr/>
+      </p:nvGrpSpPr>
+      <p:grpSpPr>
+        <a:xfrm>
+          <a:off x="0" y="0"/>
+          <a:ext cx="0" cy="0"/>
+          <a:chOff x="0" y="0"/>
+          <a:chExt cx="0" cy="0"/>
+        </a:xfrm>
+      </p:grpSpPr>
+      <p:sp>
+        <p:nvSpPr>
+          <p:cNvPr id="2" name="Title 1">
+            <a:extLst>
+              <a:ext uri="{FF2B5EF4-FFF2-40B4-BE49-F238E27FC236}">
+                <a16:creationId xmlns:a16="http://schemas.microsoft.com/office/drawing/2014/main" id="{B8A14552-DC68-4151-9573-4C285E57D01E}"/>
+              </a:ext>
+            </a:extLst>
+          </p:cNvPr>
+          <p:cNvSpPr>
+            <a:spLocks noGrp="1"/>
+          </p:cNvSpPr>
+          <p:nvPr>
+            <p:ph type="title"/>
+          </p:nvPr>
+        </p:nvSpPr>
+        <p:spPr/>
+        <p:txBody>
+          <a:bodyPr/>
+          <a:lstStyle/>
+          <a:p>
+            <a:r>
+              <a:rPr lang="en-US" dirty="0"/>
+              <a:t>Questions?</a:t>
+            </a:r>
+          </a:p>
+        </p:txBody>
+      </p:sp>
+    </p:spTree>
+    <p:extLst>
+      <p:ext uri="{BB962C8B-B14F-4D97-AF65-F5344CB8AC3E}">
+        <p14:creationId xmlns:p14="http://schemas.microsoft.com/office/powerpoint/2010/main" val="3513687295"/>
       </p:ext>
     </p:extLst>
   </p:cSld>
@@ -6822,6 +9503,242 @@
 </file>
 
 <file path=ppt/slides/slide3.xml><?xml version="1.0" encoding="utf-8"?>
+<p:sld xmlns:a="http://schemas.openxmlformats.org/drawingml/2006/main" xmlns:r="http://schemas.openxmlformats.org/officeDocument/2006/relationships" xmlns:p="http://schemas.openxmlformats.org/presentationml/2006/main">
+  <p:cSld>
+    <p:spTree>
+      <p:nvGrpSpPr>
+        <p:cNvPr id="1" name=""/>
+        <p:cNvGrpSpPr/>
+        <p:nvPr/>
+      </p:nvGrpSpPr>
+      <p:grpSpPr>
+        <a:xfrm>
+          <a:off x="0" y="0"/>
+          <a:ext cx="0" cy="0"/>
+          <a:chOff x="0" y="0"/>
+          <a:chExt cx="0" cy="0"/>
+        </a:xfrm>
+      </p:grpSpPr>
+      <p:sp>
+        <p:nvSpPr>
+          <p:cNvPr id="2" name="Title 1">
+            <a:extLst>
+              <a:ext uri="{FF2B5EF4-FFF2-40B4-BE49-F238E27FC236}">
+                <a16:creationId xmlns:a16="http://schemas.microsoft.com/office/drawing/2014/main" id="{1542409B-C188-415B-BE80-1DC700D0DF32}"/>
+              </a:ext>
+            </a:extLst>
+          </p:cNvPr>
+          <p:cNvSpPr>
+            <a:spLocks noGrp="1"/>
+          </p:cNvSpPr>
+          <p:nvPr>
+            <p:ph type="title"/>
+          </p:nvPr>
+        </p:nvSpPr>
+        <p:spPr/>
+        <p:txBody>
+          <a:bodyPr/>
+          <a:lstStyle/>
+          <a:p>
+            <a:r>
+              <a:rPr lang="en-US" dirty="0">
+                <a:ea typeface="Cambria" panose="02040503050406030204" pitchFamily="18" charset="0"/>
+              </a:rPr>
+              <a:t>Presentation Plan</a:t>
+            </a:r>
+          </a:p>
+        </p:txBody>
+      </p:sp>
+      <p:sp>
+        <p:nvSpPr>
+          <p:cNvPr id="3" name="Content Placeholder 2">
+            <a:extLst>
+              <a:ext uri="{FF2B5EF4-FFF2-40B4-BE49-F238E27FC236}">
+                <a16:creationId xmlns:a16="http://schemas.microsoft.com/office/drawing/2014/main" id="{3B18F65C-9328-489A-A6A9-E4012B1C37DF}"/>
+              </a:ext>
+            </a:extLst>
+          </p:cNvPr>
+          <p:cNvSpPr>
+            <a:spLocks noGrp="1"/>
+          </p:cNvSpPr>
+          <p:nvPr>
+            <p:ph idx="1"/>
+          </p:nvPr>
+        </p:nvSpPr>
+        <p:spPr>
+          <a:xfrm>
+            <a:off x="1295398" y="2448192"/>
+            <a:ext cx="9601200" cy="3581400"/>
+          </a:xfrm>
+        </p:spPr>
+        <p:txBody>
+          <a:bodyPr>
+            <a:normAutofit fontScale="92500" lnSpcReduction="10000"/>
+          </a:bodyPr>
+          <a:lstStyle/>
+          <a:p>
+            <a:r>
+              <a:rPr lang="en-US" sz="2800" dirty="0">
+                <a:ea typeface="Cambria" panose="02040503050406030204" pitchFamily="18" charset="0"/>
+              </a:rPr>
+              <a:t>System Architecture (Reminder)</a:t>
+            </a:r>
+            <a:endParaRPr lang="en-US" sz="2400" i="0" dirty="0">
+              <a:ea typeface="Cambria" panose="02040503050406030204" pitchFamily="18" charset="0"/>
+            </a:endParaRPr>
+          </a:p>
+          <a:p>
+            <a:r>
+              <a:rPr lang="en-US" sz="2800" dirty="0">
+                <a:ea typeface="Cambria" panose="02040503050406030204" pitchFamily="18" charset="0"/>
+              </a:rPr>
+              <a:t>Preprocessing Updates</a:t>
+            </a:r>
+          </a:p>
+          <a:p>
+            <a:r>
+              <a:rPr lang="en-US" sz="2800" dirty="0">
+                <a:ea typeface="Cambria" panose="02040503050406030204" pitchFamily="18" charset="0"/>
+              </a:rPr>
+              <a:t>Realization Updates</a:t>
+            </a:r>
+          </a:p>
+          <a:p>
+            <a:r>
+              <a:rPr lang="en-US" sz="2800" dirty="0">
+                <a:ea typeface="Cambria" panose="02040503050406030204" pitchFamily="18" charset="0"/>
+              </a:rPr>
+              <a:t>Ordering Updates</a:t>
+            </a:r>
+          </a:p>
+          <a:p>
+            <a:r>
+              <a:rPr lang="en-US" sz="2800" dirty="0">
+                <a:ea typeface="Cambria" panose="02040503050406030204" pitchFamily="18" charset="0"/>
+              </a:rPr>
+              <a:t>Results</a:t>
+            </a:r>
+          </a:p>
+          <a:p>
+            <a:r>
+              <a:rPr lang="en-US" sz="2800" dirty="0">
+                <a:ea typeface="Cambria" panose="02040503050406030204" pitchFamily="18" charset="0"/>
+              </a:rPr>
+              <a:t>Error Analysis</a:t>
+            </a:r>
+          </a:p>
+          <a:p>
+            <a:r>
+              <a:rPr lang="en-US" sz="2800" dirty="0">
+                <a:ea typeface="Cambria" panose="02040503050406030204" pitchFamily="18" charset="0"/>
+              </a:rPr>
+              <a:t>Relevant Reading</a:t>
+            </a:r>
+          </a:p>
+        </p:txBody>
+      </p:sp>
+      <p:pic>
+        <p:nvPicPr>
+          <p:cNvPr id="5" name="Picture 4" descr="A close up of a logo&#10;&#10;Description automatically generated">
+            <a:extLst>
+              <a:ext uri="{FF2B5EF4-FFF2-40B4-BE49-F238E27FC236}">
+                <a16:creationId xmlns:a16="http://schemas.microsoft.com/office/drawing/2014/main" id="{32D948E2-08FF-4914-8883-6E824F9832C2}"/>
+              </a:ext>
+            </a:extLst>
+          </p:cNvPr>
+          <p:cNvPicPr>
+            <a:picLocks noChangeAspect="1"/>
+          </p:cNvPicPr>
+          <p:nvPr/>
+        </p:nvPicPr>
+        <p:blipFill>
+          <a:blip r:embed="rId3">
+            <a:extLst>
+              <a:ext uri="{837473B0-CC2E-450A-ABE3-18F120FF3D39}">
+                <a1611:picAttrSrcUrl xmlns:a1611="http://schemas.microsoft.com/office/drawing/2016/11/main" r:id="rId4"/>
+              </a:ext>
+            </a:extLst>
+          </a:blip>
+          <a:stretch>
+            <a:fillRect/>
+          </a:stretch>
+        </p:blipFill>
+        <p:spPr>
+          <a:xfrm>
+            <a:off x="6996747" y="2692400"/>
+            <a:ext cx="4472235" cy="4165600"/>
+          </a:xfrm>
+          <a:prstGeom prst="rect">
+            <a:avLst/>
+          </a:prstGeom>
+        </p:spPr>
+      </p:pic>
+      <p:sp>
+        <p:nvSpPr>
+          <p:cNvPr id="6" name="Rectangle 5">
+            <a:extLst>
+              <a:ext uri="{FF2B5EF4-FFF2-40B4-BE49-F238E27FC236}">
+                <a16:creationId xmlns:a16="http://schemas.microsoft.com/office/drawing/2014/main" id="{3AAF9385-5E61-46B4-9CE7-B45567AD1167}"/>
+              </a:ext>
+            </a:extLst>
+          </p:cNvPr>
+          <p:cNvSpPr/>
+          <p:nvPr/>
+        </p:nvSpPr>
+        <p:spPr>
+          <a:xfrm>
+            <a:off x="1233399" y="2417712"/>
+            <a:ext cx="4893081" cy="447408"/>
+          </a:xfrm>
+          <a:prstGeom prst="rect">
+            <a:avLst/>
+          </a:prstGeom>
+          <a:noFill/>
+          <a:ln w="57150">
+            <a:solidFill>
+              <a:schemeClr val="accent6"/>
+            </a:solidFill>
+          </a:ln>
+        </p:spPr>
+        <p:style>
+          <a:lnRef idx="2">
+            <a:schemeClr val="accent1">
+              <a:shade val="50000"/>
+            </a:schemeClr>
+          </a:lnRef>
+          <a:fillRef idx="1">
+            <a:schemeClr val="accent1"/>
+          </a:fillRef>
+          <a:effectRef idx="0">
+            <a:schemeClr val="accent1"/>
+          </a:effectRef>
+          <a:fontRef idx="minor">
+            <a:schemeClr val="lt1"/>
+          </a:fontRef>
+        </p:style>
+        <p:txBody>
+          <a:bodyPr rtlCol="0" anchor="ctr"/>
+          <a:lstStyle/>
+          <a:p>
+            <a:pPr algn="ctr"/>
+            <a:endParaRPr lang="en-US"/>
+          </a:p>
+        </p:txBody>
+      </p:sp>
+    </p:spTree>
+    <p:extLst>
+      <p:ext uri="{BB962C8B-B14F-4D97-AF65-F5344CB8AC3E}">
+        <p14:creationId xmlns:p14="http://schemas.microsoft.com/office/powerpoint/2010/main" val="3596617027"/>
+      </p:ext>
+    </p:extLst>
+  </p:cSld>
+  <p:clrMapOvr>
+    <a:masterClrMapping/>
+  </p:clrMapOvr>
+</p:sld>
+</file>
+
+<file path=ppt/slides/slide4.xml><?xml version="1.0" encoding="utf-8"?>
 <p:sld xmlns:a="http://schemas.openxmlformats.org/drawingml/2006/main" xmlns:r="http://schemas.openxmlformats.org/officeDocument/2006/relationships" xmlns:p="http://schemas.openxmlformats.org/presentationml/2006/main">
   <p:cSld>
     <p:spTree>
@@ -6993,7 +9910,7 @@
                 </a:solidFill>
                 <a:ea typeface="Cambria" panose="02040503050406030204" pitchFamily="18" charset="0"/>
               </a:rPr>
-              <a:t>Unigram + bigram with unigram re-weighting</a:t>
+              <a:t>Unigram + bigram probabilities and n sentences per article</a:t>
             </a:r>
           </a:p>
         </p:txBody>
@@ -7011,7 +9928,7 @@
 </p:sld>
 </file>
 
-<file path=ppt/slides/slide4.xml><?xml version="1.0" encoding="utf-8"?>
+<file path=ppt/slides/slide5.xml><?xml version="1.0" encoding="utf-8"?>
 <p:sld xmlns:a="http://schemas.openxmlformats.org/drawingml/2006/main" xmlns:r="http://schemas.openxmlformats.org/officeDocument/2006/relationships" xmlns:p="http://schemas.openxmlformats.org/presentationml/2006/main">
   <p:cSld>
     <p:spTree>
@@ -7033,7 +9950,7 @@
           <p:cNvPr id="2" name="Title 1">
             <a:extLst>
               <a:ext uri="{FF2B5EF4-FFF2-40B4-BE49-F238E27FC236}">
-                <a16:creationId xmlns:a16="http://schemas.microsoft.com/office/drawing/2014/main" id="{9A191970-469D-41CD-9479-C1DD1E44214B}"/>
+                <a16:creationId xmlns:a16="http://schemas.microsoft.com/office/drawing/2014/main" id="{1542409B-C188-415B-BE80-1DC700D0DF32}"/>
               </a:ext>
             </a:extLst>
           </p:cNvPr>
@@ -7053,7 +9970,7 @@
               <a:rPr lang="en-US" dirty="0">
                 <a:ea typeface="Cambria" panose="02040503050406030204" pitchFamily="18" charset="0"/>
               </a:rPr>
-              <a:t>Preprocessing Updates</a:t>
+              <a:t>Presentation Plan</a:t>
             </a:r>
           </a:p>
         </p:txBody>
@@ -7063,7 +9980,7 @@
           <p:cNvPr id="3" name="Content Placeholder 2">
             <a:extLst>
               <a:ext uri="{FF2B5EF4-FFF2-40B4-BE49-F238E27FC236}">
-                <a16:creationId xmlns:a16="http://schemas.microsoft.com/office/drawing/2014/main" id="{A3A8BA37-AFD5-4E5A-9400-EF7BAA88AB6F}"/>
+                <a16:creationId xmlns:a16="http://schemas.microsoft.com/office/drawing/2014/main" id="{3B18F65C-9328-489A-A6A9-E4012B1C37DF}"/>
               </a:ext>
             </a:extLst>
           </p:cNvPr>
@@ -7074,10 +9991,15 @@
             <p:ph idx="1"/>
           </p:nvPr>
         </p:nvSpPr>
-        <p:spPr/>
+        <p:spPr>
+          <a:xfrm>
+            <a:off x="1295398" y="2448192"/>
+            <a:ext cx="9601200" cy="3581400"/>
+          </a:xfrm>
+        </p:spPr>
         <p:txBody>
           <a:bodyPr>
-            <a:normAutofit/>
+            <a:normAutofit fontScale="92500" lnSpcReduction="10000"/>
           </a:bodyPr>
           <a:lstStyle/>
           <a:p>
@@ -7085,42 +10007,18 @@
               <a:rPr lang="en-US" sz="2800" dirty="0">
                 <a:ea typeface="Cambria" panose="02040503050406030204" pitchFamily="18" charset="0"/>
               </a:rPr>
-              <a:t>Lots of work to fix fragments</a:t>
-            </a:r>
-          </a:p>
-          <a:p>
-            <a:pPr lvl="1"/>
-            <a:r>
-              <a:rPr lang="en-US" sz="2400" dirty="0">
-                <a:ea typeface="Cambria" panose="02040503050406030204" pitchFamily="18" charset="0"/>
-              </a:rPr>
-              <a:t>Line breaks mid-sentence in the corpus</a:t>
-            </a:r>
-          </a:p>
-          <a:p>
-            <a:pPr lvl="2"/>
-            <a:r>
-              <a:rPr lang="en-US" sz="2000" dirty="0">
-                <a:ea typeface="Cambria" panose="02040503050406030204" pitchFamily="18" charset="0"/>
-              </a:rPr>
-              <a:t>(Order of operations within preprocessing)</a:t>
-            </a:r>
+              <a:t>System Architecture (Reminder)</a:t>
+            </a:r>
+            <a:endParaRPr lang="en-US" sz="2400" i="0" dirty="0">
+              <a:ea typeface="Cambria" panose="02040503050406030204" pitchFamily="18" charset="0"/>
+            </a:endParaRPr>
           </a:p>
           <a:p>
             <a:r>
               <a:rPr lang="en-US" sz="2800" dirty="0">
                 <a:ea typeface="Cambria" panose="02040503050406030204" pitchFamily="18" charset="0"/>
               </a:rPr>
-              <a:t>Smarter quote detection</a:t>
-            </a:r>
-          </a:p>
-          <a:p>
-            <a:pPr lvl="1"/>
-            <a:r>
-              <a:rPr lang="en-US" sz="2400" dirty="0">
-                <a:ea typeface="Cambria" panose="02040503050406030204" pitchFamily="18" charset="0"/>
-              </a:rPr>
-              <a:t>Leave in “scare quotes”</a:t>
+              <a:t>Preprocessing Updates</a:t>
             </a:r>
           </a:p>
           <a:p>
@@ -7128,310 +10026,140 @@
               <a:rPr lang="en-US" sz="2800" dirty="0">
                 <a:ea typeface="Cambria" panose="02040503050406030204" pitchFamily="18" charset="0"/>
               </a:rPr>
-              <a:t>Remove a few more newspaper-specifics</a:t>
-            </a:r>
-          </a:p>
-          <a:p>
-            <a:pPr lvl="1"/>
-            <a:r>
-              <a:rPr lang="en-US" sz="2400" dirty="0">
-                <a:solidFill>
-                  <a:schemeClr val="accent4">
-                    <a:lumMod val="50000"/>
-                  </a:schemeClr>
-                </a:solidFill>
+              <a:t>Realization Updates</a:t>
+            </a:r>
+          </a:p>
+          <a:p>
+            <a:r>
+              <a:rPr lang="en-US" sz="2800" dirty="0">
                 <a:ea typeface="Cambria" panose="02040503050406030204" pitchFamily="18" charset="0"/>
               </a:rPr>
-              <a:t>Associated Press Reporters… contributed to this report.</a:t>
-            </a:r>
-          </a:p>
-          <a:p>
-            <a:endParaRPr lang="en-US" sz="2400" dirty="0">
-              <a:ea typeface="Cambria" panose="02040503050406030204" pitchFamily="18" charset="0"/>
-            </a:endParaRPr>
+              <a:t>Ordering Updates</a:t>
+            </a:r>
+          </a:p>
+          <a:p>
+            <a:r>
+              <a:rPr lang="en-US" sz="2800" dirty="0">
+                <a:ea typeface="Cambria" panose="02040503050406030204" pitchFamily="18" charset="0"/>
+              </a:rPr>
+              <a:t>Results</a:t>
+            </a:r>
+          </a:p>
+          <a:p>
+            <a:r>
+              <a:rPr lang="en-US" sz="2800" dirty="0">
+                <a:ea typeface="Cambria" panose="02040503050406030204" pitchFamily="18" charset="0"/>
+              </a:rPr>
+              <a:t>Error Analysis</a:t>
+            </a:r>
+          </a:p>
+          <a:p>
+            <a:r>
+              <a:rPr lang="en-US" sz="2800" dirty="0">
+                <a:ea typeface="Cambria" panose="02040503050406030204" pitchFamily="18" charset="0"/>
+              </a:rPr>
+              <a:t>Relevant Reading</a:t>
+            </a:r>
+          </a:p>
+        </p:txBody>
+      </p:sp>
+      <p:pic>
+        <p:nvPicPr>
+          <p:cNvPr id="5" name="Picture 4" descr="A close up of a logo&#10;&#10;Description automatically generated">
+            <a:extLst>
+              <a:ext uri="{FF2B5EF4-FFF2-40B4-BE49-F238E27FC236}">
+                <a16:creationId xmlns:a16="http://schemas.microsoft.com/office/drawing/2014/main" id="{32D948E2-08FF-4914-8883-6E824F9832C2}"/>
+              </a:ext>
+            </a:extLst>
+          </p:cNvPr>
+          <p:cNvPicPr>
+            <a:picLocks noChangeAspect="1"/>
+          </p:cNvPicPr>
+          <p:nvPr/>
+        </p:nvPicPr>
+        <p:blipFill>
+          <a:blip r:embed="rId3">
+            <a:extLst>
+              <a:ext uri="{837473B0-CC2E-450A-ABE3-18F120FF3D39}">
+                <a1611:picAttrSrcUrl xmlns:a1611="http://schemas.microsoft.com/office/drawing/2016/11/main" r:id="rId4"/>
+              </a:ext>
+            </a:extLst>
+          </a:blip>
+          <a:stretch>
+            <a:fillRect/>
+          </a:stretch>
+        </p:blipFill>
+        <p:spPr>
+          <a:xfrm>
+            <a:off x="6996747" y="2692400"/>
+            <a:ext cx="4472235" cy="4165600"/>
+          </a:xfrm>
+          <a:prstGeom prst="rect">
+            <a:avLst/>
+          </a:prstGeom>
+        </p:spPr>
+      </p:pic>
+      <p:sp>
+        <p:nvSpPr>
+          <p:cNvPr id="6" name="Rectangle 5">
+            <a:extLst>
+              <a:ext uri="{FF2B5EF4-FFF2-40B4-BE49-F238E27FC236}">
+                <a16:creationId xmlns:a16="http://schemas.microsoft.com/office/drawing/2014/main" id="{3AAF9385-5E61-46B4-9CE7-B45567AD1167}"/>
+              </a:ext>
+            </a:extLst>
+          </p:cNvPr>
+          <p:cNvSpPr/>
+          <p:nvPr/>
+        </p:nvSpPr>
+        <p:spPr>
+          <a:xfrm>
+            <a:off x="1232359" y="2905392"/>
+            <a:ext cx="3654602" cy="447408"/>
+          </a:xfrm>
+          <a:prstGeom prst="rect">
+            <a:avLst/>
+          </a:prstGeom>
+          <a:noFill/>
+          <a:ln w="57150">
+            <a:solidFill>
+              <a:schemeClr val="accent6"/>
+            </a:solidFill>
+          </a:ln>
+        </p:spPr>
+        <p:style>
+          <a:lnRef idx="2">
+            <a:schemeClr val="accent1">
+              <a:shade val="50000"/>
+            </a:schemeClr>
+          </a:lnRef>
+          <a:fillRef idx="1">
+            <a:schemeClr val="accent1"/>
+          </a:fillRef>
+          <a:effectRef idx="0">
+            <a:schemeClr val="accent1"/>
+          </a:effectRef>
+          <a:fontRef idx="minor">
+            <a:schemeClr val="lt1"/>
+          </a:fontRef>
+        </p:style>
+        <p:txBody>
+          <a:bodyPr rtlCol="0" anchor="ctr"/>
+          <a:lstStyle/>
+          <a:p>
+            <a:pPr algn="ctr"/>
+            <a:endParaRPr lang="en-US"/>
           </a:p>
         </p:txBody>
       </p:sp>
     </p:spTree>
     <p:extLst>
       <p:ext uri="{BB962C8B-B14F-4D97-AF65-F5344CB8AC3E}">
-        <p14:creationId xmlns:p14="http://schemas.microsoft.com/office/powerpoint/2010/main" val="824417832"/>
+        <p14:creationId xmlns:p14="http://schemas.microsoft.com/office/powerpoint/2010/main" val="2858560272"/>
       </p:ext>
     </p:extLst>
   </p:cSld>
   <p:clrMapOvr>
     <a:masterClrMapping/>
-  </p:clrMapOvr>
-</p:sld>
-</file>
-
-<file path=ppt/slides/slide5.xml><?xml version="1.0" encoding="utf-8"?>
-<p:sld xmlns:a="http://schemas.openxmlformats.org/drawingml/2006/main" xmlns:r="http://schemas.openxmlformats.org/officeDocument/2006/relationships" xmlns:p="http://schemas.openxmlformats.org/presentationml/2006/main">
-  <p:cSld>
-    <p:bg>
-      <p:bgRef idx="1001">
-        <a:schemeClr val="bg2"/>
-      </p:bgRef>
-    </p:bg>
-    <p:spTree>
-      <p:nvGrpSpPr>
-        <p:cNvPr id="1" name=""/>
-        <p:cNvGrpSpPr/>
-        <p:nvPr/>
-      </p:nvGrpSpPr>
-      <p:grpSpPr>
-        <a:xfrm>
-          <a:off x="0" y="0"/>
-          <a:ext cx="0" cy="0"/>
-          <a:chOff x="0" y="0"/>
-          <a:chExt cx="0" cy="0"/>
-        </a:xfrm>
-      </p:grpSpPr>
-      <p:sp>
-        <p:nvSpPr>
-          <p:cNvPr id="2" name="Title 1">
-            <a:extLst>
-              <a:ext uri="{FF2B5EF4-FFF2-40B4-BE49-F238E27FC236}">
-                <a16:creationId xmlns:a16="http://schemas.microsoft.com/office/drawing/2014/main" id="{1BD3A08D-451A-41B7-B229-62256DBF31CA}"/>
-              </a:ext>
-            </a:extLst>
-          </p:cNvPr>
-          <p:cNvSpPr>
-            <a:spLocks noGrp="1"/>
-          </p:cNvSpPr>
-          <p:nvPr>
-            <p:ph type="title"/>
-          </p:nvPr>
-        </p:nvSpPr>
-        <p:spPr/>
-        <p:txBody>
-          <a:bodyPr>
-            <a:normAutofit/>
-          </a:bodyPr>
-          <a:lstStyle/>
-          <a:p>
-            <a:r>
-              <a:rPr lang="en-US" dirty="0">
-                <a:ea typeface="Cambria" panose="02040503050406030204" pitchFamily="18" charset="0"/>
-              </a:rPr>
-              <a:t>Realization Updates</a:t>
-            </a:r>
-          </a:p>
-        </p:txBody>
-      </p:sp>
-      <p:sp>
-        <p:nvSpPr>
-          <p:cNvPr id="3" name="Content Placeholder 2">
-            <a:extLst>
-              <a:ext uri="{FF2B5EF4-FFF2-40B4-BE49-F238E27FC236}">
-                <a16:creationId xmlns:a16="http://schemas.microsoft.com/office/drawing/2014/main" id="{285DD0F6-4AC3-437E-88A0-2C8C246B0DE7}"/>
-              </a:ext>
-            </a:extLst>
-          </p:cNvPr>
-          <p:cNvSpPr>
-            <a:spLocks noGrp="1"/>
-          </p:cNvSpPr>
-          <p:nvPr>
-            <p:ph idx="1"/>
-          </p:nvPr>
-        </p:nvSpPr>
-        <p:spPr/>
-        <p:txBody>
-          <a:bodyPr>
-            <a:normAutofit/>
-          </a:bodyPr>
-          <a:lstStyle/>
-          <a:p>
-            <a:r>
-              <a:rPr lang="en-US" sz="2800" dirty="0">
-                <a:ea typeface="Cambria" panose="02040503050406030204" pitchFamily="18" charset="0"/>
-              </a:rPr>
-              <a:t>No more appositive removal</a:t>
-            </a:r>
-          </a:p>
-          <a:p>
-            <a:pPr lvl="1"/>
-            <a:r>
-              <a:rPr lang="en-US" sz="2400" dirty="0">
-                <a:ea typeface="Cambria" panose="02040503050406030204" pitchFamily="18" charset="0"/>
-              </a:rPr>
-              <a:t>Some problems with </a:t>
-            </a:r>
-            <a:r>
-              <a:rPr lang="en-US" sz="2400" dirty="0" err="1">
-                <a:ea typeface="Cambria" panose="02040503050406030204" pitchFamily="18" charset="0"/>
-              </a:rPr>
-              <a:t>spaCy</a:t>
-            </a:r>
-            <a:r>
-              <a:rPr lang="en-US" sz="2400" dirty="0">
-                <a:ea typeface="Cambria" panose="02040503050406030204" pitchFamily="18" charset="0"/>
-              </a:rPr>
-              <a:t> parsing</a:t>
-            </a:r>
-          </a:p>
-          <a:p>
-            <a:pPr lvl="1"/>
-            <a:r>
-              <a:rPr lang="en-US" sz="2400" dirty="0">
-                <a:ea typeface="Cambria" panose="02040503050406030204" pitchFamily="18" charset="0"/>
-              </a:rPr>
-              <a:t>Even in good cases, ROUGE-2 suffered</a:t>
-            </a:r>
-          </a:p>
-        </p:txBody>
-      </p:sp>
-      <p:sp>
-        <p:nvSpPr>
-          <p:cNvPr id="4" name="TextBox 3">
-            <a:extLst>
-              <a:ext uri="{FF2B5EF4-FFF2-40B4-BE49-F238E27FC236}">
-                <a16:creationId xmlns:a16="http://schemas.microsoft.com/office/drawing/2014/main" id="{A4521C37-9FF9-4568-A2EE-3097B3A6085D}"/>
-              </a:ext>
-            </a:extLst>
-          </p:cNvPr>
-          <p:cNvSpPr txBox="1"/>
-          <p:nvPr/>
-        </p:nvSpPr>
-        <p:spPr>
-          <a:xfrm>
-            <a:off x="1300481" y="3879116"/>
-            <a:ext cx="3728720" cy="1938992"/>
-          </a:xfrm>
-          <a:prstGeom prst="rect">
-            <a:avLst/>
-          </a:prstGeom>
-          <a:noFill/>
-        </p:spPr>
-        <p:txBody>
-          <a:bodyPr wrap="square" rtlCol="0">
-            <a:spAutoFit/>
-          </a:bodyPr>
-          <a:lstStyle/>
-          <a:p>
-            <a:r>
-              <a:rPr lang="en-US" sz="2400" dirty="0">
-                <a:solidFill>
-                  <a:schemeClr val="accent4">
-                    <a:lumMod val="50000"/>
-                  </a:schemeClr>
-                </a:solidFill>
-                <a:ea typeface="Cambria" panose="02040503050406030204" pitchFamily="18" charset="0"/>
-              </a:rPr>
-              <a:t>… Eric Harris and Dylan Klebold, </a:t>
-            </a:r>
-            <a:r>
-              <a:rPr lang="en-US" sz="2400" dirty="0">
-                <a:solidFill>
-                  <a:schemeClr val="accent1">
-                    <a:lumMod val="40000"/>
-                    <a:lumOff val="60000"/>
-                  </a:schemeClr>
-                </a:solidFill>
-                <a:ea typeface="Cambria" panose="02040503050406030204" pitchFamily="18" charset="0"/>
-              </a:rPr>
-              <a:t>also Columbine students</a:t>
-            </a:r>
-            <a:r>
-              <a:rPr lang="en-US" sz="2400" dirty="0">
-                <a:solidFill>
-                  <a:schemeClr val="accent4">
-                    <a:lumMod val="50000"/>
-                  </a:schemeClr>
-                </a:solidFill>
-                <a:ea typeface="Cambria" panose="02040503050406030204" pitchFamily="18" charset="0"/>
-              </a:rPr>
-              <a:t>, opened fire with at least four guns and dozens of bombs.</a:t>
-            </a:r>
-          </a:p>
-        </p:txBody>
-      </p:sp>
-      <p:sp>
-        <p:nvSpPr>
-          <p:cNvPr id="59" name="TextBox 58">
-            <a:extLst>
-              <a:ext uri="{FF2B5EF4-FFF2-40B4-BE49-F238E27FC236}">
-                <a16:creationId xmlns:a16="http://schemas.microsoft.com/office/drawing/2014/main" id="{B809C448-730A-446B-AD1C-2EE24555CED3}"/>
-              </a:ext>
-            </a:extLst>
-          </p:cNvPr>
-          <p:cNvSpPr txBox="1"/>
-          <p:nvPr/>
-        </p:nvSpPr>
-        <p:spPr>
-          <a:xfrm>
-            <a:off x="6360162" y="3879116"/>
-            <a:ext cx="3545840" cy="1569660"/>
-          </a:xfrm>
-          <a:prstGeom prst="rect">
-            <a:avLst/>
-          </a:prstGeom>
-          <a:noFill/>
-        </p:spPr>
-        <p:txBody>
-          <a:bodyPr wrap="square" rtlCol="0">
-            <a:spAutoFit/>
-          </a:bodyPr>
-          <a:lstStyle/>
-          <a:p>
-            <a:r>
-              <a:rPr lang="en-US" sz="2400" dirty="0">
-                <a:solidFill>
-                  <a:schemeClr val="accent4">
-                    <a:lumMod val="50000"/>
-                  </a:schemeClr>
-                </a:solidFill>
-                <a:ea typeface="Cambria" panose="02040503050406030204" pitchFamily="18" charset="0"/>
-              </a:rPr>
-              <a:t>…Eric Harris and Dylan Klebold opened fire with at least four guns and dozens of bombs.</a:t>
-            </a:r>
-          </a:p>
-        </p:txBody>
-      </p:sp>
-      <p:sp>
-        <p:nvSpPr>
-          <p:cNvPr id="7" name="TextBox 6">
-            <a:extLst>
-              <a:ext uri="{FF2B5EF4-FFF2-40B4-BE49-F238E27FC236}">
-                <a16:creationId xmlns:a16="http://schemas.microsoft.com/office/drawing/2014/main" id="{B7190262-835A-4551-B86D-4E1F4278C288}"/>
-              </a:ext>
-            </a:extLst>
-          </p:cNvPr>
-          <p:cNvSpPr txBox="1"/>
-          <p:nvPr/>
-        </p:nvSpPr>
-        <p:spPr>
-          <a:xfrm>
-            <a:off x="5303519" y="4663946"/>
-            <a:ext cx="528321" cy="369332"/>
-          </a:xfrm>
-          <a:prstGeom prst="rect">
-            <a:avLst/>
-          </a:prstGeom>
-          <a:noFill/>
-        </p:spPr>
-        <p:txBody>
-          <a:bodyPr wrap="square" rtlCol="0">
-            <a:spAutoFit/>
-          </a:bodyPr>
-          <a:lstStyle/>
-          <a:p>
-            <a:r>
-              <a:rPr lang="en-US" b="1" dirty="0"/>
-              <a:t>VS</a:t>
-            </a:r>
-          </a:p>
-        </p:txBody>
-      </p:sp>
-    </p:spTree>
-    <p:extLst>
-      <p:ext uri="{BB962C8B-B14F-4D97-AF65-F5344CB8AC3E}">
-        <p14:creationId xmlns:p14="http://schemas.microsoft.com/office/powerpoint/2010/main" val="2185382818"/>
-      </p:ext>
-    </p:extLst>
-  </p:cSld>
-  <p:clrMapOvr>
-    <a:overrideClrMapping bg1="dk1" tx1="lt1" bg2="dk2" tx2="lt2" accent1="accent1" accent2="accent2" accent3="accent3" accent4="accent4" accent5="accent5" accent6="accent6" hlink="hlink" folHlink="folHlink"/>
   </p:clrMapOvr>
 </p:sld>
 </file>
@@ -7458,7 +10186,7 @@
           <p:cNvPr id="2" name="Title 1">
             <a:extLst>
               <a:ext uri="{FF2B5EF4-FFF2-40B4-BE49-F238E27FC236}">
-                <a16:creationId xmlns:a16="http://schemas.microsoft.com/office/drawing/2014/main" id="{BE96DB2D-E3BA-4832-9999-CCE880797DF2}"/>
+                <a16:creationId xmlns:a16="http://schemas.microsoft.com/office/drawing/2014/main" id="{9A191970-469D-41CD-9479-C1DD1E44214B}"/>
               </a:ext>
             </a:extLst>
           </p:cNvPr>
@@ -7478,7 +10206,7 @@
               <a:rPr lang="en-US" dirty="0">
                 <a:ea typeface="Cambria" panose="02040503050406030204" pitchFamily="18" charset="0"/>
               </a:rPr>
-              <a:t>Realization Updates</a:t>
+              <a:t>Preprocessing Updates</a:t>
             </a:r>
           </a:p>
         </p:txBody>
@@ -7488,7 +10216,7 @@
           <p:cNvPr id="3" name="Content Placeholder 2">
             <a:extLst>
               <a:ext uri="{FF2B5EF4-FFF2-40B4-BE49-F238E27FC236}">
-                <a16:creationId xmlns:a16="http://schemas.microsoft.com/office/drawing/2014/main" id="{6C539262-E349-4D5D-B6BB-CAAE6B6D423C}"/>
+                <a16:creationId xmlns:a16="http://schemas.microsoft.com/office/drawing/2014/main" id="{A3A8BA37-AFD5-4E5A-9400-EF7BAA88AB6F}"/>
               </a:ext>
             </a:extLst>
           </p:cNvPr>
@@ -7499,16 +10227,23 @@
             <p:ph idx="1"/>
           </p:nvPr>
         </p:nvSpPr>
-        <p:spPr/>
-        <p:txBody>
-          <a:bodyPr/>
+        <p:spPr>
+          <a:xfrm>
+            <a:off x="1202919" y="2011680"/>
+            <a:ext cx="9784080" cy="4846320"/>
+          </a:xfrm>
+        </p:spPr>
+        <p:txBody>
+          <a:bodyPr>
+            <a:normAutofit/>
+          </a:bodyPr>
           <a:lstStyle/>
           <a:p>
             <a:r>
               <a:rPr lang="en-US" sz="2800" dirty="0">
                 <a:ea typeface="Cambria" panose="02040503050406030204" pitchFamily="18" charset="0"/>
               </a:rPr>
-              <a:t>More careful word-initial removal</a:t>
+              <a:t>Lots of work to fix fragments</a:t>
             </a:r>
           </a:p>
           <a:p>
@@ -7517,82 +10252,108 @@
               <a:rPr lang="en-US" sz="2400" dirty="0">
                 <a:ea typeface="Cambria" panose="02040503050406030204" pitchFamily="18" charset="0"/>
               </a:rPr>
-              <a:t>From D3: Fine-grained tags</a:t>
-            </a:r>
-          </a:p>
-          <a:p>
-            <a:pPr lvl="1"/>
-            <a:r>
-              <a:rPr lang="en-US" sz="2400" dirty="0">
+              <a:t>Line breaks mid-sentence in the corpus</a:t>
+            </a:r>
+          </a:p>
+          <a:p>
+            <a:pPr lvl="2"/>
+            <a:r>
+              <a:rPr lang="en-US" sz="2000" dirty="0">
                 <a:ea typeface="Cambria" panose="02040503050406030204" pitchFamily="18" charset="0"/>
               </a:rPr>
-              <a:t>New: List of exception words</a:t>
-            </a:r>
-          </a:p>
-          <a:p>
-            <a:r>
-              <a:rPr lang="en-US" sz="2800" dirty="0">
-                <a:ea typeface="Cambria" panose="02040503050406030204" pitchFamily="18" charset="0"/>
-              </a:rPr>
-              <a:t>Redundancy Checker</a:t>
-            </a:r>
-          </a:p>
-          <a:p>
-            <a:pPr lvl="1"/>
-            <a:r>
-              <a:rPr lang="en-US" sz="2400" dirty="0">
-                <a:ea typeface="Cambria" panose="02040503050406030204" pitchFamily="18" charset="0"/>
-              </a:rPr>
-              <a:t>Added naïve unigram overlap for two-step redundancy checker</a:t>
-            </a:r>
-          </a:p>
-          <a:p>
-            <a:r>
-              <a:rPr lang="en-US" sz="2800" dirty="0">
-                <a:ea typeface="Cambria" panose="02040503050406030204" pitchFamily="18" charset="0"/>
-              </a:rPr>
-              <a:t>Full Sentence Filtering</a:t>
-            </a:r>
-          </a:p>
-          <a:p>
-            <a:pPr lvl="1"/>
-            <a:r>
-              <a:rPr lang="en-US" sz="2400" dirty="0">
-                <a:ea typeface="Cambria" panose="02040503050406030204" pitchFamily="18" charset="0"/>
-              </a:rPr>
-              <a:t>From D3: Questions, Quotes</a:t>
-            </a:r>
-          </a:p>
-          <a:p>
-            <a:pPr lvl="1"/>
-            <a:r>
-              <a:rPr lang="en-US" sz="2400" dirty="0">
-                <a:ea typeface="Cambria" panose="02040503050406030204" pitchFamily="18" charset="0"/>
-              </a:rPr>
-              <a:t>New: Pronoun-initial sentences</a:t>
-            </a:r>
+              <a:t>(Order of operations within preprocessing)</a:t>
+            </a:r>
+          </a:p>
+          <a:p>
             <a:endParaRPr lang="en-US" sz="2800" dirty="0">
               <a:ea typeface="Cambria" panose="02040503050406030204" pitchFamily="18" charset="0"/>
             </a:endParaRPr>
           </a:p>
           <a:p>
-            <a:pPr lvl="1"/>
-            <a:endParaRPr lang="en-US" dirty="0">
+            <a:endParaRPr lang="en-US" sz="2800" dirty="0">
               <a:ea typeface="Cambria" panose="02040503050406030204" pitchFamily="18" charset="0"/>
             </a:endParaRPr>
           </a:p>
           <a:p>
+            <a:r>
+              <a:rPr lang="en-US" sz="2800" dirty="0">
+                <a:ea typeface="Cambria" panose="02040503050406030204" pitchFamily="18" charset="0"/>
+              </a:rPr>
+              <a:t>Smarter quote detection</a:t>
+            </a:r>
+          </a:p>
+          <a:p>
             <a:pPr lvl="1"/>
-            <a:endParaRPr lang="en-US" dirty="0">
+            <a:r>
+              <a:rPr lang="en-US" sz="2400" dirty="0">
+                <a:ea typeface="Cambria" panose="02040503050406030204" pitchFamily="18" charset="0"/>
+              </a:rPr>
+              <a:t>Leave in “scare quotes”</a:t>
+            </a:r>
+          </a:p>
+          <a:p>
+            <a:r>
+              <a:rPr lang="en-US" sz="2800" dirty="0">
+                <a:ea typeface="Cambria" panose="02040503050406030204" pitchFamily="18" charset="0"/>
+              </a:rPr>
+              <a:t>Removed a few more newspaper-specific phenomena</a:t>
+            </a:r>
+          </a:p>
+          <a:p>
+            <a:pPr lvl="1"/>
+            <a:r>
+              <a:rPr lang="en-US" sz="2400" dirty="0">
+                <a:solidFill>
+                  <a:schemeClr val="accent4">
+                    <a:lumMod val="50000"/>
+                  </a:schemeClr>
+                </a:solidFill>
+                <a:ea typeface="Cambria" panose="02040503050406030204" pitchFamily="18" charset="0"/>
+              </a:rPr>
+              <a:t>Associated Press reporters… contributed to this report.</a:t>
+            </a:r>
+          </a:p>
+          <a:p>
+            <a:endParaRPr lang="en-US" sz="2400" dirty="0">
               <a:ea typeface="Cambria" panose="02040503050406030204" pitchFamily="18" charset="0"/>
             </a:endParaRPr>
           </a:p>
         </p:txBody>
       </p:sp>
+      <p:pic>
+        <p:nvPicPr>
+          <p:cNvPr id="4" name="Picture 3">
+            <a:extLst>
+              <a:ext uri="{FF2B5EF4-FFF2-40B4-BE49-F238E27FC236}">
+                <a16:creationId xmlns:a16="http://schemas.microsoft.com/office/drawing/2014/main" id="{7507C81F-0FC8-4B48-957C-994FCEC51F84}"/>
+              </a:ext>
+            </a:extLst>
+          </p:cNvPr>
+          <p:cNvPicPr>
+            <a:picLocks noChangeAspect="1"/>
+          </p:cNvPicPr>
+          <p:nvPr/>
+        </p:nvPicPr>
+        <p:blipFill>
+          <a:blip r:embed="rId3"/>
+          <a:stretch>
+            <a:fillRect/>
+          </a:stretch>
+        </p:blipFill>
+        <p:spPr>
+          <a:xfrm>
+            <a:off x="1481803" y="3247339"/>
+            <a:ext cx="6729173" cy="1187501"/>
+          </a:xfrm>
+          <a:prstGeom prst="rect">
+            <a:avLst/>
+          </a:prstGeom>
+        </p:spPr>
+      </p:pic>
     </p:spTree>
     <p:extLst>
       <p:ext uri="{BB962C8B-B14F-4D97-AF65-F5344CB8AC3E}">
-        <p14:creationId xmlns:p14="http://schemas.microsoft.com/office/powerpoint/2010/main" val="3250515396"/>
+        <p14:creationId xmlns:p14="http://schemas.microsoft.com/office/powerpoint/2010/main" val="824417832"/>
       </p:ext>
     </p:extLst>
   </p:cSld>
@@ -7624,6 +10385,242 @@
           <p:cNvPr id="2" name="Title 1">
             <a:extLst>
               <a:ext uri="{FF2B5EF4-FFF2-40B4-BE49-F238E27FC236}">
+                <a16:creationId xmlns:a16="http://schemas.microsoft.com/office/drawing/2014/main" id="{1542409B-C188-415B-BE80-1DC700D0DF32}"/>
+              </a:ext>
+            </a:extLst>
+          </p:cNvPr>
+          <p:cNvSpPr>
+            <a:spLocks noGrp="1"/>
+          </p:cNvSpPr>
+          <p:nvPr>
+            <p:ph type="title"/>
+          </p:nvPr>
+        </p:nvSpPr>
+        <p:spPr/>
+        <p:txBody>
+          <a:bodyPr/>
+          <a:lstStyle/>
+          <a:p>
+            <a:r>
+              <a:rPr lang="en-US" dirty="0">
+                <a:ea typeface="Cambria" panose="02040503050406030204" pitchFamily="18" charset="0"/>
+              </a:rPr>
+              <a:t>Presentation Plan</a:t>
+            </a:r>
+          </a:p>
+        </p:txBody>
+      </p:sp>
+      <p:sp>
+        <p:nvSpPr>
+          <p:cNvPr id="3" name="Content Placeholder 2">
+            <a:extLst>
+              <a:ext uri="{FF2B5EF4-FFF2-40B4-BE49-F238E27FC236}">
+                <a16:creationId xmlns:a16="http://schemas.microsoft.com/office/drawing/2014/main" id="{3B18F65C-9328-489A-A6A9-E4012B1C37DF}"/>
+              </a:ext>
+            </a:extLst>
+          </p:cNvPr>
+          <p:cNvSpPr>
+            <a:spLocks noGrp="1"/>
+          </p:cNvSpPr>
+          <p:nvPr>
+            <p:ph idx="1"/>
+          </p:nvPr>
+        </p:nvSpPr>
+        <p:spPr>
+          <a:xfrm>
+            <a:off x="1295398" y="2448192"/>
+            <a:ext cx="9601200" cy="3581400"/>
+          </a:xfrm>
+        </p:spPr>
+        <p:txBody>
+          <a:bodyPr>
+            <a:normAutofit fontScale="92500" lnSpcReduction="10000"/>
+          </a:bodyPr>
+          <a:lstStyle/>
+          <a:p>
+            <a:r>
+              <a:rPr lang="en-US" sz="2800" dirty="0">
+                <a:ea typeface="Cambria" panose="02040503050406030204" pitchFamily="18" charset="0"/>
+              </a:rPr>
+              <a:t>System Architecture (Reminder)</a:t>
+            </a:r>
+            <a:endParaRPr lang="en-US" sz="2400" i="0" dirty="0">
+              <a:ea typeface="Cambria" panose="02040503050406030204" pitchFamily="18" charset="0"/>
+            </a:endParaRPr>
+          </a:p>
+          <a:p>
+            <a:r>
+              <a:rPr lang="en-US" sz="2800" dirty="0">
+                <a:ea typeface="Cambria" panose="02040503050406030204" pitchFamily="18" charset="0"/>
+              </a:rPr>
+              <a:t>Preprocessing Updates</a:t>
+            </a:r>
+          </a:p>
+          <a:p>
+            <a:r>
+              <a:rPr lang="en-US" sz="2800" dirty="0">
+                <a:ea typeface="Cambria" panose="02040503050406030204" pitchFamily="18" charset="0"/>
+              </a:rPr>
+              <a:t>Realization Updates</a:t>
+            </a:r>
+          </a:p>
+          <a:p>
+            <a:r>
+              <a:rPr lang="en-US" sz="2800" dirty="0">
+                <a:ea typeface="Cambria" panose="02040503050406030204" pitchFamily="18" charset="0"/>
+              </a:rPr>
+              <a:t>Ordering Updates</a:t>
+            </a:r>
+          </a:p>
+          <a:p>
+            <a:r>
+              <a:rPr lang="en-US" sz="2800" dirty="0">
+                <a:ea typeface="Cambria" panose="02040503050406030204" pitchFamily="18" charset="0"/>
+              </a:rPr>
+              <a:t>Results</a:t>
+            </a:r>
+          </a:p>
+          <a:p>
+            <a:r>
+              <a:rPr lang="en-US" sz="2800" dirty="0">
+                <a:ea typeface="Cambria" panose="02040503050406030204" pitchFamily="18" charset="0"/>
+              </a:rPr>
+              <a:t>Error Analysis</a:t>
+            </a:r>
+          </a:p>
+          <a:p>
+            <a:r>
+              <a:rPr lang="en-US" sz="2800" dirty="0">
+                <a:ea typeface="Cambria" panose="02040503050406030204" pitchFamily="18" charset="0"/>
+              </a:rPr>
+              <a:t>Relevant Reading</a:t>
+            </a:r>
+          </a:p>
+        </p:txBody>
+      </p:sp>
+      <p:pic>
+        <p:nvPicPr>
+          <p:cNvPr id="5" name="Picture 4" descr="A close up of a logo&#10;&#10;Description automatically generated">
+            <a:extLst>
+              <a:ext uri="{FF2B5EF4-FFF2-40B4-BE49-F238E27FC236}">
+                <a16:creationId xmlns:a16="http://schemas.microsoft.com/office/drawing/2014/main" id="{32D948E2-08FF-4914-8883-6E824F9832C2}"/>
+              </a:ext>
+            </a:extLst>
+          </p:cNvPr>
+          <p:cNvPicPr>
+            <a:picLocks noChangeAspect="1"/>
+          </p:cNvPicPr>
+          <p:nvPr/>
+        </p:nvPicPr>
+        <p:blipFill>
+          <a:blip r:embed="rId3">
+            <a:extLst>
+              <a:ext uri="{837473B0-CC2E-450A-ABE3-18F120FF3D39}">
+                <a1611:picAttrSrcUrl xmlns:a1611="http://schemas.microsoft.com/office/drawing/2016/11/main" r:id="rId4"/>
+              </a:ext>
+            </a:extLst>
+          </a:blip>
+          <a:stretch>
+            <a:fillRect/>
+          </a:stretch>
+        </p:blipFill>
+        <p:spPr>
+          <a:xfrm>
+            <a:off x="6996747" y="2692400"/>
+            <a:ext cx="4472235" cy="4165600"/>
+          </a:xfrm>
+          <a:prstGeom prst="rect">
+            <a:avLst/>
+          </a:prstGeom>
+        </p:spPr>
+      </p:pic>
+      <p:sp>
+        <p:nvSpPr>
+          <p:cNvPr id="6" name="Rectangle 5">
+            <a:extLst>
+              <a:ext uri="{FF2B5EF4-FFF2-40B4-BE49-F238E27FC236}">
+                <a16:creationId xmlns:a16="http://schemas.microsoft.com/office/drawing/2014/main" id="{3AAF9385-5E61-46B4-9CE7-B45567AD1167}"/>
+              </a:ext>
+            </a:extLst>
+          </p:cNvPr>
+          <p:cNvSpPr/>
+          <p:nvPr/>
+        </p:nvSpPr>
+        <p:spPr>
+          <a:xfrm>
+            <a:off x="1202919" y="3403232"/>
+            <a:ext cx="3287801" cy="447408"/>
+          </a:xfrm>
+          <a:prstGeom prst="rect">
+            <a:avLst/>
+          </a:prstGeom>
+          <a:noFill/>
+          <a:ln w="57150">
+            <a:solidFill>
+              <a:schemeClr val="accent6"/>
+            </a:solidFill>
+          </a:ln>
+        </p:spPr>
+        <p:style>
+          <a:lnRef idx="2">
+            <a:schemeClr val="accent1">
+              <a:shade val="50000"/>
+            </a:schemeClr>
+          </a:lnRef>
+          <a:fillRef idx="1">
+            <a:schemeClr val="accent1"/>
+          </a:fillRef>
+          <a:effectRef idx="0">
+            <a:schemeClr val="accent1"/>
+          </a:effectRef>
+          <a:fontRef idx="minor">
+            <a:schemeClr val="lt1"/>
+          </a:fontRef>
+        </p:style>
+        <p:txBody>
+          <a:bodyPr rtlCol="0" anchor="ctr"/>
+          <a:lstStyle/>
+          <a:p>
+            <a:pPr algn="ctr"/>
+            <a:endParaRPr lang="en-US"/>
+          </a:p>
+        </p:txBody>
+      </p:sp>
+    </p:spTree>
+    <p:extLst>
+      <p:ext uri="{BB962C8B-B14F-4D97-AF65-F5344CB8AC3E}">
+        <p14:creationId xmlns:p14="http://schemas.microsoft.com/office/powerpoint/2010/main" val="1155663619"/>
+      </p:ext>
+    </p:extLst>
+  </p:cSld>
+  <p:clrMapOvr>
+    <a:masterClrMapping/>
+  </p:clrMapOvr>
+</p:sld>
+</file>
+
+<file path=ppt/slides/slide8.xml><?xml version="1.0" encoding="utf-8"?>
+<p:sld xmlns:a="http://schemas.openxmlformats.org/drawingml/2006/main" xmlns:r="http://schemas.openxmlformats.org/officeDocument/2006/relationships" xmlns:p="http://schemas.openxmlformats.org/presentationml/2006/main">
+  <p:cSld>
+    <p:spTree>
+      <p:nvGrpSpPr>
+        <p:cNvPr id="1" name=""/>
+        <p:cNvGrpSpPr/>
+        <p:nvPr/>
+      </p:nvGrpSpPr>
+      <p:grpSpPr>
+        <a:xfrm>
+          <a:off x="0" y="0"/>
+          <a:ext cx="0" cy="0"/>
+          <a:chOff x="0" y="0"/>
+          <a:chExt cx="0" cy="0"/>
+        </a:xfrm>
+      </p:grpSpPr>
+      <p:sp>
+        <p:nvSpPr>
+          <p:cNvPr id="2" name="Title 1">
+            <a:extLst>
+              <a:ext uri="{FF2B5EF4-FFF2-40B4-BE49-F238E27FC236}">
                 <a16:creationId xmlns:a16="http://schemas.microsoft.com/office/drawing/2014/main" id="{BE96DB2D-E3BA-4832-9999-CCE880797DF2}"/>
               </a:ext>
             </a:extLst>
@@ -7702,6 +10699,137 @@
             <a:ext cx="1630594" cy="1312581"/>
           </a:xfrm>
           <a:prstGeom prst="flowChartManualOperation">
+            <a:avLst/>
+          </a:prstGeom>
+        </p:spPr>
+        <p:style>
+          <a:lnRef idx="1">
+            <a:schemeClr val="accent5"/>
+          </a:lnRef>
+          <a:fillRef idx="2">
+            <a:schemeClr val="accent5"/>
+          </a:fillRef>
+          <a:effectRef idx="1">
+            <a:schemeClr val="accent5"/>
+          </a:effectRef>
+          <a:fontRef idx="minor">
+            <a:schemeClr val="dk1"/>
+          </a:fontRef>
+        </p:style>
+        <p:txBody>
+          <a:bodyPr rtlCol="0" anchor="ctr"/>
+          <a:lstStyle/>
+          <a:p>
+            <a:pPr algn="ctr"/>
+            <a:endParaRPr lang="en-US" dirty="0"/>
+          </a:p>
+        </p:txBody>
+      </p:sp>
+      <p:sp>
+        <p:nvSpPr>
+          <p:cNvPr id="12" name="TextBox 11">
+            <a:extLst>
+              <a:ext uri="{FF2B5EF4-FFF2-40B4-BE49-F238E27FC236}">
+                <a16:creationId xmlns:a16="http://schemas.microsoft.com/office/drawing/2014/main" id="{CAEAE8A5-C0AD-4D25-BFC9-60007B291784}"/>
+              </a:ext>
+            </a:extLst>
+          </p:cNvPr>
+          <p:cNvSpPr txBox="1"/>
+          <p:nvPr/>
+        </p:nvSpPr>
+        <p:spPr>
+          <a:xfrm>
+            <a:off x="3760340" y="3781064"/>
+            <a:ext cx="1402080" cy="646331"/>
+          </a:xfrm>
+          <a:prstGeom prst="rect">
+            <a:avLst/>
+          </a:prstGeom>
+          <a:noFill/>
+        </p:spPr>
+        <p:txBody>
+          <a:bodyPr wrap="square" rtlCol="0">
+            <a:spAutoFit/>
+          </a:bodyPr>
+          <a:lstStyle/>
+          <a:p>
+            <a:pPr algn="ctr"/>
+            <a:r>
+              <a:rPr lang="en-US" dirty="0">
+                <a:solidFill>
+                  <a:schemeClr val="bg1"/>
+                </a:solidFill>
+              </a:rPr>
+              <a:t>Sentence Screener</a:t>
+            </a:r>
+          </a:p>
+        </p:txBody>
+      </p:sp>
+      <p:sp>
+        <p:nvSpPr>
+          <p:cNvPr id="13" name="Hexagon 12">
+            <a:extLst>
+              <a:ext uri="{FF2B5EF4-FFF2-40B4-BE49-F238E27FC236}">
+                <a16:creationId xmlns:a16="http://schemas.microsoft.com/office/drawing/2014/main" id="{2EA444B3-4424-449C-B0EC-53344CA1E2E6}"/>
+              </a:ext>
+            </a:extLst>
+          </p:cNvPr>
+          <p:cNvSpPr/>
+          <p:nvPr/>
+        </p:nvSpPr>
+        <p:spPr>
+          <a:xfrm>
+            <a:off x="6645944" y="5439872"/>
+            <a:ext cx="1371599" cy="657605"/>
+          </a:xfrm>
+          <a:prstGeom prst="hexagon">
+            <a:avLst/>
+          </a:prstGeom>
+        </p:spPr>
+        <p:style>
+          <a:lnRef idx="1">
+            <a:schemeClr val="accent4"/>
+          </a:lnRef>
+          <a:fillRef idx="2">
+            <a:schemeClr val="accent4"/>
+          </a:fillRef>
+          <a:effectRef idx="1">
+            <a:schemeClr val="accent4"/>
+          </a:effectRef>
+          <a:fontRef idx="minor">
+            <a:schemeClr val="dk1"/>
+          </a:fontRef>
+        </p:style>
+        <p:txBody>
+          <a:bodyPr rtlCol="0" anchor="t"/>
+          <a:lstStyle/>
+          <a:p>
+            <a:pPr algn="ctr"/>
+            <a:r>
+              <a:rPr lang="en-US" dirty="0"/>
+              <a:t>Rejects</a:t>
+            </a:r>
+          </a:p>
+        </p:txBody>
+      </p:sp>
+      <p:sp>
+        <p:nvSpPr>
+          <p:cNvPr id="14" name="Flowchart: Connector 13">
+            <a:extLst>
+              <a:ext uri="{FF2B5EF4-FFF2-40B4-BE49-F238E27FC236}">
+                <a16:creationId xmlns:a16="http://schemas.microsoft.com/office/drawing/2014/main" id="{D53006B4-9DC0-43AD-AD4A-9A14099C2165}"/>
+              </a:ext>
+            </a:extLst>
+          </p:cNvPr>
+          <p:cNvSpPr/>
+          <p:nvPr/>
+        </p:nvSpPr>
+        <p:spPr>
+          <a:xfrm>
+            <a:off x="5536886" y="3568406"/>
+            <a:ext cx="1906615" cy="1198879"/>
+          </a:xfrm>
+          <a:prstGeom prst="flowChartConnector">
             <a:avLst/>
           </a:prstGeom>
         </p:spPr>
@@ -7724,137 +10852,6 @@
           <a:lstStyle/>
           <a:p>
             <a:pPr algn="ctr"/>
-            <a:endParaRPr lang="en-US" dirty="0"/>
-          </a:p>
-        </p:txBody>
-      </p:sp>
-      <p:sp>
-        <p:nvSpPr>
-          <p:cNvPr id="12" name="TextBox 11">
-            <a:extLst>
-              <a:ext uri="{FF2B5EF4-FFF2-40B4-BE49-F238E27FC236}">
-                <a16:creationId xmlns:a16="http://schemas.microsoft.com/office/drawing/2014/main" id="{CAEAE8A5-C0AD-4D25-BFC9-60007B291784}"/>
-              </a:ext>
-            </a:extLst>
-          </p:cNvPr>
-          <p:cNvSpPr txBox="1"/>
-          <p:nvPr/>
-        </p:nvSpPr>
-        <p:spPr>
-          <a:xfrm>
-            <a:off x="3760340" y="3781064"/>
-            <a:ext cx="1402080" cy="646331"/>
-          </a:xfrm>
-          <a:prstGeom prst="rect">
-            <a:avLst/>
-          </a:prstGeom>
-          <a:noFill/>
-        </p:spPr>
-        <p:txBody>
-          <a:bodyPr wrap="square" rtlCol="0">
-            <a:spAutoFit/>
-          </a:bodyPr>
-          <a:lstStyle/>
-          <a:p>
-            <a:pPr algn="ctr"/>
-            <a:r>
-              <a:rPr lang="en-US" dirty="0">
-                <a:solidFill>
-                  <a:schemeClr val="bg1"/>
-                </a:solidFill>
-              </a:rPr>
-              <a:t>Sentence Screener</a:t>
-            </a:r>
-          </a:p>
-        </p:txBody>
-      </p:sp>
-      <p:sp>
-        <p:nvSpPr>
-          <p:cNvPr id="13" name="Hexagon 12">
-            <a:extLst>
-              <a:ext uri="{FF2B5EF4-FFF2-40B4-BE49-F238E27FC236}">
-                <a16:creationId xmlns:a16="http://schemas.microsoft.com/office/drawing/2014/main" id="{2EA444B3-4424-449C-B0EC-53344CA1E2E6}"/>
-              </a:ext>
-            </a:extLst>
-          </p:cNvPr>
-          <p:cNvSpPr/>
-          <p:nvPr/>
-        </p:nvSpPr>
-        <p:spPr>
-          <a:xfrm>
-            <a:off x="6645944" y="5439872"/>
-            <a:ext cx="1371599" cy="657605"/>
-          </a:xfrm>
-          <a:prstGeom prst="hexagon">
-            <a:avLst/>
-          </a:prstGeom>
-        </p:spPr>
-        <p:style>
-          <a:lnRef idx="1">
-            <a:schemeClr val="accent1"/>
-          </a:lnRef>
-          <a:fillRef idx="2">
-            <a:schemeClr val="accent1"/>
-          </a:fillRef>
-          <a:effectRef idx="1">
-            <a:schemeClr val="accent1"/>
-          </a:effectRef>
-          <a:fontRef idx="minor">
-            <a:schemeClr val="dk1"/>
-          </a:fontRef>
-        </p:style>
-        <p:txBody>
-          <a:bodyPr rtlCol="0" anchor="t"/>
-          <a:lstStyle/>
-          <a:p>
-            <a:pPr algn="ctr"/>
-            <a:r>
-              <a:rPr lang="en-US" dirty="0"/>
-              <a:t>Rejects</a:t>
-            </a:r>
-          </a:p>
-        </p:txBody>
-      </p:sp>
-      <p:sp>
-        <p:nvSpPr>
-          <p:cNvPr id="14" name="Flowchart: Connector 13">
-            <a:extLst>
-              <a:ext uri="{FF2B5EF4-FFF2-40B4-BE49-F238E27FC236}">
-                <a16:creationId xmlns:a16="http://schemas.microsoft.com/office/drawing/2014/main" id="{D53006B4-9DC0-43AD-AD4A-9A14099C2165}"/>
-              </a:ext>
-            </a:extLst>
-          </p:cNvPr>
-          <p:cNvSpPr/>
-          <p:nvPr/>
-        </p:nvSpPr>
-        <p:spPr>
-          <a:xfrm>
-            <a:off x="5536886" y="3568406"/>
-            <a:ext cx="1906615" cy="1198879"/>
-          </a:xfrm>
-          <a:prstGeom prst="flowChartConnector">
-            <a:avLst/>
-          </a:prstGeom>
-        </p:spPr>
-        <p:style>
-          <a:lnRef idx="1">
-            <a:schemeClr val="accent5"/>
-          </a:lnRef>
-          <a:fillRef idx="2">
-            <a:schemeClr val="accent5"/>
-          </a:fillRef>
-          <a:effectRef idx="1">
-            <a:schemeClr val="accent5"/>
-          </a:effectRef>
-          <a:fontRef idx="minor">
-            <a:schemeClr val="dk1"/>
-          </a:fontRef>
-        </p:style>
-        <p:txBody>
-          <a:bodyPr rtlCol="0" anchor="ctr"/>
-          <a:lstStyle/>
-          <a:p>
-            <a:pPr algn="ctr"/>
             <a:r>
               <a:rPr lang="en-US" dirty="0"/>
               <a:t>Good</a:t>
@@ -7892,13 +10889,13 @@
         </p:spPr>
         <p:style>
           <a:lnRef idx="1">
-            <a:schemeClr val="accent4"/>
+            <a:schemeClr val="accent3"/>
           </a:lnRef>
           <a:fillRef idx="2">
-            <a:schemeClr val="accent4"/>
+            <a:schemeClr val="accent3"/>
           </a:fillRef>
           <a:effectRef idx="1">
-            <a:schemeClr val="accent4"/>
+            <a:schemeClr val="accent3"/>
           </a:effectRef>
           <a:fontRef idx="minor">
             <a:schemeClr val="dk1"/>
@@ -8228,13 +11225,13 @@
         </p:spPr>
         <p:style>
           <a:lnRef idx="1">
-            <a:schemeClr val="accent3"/>
+            <a:schemeClr val="accent1"/>
           </a:lnRef>
           <a:fillRef idx="2">
-            <a:schemeClr val="accent3"/>
+            <a:schemeClr val="accent1"/>
           </a:fillRef>
           <a:effectRef idx="1">
-            <a:schemeClr val="accent3"/>
+            <a:schemeClr val="accent1"/>
           </a:effectRef>
           <a:fontRef idx="minor">
             <a:schemeClr val="dk1"/>
@@ -8275,13 +11272,13 @@
         </p:spPr>
         <p:style>
           <a:lnRef idx="1">
-            <a:schemeClr val="accent3"/>
+            <a:schemeClr val="accent5"/>
           </a:lnRef>
           <a:fillRef idx="2">
-            <a:schemeClr val="accent3"/>
+            <a:schemeClr val="accent5"/>
           </a:fillRef>
           <a:effectRef idx="1">
-            <a:schemeClr val="accent3"/>
+            <a:schemeClr val="accent5"/>
           </a:effectRef>
           <a:fontRef idx="minor">
             <a:schemeClr val="dk1"/>
@@ -8331,7 +11328,7 @@
                   <a:schemeClr val="bg1"/>
                 </a:solidFill>
               </a:rPr>
-              <a:t>Sentence Trimmer</a:t>
+              <a:t>Sentence Compressor</a:t>
             </a:r>
           </a:p>
         </p:txBody>
@@ -8446,118 +11443,12 @@
           </a:p>
         </p:txBody>
       </p:sp>
-    </p:spTree>
-    <p:extLst>
-      <p:ext uri="{BB962C8B-B14F-4D97-AF65-F5344CB8AC3E}">
-        <p14:creationId xmlns:p14="http://schemas.microsoft.com/office/powerpoint/2010/main" val="3749815400"/>
-      </p:ext>
-    </p:extLst>
-  </p:cSld>
-  <p:clrMapOvr>
-    <a:masterClrMapping/>
-  </p:clrMapOvr>
-</p:sld>
-</file>
-
-<file path=ppt/slides/slide8.xml><?xml version="1.0" encoding="utf-8"?>
-<p:sld xmlns:a="http://schemas.openxmlformats.org/drawingml/2006/main" xmlns:r="http://schemas.openxmlformats.org/officeDocument/2006/relationships" xmlns:p="http://schemas.openxmlformats.org/presentationml/2006/main">
-  <p:cSld>
-    <p:spTree>
-      <p:nvGrpSpPr>
-        <p:cNvPr id="1" name=""/>
-        <p:cNvGrpSpPr/>
-        <p:nvPr/>
-      </p:nvGrpSpPr>
-      <p:grpSpPr>
-        <a:xfrm>
-          <a:off x="0" y="0"/>
-          <a:ext cx="0" cy="0"/>
-          <a:chOff x="0" y="0"/>
-          <a:chExt cx="0" cy="0"/>
-        </a:xfrm>
-      </p:grpSpPr>
-      <p:sp>
-        <p:nvSpPr>
-          <p:cNvPr id="2" name="Title 1">
+      <p:sp>
+        <p:nvSpPr>
+          <p:cNvPr id="4" name="Rectangle 3">
             <a:extLst>
               <a:ext uri="{FF2B5EF4-FFF2-40B4-BE49-F238E27FC236}">
-                <a16:creationId xmlns:a16="http://schemas.microsoft.com/office/drawing/2014/main" id="{BE96DB2D-E3BA-4832-9999-CCE880797DF2}"/>
-              </a:ext>
-            </a:extLst>
-          </p:cNvPr>
-          <p:cNvSpPr>
-            <a:spLocks noGrp="1"/>
-          </p:cNvSpPr>
-          <p:nvPr>
-            <p:ph type="title"/>
-          </p:nvPr>
-        </p:nvSpPr>
-        <p:spPr/>
-        <p:txBody>
-          <a:bodyPr/>
-          <a:lstStyle/>
-          <a:p>
-            <a:r>
-              <a:rPr lang="en-US" dirty="0"/>
-              <a:t>Realization Updates</a:t>
-            </a:r>
-          </a:p>
-        </p:txBody>
-      </p:sp>
-      <p:sp>
-        <p:nvSpPr>
-          <p:cNvPr id="3" name="Content Placeholder 2">
-            <a:extLst>
-              <a:ext uri="{FF2B5EF4-FFF2-40B4-BE49-F238E27FC236}">
-                <a16:creationId xmlns:a16="http://schemas.microsoft.com/office/drawing/2014/main" id="{6C539262-E349-4D5D-B6BB-CAAE6B6D423C}"/>
-              </a:ext>
-            </a:extLst>
-          </p:cNvPr>
-          <p:cNvSpPr>
-            <a:spLocks noGrp="1"/>
-          </p:cNvSpPr>
-          <p:nvPr>
-            <p:ph idx="1"/>
-          </p:nvPr>
-        </p:nvSpPr>
-        <p:spPr>
-          <a:xfrm>
-            <a:off x="1202919" y="2011680"/>
-            <a:ext cx="9784080" cy="2489200"/>
-          </a:xfrm>
-        </p:spPr>
-        <p:txBody>
-          <a:bodyPr>
-            <a:normAutofit/>
-          </a:bodyPr>
-          <a:lstStyle/>
-          <a:p>
-            <a:r>
-              <a:rPr lang="en-US" sz="2800" dirty="0"/>
-              <a:t>Move some screening into content selection</a:t>
-            </a:r>
-          </a:p>
-          <a:p>
-            <a:r>
-              <a:rPr lang="en-US" sz="2800" dirty="0"/>
-              <a:t>Only usable sentences are now available to realization</a:t>
-            </a:r>
-            <a:endParaRPr lang="en-US" sz="2400" dirty="0"/>
-          </a:p>
-          <a:p>
-            <a:pPr marL="457200" lvl="1" indent="0">
-              <a:buNone/>
-            </a:pPr>
-            <a:endParaRPr lang="en-US" sz="2400" dirty="0"/>
-          </a:p>
-        </p:txBody>
-      </p:sp>
-      <p:sp>
-        <p:nvSpPr>
-          <p:cNvPr id="4" name="Rectangle: Rounded Corners 3">
-            <a:extLst>
-              <a:ext uri="{FF2B5EF4-FFF2-40B4-BE49-F238E27FC236}">
-                <a16:creationId xmlns:a16="http://schemas.microsoft.com/office/drawing/2014/main" id="{A6CDF2D6-D0B2-490F-839C-413BA97A1611}"/>
+                <a16:creationId xmlns:a16="http://schemas.microsoft.com/office/drawing/2014/main" id="{0637E8C6-3F51-4B51-9F77-D664E276CC79}"/>
               </a:ext>
             </a:extLst>
           </p:cNvPr>
@@ -8566,138 +11457,18 @@
         </p:nvSpPr>
         <p:spPr>
           <a:xfrm>
-            <a:off x="2001823" y="3331720"/>
-            <a:ext cx="1239520" cy="1412240"/>
-          </a:xfrm>
-          <a:prstGeom prst="roundRect">
-            <a:avLst/>
-          </a:prstGeom>
-        </p:spPr>
-        <p:style>
-          <a:lnRef idx="1">
-            <a:schemeClr val="accent2"/>
-          </a:lnRef>
-          <a:fillRef idx="2">
-            <a:schemeClr val="accent2"/>
-          </a:fillRef>
-          <a:effectRef idx="1">
-            <a:schemeClr val="accent2"/>
-          </a:effectRef>
-          <a:fontRef idx="minor">
-            <a:schemeClr val="dk1"/>
-          </a:fontRef>
-        </p:style>
-        <p:txBody>
-          <a:bodyPr rtlCol="0" anchor="ctr"/>
-          <a:lstStyle/>
-          <a:p>
-            <a:pPr algn="ctr"/>
-            <a:r>
-              <a:rPr lang="en-US" dirty="0"/>
-              <a:t>Selection</a:t>
-            </a:r>
-          </a:p>
-        </p:txBody>
-      </p:sp>
-      <p:sp>
-        <p:nvSpPr>
-          <p:cNvPr id="5" name="Trapezoid 4">
-            <a:extLst>
-              <a:ext uri="{FF2B5EF4-FFF2-40B4-BE49-F238E27FC236}">
-                <a16:creationId xmlns:a16="http://schemas.microsoft.com/office/drawing/2014/main" id="{939EA0A1-B014-49B6-B177-51E56A9CD015}"/>
-              </a:ext>
-            </a:extLst>
-          </p:cNvPr>
-          <p:cNvSpPr/>
-          <p:nvPr/>
-        </p:nvSpPr>
-        <p:spPr>
-          <a:xfrm rot="5400000">
-            <a:off x="4264703" y="3580869"/>
-            <a:ext cx="1584960" cy="980960"/>
-          </a:xfrm>
-          <a:prstGeom prst="trapezoid">
-            <a:avLst/>
-          </a:prstGeom>
-        </p:spPr>
-        <p:style>
-          <a:lnRef idx="1">
-            <a:schemeClr val="accent4"/>
-          </a:lnRef>
-          <a:fillRef idx="2">
-            <a:schemeClr val="accent4"/>
-          </a:fillRef>
-          <a:effectRef idx="1">
-            <a:schemeClr val="accent4"/>
-          </a:effectRef>
-          <a:fontRef idx="minor">
-            <a:schemeClr val="dk1"/>
-          </a:fontRef>
-        </p:style>
-        <p:txBody>
-          <a:bodyPr rtlCol="0" anchor="ctr"/>
-          <a:lstStyle/>
-          <a:p>
-            <a:pPr algn="ctr"/>
-            <a:endParaRPr lang="en-US" dirty="0"/>
-          </a:p>
-        </p:txBody>
-      </p:sp>
-      <p:sp>
-        <p:nvSpPr>
-          <p:cNvPr id="6" name="TextBox 5">
-            <a:extLst>
-              <a:ext uri="{FF2B5EF4-FFF2-40B4-BE49-F238E27FC236}">
-                <a16:creationId xmlns:a16="http://schemas.microsoft.com/office/drawing/2014/main" id="{46CF0958-035C-46B9-B2B7-7ABAB06F6564}"/>
-              </a:ext>
-            </a:extLst>
-          </p:cNvPr>
-          <p:cNvSpPr txBox="1"/>
-          <p:nvPr/>
-        </p:nvSpPr>
-        <p:spPr>
-          <a:xfrm>
-            <a:off x="4512884" y="3787665"/>
-            <a:ext cx="1229360" cy="646331"/>
+            <a:off x="3566160" y="3068320"/>
+            <a:ext cx="8158480" cy="3471692"/>
           </a:xfrm>
           <a:prstGeom prst="rect">
             <a:avLst/>
           </a:prstGeom>
           <a:noFill/>
-        </p:spPr>
-        <p:txBody>
-          <a:bodyPr wrap="square" rtlCol="0">
-            <a:spAutoFit/>
-          </a:bodyPr>
-          <a:lstStyle/>
-          <a:p>
-            <a:r>
-              <a:rPr lang="en-US" dirty="0"/>
-              <a:t>Sentence Filtering</a:t>
-            </a:r>
-          </a:p>
-        </p:txBody>
-      </p:sp>
-      <p:sp>
-        <p:nvSpPr>
-          <p:cNvPr id="7" name="Arrow: Right 6">
-            <a:extLst>
-              <a:ext uri="{FF2B5EF4-FFF2-40B4-BE49-F238E27FC236}">
-                <a16:creationId xmlns:a16="http://schemas.microsoft.com/office/drawing/2014/main" id="{CAD7AB16-01C1-4EDB-B43B-ABDEAB022A31}"/>
-              </a:ext>
-            </a:extLst>
-          </p:cNvPr>
-          <p:cNvSpPr/>
-          <p:nvPr/>
-        </p:nvSpPr>
-        <p:spPr>
-          <a:xfrm>
-            <a:off x="3311942" y="3855938"/>
-            <a:ext cx="1056640" cy="430822"/>
-          </a:xfrm>
-          <a:prstGeom prst="rightArrow">
-            <a:avLst/>
-          </a:prstGeom>
+          <a:ln w="57150">
+            <a:solidFill>
+              <a:schemeClr val="accent6"/>
+            </a:solidFill>
+          </a:ln>
         </p:spPr>
         <p:style>
           <a:lnRef idx="2">
@@ -8720,20 +11491,16 @@
           <a:lstStyle/>
           <a:p>
             <a:pPr algn="ctr"/>
-            <a:endParaRPr lang="en-US" dirty="0">
-              <a:solidFill>
-                <a:schemeClr val="bg1"/>
-              </a:solidFill>
-            </a:endParaRPr>
-          </a:p>
-        </p:txBody>
-      </p:sp>
-      <p:sp>
-        <p:nvSpPr>
-          <p:cNvPr id="8" name="TextBox 7">
+            <a:endParaRPr lang="en-US"/>
+          </a:p>
+        </p:txBody>
+      </p:sp>
+      <p:sp>
+        <p:nvSpPr>
+          <p:cNvPr id="5" name="TextBox 4">
             <a:extLst>
               <a:ext uri="{FF2B5EF4-FFF2-40B4-BE49-F238E27FC236}">
-                <a16:creationId xmlns:a16="http://schemas.microsoft.com/office/drawing/2014/main" id="{E4B4E29D-8CDB-4D0D-9617-4397C593DFA4}"/>
+                <a16:creationId xmlns:a16="http://schemas.microsoft.com/office/drawing/2014/main" id="{DA13B335-A914-40A1-A779-9571BF6493A2}"/>
               </a:ext>
             </a:extLst>
           </p:cNvPr>
@@ -8742,8 +11509,8 @@
         </p:nvSpPr>
         <p:spPr>
           <a:xfrm>
-            <a:off x="3230163" y="3565568"/>
-            <a:ext cx="1303562" cy="369332"/>
+            <a:off x="6871680" y="2510761"/>
+            <a:ext cx="2074171" cy="461665"/>
           </a:xfrm>
           <a:prstGeom prst="rect">
             <a:avLst/>
@@ -8751,543 +11518,18 @@
           <a:noFill/>
         </p:spPr>
         <p:txBody>
-          <a:bodyPr wrap="none" rtlCol="0">
-            <a:spAutoFit/>
-          </a:bodyPr>
-          <a:lstStyle/>
-          <a:p>
-            <a:r>
-              <a:rPr lang="en-US" dirty="0"/>
-              <a:t>2 per article</a:t>
-            </a:r>
-          </a:p>
-        </p:txBody>
-      </p:sp>
-      <p:sp>
-        <p:nvSpPr>
-          <p:cNvPr id="9" name="Arrow: Right 8">
-            <a:extLst>
-              <a:ext uri="{FF2B5EF4-FFF2-40B4-BE49-F238E27FC236}">
-                <a16:creationId xmlns:a16="http://schemas.microsoft.com/office/drawing/2014/main" id="{C97BE05B-531D-425B-AB46-D2E7E46B8F4E}"/>
-              </a:ext>
-            </a:extLst>
-          </p:cNvPr>
-          <p:cNvSpPr/>
-          <p:nvPr/>
-        </p:nvSpPr>
-        <p:spPr>
-          <a:xfrm>
-            <a:off x="5609155" y="3934900"/>
-            <a:ext cx="1239520" cy="430822"/>
-          </a:xfrm>
-          <a:prstGeom prst="rightArrow">
-            <a:avLst/>
-          </a:prstGeom>
-        </p:spPr>
-        <p:style>
-          <a:lnRef idx="2">
-            <a:schemeClr val="accent1">
-              <a:shade val="50000"/>
-            </a:schemeClr>
-          </a:lnRef>
-          <a:fillRef idx="1">
-            <a:schemeClr val="accent1"/>
-          </a:fillRef>
-          <a:effectRef idx="0">
-            <a:schemeClr val="accent1"/>
-          </a:effectRef>
-          <a:fontRef idx="minor">
-            <a:schemeClr val="lt1"/>
-          </a:fontRef>
-        </p:style>
-        <p:txBody>
-          <a:bodyPr rtlCol="0" anchor="ctr"/>
-          <a:lstStyle/>
-          <a:p>
-            <a:pPr algn="ctr"/>
-            <a:endParaRPr lang="en-US" dirty="0">
-              <a:solidFill>
-                <a:schemeClr val="bg1"/>
-              </a:solidFill>
-            </a:endParaRPr>
-          </a:p>
-        </p:txBody>
-      </p:sp>
-      <p:sp>
-        <p:nvSpPr>
-          <p:cNvPr id="10" name="TextBox 9">
-            <a:extLst>
-              <a:ext uri="{FF2B5EF4-FFF2-40B4-BE49-F238E27FC236}">
-                <a16:creationId xmlns:a16="http://schemas.microsoft.com/office/drawing/2014/main" id="{6E741DEE-2240-4190-9ADB-BDF27BF0B167}"/>
-              </a:ext>
-            </a:extLst>
-          </p:cNvPr>
-          <p:cNvSpPr txBox="1"/>
-          <p:nvPr/>
-        </p:nvSpPr>
-        <p:spPr>
-          <a:xfrm>
-            <a:off x="5545113" y="3565568"/>
-            <a:ext cx="1468672" cy="369332"/>
-          </a:xfrm>
-          <a:prstGeom prst="rect">
-            <a:avLst/>
-          </a:prstGeom>
-          <a:noFill/>
-        </p:spPr>
-        <p:txBody>
-          <a:bodyPr wrap="none" rtlCol="0">
-            <a:spAutoFit/>
-          </a:bodyPr>
-          <a:lstStyle/>
-          <a:p>
-            <a:r>
-              <a:rPr lang="en-US" dirty="0"/>
-              <a:t>&lt; 2 per article</a:t>
-            </a:r>
-          </a:p>
-        </p:txBody>
-      </p:sp>
-      <p:sp>
-        <p:nvSpPr>
-          <p:cNvPr id="11" name="Rectangle: Rounded Corners 10">
-            <a:extLst>
-              <a:ext uri="{FF2B5EF4-FFF2-40B4-BE49-F238E27FC236}">
-                <a16:creationId xmlns:a16="http://schemas.microsoft.com/office/drawing/2014/main" id="{C0854CC9-2DBB-4877-8F0F-9C7AEB9CF192}"/>
-              </a:ext>
-            </a:extLst>
-          </p:cNvPr>
-          <p:cNvSpPr/>
-          <p:nvPr/>
-        </p:nvSpPr>
-        <p:spPr>
-          <a:xfrm>
-            <a:off x="2001822" y="5258645"/>
-            <a:ext cx="1625545" cy="1412240"/>
-          </a:xfrm>
-          <a:prstGeom prst="roundRect">
-            <a:avLst/>
-          </a:prstGeom>
-        </p:spPr>
-        <p:style>
-          <a:lnRef idx="1">
-            <a:schemeClr val="accent2"/>
-          </a:lnRef>
-          <a:fillRef idx="2">
-            <a:schemeClr val="accent2"/>
-          </a:fillRef>
-          <a:effectRef idx="1">
-            <a:schemeClr val="accent2"/>
-          </a:effectRef>
-          <a:fontRef idx="minor">
-            <a:schemeClr val="dk1"/>
-          </a:fontRef>
-        </p:style>
-        <p:txBody>
-          <a:bodyPr rtlCol="0" anchor="t"/>
-          <a:lstStyle/>
-          <a:p>
-            <a:pPr algn="ctr"/>
-            <a:r>
-              <a:rPr lang="en-US" dirty="0"/>
-              <a:t>Selection</a:t>
-            </a:r>
-          </a:p>
-        </p:txBody>
-      </p:sp>
-      <p:sp>
-        <p:nvSpPr>
-          <p:cNvPr id="12" name="Trapezoid 11">
-            <a:extLst>
-              <a:ext uri="{FF2B5EF4-FFF2-40B4-BE49-F238E27FC236}">
-                <a16:creationId xmlns:a16="http://schemas.microsoft.com/office/drawing/2014/main" id="{360D87BE-69D5-4FB6-A935-5FA7F4DA3BF6}"/>
-              </a:ext>
-            </a:extLst>
-          </p:cNvPr>
-          <p:cNvSpPr/>
-          <p:nvPr/>
-        </p:nvSpPr>
-        <p:spPr>
-          <a:xfrm rot="5400000">
-            <a:off x="2283997" y="5787272"/>
-            <a:ext cx="898055" cy="617227"/>
-          </a:xfrm>
-          <a:prstGeom prst="trapezoid">
-            <a:avLst/>
-          </a:prstGeom>
-        </p:spPr>
-        <p:style>
-          <a:lnRef idx="1">
-            <a:schemeClr val="accent4"/>
-          </a:lnRef>
-          <a:fillRef idx="2">
-            <a:schemeClr val="accent4"/>
-          </a:fillRef>
-          <a:effectRef idx="1">
-            <a:schemeClr val="accent4"/>
-          </a:effectRef>
-          <a:fontRef idx="minor">
-            <a:schemeClr val="dk1"/>
-          </a:fontRef>
-        </p:style>
-        <p:txBody>
-          <a:bodyPr rtlCol="0" anchor="ctr"/>
-          <a:lstStyle/>
-          <a:p>
-            <a:pPr algn="ctr"/>
-            <a:endParaRPr lang="en-US" dirty="0"/>
-          </a:p>
-        </p:txBody>
-      </p:sp>
-      <p:sp>
-        <p:nvSpPr>
-          <p:cNvPr id="14" name="Arrow: Right 13">
-            <a:extLst>
-              <a:ext uri="{FF2B5EF4-FFF2-40B4-BE49-F238E27FC236}">
-                <a16:creationId xmlns:a16="http://schemas.microsoft.com/office/drawing/2014/main" id="{F09B2DD0-5745-474C-8221-05510DE5E055}"/>
-              </a:ext>
-            </a:extLst>
-          </p:cNvPr>
-          <p:cNvSpPr/>
-          <p:nvPr/>
-        </p:nvSpPr>
-        <p:spPr>
-          <a:xfrm>
-            <a:off x="3199936" y="5857083"/>
-            <a:ext cx="1024585" cy="383874"/>
-          </a:xfrm>
-          <a:prstGeom prst="rightArrow">
-            <a:avLst/>
-          </a:prstGeom>
-        </p:spPr>
-        <p:style>
-          <a:lnRef idx="2">
-            <a:schemeClr val="accent1">
-              <a:shade val="50000"/>
-            </a:schemeClr>
-          </a:lnRef>
-          <a:fillRef idx="1">
-            <a:schemeClr val="accent1"/>
-          </a:fillRef>
-          <a:effectRef idx="0">
-            <a:schemeClr val="accent1"/>
-          </a:effectRef>
-          <a:fontRef idx="minor">
-            <a:schemeClr val="lt1"/>
-          </a:fontRef>
-        </p:style>
-        <p:txBody>
-          <a:bodyPr rtlCol="0" anchor="ctr"/>
-          <a:lstStyle/>
-          <a:p>
-            <a:pPr algn="ctr"/>
-            <a:endParaRPr lang="en-US" dirty="0">
-              <a:solidFill>
-                <a:schemeClr val="bg1"/>
-              </a:solidFill>
-            </a:endParaRPr>
-          </a:p>
-        </p:txBody>
-      </p:sp>
-      <p:sp>
-        <p:nvSpPr>
-          <p:cNvPr id="15" name="TextBox 14">
-            <a:extLst>
-              <a:ext uri="{FF2B5EF4-FFF2-40B4-BE49-F238E27FC236}">
-                <a16:creationId xmlns:a16="http://schemas.microsoft.com/office/drawing/2014/main" id="{387E73E1-475E-45C8-BB04-72AA53D10460}"/>
-              </a:ext>
-            </a:extLst>
-          </p:cNvPr>
-          <p:cNvSpPr txBox="1"/>
-          <p:nvPr/>
-        </p:nvSpPr>
-        <p:spPr>
-          <a:xfrm>
-            <a:off x="3078255" y="5549321"/>
-            <a:ext cx="1455470" cy="369332"/>
-          </a:xfrm>
-          <a:prstGeom prst="rect">
-            <a:avLst/>
-          </a:prstGeom>
-          <a:noFill/>
-        </p:spPr>
-        <p:txBody>
           <a:bodyPr wrap="square" rtlCol="0">
             <a:spAutoFit/>
           </a:bodyPr>
           <a:lstStyle/>
           <a:p>
             <a:r>
-              <a:rPr lang="en-US" dirty="0">
+              <a:rPr lang="en-US" sz="2400" b="1" dirty="0">
                 <a:solidFill>
-                  <a:schemeClr val="bg1"/>
+                  <a:schemeClr val="accent6"/>
                 </a:solidFill>
               </a:rPr>
-              <a:t>2 per article</a:t>
-            </a:r>
-          </a:p>
-        </p:txBody>
-      </p:sp>
-      <p:sp>
-        <p:nvSpPr>
-          <p:cNvPr id="18" name="Rectangle: Rounded Corners 17">
-            <a:extLst>
-              <a:ext uri="{FF2B5EF4-FFF2-40B4-BE49-F238E27FC236}">
-                <a16:creationId xmlns:a16="http://schemas.microsoft.com/office/drawing/2014/main" id="{071171B3-EA5C-4517-99DD-1926E2A71083}"/>
-              </a:ext>
-            </a:extLst>
-          </p:cNvPr>
-          <p:cNvSpPr/>
-          <p:nvPr/>
-        </p:nvSpPr>
-        <p:spPr>
-          <a:xfrm>
-            <a:off x="4566703" y="5425726"/>
-            <a:ext cx="1625545" cy="1258343"/>
-          </a:xfrm>
-          <a:prstGeom prst="roundRect">
-            <a:avLst/>
-          </a:prstGeom>
-        </p:spPr>
-        <p:style>
-          <a:lnRef idx="1">
-            <a:schemeClr val="accent6"/>
-          </a:lnRef>
-          <a:fillRef idx="2">
-            <a:schemeClr val="accent6"/>
-          </a:fillRef>
-          <a:effectRef idx="1">
-            <a:schemeClr val="accent6"/>
-          </a:effectRef>
-          <a:fontRef idx="minor">
-            <a:schemeClr val="dk1"/>
-          </a:fontRef>
-        </p:style>
-        <p:txBody>
-          <a:bodyPr rtlCol="0" anchor="ctr"/>
-          <a:lstStyle/>
-          <a:p>
-            <a:pPr algn="ctr"/>
-            <a:r>
-              <a:rPr lang="en-US" dirty="0"/>
               <a:t>Realization</a:t>
-            </a:r>
-          </a:p>
-        </p:txBody>
-      </p:sp>
-      <p:sp>
-        <p:nvSpPr>
-          <p:cNvPr id="19" name="Rectangle: Rounded Corners 18">
-            <a:extLst>
-              <a:ext uri="{FF2B5EF4-FFF2-40B4-BE49-F238E27FC236}">
-                <a16:creationId xmlns:a16="http://schemas.microsoft.com/office/drawing/2014/main" id="{A9FFA0CA-2687-4EEA-BCDC-DA077FBC0467}"/>
-              </a:ext>
-            </a:extLst>
-          </p:cNvPr>
-          <p:cNvSpPr/>
-          <p:nvPr/>
-        </p:nvSpPr>
-        <p:spPr>
-          <a:xfrm>
-            <a:off x="7026048" y="3487149"/>
-            <a:ext cx="1372119" cy="1412240"/>
-          </a:xfrm>
-          <a:prstGeom prst="roundRect">
-            <a:avLst/>
-          </a:prstGeom>
-        </p:spPr>
-        <p:style>
-          <a:lnRef idx="1">
-            <a:schemeClr val="accent6"/>
-          </a:lnRef>
-          <a:fillRef idx="2">
-            <a:schemeClr val="accent6"/>
-          </a:fillRef>
-          <a:effectRef idx="1">
-            <a:schemeClr val="accent6"/>
-          </a:effectRef>
-          <a:fontRef idx="minor">
-            <a:schemeClr val="dk1"/>
-          </a:fontRef>
-        </p:style>
-        <p:txBody>
-          <a:bodyPr rtlCol="0" anchor="ctr"/>
-          <a:lstStyle/>
-          <a:p>
-            <a:pPr algn="ctr"/>
-            <a:r>
-              <a:rPr lang="en-US" dirty="0"/>
-              <a:t>Remaining Realization</a:t>
-            </a:r>
-          </a:p>
-        </p:txBody>
-      </p:sp>
-      <p:sp>
-        <p:nvSpPr>
-          <p:cNvPr id="20" name="Arrow: Right 19">
-            <a:extLst>
-              <a:ext uri="{FF2B5EF4-FFF2-40B4-BE49-F238E27FC236}">
-                <a16:creationId xmlns:a16="http://schemas.microsoft.com/office/drawing/2014/main" id="{2BC92DBF-3348-4A2A-AF44-94271FBCAA69}"/>
-              </a:ext>
-            </a:extLst>
-          </p:cNvPr>
-          <p:cNvSpPr/>
-          <p:nvPr/>
-        </p:nvSpPr>
-        <p:spPr>
-          <a:xfrm>
-            <a:off x="1287964" y="5823569"/>
-            <a:ext cx="1056640" cy="430822"/>
-          </a:xfrm>
-          <a:prstGeom prst="rightArrow">
-            <a:avLst/>
-          </a:prstGeom>
-        </p:spPr>
-        <p:style>
-          <a:lnRef idx="2">
-            <a:schemeClr val="accent1">
-              <a:shade val="50000"/>
-            </a:schemeClr>
-          </a:lnRef>
-          <a:fillRef idx="1">
-            <a:schemeClr val="accent1"/>
-          </a:fillRef>
-          <a:effectRef idx="0">
-            <a:schemeClr val="accent1"/>
-          </a:effectRef>
-          <a:fontRef idx="minor">
-            <a:schemeClr val="lt1"/>
-          </a:fontRef>
-        </p:style>
-        <p:txBody>
-          <a:bodyPr rtlCol="0" anchor="ctr"/>
-          <a:lstStyle/>
-          <a:p>
-            <a:pPr algn="ctr"/>
-            <a:endParaRPr lang="en-US" dirty="0">
-              <a:solidFill>
-                <a:schemeClr val="bg1"/>
-              </a:solidFill>
-            </a:endParaRPr>
-          </a:p>
-        </p:txBody>
-      </p:sp>
-      <p:sp>
-        <p:nvSpPr>
-          <p:cNvPr id="21" name="Arrow: Right 20">
-            <a:extLst>
-              <a:ext uri="{FF2B5EF4-FFF2-40B4-BE49-F238E27FC236}">
-                <a16:creationId xmlns:a16="http://schemas.microsoft.com/office/drawing/2014/main" id="{E12E0905-A71C-4813-845B-0D6FF996228C}"/>
-              </a:ext>
-            </a:extLst>
-          </p:cNvPr>
-          <p:cNvSpPr/>
-          <p:nvPr/>
-        </p:nvSpPr>
-        <p:spPr>
-          <a:xfrm>
-            <a:off x="1287963" y="3855938"/>
-            <a:ext cx="842727" cy="430822"/>
-          </a:xfrm>
-          <a:prstGeom prst="rightArrow">
-            <a:avLst/>
-          </a:prstGeom>
-        </p:spPr>
-        <p:style>
-          <a:lnRef idx="2">
-            <a:schemeClr val="accent1">
-              <a:shade val="50000"/>
-            </a:schemeClr>
-          </a:lnRef>
-          <a:fillRef idx="1">
-            <a:schemeClr val="accent1"/>
-          </a:fillRef>
-          <a:effectRef idx="0">
-            <a:schemeClr val="accent1"/>
-          </a:effectRef>
-          <a:fontRef idx="minor">
-            <a:schemeClr val="lt1"/>
-          </a:fontRef>
-        </p:style>
-        <p:txBody>
-          <a:bodyPr rtlCol="0" anchor="ctr"/>
-          <a:lstStyle/>
-          <a:p>
-            <a:pPr algn="ctr"/>
-            <a:endParaRPr lang="en-US" dirty="0">
-              <a:solidFill>
-                <a:schemeClr val="bg1"/>
-              </a:solidFill>
-            </a:endParaRPr>
-          </a:p>
-        </p:txBody>
-      </p:sp>
-      <p:sp>
-        <p:nvSpPr>
-          <p:cNvPr id="22" name="TextBox 21">
-            <a:extLst>
-              <a:ext uri="{FF2B5EF4-FFF2-40B4-BE49-F238E27FC236}">
-                <a16:creationId xmlns:a16="http://schemas.microsoft.com/office/drawing/2014/main" id="{3C65E5DB-EB01-488D-8401-80945BA1E217}"/>
-              </a:ext>
-            </a:extLst>
-          </p:cNvPr>
-          <p:cNvSpPr txBox="1"/>
-          <p:nvPr/>
-        </p:nvSpPr>
-        <p:spPr>
-          <a:xfrm>
-            <a:off x="263962" y="3763540"/>
-            <a:ext cx="1010400" cy="523220"/>
-          </a:xfrm>
-          <a:prstGeom prst="rect">
-            <a:avLst/>
-          </a:prstGeom>
-          <a:noFill/>
-        </p:spPr>
-        <p:txBody>
-          <a:bodyPr wrap="square" rtlCol="0">
-            <a:spAutoFit/>
-          </a:bodyPr>
-          <a:lstStyle/>
-          <a:p>
-            <a:r>
-              <a:rPr lang="en-US" sz="2800" dirty="0"/>
-              <a:t>Old:</a:t>
-            </a:r>
-          </a:p>
-        </p:txBody>
-      </p:sp>
-      <p:sp>
-        <p:nvSpPr>
-          <p:cNvPr id="23" name="TextBox 22">
-            <a:extLst>
-              <a:ext uri="{FF2B5EF4-FFF2-40B4-BE49-F238E27FC236}">
-                <a16:creationId xmlns:a16="http://schemas.microsoft.com/office/drawing/2014/main" id="{A2F2430A-EB3B-4E74-BBC5-8777A4D35BAC}"/>
-              </a:ext>
-            </a:extLst>
-          </p:cNvPr>
-          <p:cNvSpPr txBox="1"/>
-          <p:nvPr/>
-        </p:nvSpPr>
-        <p:spPr>
-          <a:xfrm>
-            <a:off x="259055" y="5743596"/>
-            <a:ext cx="1010400" cy="523220"/>
-          </a:xfrm>
-          <a:prstGeom prst="rect">
-            <a:avLst/>
-          </a:prstGeom>
-          <a:noFill/>
-        </p:spPr>
-        <p:txBody>
-          <a:bodyPr wrap="square" rtlCol="0">
-            <a:spAutoFit/>
-          </a:bodyPr>
-          <a:lstStyle/>
-          <a:p>
-            <a:r>
-              <a:rPr lang="en-US" sz="2800" dirty="0"/>
-              <a:t>New:</a:t>
             </a:r>
           </a:p>
         </p:txBody>
@@ -9295,7 +11537,7 @@
     </p:spTree>
     <p:extLst>
       <p:ext uri="{BB962C8B-B14F-4D97-AF65-F5344CB8AC3E}">
-        <p14:creationId xmlns:p14="http://schemas.microsoft.com/office/powerpoint/2010/main" val="1982611577"/>
+        <p14:creationId xmlns:p14="http://schemas.microsoft.com/office/powerpoint/2010/main" val="3749815400"/>
       </p:ext>
     </p:extLst>
   </p:cSld>
@@ -9327,7 +11569,7 @@
           <p:cNvPr id="2" name="Title 1">
             <a:extLst>
               <a:ext uri="{FF2B5EF4-FFF2-40B4-BE49-F238E27FC236}">
-                <a16:creationId xmlns:a16="http://schemas.microsoft.com/office/drawing/2014/main" id="{83E68D61-ED96-4416-B883-7645653AEE46}"/>
+                <a16:creationId xmlns:a16="http://schemas.microsoft.com/office/drawing/2014/main" id="{BE96DB2D-E3BA-4832-9999-CCE880797DF2}"/>
               </a:ext>
             </a:extLst>
           </p:cNvPr>
@@ -9345,12 +11587,8 @@
           <a:p>
             <a:r>
               <a:rPr lang="en-US" dirty="0"/>
-              <a:t>Ordering Updates</a:t>
-            </a:r>
-            <a:br>
-              <a:rPr lang="en-US" dirty="0"/>
-            </a:br>
-            <a:endParaRPr lang="en-US" dirty="0"/>
+              <a:t>Realization Updates</a:t>
+            </a:r>
           </a:p>
         </p:txBody>
       </p:sp>
@@ -9359,7 +11597,7 @@
           <p:cNvPr id="3" name="Content Placeholder 2">
             <a:extLst>
               <a:ext uri="{FF2B5EF4-FFF2-40B4-BE49-F238E27FC236}">
-                <a16:creationId xmlns:a16="http://schemas.microsoft.com/office/drawing/2014/main" id="{E4E6DCE7-6F93-4C89-9547-9D68557286BB}"/>
+                <a16:creationId xmlns:a16="http://schemas.microsoft.com/office/drawing/2014/main" id="{6C539262-E349-4D5D-B6BB-CAAE6B6D423C}"/>
               </a:ext>
             </a:extLst>
           </p:cNvPr>
@@ -9370,7 +11608,12 @@
             <p:ph idx="1"/>
           </p:nvPr>
         </p:nvSpPr>
-        <p:spPr/>
+        <p:spPr>
+          <a:xfrm>
+            <a:off x="1202919" y="2011680"/>
+            <a:ext cx="9784080" cy="2489200"/>
+          </a:xfrm>
+        </p:spPr>
         <p:txBody>
           <a:bodyPr>
             <a:normAutofit/>
@@ -9378,65 +11621,866 @@
           <a:lstStyle/>
           <a:p>
             <a:r>
-              <a:rPr lang="en-US" sz="3200" dirty="0"/>
-              <a:t>D3: “Expert” approach from </a:t>
-            </a:r>
-            <a:r>
-              <a:rPr lang="en-US" sz="3200" dirty="0" err="1"/>
-              <a:t>Bollegala</a:t>
-            </a:r>
-            <a:r>
-              <a:rPr lang="en-US" sz="3200" dirty="0"/>
-              <a:t> et al.</a:t>
-            </a:r>
-          </a:p>
-          <a:p>
-            <a:pPr lvl="1"/>
-            <a:r>
               <a:rPr lang="en-US" sz="2800" dirty="0"/>
-              <a:t>Chronology, Topical closeness</a:t>
-            </a:r>
-          </a:p>
-          <a:p>
-            <a:r>
-              <a:rPr lang="en-US" sz="3200" dirty="0"/>
-              <a:t>D4: Additional features for first sentence</a:t>
-            </a:r>
-          </a:p>
-          <a:p>
-            <a:pPr lvl="1"/>
+              <a:t>Move some screening into content selection</a:t>
+            </a:r>
+          </a:p>
+          <a:p>
             <a:r>
               <a:rPr lang="en-US" sz="2800" dirty="0"/>
-              <a:t>Positive Feature: Word count</a:t>
-            </a:r>
-          </a:p>
-          <a:p>
-            <a:pPr lvl="1"/>
+              <a:t>Only usable sentences are now available for realization</a:t>
+            </a:r>
+            <a:endParaRPr lang="en-US" sz="2400" dirty="0"/>
+          </a:p>
+          <a:p>
+            <a:pPr marL="457200" lvl="1" indent="0">
+              <a:buNone/>
+            </a:pPr>
+            <a:endParaRPr lang="en-US" sz="2400" dirty="0"/>
+          </a:p>
+        </p:txBody>
+      </p:sp>
+      <p:sp>
+        <p:nvSpPr>
+          <p:cNvPr id="4" name="Rectangle: Rounded Corners 3">
+            <a:extLst>
+              <a:ext uri="{FF2B5EF4-FFF2-40B4-BE49-F238E27FC236}">
+                <a16:creationId xmlns:a16="http://schemas.microsoft.com/office/drawing/2014/main" id="{A6CDF2D6-D0B2-490F-839C-413BA97A1611}"/>
+              </a:ext>
+            </a:extLst>
+          </p:cNvPr>
+          <p:cNvSpPr/>
+          <p:nvPr/>
+        </p:nvSpPr>
+        <p:spPr>
+          <a:xfrm>
+            <a:off x="2001823" y="3331720"/>
+            <a:ext cx="1239520" cy="1412240"/>
+          </a:xfrm>
+          <a:prstGeom prst="roundRect">
+            <a:avLst/>
+          </a:prstGeom>
+        </p:spPr>
+        <p:style>
+          <a:lnRef idx="1">
+            <a:schemeClr val="accent2"/>
+          </a:lnRef>
+          <a:fillRef idx="2">
+            <a:schemeClr val="accent2"/>
+          </a:fillRef>
+          <a:effectRef idx="1">
+            <a:schemeClr val="accent2"/>
+          </a:effectRef>
+          <a:fontRef idx="minor">
+            <a:schemeClr val="dk1"/>
+          </a:fontRef>
+        </p:style>
+        <p:txBody>
+          <a:bodyPr rtlCol="0" anchor="ctr"/>
+          <a:lstStyle/>
+          <a:p>
+            <a:pPr algn="ctr"/>
+            <a:r>
+              <a:rPr lang="en-US" dirty="0"/>
+              <a:t>Selection</a:t>
+            </a:r>
+          </a:p>
+        </p:txBody>
+      </p:sp>
+      <p:sp>
+        <p:nvSpPr>
+          <p:cNvPr id="5" name="Trapezoid 4">
+            <a:extLst>
+              <a:ext uri="{FF2B5EF4-FFF2-40B4-BE49-F238E27FC236}">
+                <a16:creationId xmlns:a16="http://schemas.microsoft.com/office/drawing/2014/main" id="{939EA0A1-B014-49B6-B177-51E56A9CD015}"/>
+              </a:ext>
+            </a:extLst>
+          </p:cNvPr>
+          <p:cNvSpPr/>
+          <p:nvPr/>
+        </p:nvSpPr>
+        <p:spPr>
+          <a:xfrm rot="5400000">
+            <a:off x="4264703" y="3580869"/>
+            <a:ext cx="1584960" cy="980960"/>
+          </a:xfrm>
+          <a:prstGeom prst="trapezoid">
+            <a:avLst/>
+          </a:prstGeom>
+        </p:spPr>
+        <p:style>
+          <a:lnRef idx="1">
+            <a:schemeClr val="accent4"/>
+          </a:lnRef>
+          <a:fillRef idx="2">
+            <a:schemeClr val="accent4"/>
+          </a:fillRef>
+          <a:effectRef idx="1">
+            <a:schemeClr val="accent4"/>
+          </a:effectRef>
+          <a:fontRef idx="minor">
+            <a:schemeClr val="dk1"/>
+          </a:fontRef>
+        </p:style>
+        <p:txBody>
+          <a:bodyPr rtlCol="0" anchor="ctr"/>
+          <a:lstStyle/>
+          <a:p>
+            <a:pPr algn="ctr"/>
+            <a:endParaRPr lang="en-US" dirty="0"/>
+          </a:p>
+        </p:txBody>
+      </p:sp>
+      <p:sp>
+        <p:nvSpPr>
+          <p:cNvPr id="6" name="TextBox 5">
+            <a:extLst>
+              <a:ext uri="{FF2B5EF4-FFF2-40B4-BE49-F238E27FC236}">
+                <a16:creationId xmlns:a16="http://schemas.microsoft.com/office/drawing/2014/main" id="{46CF0958-035C-46B9-B2B7-7ABAB06F6564}"/>
+              </a:ext>
+            </a:extLst>
+          </p:cNvPr>
+          <p:cNvSpPr txBox="1"/>
+          <p:nvPr/>
+        </p:nvSpPr>
+        <p:spPr>
+          <a:xfrm>
+            <a:off x="4512884" y="3787665"/>
+            <a:ext cx="1229360" cy="646331"/>
+          </a:xfrm>
+          <a:prstGeom prst="rect">
+            <a:avLst/>
+          </a:prstGeom>
+          <a:noFill/>
+        </p:spPr>
+        <p:txBody>
+          <a:bodyPr wrap="square" rtlCol="0">
+            <a:spAutoFit/>
+          </a:bodyPr>
+          <a:lstStyle/>
+          <a:p>
+            <a:r>
+              <a:rPr lang="en-US" dirty="0"/>
+              <a:t>Sentence Filtering</a:t>
+            </a:r>
+          </a:p>
+        </p:txBody>
+      </p:sp>
+      <p:sp>
+        <p:nvSpPr>
+          <p:cNvPr id="7" name="Arrow: Right 6">
+            <a:extLst>
+              <a:ext uri="{FF2B5EF4-FFF2-40B4-BE49-F238E27FC236}">
+                <a16:creationId xmlns:a16="http://schemas.microsoft.com/office/drawing/2014/main" id="{CAD7AB16-01C1-4EDB-B43B-ABDEAB022A31}"/>
+              </a:ext>
+            </a:extLst>
+          </p:cNvPr>
+          <p:cNvSpPr/>
+          <p:nvPr/>
+        </p:nvSpPr>
+        <p:spPr>
+          <a:xfrm>
+            <a:off x="3311942" y="3855938"/>
+            <a:ext cx="1056640" cy="430822"/>
+          </a:xfrm>
+          <a:prstGeom prst="rightArrow">
+            <a:avLst/>
+          </a:prstGeom>
+        </p:spPr>
+        <p:style>
+          <a:lnRef idx="2">
+            <a:schemeClr val="accent1">
+              <a:shade val="50000"/>
+            </a:schemeClr>
+          </a:lnRef>
+          <a:fillRef idx="1">
+            <a:schemeClr val="accent1"/>
+          </a:fillRef>
+          <a:effectRef idx="0">
+            <a:schemeClr val="accent1"/>
+          </a:effectRef>
+          <a:fontRef idx="minor">
+            <a:schemeClr val="lt1"/>
+          </a:fontRef>
+        </p:style>
+        <p:txBody>
+          <a:bodyPr rtlCol="0" anchor="ctr"/>
+          <a:lstStyle/>
+          <a:p>
+            <a:pPr algn="ctr"/>
+            <a:endParaRPr lang="en-US" dirty="0">
+              <a:solidFill>
+                <a:schemeClr val="bg1"/>
+              </a:solidFill>
+            </a:endParaRPr>
+          </a:p>
+        </p:txBody>
+      </p:sp>
+      <p:sp>
+        <p:nvSpPr>
+          <p:cNvPr id="8" name="TextBox 7">
+            <a:extLst>
+              <a:ext uri="{FF2B5EF4-FFF2-40B4-BE49-F238E27FC236}">
+                <a16:creationId xmlns:a16="http://schemas.microsoft.com/office/drawing/2014/main" id="{E4B4E29D-8CDB-4D0D-9617-4397C593DFA4}"/>
+              </a:ext>
+            </a:extLst>
+          </p:cNvPr>
+          <p:cNvSpPr txBox="1"/>
+          <p:nvPr/>
+        </p:nvSpPr>
+        <p:spPr>
+          <a:xfrm>
+            <a:off x="3230163" y="3565568"/>
+            <a:ext cx="1303562" cy="369332"/>
+          </a:xfrm>
+          <a:prstGeom prst="rect">
+            <a:avLst/>
+          </a:prstGeom>
+          <a:noFill/>
+        </p:spPr>
+        <p:txBody>
+          <a:bodyPr wrap="none" rtlCol="0">
+            <a:spAutoFit/>
+          </a:bodyPr>
+          <a:lstStyle/>
+          <a:p>
+            <a:r>
+              <a:rPr lang="en-US" dirty="0"/>
+              <a:t>2 per article</a:t>
+            </a:r>
+          </a:p>
+        </p:txBody>
+      </p:sp>
+      <p:sp>
+        <p:nvSpPr>
+          <p:cNvPr id="9" name="Arrow: Right 8">
+            <a:extLst>
+              <a:ext uri="{FF2B5EF4-FFF2-40B4-BE49-F238E27FC236}">
+                <a16:creationId xmlns:a16="http://schemas.microsoft.com/office/drawing/2014/main" id="{C97BE05B-531D-425B-AB46-D2E7E46B8F4E}"/>
+              </a:ext>
+            </a:extLst>
+          </p:cNvPr>
+          <p:cNvSpPr/>
+          <p:nvPr/>
+        </p:nvSpPr>
+        <p:spPr>
+          <a:xfrm>
+            <a:off x="5609155" y="3934900"/>
+            <a:ext cx="1239520" cy="430822"/>
+          </a:xfrm>
+          <a:prstGeom prst="rightArrow">
+            <a:avLst/>
+          </a:prstGeom>
+        </p:spPr>
+        <p:style>
+          <a:lnRef idx="2">
+            <a:schemeClr val="accent1">
+              <a:shade val="50000"/>
+            </a:schemeClr>
+          </a:lnRef>
+          <a:fillRef idx="1">
+            <a:schemeClr val="accent1"/>
+          </a:fillRef>
+          <a:effectRef idx="0">
+            <a:schemeClr val="accent1"/>
+          </a:effectRef>
+          <a:fontRef idx="minor">
+            <a:schemeClr val="lt1"/>
+          </a:fontRef>
+        </p:style>
+        <p:txBody>
+          <a:bodyPr rtlCol="0" anchor="ctr"/>
+          <a:lstStyle/>
+          <a:p>
+            <a:pPr algn="ctr"/>
+            <a:endParaRPr lang="en-US" dirty="0">
+              <a:solidFill>
+                <a:schemeClr val="bg1"/>
+              </a:solidFill>
+            </a:endParaRPr>
+          </a:p>
+        </p:txBody>
+      </p:sp>
+      <p:sp>
+        <p:nvSpPr>
+          <p:cNvPr id="10" name="TextBox 9">
+            <a:extLst>
+              <a:ext uri="{FF2B5EF4-FFF2-40B4-BE49-F238E27FC236}">
+                <a16:creationId xmlns:a16="http://schemas.microsoft.com/office/drawing/2014/main" id="{6E741DEE-2240-4190-9ADB-BDF27BF0B167}"/>
+              </a:ext>
+            </a:extLst>
+          </p:cNvPr>
+          <p:cNvSpPr txBox="1"/>
+          <p:nvPr/>
+        </p:nvSpPr>
+        <p:spPr>
+          <a:xfrm>
+            <a:off x="5545113" y="3565568"/>
+            <a:ext cx="1468672" cy="369332"/>
+          </a:xfrm>
+          <a:prstGeom prst="rect">
+            <a:avLst/>
+          </a:prstGeom>
+          <a:noFill/>
+        </p:spPr>
+        <p:txBody>
+          <a:bodyPr wrap="none" rtlCol="0">
+            <a:spAutoFit/>
+          </a:bodyPr>
+          <a:lstStyle/>
+          <a:p>
+            <a:r>
+              <a:rPr lang="en-US" dirty="0"/>
+              <a:t>&lt; 2 per article</a:t>
+            </a:r>
+          </a:p>
+        </p:txBody>
+      </p:sp>
+      <p:sp>
+        <p:nvSpPr>
+          <p:cNvPr id="11" name="Rectangle: Rounded Corners 10">
+            <a:extLst>
+              <a:ext uri="{FF2B5EF4-FFF2-40B4-BE49-F238E27FC236}">
+                <a16:creationId xmlns:a16="http://schemas.microsoft.com/office/drawing/2014/main" id="{C0854CC9-2DBB-4877-8F0F-9C7AEB9CF192}"/>
+              </a:ext>
+            </a:extLst>
+          </p:cNvPr>
+          <p:cNvSpPr/>
+          <p:nvPr/>
+        </p:nvSpPr>
+        <p:spPr>
+          <a:xfrm>
+            <a:off x="2001822" y="5258645"/>
+            <a:ext cx="1625545" cy="1412240"/>
+          </a:xfrm>
+          <a:prstGeom prst="roundRect">
+            <a:avLst/>
+          </a:prstGeom>
+        </p:spPr>
+        <p:style>
+          <a:lnRef idx="1">
+            <a:schemeClr val="accent2"/>
+          </a:lnRef>
+          <a:fillRef idx="2">
+            <a:schemeClr val="accent2"/>
+          </a:fillRef>
+          <a:effectRef idx="1">
+            <a:schemeClr val="accent2"/>
+          </a:effectRef>
+          <a:fontRef idx="minor">
+            <a:schemeClr val="dk1"/>
+          </a:fontRef>
+        </p:style>
+        <p:txBody>
+          <a:bodyPr rtlCol="0" anchor="t"/>
+          <a:lstStyle/>
+          <a:p>
+            <a:pPr algn="ctr"/>
+            <a:r>
+              <a:rPr lang="en-US" dirty="0"/>
+              <a:t>Selection</a:t>
+            </a:r>
+          </a:p>
+        </p:txBody>
+      </p:sp>
+      <p:sp>
+        <p:nvSpPr>
+          <p:cNvPr id="12" name="Trapezoid 11">
+            <a:extLst>
+              <a:ext uri="{FF2B5EF4-FFF2-40B4-BE49-F238E27FC236}">
+                <a16:creationId xmlns:a16="http://schemas.microsoft.com/office/drawing/2014/main" id="{360D87BE-69D5-4FB6-A935-5FA7F4DA3BF6}"/>
+              </a:ext>
+            </a:extLst>
+          </p:cNvPr>
+          <p:cNvSpPr/>
+          <p:nvPr/>
+        </p:nvSpPr>
+        <p:spPr>
+          <a:xfrm rot="5400000">
+            <a:off x="2283997" y="5787272"/>
+            <a:ext cx="898055" cy="617227"/>
+          </a:xfrm>
+          <a:prstGeom prst="trapezoid">
+            <a:avLst/>
+          </a:prstGeom>
+        </p:spPr>
+        <p:style>
+          <a:lnRef idx="1">
+            <a:schemeClr val="accent4"/>
+          </a:lnRef>
+          <a:fillRef idx="2">
+            <a:schemeClr val="accent4"/>
+          </a:fillRef>
+          <a:effectRef idx="1">
+            <a:schemeClr val="accent4"/>
+          </a:effectRef>
+          <a:fontRef idx="minor">
+            <a:schemeClr val="dk1"/>
+          </a:fontRef>
+        </p:style>
+        <p:txBody>
+          <a:bodyPr rtlCol="0" anchor="ctr"/>
+          <a:lstStyle/>
+          <a:p>
+            <a:pPr algn="ctr"/>
+            <a:endParaRPr lang="en-US" dirty="0"/>
+          </a:p>
+        </p:txBody>
+      </p:sp>
+      <p:sp>
+        <p:nvSpPr>
+          <p:cNvPr id="14" name="Arrow: Right 13">
+            <a:extLst>
+              <a:ext uri="{FF2B5EF4-FFF2-40B4-BE49-F238E27FC236}">
+                <a16:creationId xmlns:a16="http://schemas.microsoft.com/office/drawing/2014/main" id="{F09B2DD0-5745-474C-8221-05510DE5E055}"/>
+              </a:ext>
+            </a:extLst>
+          </p:cNvPr>
+          <p:cNvSpPr/>
+          <p:nvPr/>
+        </p:nvSpPr>
+        <p:spPr>
+          <a:xfrm>
+            <a:off x="3199936" y="5857083"/>
+            <a:ext cx="1024585" cy="383874"/>
+          </a:xfrm>
+          <a:prstGeom prst="rightArrow">
+            <a:avLst/>
+          </a:prstGeom>
+        </p:spPr>
+        <p:style>
+          <a:lnRef idx="2">
+            <a:schemeClr val="accent1">
+              <a:shade val="50000"/>
+            </a:schemeClr>
+          </a:lnRef>
+          <a:fillRef idx="1">
+            <a:schemeClr val="accent1"/>
+          </a:fillRef>
+          <a:effectRef idx="0">
+            <a:schemeClr val="accent1"/>
+          </a:effectRef>
+          <a:fontRef idx="minor">
+            <a:schemeClr val="lt1"/>
+          </a:fontRef>
+        </p:style>
+        <p:txBody>
+          <a:bodyPr rtlCol="0" anchor="ctr"/>
+          <a:lstStyle/>
+          <a:p>
+            <a:pPr algn="ctr"/>
+            <a:endParaRPr lang="en-US" dirty="0">
+              <a:solidFill>
+                <a:schemeClr val="bg1"/>
+              </a:solidFill>
+            </a:endParaRPr>
+          </a:p>
+        </p:txBody>
+      </p:sp>
+      <p:sp>
+        <p:nvSpPr>
+          <p:cNvPr id="15" name="TextBox 14">
+            <a:extLst>
+              <a:ext uri="{FF2B5EF4-FFF2-40B4-BE49-F238E27FC236}">
+                <a16:creationId xmlns:a16="http://schemas.microsoft.com/office/drawing/2014/main" id="{387E73E1-475E-45C8-BB04-72AA53D10460}"/>
+              </a:ext>
+            </a:extLst>
+          </p:cNvPr>
+          <p:cNvSpPr txBox="1"/>
+          <p:nvPr/>
+        </p:nvSpPr>
+        <p:spPr>
+          <a:xfrm>
+            <a:off x="3078255" y="5549321"/>
+            <a:ext cx="1455470" cy="369332"/>
+          </a:xfrm>
+          <a:prstGeom prst="rect">
+            <a:avLst/>
+          </a:prstGeom>
+          <a:noFill/>
+        </p:spPr>
+        <p:txBody>
+          <a:bodyPr wrap="square" rtlCol="0">
+            <a:spAutoFit/>
+          </a:bodyPr>
+          <a:lstStyle/>
+          <a:p>
+            <a:r>
+              <a:rPr lang="en-US" dirty="0">
+                <a:solidFill>
+                  <a:schemeClr val="bg1"/>
+                </a:solidFill>
+              </a:rPr>
+              <a:t>2 per article</a:t>
+            </a:r>
+          </a:p>
+        </p:txBody>
+      </p:sp>
+      <p:sp>
+        <p:nvSpPr>
+          <p:cNvPr id="18" name="Rectangle: Rounded Corners 17">
+            <a:extLst>
+              <a:ext uri="{FF2B5EF4-FFF2-40B4-BE49-F238E27FC236}">
+                <a16:creationId xmlns:a16="http://schemas.microsoft.com/office/drawing/2014/main" id="{071171B3-EA5C-4517-99DD-1926E2A71083}"/>
+              </a:ext>
+            </a:extLst>
+          </p:cNvPr>
+          <p:cNvSpPr/>
+          <p:nvPr/>
+        </p:nvSpPr>
+        <p:spPr>
+          <a:xfrm>
+            <a:off x="4566703" y="5425726"/>
+            <a:ext cx="1625545" cy="1258343"/>
+          </a:xfrm>
+          <a:prstGeom prst="roundRect">
+            <a:avLst/>
+          </a:prstGeom>
+        </p:spPr>
+        <p:style>
+          <a:lnRef idx="1">
+            <a:schemeClr val="accent6"/>
+          </a:lnRef>
+          <a:fillRef idx="2">
+            <a:schemeClr val="accent6"/>
+          </a:fillRef>
+          <a:effectRef idx="1">
+            <a:schemeClr val="accent6"/>
+          </a:effectRef>
+          <a:fontRef idx="minor">
+            <a:schemeClr val="dk1"/>
+          </a:fontRef>
+        </p:style>
+        <p:txBody>
+          <a:bodyPr rtlCol="0" anchor="ctr"/>
+          <a:lstStyle/>
+          <a:p>
+            <a:pPr algn="ctr"/>
+            <a:r>
+              <a:rPr lang="en-US" dirty="0"/>
+              <a:t>Realization</a:t>
+            </a:r>
+          </a:p>
+        </p:txBody>
+      </p:sp>
+      <p:sp>
+        <p:nvSpPr>
+          <p:cNvPr id="19" name="Rectangle: Rounded Corners 18">
+            <a:extLst>
+              <a:ext uri="{FF2B5EF4-FFF2-40B4-BE49-F238E27FC236}">
+                <a16:creationId xmlns:a16="http://schemas.microsoft.com/office/drawing/2014/main" id="{A9FFA0CA-2687-4EEA-BCDC-DA077FBC0467}"/>
+              </a:ext>
+            </a:extLst>
+          </p:cNvPr>
+          <p:cNvSpPr/>
+          <p:nvPr/>
+        </p:nvSpPr>
+        <p:spPr>
+          <a:xfrm>
+            <a:off x="7026048" y="3487149"/>
+            <a:ext cx="1372119" cy="1412240"/>
+          </a:xfrm>
+          <a:prstGeom prst="roundRect">
+            <a:avLst/>
+          </a:prstGeom>
+        </p:spPr>
+        <p:style>
+          <a:lnRef idx="1">
+            <a:schemeClr val="accent6"/>
+          </a:lnRef>
+          <a:fillRef idx="2">
+            <a:schemeClr val="accent6"/>
+          </a:fillRef>
+          <a:effectRef idx="1">
+            <a:schemeClr val="accent6"/>
+          </a:effectRef>
+          <a:fontRef idx="minor">
+            <a:schemeClr val="dk1"/>
+          </a:fontRef>
+        </p:style>
+        <p:txBody>
+          <a:bodyPr rtlCol="0" anchor="ctr"/>
+          <a:lstStyle/>
+          <a:p>
+            <a:pPr algn="ctr"/>
+            <a:r>
+              <a:rPr lang="en-US" dirty="0"/>
+              <a:t>Remaining Realization</a:t>
+            </a:r>
+          </a:p>
+        </p:txBody>
+      </p:sp>
+      <p:sp>
+        <p:nvSpPr>
+          <p:cNvPr id="20" name="Arrow: Right 19">
+            <a:extLst>
+              <a:ext uri="{FF2B5EF4-FFF2-40B4-BE49-F238E27FC236}">
+                <a16:creationId xmlns:a16="http://schemas.microsoft.com/office/drawing/2014/main" id="{2BC92DBF-3348-4A2A-AF44-94271FBCAA69}"/>
+              </a:ext>
+            </a:extLst>
+          </p:cNvPr>
+          <p:cNvSpPr/>
+          <p:nvPr/>
+        </p:nvSpPr>
+        <p:spPr>
+          <a:xfrm>
+            <a:off x="1287964" y="5823569"/>
+            <a:ext cx="1056640" cy="430822"/>
+          </a:xfrm>
+          <a:prstGeom prst="rightArrow">
+            <a:avLst/>
+          </a:prstGeom>
+        </p:spPr>
+        <p:style>
+          <a:lnRef idx="2">
+            <a:schemeClr val="accent1">
+              <a:shade val="50000"/>
+            </a:schemeClr>
+          </a:lnRef>
+          <a:fillRef idx="1">
+            <a:schemeClr val="accent1"/>
+          </a:fillRef>
+          <a:effectRef idx="0">
+            <a:schemeClr val="accent1"/>
+          </a:effectRef>
+          <a:fontRef idx="minor">
+            <a:schemeClr val="lt1"/>
+          </a:fontRef>
+        </p:style>
+        <p:txBody>
+          <a:bodyPr rtlCol="0" anchor="ctr"/>
+          <a:lstStyle/>
+          <a:p>
+            <a:pPr algn="ctr"/>
+            <a:endParaRPr lang="en-US" dirty="0">
+              <a:solidFill>
+                <a:schemeClr val="bg1"/>
+              </a:solidFill>
+            </a:endParaRPr>
+          </a:p>
+        </p:txBody>
+      </p:sp>
+      <p:sp>
+        <p:nvSpPr>
+          <p:cNvPr id="21" name="Arrow: Right 20">
+            <a:extLst>
+              <a:ext uri="{FF2B5EF4-FFF2-40B4-BE49-F238E27FC236}">
+                <a16:creationId xmlns:a16="http://schemas.microsoft.com/office/drawing/2014/main" id="{E12E0905-A71C-4813-845B-0D6FF996228C}"/>
+              </a:ext>
+            </a:extLst>
+          </p:cNvPr>
+          <p:cNvSpPr/>
+          <p:nvPr/>
+        </p:nvSpPr>
+        <p:spPr>
+          <a:xfrm>
+            <a:off x="1287963" y="3855938"/>
+            <a:ext cx="842727" cy="430822"/>
+          </a:xfrm>
+          <a:prstGeom prst="rightArrow">
+            <a:avLst/>
+          </a:prstGeom>
+        </p:spPr>
+        <p:style>
+          <a:lnRef idx="2">
+            <a:schemeClr val="accent1">
+              <a:shade val="50000"/>
+            </a:schemeClr>
+          </a:lnRef>
+          <a:fillRef idx="1">
+            <a:schemeClr val="accent1"/>
+          </a:fillRef>
+          <a:effectRef idx="0">
+            <a:schemeClr val="accent1"/>
+          </a:effectRef>
+          <a:fontRef idx="minor">
+            <a:schemeClr val="lt1"/>
+          </a:fontRef>
+        </p:style>
+        <p:txBody>
+          <a:bodyPr rtlCol="0" anchor="ctr"/>
+          <a:lstStyle/>
+          <a:p>
+            <a:pPr algn="ctr"/>
+            <a:endParaRPr lang="en-US" dirty="0">
+              <a:solidFill>
+                <a:schemeClr val="bg1"/>
+              </a:solidFill>
+            </a:endParaRPr>
+          </a:p>
+        </p:txBody>
+      </p:sp>
+      <p:sp>
+        <p:nvSpPr>
+          <p:cNvPr id="22" name="TextBox 21">
+            <a:extLst>
+              <a:ext uri="{FF2B5EF4-FFF2-40B4-BE49-F238E27FC236}">
+                <a16:creationId xmlns:a16="http://schemas.microsoft.com/office/drawing/2014/main" id="{3C65E5DB-EB01-488D-8401-80945BA1E217}"/>
+              </a:ext>
+            </a:extLst>
+          </p:cNvPr>
+          <p:cNvSpPr txBox="1"/>
+          <p:nvPr/>
+        </p:nvSpPr>
+        <p:spPr>
+          <a:xfrm>
+            <a:off x="263962" y="3763540"/>
+            <a:ext cx="1010400" cy="523220"/>
+          </a:xfrm>
+          <a:prstGeom prst="rect">
+            <a:avLst/>
+          </a:prstGeom>
+          <a:noFill/>
+        </p:spPr>
+        <p:txBody>
+          <a:bodyPr wrap="square" rtlCol="0">
+            <a:spAutoFit/>
+          </a:bodyPr>
+          <a:lstStyle/>
+          <a:p>
             <a:r>
               <a:rPr lang="en-US" sz="2800" dirty="0"/>
-              <a:t>Negative Features: Unlikely start terms</a:t>
-            </a:r>
-          </a:p>
-          <a:p>
-            <a:pPr lvl="2"/>
-            <a:r>
-              <a:rPr lang="en-US" sz="2400" dirty="0"/>
-              <a:t>He, she, it, they, that, those, some, since</a:t>
-            </a:r>
-          </a:p>
-          <a:p>
-            <a:pPr lvl="2"/>
-            <a:r>
-              <a:rPr lang="en-US" sz="2400" dirty="0"/>
-              <a:t>The</a:t>
-            </a:r>
+              <a:t>Old:</a:t>
+            </a:r>
+          </a:p>
+        </p:txBody>
+      </p:sp>
+      <p:sp>
+        <p:nvSpPr>
+          <p:cNvPr id="23" name="TextBox 22">
+            <a:extLst>
+              <a:ext uri="{FF2B5EF4-FFF2-40B4-BE49-F238E27FC236}">
+                <a16:creationId xmlns:a16="http://schemas.microsoft.com/office/drawing/2014/main" id="{A2F2430A-EB3B-4E74-BBC5-8777A4D35BAC}"/>
+              </a:ext>
+            </a:extLst>
+          </p:cNvPr>
+          <p:cNvSpPr txBox="1"/>
+          <p:nvPr/>
+        </p:nvSpPr>
+        <p:spPr>
+          <a:xfrm>
+            <a:off x="259055" y="5743596"/>
+            <a:ext cx="1010400" cy="523220"/>
+          </a:xfrm>
+          <a:prstGeom prst="rect">
+            <a:avLst/>
+          </a:prstGeom>
+          <a:noFill/>
+        </p:spPr>
+        <p:txBody>
+          <a:bodyPr wrap="square" rtlCol="0">
+            <a:spAutoFit/>
+          </a:bodyPr>
+          <a:lstStyle/>
+          <a:p>
+            <a:r>
+              <a:rPr lang="en-US" sz="2800" dirty="0"/>
+              <a:t>New:</a:t>
+            </a:r>
+          </a:p>
+        </p:txBody>
+      </p:sp>
+      <p:sp>
+        <p:nvSpPr>
+          <p:cNvPr id="24" name="Hexagon 23">
+            <a:extLst>
+              <a:ext uri="{FF2B5EF4-FFF2-40B4-BE49-F238E27FC236}">
+                <a16:creationId xmlns:a16="http://schemas.microsoft.com/office/drawing/2014/main" id="{8B21EB8B-EE80-482B-BA16-91BF06740E01}"/>
+              </a:ext>
+            </a:extLst>
+          </p:cNvPr>
+          <p:cNvSpPr/>
+          <p:nvPr/>
+        </p:nvSpPr>
+        <p:spPr>
+          <a:xfrm>
+            <a:off x="5790439" y="4656123"/>
+            <a:ext cx="1187415" cy="450619"/>
+          </a:xfrm>
+          <a:prstGeom prst="hexagon">
+            <a:avLst/>
+          </a:prstGeom>
+        </p:spPr>
+        <p:style>
+          <a:lnRef idx="1">
+            <a:schemeClr val="accent4"/>
+          </a:lnRef>
+          <a:fillRef idx="2">
+            <a:schemeClr val="accent4"/>
+          </a:fillRef>
+          <a:effectRef idx="1">
+            <a:schemeClr val="accent4"/>
+          </a:effectRef>
+          <a:fontRef idx="minor">
+            <a:schemeClr val="dk1"/>
+          </a:fontRef>
+        </p:style>
+        <p:txBody>
+          <a:bodyPr rtlCol="0" anchor="t"/>
+          <a:lstStyle/>
+          <a:p>
+            <a:pPr algn="ctr"/>
+            <a:r>
+              <a:rPr lang="en-US" dirty="0"/>
+              <a:t>Rejects</a:t>
+            </a:r>
+          </a:p>
+        </p:txBody>
+      </p:sp>
+      <p:sp>
+        <p:nvSpPr>
+          <p:cNvPr id="25" name="Arrow: Right 24">
+            <a:extLst>
+              <a:ext uri="{FF2B5EF4-FFF2-40B4-BE49-F238E27FC236}">
+                <a16:creationId xmlns:a16="http://schemas.microsoft.com/office/drawing/2014/main" id="{7E09CA92-11F2-4DB3-80A1-E0137CF29D70}"/>
+              </a:ext>
+            </a:extLst>
+          </p:cNvPr>
+          <p:cNvSpPr/>
+          <p:nvPr/>
+        </p:nvSpPr>
+        <p:spPr>
+          <a:xfrm rot="2096286">
+            <a:off x="5658531" y="4499162"/>
+            <a:ext cx="232845" cy="152400"/>
+          </a:xfrm>
+          <a:prstGeom prst="rightArrow">
+            <a:avLst/>
+          </a:prstGeom>
+        </p:spPr>
+        <p:style>
+          <a:lnRef idx="2">
+            <a:schemeClr val="accent1">
+              <a:shade val="50000"/>
+            </a:schemeClr>
+          </a:lnRef>
+          <a:fillRef idx="1">
+            <a:schemeClr val="accent1"/>
+          </a:fillRef>
+          <a:effectRef idx="0">
+            <a:schemeClr val="accent1"/>
+          </a:effectRef>
+          <a:fontRef idx="minor">
+            <a:schemeClr val="lt1"/>
+          </a:fontRef>
+        </p:style>
+        <p:txBody>
+          <a:bodyPr rtlCol="0" anchor="ctr"/>
+          <a:lstStyle/>
+          <a:p>
+            <a:pPr algn="ctr"/>
+            <a:endParaRPr lang="en-US" dirty="0">
+              <a:solidFill>
+                <a:schemeClr val="bg1"/>
+              </a:solidFill>
+            </a:endParaRPr>
           </a:p>
         </p:txBody>
       </p:sp>
     </p:spTree>
     <p:extLst>
       <p:ext uri="{BB962C8B-B14F-4D97-AF65-F5344CB8AC3E}">
-        <p14:creationId xmlns:p14="http://schemas.microsoft.com/office/powerpoint/2010/main" val="2334093558"/>
+        <p14:creationId xmlns:p14="http://schemas.microsoft.com/office/powerpoint/2010/main" val="1982611577"/>
       </p:ext>
     </p:extLst>
   </p:cSld>

--- a/doc/D4_presentation.pptx
+++ b/doc/D4_presentation.pptx
@@ -5951,7 +5951,7 @@
               <a:rPr lang="en-US" sz="2800" dirty="0">
                 <a:ea typeface="Cambria" panose="02040503050406030204" pitchFamily="18" charset="0"/>
               </a:rPr>
-              <a:t>Relevant Reading</a:t>
+              <a:t>Conclusion and Relevant Reading</a:t>
             </a:r>
           </a:p>
         </p:txBody>
@@ -6173,14 +6173,14 @@
             <a:pPr lvl="2"/>
             <a:r>
               <a:rPr lang="en-US" sz="2400" dirty="0"/>
-              <a:t>He, she, it, they, that, those, some, since</a:t>
+              <a:t>Highly unlikely: He, she, it, they, that, those, some, since</a:t>
             </a:r>
           </a:p>
           <a:p>
             <a:pPr lvl="2"/>
             <a:r>
               <a:rPr lang="en-US" sz="2400" dirty="0"/>
-              <a:t>The</a:t>
+              <a:t>Somewhat unlikely: The</a:t>
             </a:r>
           </a:p>
         </p:txBody>
@@ -6678,7 +6678,7 @@
               <a:rPr lang="en-US" sz="2800" dirty="0">
                 <a:ea typeface="Cambria" panose="02040503050406030204" pitchFamily="18" charset="0"/>
               </a:rPr>
-              <a:t>Relevant Reading</a:t>
+              <a:t>Conclusion and Relevant Reading</a:t>
             </a:r>
           </a:p>
         </p:txBody>
@@ -7569,7 +7569,7 @@
               <a:rPr lang="en-US" sz="2800" dirty="0">
                 <a:ea typeface="Cambria" panose="02040503050406030204" pitchFamily="18" charset="0"/>
               </a:rPr>
-              <a:t>Relevant Reading</a:t>
+              <a:t>Conclusion and Relevant Reading</a:t>
             </a:r>
           </a:p>
         </p:txBody>
@@ -7992,7 +7992,7 @@
               <a:rPr lang="en-US" sz="2800" dirty="0">
                 <a:ea typeface="Cambria" panose="02040503050406030204" pitchFamily="18" charset="0"/>
               </a:rPr>
-              <a:t>Relevant Reading</a:t>
+              <a:t>Conclusion and Relevant Reading</a:t>
             </a:r>
           </a:p>
         </p:txBody>
@@ -9362,7 +9362,7 @@
             </a:r>
             <a:r>
               <a:rPr lang="en-US" sz="2400" dirty="0"/>
-              <a:t> (2004)</a:t>
+              <a:t>, 2004</a:t>
             </a:r>
           </a:p>
           <a:p>
@@ -9373,7 +9373,7 @@
             </a:r>
             <a:r>
               <a:rPr lang="en-US" sz="2400" dirty="0"/>
-              <a:t> et al. (2008)</a:t>
+              <a:t> et al., 2008</a:t>
             </a:r>
           </a:p>
           <a:p>
@@ -9384,7 +9384,7 @@
             </a:r>
             <a:r>
               <a:rPr lang="en-US" sz="2400" dirty="0"/>
-              <a:t> et al. (2015)</a:t>
+              <a:t> et al., 2015</a:t>
             </a:r>
           </a:p>
           <a:p>
@@ -9632,7 +9632,7 @@
               <a:rPr lang="en-US" sz="2800" dirty="0">
                 <a:ea typeface="Cambria" panose="02040503050406030204" pitchFamily="18" charset="0"/>
               </a:rPr>
-              <a:t>Relevant Reading</a:t>
+              <a:t>Conclusion and Relevant Reading</a:t>
             </a:r>
           </a:p>
         </p:txBody>
@@ -10058,7 +10058,7 @@
               <a:rPr lang="en-US" sz="2800" dirty="0">
                 <a:ea typeface="Cambria" panose="02040503050406030204" pitchFamily="18" charset="0"/>
               </a:rPr>
-              <a:t>Relevant Reading</a:t>
+              <a:t>Conclusion and Relevant Reading</a:t>
             </a:r>
           </a:p>
         </p:txBody>
@@ -10493,7 +10493,7 @@
               <a:rPr lang="en-US" sz="2800" dirty="0">
                 <a:ea typeface="Cambria" panose="02040503050406030204" pitchFamily="18" charset="0"/>
               </a:rPr>
-              <a:t>Relevant Reading</a:t>
+              <a:t>Conclusion and Relevant Reading</a:t>
             </a:r>
           </a:p>
         </p:txBody>

--- a/doc/D4_presentation.pptx
+++ b/doc/D4_presentation.pptx
@@ -5733,7 +5733,7 @@
               <a:rPr lang="en-US" sz="2800" dirty="0">
                 <a:ea typeface="Cambria" panose="02040503050406030204" pitchFamily="18" charset="0"/>
               </a:rPr>
-              <a:t>More careful word-initial removal</a:t>
+              <a:t>More careful sentence-initial word removal</a:t>
             </a:r>
           </a:p>
           <a:p>
@@ -5751,7 +5751,7 @@
               <a:rPr lang="en-US" sz="2400" dirty="0">
                 <a:ea typeface="Cambria" panose="02040503050406030204" pitchFamily="18" charset="0"/>
               </a:rPr>
-              <a:t>New: List of exception words</a:t>
+              <a:t>New: List of exception words (now, soon, most)</a:t>
             </a:r>
           </a:p>
           <a:p>
@@ -11761,7 +11761,7 @@
           <a:p>
             <a:r>
               <a:rPr lang="en-US" dirty="0"/>
-              <a:t>Sentence Filtering</a:t>
+              <a:t>Sentence screener</a:t>
             </a:r>
           </a:p>
         </p:txBody>
